--- a/bishops/cs321/resources/CS321_Lecture_08B.pptx
+++ b/bishops/cs321/resources/CS321_Lecture_08B.pptx
@@ -5,7 +5,7 @@
     <p:sldMasterId id="2147483648" r:id="rId1"/>
   </p:sldMasterIdLst>
   <p:notesMasterIdLst>
-    <p:notesMasterId r:id="rId24"/>
+    <p:notesMasterId r:id="rId26"/>
   </p:notesMasterIdLst>
   <p:sldIdLst>
     <p:sldId id="256" r:id="rId2"/>
@@ -30,6 +30,8 @@
     <p:sldId id="277" r:id="rId21"/>
     <p:sldId id="278" r:id="rId22"/>
     <p:sldId id="279" r:id="rId23"/>
+    <p:sldId id="280" r:id="rId24"/>
+    <p:sldId id="281" r:id="rId25"/>
   </p:sldIdLst>
   <p:sldSz cx="12192000" cy="6858000"/>
   <p:notesSz cx="6858000" cy="9144000"/>
@@ -230,7 +232,7 @@
           <a:p>
             <a:fld id="{A6583E9D-07AB-4C6D-BFD0-47E805C6B3D4}" type="datetimeFigureOut">
               <a:rPr lang="en-CA" smtClean="0"/>
-              <a:t>2022-02-05</a:t>
+              <a:t>2022-02-08</a:t>
             </a:fld>
             <a:endParaRPr lang="en-CA"/>
           </a:p>
@@ -17983,6 +17985,445 @@
     <p:extLst>
       <p:ext uri="{BB962C8B-B14F-4D97-AF65-F5344CB8AC3E}">
         <p14:creationId xmlns:p14="http://schemas.microsoft.com/office/powerpoint/2010/main" val="3795133451"/>
+      </p:ext>
+    </p:extLst>
+  </p:cSld>
+  <p:clrMapOvr>
+    <a:masterClrMapping/>
+  </p:clrMapOvr>
+</p:sld>
+</file>
+
+<file path=ppt/slides/slide23.xml><?xml version="1.0" encoding="utf-8"?>
+<p:sld xmlns:a="http://schemas.openxmlformats.org/drawingml/2006/main" xmlns:r="http://schemas.openxmlformats.org/officeDocument/2006/relationships" xmlns:p="http://schemas.openxmlformats.org/presentationml/2006/main">
+  <p:cSld>
+    <p:spTree>
+      <p:nvGrpSpPr>
+        <p:cNvPr id="1" name=""/>
+        <p:cNvGrpSpPr/>
+        <p:nvPr/>
+      </p:nvGrpSpPr>
+      <p:grpSpPr>
+        <a:xfrm>
+          <a:off x="0" y="0"/>
+          <a:ext cx="0" cy="0"/>
+          <a:chOff x="0" y="0"/>
+          <a:chExt cx="0" cy="0"/>
+        </a:xfrm>
+      </p:grpSpPr>
+      <p:sp>
+        <p:nvSpPr>
+          <p:cNvPr id="2" name="Title 1">
+            <a:extLst>
+              <a:ext uri="{FF2B5EF4-FFF2-40B4-BE49-F238E27FC236}">
+                <a16:creationId xmlns:a16="http://schemas.microsoft.com/office/drawing/2014/main" id="{B08887DC-A630-4B20-8A23-2C6A5715CA0E}"/>
+              </a:ext>
+            </a:extLst>
+          </p:cNvPr>
+          <p:cNvSpPr>
+            <a:spLocks noGrp="1"/>
+          </p:cNvSpPr>
+          <p:nvPr>
+            <p:ph type="title"/>
+          </p:nvPr>
+        </p:nvSpPr>
+        <p:spPr/>
+        <p:txBody>
+          <a:bodyPr/>
+          <a:lstStyle/>
+          <a:p>
+            <a:r>
+              <a:rPr lang="en-CA" dirty="0"/>
+              <a:t>Tips</a:t>
+            </a:r>
+          </a:p>
+        </p:txBody>
+      </p:sp>
+      <p:sp>
+        <p:nvSpPr>
+          <p:cNvPr id="3" name="Content Placeholder 2">
+            <a:extLst>
+              <a:ext uri="{FF2B5EF4-FFF2-40B4-BE49-F238E27FC236}">
+                <a16:creationId xmlns:a16="http://schemas.microsoft.com/office/drawing/2014/main" id="{DAE30B42-7978-4613-AB8C-CE4888EFAF5A}"/>
+              </a:ext>
+            </a:extLst>
+          </p:cNvPr>
+          <p:cNvSpPr>
+            <a:spLocks noGrp="1"/>
+          </p:cNvSpPr>
+          <p:nvPr>
+            <p:ph idx="1"/>
+          </p:nvPr>
+        </p:nvSpPr>
+        <p:spPr>
+          <a:xfrm>
+            <a:off x="640874" y="1168400"/>
+            <a:ext cx="10515600" cy="5311057"/>
+          </a:xfrm>
+        </p:spPr>
+        <p:txBody>
+          <a:bodyPr>
+            <a:normAutofit lnSpcReduction="10000"/>
+          </a:bodyPr>
+          <a:lstStyle/>
+          <a:p>
+            <a:r>
+              <a:rPr lang="en-CA" dirty="0"/>
+              <a:t>General procedure for making changes to repos that aren’t your own:</a:t>
+            </a:r>
+          </a:p>
+          <a:p>
+            <a:pPr lvl="1"/>
+            <a:r>
+              <a:rPr lang="en-CA" dirty="0"/>
+              <a:t>Fork -&gt; Clone -&gt; Branch -&gt; Make Changes -&gt; Push Branch to your origin -&gt; Make PR</a:t>
+            </a:r>
+          </a:p>
+          <a:p>
+            <a:r>
+              <a:rPr lang="en-CA" dirty="0"/>
+              <a:t>When you work on your own in a single repo, it’s ok to commit directly to the default-branch/trunk. </a:t>
+            </a:r>
+            <a:r>
+              <a:rPr lang="en-CA" b="1" dirty="0"/>
+              <a:t>DO NOT DO THIS if you aren’t in your own repo. Follow the method above.</a:t>
+            </a:r>
+          </a:p>
+          <a:p>
+            <a:r>
+              <a:rPr lang="en-CA" dirty="0"/>
+              <a:t>Make small commits. Keep them limited to a single thing (multiple changes should be multiple commits).</a:t>
+            </a:r>
+          </a:p>
+          <a:p>
+            <a:pPr lvl="1"/>
+            <a:r>
+              <a:rPr lang="en-CA" dirty="0"/>
+              <a:t>E.g.:</a:t>
+            </a:r>
+          </a:p>
+          <a:p>
+            <a:pPr lvl="2"/>
+            <a:r>
+              <a:rPr lang="en-CA" dirty="0"/>
+              <a:t>Commit for testing.</a:t>
+            </a:r>
+          </a:p>
+          <a:p>
+            <a:pPr lvl="2"/>
+            <a:r>
+              <a:rPr lang="en-CA" dirty="0"/>
+              <a:t>Commit for code changes.</a:t>
+            </a:r>
+          </a:p>
+          <a:p>
+            <a:r>
+              <a:rPr lang="en-CA" dirty="0"/>
+              <a:t>Use the imperative tense in your commits:</a:t>
+            </a:r>
+          </a:p>
+          <a:p>
+            <a:pPr lvl="1"/>
+            <a:r>
+              <a:rPr lang="en-CA" dirty="0"/>
+              <a:t>“Add code for binary search.”</a:t>
+            </a:r>
+          </a:p>
+          <a:p>
+            <a:pPr lvl="1"/>
+            <a:r>
+              <a:rPr lang="en-CA" dirty="0"/>
+              <a:t>“Have the binary search method return an index.”</a:t>
+            </a:r>
+          </a:p>
+        </p:txBody>
+      </p:sp>
+      <p:sp>
+        <p:nvSpPr>
+          <p:cNvPr id="4" name="Date Placeholder 3">
+            <a:extLst>
+              <a:ext uri="{FF2B5EF4-FFF2-40B4-BE49-F238E27FC236}">
+                <a16:creationId xmlns:a16="http://schemas.microsoft.com/office/drawing/2014/main" id="{24A9FD4E-545C-4F45-B6EA-7F626A367A9A}"/>
+              </a:ext>
+            </a:extLst>
+          </p:cNvPr>
+          <p:cNvSpPr>
+            <a:spLocks noGrp="1"/>
+          </p:cNvSpPr>
+          <p:nvPr>
+            <p:ph type="dt" sz="half" idx="2"/>
+          </p:nvPr>
+        </p:nvSpPr>
+        <p:spPr/>
+        <p:txBody>
+          <a:bodyPr/>
+          <a:lstStyle/>
+          <a:p>
+            <a:r>
+              <a:rPr lang="en-US"/>
+              <a:t>Fall 2016</a:t>
+            </a:r>
+            <a:endParaRPr lang="en-CA"/>
+          </a:p>
+        </p:txBody>
+      </p:sp>
+      <p:sp>
+        <p:nvSpPr>
+          <p:cNvPr id="5" name="Footer Placeholder 4">
+            <a:extLst>
+              <a:ext uri="{FF2B5EF4-FFF2-40B4-BE49-F238E27FC236}">
+                <a16:creationId xmlns:a16="http://schemas.microsoft.com/office/drawing/2014/main" id="{0FEDDAE0-4382-48FA-8042-220FFB70EC67}"/>
+              </a:ext>
+            </a:extLst>
+          </p:cNvPr>
+          <p:cNvSpPr>
+            <a:spLocks noGrp="1"/>
+          </p:cNvSpPr>
+          <p:nvPr>
+            <p:ph type="ftr" sz="quarter" idx="3"/>
+          </p:nvPr>
+        </p:nvSpPr>
+        <p:spPr/>
+        <p:txBody>
+          <a:bodyPr/>
+          <a:lstStyle/>
+          <a:p>
+            <a:r>
+              <a:rPr lang="en-CA"/>
+              <a:t>CS 499: Honors Dissertation</a:t>
+            </a:r>
+            <a:endParaRPr lang="en-CA" dirty="0"/>
+          </a:p>
+        </p:txBody>
+      </p:sp>
+      <p:sp>
+        <p:nvSpPr>
+          <p:cNvPr id="6" name="Slide Number Placeholder 5">
+            <a:extLst>
+              <a:ext uri="{FF2B5EF4-FFF2-40B4-BE49-F238E27FC236}">
+                <a16:creationId xmlns:a16="http://schemas.microsoft.com/office/drawing/2014/main" id="{8C653258-D13D-4A11-9C22-320BD1646A47}"/>
+              </a:ext>
+            </a:extLst>
+          </p:cNvPr>
+          <p:cNvSpPr>
+            <a:spLocks noGrp="1"/>
+          </p:cNvSpPr>
+          <p:nvPr>
+            <p:ph type="sldNum" sz="quarter" idx="4"/>
+          </p:nvPr>
+        </p:nvSpPr>
+        <p:spPr/>
+        <p:txBody>
+          <a:bodyPr/>
+          <a:lstStyle/>
+          <a:p>
+            <a:fld id="{5174927E-2439-42C0-9720-7BBCA09BF46F}" type="slidenum">
+              <a:rPr lang="en-CA" smtClean="0"/>
+              <a:pPr/>
+              <a:t>23</a:t>
+            </a:fld>
+            <a:r>
+              <a:rPr lang="en-CA"/>
+              <a:t> / 32</a:t>
+            </a:r>
+            <a:endParaRPr lang="en-CA" dirty="0"/>
+          </a:p>
+        </p:txBody>
+      </p:sp>
+    </p:spTree>
+    <p:extLst>
+      <p:ext uri="{BB962C8B-B14F-4D97-AF65-F5344CB8AC3E}">
+        <p14:creationId xmlns:p14="http://schemas.microsoft.com/office/powerpoint/2010/main" val="3729054654"/>
+      </p:ext>
+    </p:extLst>
+  </p:cSld>
+  <p:clrMapOvr>
+    <a:masterClrMapping/>
+  </p:clrMapOvr>
+</p:sld>
+</file>
+
+<file path=ppt/slides/slide24.xml><?xml version="1.0" encoding="utf-8"?>
+<p:sld xmlns:a="http://schemas.openxmlformats.org/drawingml/2006/main" xmlns:r="http://schemas.openxmlformats.org/officeDocument/2006/relationships" xmlns:p="http://schemas.openxmlformats.org/presentationml/2006/main">
+  <p:cSld>
+    <p:spTree>
+      <p:nvGrpSpPr>
+        <p:cNvPr id="1" name=""/>
+        <p:cNvGrpSpPr/>
+        <p:nvPr/>
+      </p:nvGrpSpPr>
+      <p:grpSpPr>
+        <a:xfrm>
+          <a:off x="0" y="0"/>
+          <a:ext cx="0" cy="0"/>
+          <a:chOff x="0" y="0"/>
+          <a:chExt cx="0" cy="0"/>
+        </a:xfrm>
+      </p:grpSpPr>
+      <p:sp>
+        <p:nvSpPr>
+          <p:cNvPr id="2" name="Title 1">
+            <a:extLst>
+              <a:ext uri="{FF2B5EF4-FFF2-40B4-BE49-F238E27FC236}">
+                <a16:creationId xmlns:a16="http://schemas.microsoft.com/office/drawing/2014/main" id="{B08887DC-A630-4B20-8A23-2C6A5715CA0E}"/>
+              </a:ext>
+            </a:extLst>
+          </p:cNvPr>
+          <p:cNvSpPr>
+            <a:spLocks noGrp="1"/>
+          </p:cNvSpPr>
+          <p:nvPr>
+            <p:ph type="title"/>
+          </p:nvPr>
+        </p:nvSpPr>
+        <p:spPr/>
+        <p:txBody>
+          <a:bodyPr/>
+          <a:lstStyle/>
+          <a:p>
+            <a:r>
+              <a:rPr lang="en-CA" dirty="0"/>
+              <a:t>Tips</a:t>
+            </a:r>
+          </a:p>
+        </p:txBody>
+      </p:sp>
+      <p:sp>
+        <p:nvSpPr>
+          <p:cNvPr id="3" name="Content Placeholder 2">
+            <a:extLst>
+              <a:ext uri="{FF2B5EF4-FFF2-40B4-BE49-F238E27FC236}">
+                <a16:creationId xmlns:a16="http://schemas.microsoft.com/office/drawing/2014/main" id="{DAE30B42-7978-4613-AB8C-CE4888EFAF5A}"/>
+              </a:ext>
+            </a:extLst>
+          </p:cNvPr>
+          <p:cNvSpPr>
+            <a:spLocks noGrp="1"/>
+          </p:cNvSpPr>
+          <p:nvPr>
+            <p:ph idx="1"/>
+          </p:nvPr>
+        </p:nvSpPr>
+        <p:spPr>
+          <a:xfrm>
+            <a:off x="640874" y="1168400"/>
+            <a:ext cx="10515600" cy="5311057"/>
+          </a:xfrm>
+        </p:spPr>
+        <p:txBody>
+          <a:bodyPr>
+            <a:normAutofit/>
+          </a:bodyPr>
+          <a:lstStyle/>
+          <a:p>
+            <a:r>
+              <a:rPr lang="en-CA" dirty="0"/>
+              <a:t>In general, you’ll be able to get away with using git </a:t>
+            </a:r>
+            <a:r>
+              <a:rPr lang="en-CA"/>
+              <a:t>rebase.</a:t>
+            </a:r>
+            <a:endParaRPr lang="en-CA" dirty="0"/>
+          </a:p>
+        </p:txBody>
+      </p:sp>
+      <p:sp>
+        <p:nvSpPr>
+          <p:cNvPr id="4" name="Date Placeholder 3">
+            <a:extLst>
+              <a:ext uri="{FF2B5EF4-FFF2-40B4-BE49-F238E27FC236}">
+                <a16:creationId xmlns:a16="http://schemas.microsoft.com/office/drawing/2014/main" id="{24A9FD4E-545C-4F45-B6EA-7F626A367A9A}"/>
+              </a:ext>
+            </a:extLst>
+          </p:cNvPr>
+          <p:cNvSpPr>
+            <a:spLocks noGrp="1"/>
+          </p:cNvSpPr>
+          <p:nvPr>
+            <p:ph type="dt" sz="half" idx="2"/>
+          </p:nvPr>
+        </p:nvSpPr>
+        <p:spPr/>
+        <p:txBody>
+          <a:bodyPr/>
+          <a:lstStyle/>
+          <a:p>
+            <a:r>
+              <a:rPr lang="en-US"/>
+              <a:t>Fall 2016</a:t>
+            </a:r>
+            <a:endParaRPr lang="en-CA"/>
+          </a:p>
+        </p:txBody>
+      </p:sp>
+      <p:sp>
+        <p:nvSpPr>
+          <p:cNvPr id="5" name="Footer Placeholder 4">
+            <a:extLst>
+              <a:ext uri="{FF2B5EF4-FFF2-40B4-BE49-F238E27FC236}">
+                <a16:creationId xmlns:a16="http://schemas.microsoft.com/office/drawing/2014/main" id="{0FEDDAE0-4382-48FA-8042-220FFB70EC67}"/>
+              </a:ext>
+            </a:extLst>
+          </p:cNvPr>
+          <p:cNvSpPr>
+            <a:spLocks noGrp="1"/>
+          </p:cNvSpPr>
+          <p:nvPr>
+            <p:ph type="ftr" sz="quarter" idx="3"/>
+          </p:nvPr>
+        </p:nvSpPr>
+        <p:spPr/>
+        <p:txBody>
+          <a:bodyPr/>
+          <a:lstStyle/>
+          <a:p>
+            <a:r>
+              <a:rPr lang="en-CA"/>
+              <a:t>CS 499: Honors Dissertation</a:t>
+            </a:r>
+            <a:endParaRPr lang="en-CA" dirty="0"/>
+          </a:p>
+        </p:txBody>
+      </p:sp>
+      <p:sp>
+        <p:nvSpPr>
+          <p:cNvPr id="6" name="Slide Number Placeholder 5">
+            <a:extLst>
+              <a:ext uri="{FF2B5EF4-FFF2-40B4-BE49-F238E27FC236}">
+                <a16:creationId xmlns:a16="http://schemas.microsoft.com/office/drawing/2014/main" id="{8C653258-D13D-4A11-9C22-320BD1646A47}"/>
+              </a:ext>
+            </a:extLst>
+          </p:cNvPr>
+          <p:cNvSpPr>
+            <a:spLocks noGrp="1"/>
+          </p:cNvSpPr>
+          <p:nvPr>
+            <p:ph type="sldNum" sz="quarter" idx="4"/>
+          </p:nvPr>
+        </p:nvSpPr>
+        <p:spPr/>
+        <p:txBody>
+          <a:bodyPr/>
+          <a:lstStyle/>
+          <a:p>
+            <a:fld id="{5174927E-2439-42C0-9720-7BBCA09BF46F}" type="slidenum">
+              <a:rPr lang="en-CA" smtClean="0"/>
+              <a:pPr/>
+              <a:t>24</a:t>
+            </a:fld>
+            <a:r>
+              <a:rPr lang="en-CA"/>
+              <a:t> / 32</a:t>
+            </a:r>
+            <a:endParaRPr lang="en-CA" dirty="0"/>
+          </a:p>
+        </p:txBody>
+      </p:sp>
+    </p:spTree>
+    <p:extLst>
+      <p:ext uri="{BB962C8B-B14F-4D97-AF65-F5344CB8AC3E}">
+        <p14:creationId xmlns:p14="http://schemas.microsoft.com/office/powerpoint/2010/main" val="259456648"/>
       </p:ext>
     </p:extLst>
   </p:cSld>

--- a/bishops/cs321/resources/CS321_Lecture_08B.pptx
+++ b/bishops/cs321/resources/CS321_Lecture_08B.pptx
@@ -132,7 +132,7 @@
   </p:defaultTextStyle>
   <p:extLst>
     <p:ext uri="{EFAFB233-063F-42B5-8137-9DF3F51BA10A}">
-      <p15:sldGuideLst xmlns:p15="http://schemas.microsoft.com/office/powerpoint/2012/main"/>
+      <p15:sldGuideLst xmlns:p15="http://schemas.microsoft.com/office/powerpoint/2012/main" xmlns=""/>
     </p:ext>
   </p:extLst>
 </p:presentation>
@@ -143,7 +143,7 @@
   <p:cmAuthor id="1" name="Gregory" initials="G" lastIdx="1" clrIdx="0">
     <p:extLst>
       <p:ext uri="{19B8F6BF-5375-455C-9EA6-DF929625EA0E}">
-        <p15:presenceInfo xmlns:p15="http://schemas.microsoft.com/office/powerpoint/2012/main" userId="Gregory" providerId="None"/>
+        <p15:presenceInfo xmlns:p15="http://schemas.microsoft.com/office/powerpoint/2012/main" xmlns="" userId="Gregory" providerId="None"/>
       </p:ext>
     </p:extLst>
   </p:cmAuthor>
@@ -232,7 +232,8 @@
           <a:p>
             <a:fld id="{A6583E9D-07AB-4C6D-BFD0-47E805C6B3D4}" type="datetimeFigureOut">
               <a:rPr lang="en-CA" smtClean="0"/>
-              <a:t>2022-02-08</a:t>
+              <a:pPr/>
+              <a:t>2024-02-14</a:t>
             </a:fld>
             <a:endParaRPr lang="en-CA"/>
           </a:p>
@@ -391,6 +392,7 @@
           <a:p>
             <a:fld id="{8F20841C-25C9-4C0C-A7FA-C4A363D14F5A}" type="slidenum">
               <a:rPr lang="en-CA" smtClean="0"/>
+              <a:pPr/>
               <a:t>‹#›</a:t>
             </a:fld>
             <a:endParaRPr lang="en-CA"/>
@@ -400,7 +402,7 @@
     </p:spTree>
     <p:extLst>
       <p:ext uri="{BB962C8B-B14F-4D97-AF65-F5344CB8AC3E}">
-        <p14:creationId xmlns:p14="http://schemas.microsoft.com/office/powerpoint/2010/main" val="4237529172"/>
+        <p14:creationId xmlns:p14="http://schemas.microsoft.com/office/powerpoint/2010/main" xmlns="" val="4237529172"/>
       </p:ext>
     </p:extLst>
   </p:cSld>
@@ -573,6 +575,7 @@
           <a:p>
             <a:fld id="{8F20841C-25C9-4C0C-A7FA-C4A363D14F5A}" type="slidenum">
               <a:rPr lang="en-CA" smtClean="0"/>
+              <a:pPr/>
               <a:t>1</a:t>
             </a:fld>
             <a:endParaRPr lang="en-CA"/>
@@ -582,7 +585,7 @@
     </p:spTree>
     <p:extLst>
       <p:ext uri="{BB962C8B-B14F-4D97-AF65-F5344CB8AC3E}">
-        <p14:creationId xmlns:p14="http://schemas.microsoft.com/office/powerpoint/2010/main" val="2340334442"/>
+        <p14:creationId xmlns:p14="http://schemas.microsoft.com/office/powerpoint/2010/main" xmlns="" val="2340334442"/>
       </p:ext>
     </p:extLst>
   </p:cSld>
@@ -657,6 +660,7 @@
           <a:p>
             <a:fld id="{8F20841C-25C9-4C0C-A7FA-C4A363D14F5A}" type="slidenum">
               <a:rPr lang="en-CA" smtClean="0"/>
+              <a:pPr/>
               <a:t>7</a:t>
             </a:fld>
             <a:endParaRPr lang="en-CA"/>
@@ -666,7 +670,7 @@
     </p:spTree>
     <p:extLst>
       <p:ext uri="{BB962C8B-B14F-4D97-AF65-F5344CB8AC3E}">
-        <p14:creationId xmlns:p14="http://schemas.microsoft.com/office/powerpoint/2010/main" val="1903425322"/>
+        <p14:creationId xmlns:p14="http://schemas.microsoft.com/office/powerpoint/2010/main" xmlns="" val="1903425322"/>
       </p:ext>
     </p:extLst>
   </p:cSld>
@@ -741,6 +745,7 @@
           <a:p>
             <a:fld id="{8F20841C-25C9-4C0C-A7FA-C4A363D14F5A}" type="slidenum">
               <a:rPr lang="en-CA" smtClean="0"/>
+              <a:pPr/>
               <a:t>10</a:t>
             </a:fld>
             <a:endParaRPr lang="en-CA"/>
@@ -750,7 +755,7 @@
     </p:spTree>
     <p:extLst>
       <p:ext uri="{BB962C8B-B14F-4D97-AF65-F5344CB8AC3E}">
-        <p14:creationId xmlns:p14="http://schemas.microsoft.com/office/powerpoint/2010/main" val="3246952072"/>
+        <p14:creationId xmlns:p14="http://schemas.microsoft.com/office/powerpoint/2010/main" xmlns="" val="3246952072"/>
       </p:ext>
     </p:extLst>
   </p:cSld>
@@ -944,6 +949,7 @@
           <a:p>
             <a:fld id="{5174927E-2439-42C0-9720-7BBCA09BF46F}" type="slidenum">
               <a:rPr lang="en-CA" smtClean="0"/>
+              <a:pPr/>
               <a:t>‹#›</a:t>
             </a:fld>
             <a:endParaRPr lang="en-CA"/>
@@ -953,7 +959,7 @@
     </p:spTree>
     <p:extLst>
       <p:ext uri="{BB962C8B-B14F-4D97-AF65-F5344CB8AC3E}">
-        <p14:creationId xmlns:p14="http://schemas.microsoft.com/office/powerpoint/2010/main" val="1900560834"/>
+        <p14:creationId xmlns:p14="http://schemas.microsoft.com/office/powerpoint/2010/main" xmlns="" val="1900560834"/>
       </p:ext>
     </p:extLst>
   </p:cSld>
@@ -1117,6 +1123,7 @@
           <a:p>
             <a:fld id="{5174927E-2439-42C0-9720-7BBCA09BF46F}" type="slidenum">
               <a:rPr lang="en-CA" smtClean="0"/>
+              <a:pPr/>
               <a:t>‹#›</a:t>
             </a:fld>
             <a:endParaRPr lang="en-CA"/>
@@ -1126,7 +1133,7 @@
     </p:spTree>
     <p:extLst>
       <p:ext uri="{BB962C8B-B14F-4D97-AF65-F5344CB8AC3E}">
-        <p14:creationId xmlns:p14="http://schemas.microsoft.com/office/powerpoint/2010/main" val="3722958745"/>
+        <p14:creationId xmlns:p14="http://schemas.microsoft.com/office/powerpoint/2010/main" xmlns="" val="3722958745"/>
       </p:ext>
     </p:extLst>
   </p:cSld>
@@ -1362,7 +1369,7 @@
     </p:spTree>
     <p:extLst>
       <p:ext uri="{BB962C8B-B14F-4D97-AF65-F5344CB8AC3E}">
-        <p14:creationId xmlns:p14="http://schemas.microsoft.com/office/powerpoint/2010/main" val="1822376042"/>
+        <p14:creationId xmlns:p14="http://schemas.microsoft.com/office/powerpoint/2010/main" xmlns="" val="1822376042"/>
       </p:ext>
     </p:extLst>
   </p:cSld>
@@ -1602,6 +1609,7 @@
           <a:p>
             <a:fld id="{5174927E-2439-42C0-9720-7BBCA09BF46F}" type="slidenum">
               <a:rPr lang="en-CA" smtClean="0"/>
+              <a:pPr/>
               <a:t>‹#›</a:t>
             </a:fld>
             <a:endParaRPr lang="en-CA"/>
@@ -1611,7 +1619,7 @@
     </p:spTree>
     <p:extLst>
       <p:ext uri="{BB962C8B-B14F-4D97-AF65-F5344CB8AC3E}">
-        <p14:creationId xmlns:p14="http://schemas.microsoft.com/office/powerpoint/2010/main" val="3411672561"/>
+        <p14:creationId xmlns:p14="http://schemas.microsoft.com/office/powerpoint/2010/main" xmlns="" val="3411672561"/>
       </p:ext>
     </p:extLst>
   </p:cSld>
@@ -1837,6 +1845,7 @@
           <a:p>
             <a:fld id="{5174927E-2439-42C0-9720-7BBCA09BF46F}" type="slidenum">
               <a:rPr lang="en-CA" smtClean="0"/>
+              <a:pPr/>
               <a:t>‹#›</a:t>
             </a:fld>
             <a:endParaRPr lang="en-CA"/>
@@ -1846,7 +1855,7 @@
     </p:spTree>
     <p:extLst>
       <p:ext uri="{BB962C8B-B14F-4D97-AF65-F5344CB8AC3E}">
-        <p14:creationId xmlns:p14="http://schemas.microsoft.com/office/powerpoint/2010/main" val="1093008526"/>
+        <p14:creationId xmlns:p14="http://schemas.microsoft.com/office/powerpoint/2010/main" xmlns="" val="1093008526"/>
       </p:ext>
     </p:extLst>
   </p:cSld>
@@ -2207,6 +2216,7 @@
           <a:p>
             <a:fld id="{5174927E-2439-42C0-9720-7BBCA09BF46F}" type="slidenum">
               <a:rPr lang="en-CA" smtClean="0"/>
+              <a:pPr/>
               <a:t>‹#›</a:t>
             </a:fld>
             <a:endParaRPr lang="en-CA"/>
@@ -2216,7 +2226,7 @@
     </p:spTree>
     <p:extLst>
       <p:ext uri="{BB962C8B-B14F-4D97-AF65-F5344CB8AC3E}">
-        <p14:creationId xmlns:p14="http://schemas.microsoft.com/office/powerpoint/2010/main" val="1087924878"/>
+        <p14:creationId xmlns:p14="http://schemas.microsoft.com/office/powerpoint/2010/main" xmlns="" val="1087924878"/>
       </p:ext>
     </p:extLst>
   </p:cSld>
@@ -2328,6 +2338,7 @@
           <a:p>
             <a:fld id="{5174927E-2439-42C0-9720-7BBCA09BF46F}" type="slidenum">
               <a:rPr lang="en-CA" smtClean="0"/>
+              <a:pPr/>
               <a:t>‹#›</a:t>
             </a:fld>
             <a:endParaRPr lang="en-CA"/>
@@ -2337,7 +2348,7 @@
     </p:spTree>
     <p:extLst>
       <p:ext uri="{BB962C8B-B14F-4D97-AF65-F5344CB8AC3E}">
-        <p14:creationId xmlns:p14="http://schemas.microsoft.com/office/powerpoint/2010/main" val="3802387408"/>
+        <p14:creationId xmlns:p14="http://schemas.microsoft.com/office/powerpoint/2010/main" xmlns="" val="3802387408"/>
       </p:ext>
     </p:extLst>
   </p:cSld>
@@ -2426,6 +2437,7 @@
           <a:p>
             <a:fld id="{5174927E-2439-42C0-9720-7BBCA09BF46F}" type="slidenum">
               <a:rPr lang="en-CA" smtClean="0"/>
+              <a:pPr/>
               <a:t>‹#›</a:t>
             </a:fld>
             <a:endParaRPr lang="en-CA"/>
@@ -2435,7 +2447,7 @@
     </p:spTree>
     <p:extLst>
       <p:ext uri="{BB962C8B-B14F-4D97-AF65-F5344CB8AC3E}">
-        <p14:creationId xmlns:p14="http://schemas.microsoft.com/office/powerpoint/2010/main" val="4234091411"/>
+        <p14:creationId xmlns:p14="http://schemas.microsoft.com/office/powerpoint/2010/main" xmlns="" val="4234091411"/>
       </p:ext>
     </p:extLst>
   </p:cSld>
@@ -2706,6 +2718,7 @@
           <a:p>
             <a:fld id="{5174927E-2439-42C0-9720-7BBCA09BF46F}" type="slidenum">
               <a:rPr lang="en-CA" smtClean="0"/>
+              <a:pPr/>
               <a:t>‹#›</a:t>
             </a:fld>
             <a:endParaRPr lang="en-CA"/>
@@ -2715,7 +2728,7 @@
     </p:spTree>
     <p:extLst>
       <p:ext uri="{BB962C8B-B14F-4D97-AF65-F5344CB8AC3E}">
-        <p14:creationId xmlns:p14="http://schemas.microsoft.com/office/powerpoint/2010/main" val="4189422420"/>
+        <p14:creationId xmlns:p14="http://schemas.microsoft.com/office/powerpoint/2010/main" xmlns="" val="4189422420"/>
       </p:ext>
     </p:extLst>
   </p:cSld>
@@ -2962,6 +2975,7 @@
           <a:p>
             <a:fld id="{5174927E-2439-42C0-9720-7BBCA09BF46F}" type="slidenum">
               <a:rPr lang="en-CA" smtClean="0"/>
+              <a:pPr/>
               <a:t>‹#›</a:t>
             </a:fld>
             <a:endParaRPr lang="en-CA"/>
@@ -2971,7 +2985,7 @@
     </p:spTree>
     <p:extLst>
       <p:ext uri="{BB962C8B-B14F-4D97-AF65-F5344CB8AC3E}">
-        <p14:creationId xmlns:p14="http://schemas.microsoft.com/office/powerpoint/2010/main" val="3252977898"/>
+        <p14:creationId xmlns:p14="http://schemas.microsoft.com/office/powerpoint/2010/main" xmlns="" val="3252977898"/>
       </p:ext>
     </p:extLst>
   </p:cSld>
@@ -3237,10 +3251,10 @@
           <p:nvPr userDrawn="1"/>
         </p:nvPicPr>
         <p:blipFill>
-          <a:blip r:embed="rId13">
+          <a:blip r:embed="rId13" cstate="print">
             <a:extLst>
               <a:ext uri="{28A0092B-C50C-407E-A947-70E740481C1C}">
-                <a14:useLocalDpi xmlns:a14="http://schemas.microsoft.com/office/drawing/2010/main" val="0"/>
+                <a14:useLocalDpi xmlns:a14="http://schemas.microsoft.com/office/drawing/2010/main" xmlns="" val="0"/>
               </a:ext>
             </a:extLst>
           </a:blip>
@@ -3261,7 +3275,7 @@
     </p:spTree>
     <p:extLst>
       <p:ext uri="{BB962C8B-B14F-4D97-AF65-F5344CB8AC3E}">
-        <p14:creationId xmlns:p14="http://schemas.microsoft.com/office/powerpoint/2010/main" val="4230061028"/>
+        <p14:creationId xmlns:p14="http://schemas.microsoft.com/office/powerpoint/2010/main" xmlns="" val="4230061028"/>
       </p:ext>
     </p:extLst>
   </p:cSld>
@@ -3710,7 +3724,19 @@
           <a:p>
             <a:r>
               <a:rPr lang="en-CA" dirty="0"/>
-              <a:t>Date: January 31, 2022</a:t>
+              <a:t>Date: </a:t>
+            </a:r>
+            <a:r>
+              <a:rPr lang="en-CA" dirty="0" smtClean="0"/>
+              <a:t>February 14</a:t>
+            </a:r>
+            <a:r>
+              <a:rPr lang="en-CA" dirty="0" smtClean="0"/>
+              <a:t>, </a:t>
+            </a:r>
+            <a:r>
+              <a:rPr lang="en-CA" dirty="0"/>
+              <a:t>2022</a:t>
             </a:r>
           </a:p>
           <a:p>
@@ -3723,7 +3749,7 @@
           <p:cNvPr id="13" name="Picture 8" descr="http://osiris.ubishops.ca/~alussier/images/transparentlogo_bu.png">
             <a:extLst>
               <a:ext uri="{FF2B5EF4-FFF2-40B4-BE49-F238E27FC236}">
-                <a16:creationId xmlns:a16="http://schemas.microsoft.com/office/drawing/2014/main" id="{CCB9A035-2F1C-4B96-A5DB-70B72D6E4AD8}"/>
+                <a16:creationId xmlns:a16="http://schemas.microsoft.com/office/drawing/2014/main" xmlns="" id="{CCB9A035-2F1C-4B96-A5DB-70B72D6E4AD8}"/>
               </a:ext>
             </a:extLst>
           </p:cNvPr>
@@ -3733,10 +3759,10 @@
           <p:nvPr/>
         </p:nvPicPr>
         <p:blipFill>
-          <a:blip r:embed="rId3">
+          <a:blip r:embed="rId3" cstate="print">
             <a:extLst>
               <a:ext uri="{28A0092B-C50C-407E-A947-70E740481C1C}">
-                <a14:useLocalDpi xmlns:a14="http://schemas.microsoft.com/office/drawing/2010/main" val="0"/>
+                <a14:useLocalDpi xmlns:a14="http://schemas.microsoft.com/office/drawing/2010/main" xmlns="" val="0"/>
               </a:ext>
             </a:extLst>
           </a:blip>
@@ -3756,7 +3782,7 @@
           <a:noFill/>
           <a:extLst>
             <a:ext uri="{909E8E84-426E-40DD-AFC4-6F175D3DCCD1}">
-              <a14:hiddenFill xmlns:a14="http://schemas.microsoft.com/office/drawing/2010/main">
+              <a14:hiddenFill xmlns:a14="http://schemas.microsoft.com/office/drawing/2010/main" xmlns="">
                 <a:solidFill>
                   <a:srgbClr val="FFFFFF"/>
                 </a:solidFill>
@@ -3768,7 +3794,7 @@
     </p:spTree>
     <p:extLst>
       <p:ext uri="{BB962C8B-B14F-4D97-AF65-F5344CB8AC3E}">
-        <p14:creationId xmlns:p14="http://schemas.microsoft.com/office/powerpoint/2010/main" val="4177077622"/>
+        <p14:creationId xmlns:p14="http://schemas.microsoft.com/office/powerpoint/2010/main" xmlns="" val="4177077622"/>
       </p:ext>
     </p:extLst>
   </p:cSld>
@@ -3855,28 +3881,6 @@
       </p:sp>
       <p:sp>
         <p:nvSpPr>
-          <p:cNvPr id="6" name="Date Placeholder 5"/>
-          <p:cNvSpPr>
-            <a:spLocks noGrp="1"/>
-          </p:cNvSpPr>
-          <p:nvPr>
-            <p:ph type="dt" sz="half" idx="2"/>
-          </p:nvPr>
-        </p:nvSpPr>
-        <p:spPr/>
-        <p:txBody>
-          <a:bodyPr/>
-          <a:lstStyle/>
-          <a:p>
-            <a:r>
-              <a:rPr lang="en-CA" dirty="0"/>
-              <a:t>Winter 2022</a:t>
-            </a:r>
-          </a:p>
-        </p:txBody>
-      </p:sp>
-      <p:sp>
-        <p:nvSpPr>
           <p:cNvPr id="10" name="Footer Placeholder 9"/>
           <p:cNvSpPr>
             <a:spLocks noGrp="1"/>
@@ -3929,7 +3933,7 @@
           <p:cNvPr id="5" name="Straight Connector 4">
             <a:extLst>
               <a:ext uri="{FF2B5EF4-FFF2-40B4-BE49-F238E27FC236}">
-                <a16:creationId xmlns:a16="http://schemas.microsoft.com/office/drawing/2014/main" id="{E22AD152-70BD-4229-B8BC-C60DBA0179DC}"/>
+                <a16:creationId xmlns:a16="http://schemas.microsoft.com/office/drawing/2014/main" xmlns="" id="{E22AD152-70BD-4229-B8BC-C60DBA0179DC}"/>
               </a:ext>
             </a:extLst>
           </p:cNvPr>
@@ -3973,7 +3977,7 @@
           <p:cNvPr id="9" name="Oval 8">
             <a:extLst>
               <a:ext uri="{FF2B5EF4-FFF2-40B4-BE49-F238E27FC236}">
-                <a16:creationId xmlns:a16="http://schemas.microsoft.com/office/drawing/2014/main" id="{8F37EFB2-5530-4905-AC70-3DB832BEDBD3}"/>
+                <a16:creationId xmlns:a16="http://schemas.microsoft.com/office/drawing/2014/main" xmlns="" id="{8F37EFB2-5530-4905-AC70-3DB832BEDBD3}"/>
               </a:ext>
             </a:extLst>
           </p:cNvPr>
@@ -4027,7 +4031,7 @@
           <p:cNvPr id="13" name="Oval 12">
             <a:extLst>
               <a:ext uri="{FF2B5EF4-FFF2-40B4-BE49-F238E27FC236}">
-                <a16:creationId xmlns:a16="http://schemas.microsoft.com/office/drawing/2014/main" id="{5BC6BE35-425F-46E5-A8D6-F89BE4A3F589}"/>
+                <a16:creationId xmlns:a16="http://schemas.microsoft.com/office/drawing/2014/main" xmlns="" id="{5BC6BE35-425F-46E5-A8D6-F89BE4A3F589}"/>
               </a:ext>
             </a:extLst>
           </p:cNvPr>
@@ -4081,7 +4085,7 @@
           <p:cNvPr id="14" name="Straight Connector 13">
             <a:extLst>
               <a:ext uri="{FF2B5EF4-FFF2-40B4-BE49-F238E27FC236}">
-                <a16:creationId xmlns:a16="http://schemas.microsoft.com/office/drawing/2014/main" id="{E08E1825-7573-4055-8192-47D6B83231F8}"/>
+                <a16:creationId xmlns:a16="http://schemas.microsoft.com/office/drawing/2014/main" xmlns="" id="{E08E1825-7573-4055-8192-47D6B83231F8}"/>
               </a:ext>
             </a:extLst>
           </p:cNvPr>
@@ -4125,7 +4129,7 @@
           <p:cNvPr id="15" name="Oval 14">
             <a:extLst>
               <a:ext uri="{FF2B5EF4-FFF2-40B4-BE49-F238E27FC236}">
-                <a16:creationId xmlns:a16="http://schemas.microsoft.com/office/drawing/2014/main" id="{C673D449-E9F2-45B7-B214-F7B45D5D5782}"/>
+                <a16:creationId xmlns:a16="http://schemas.microsoft.com/office/drawing/2014/main" xmlns="" id="{C673D449-E9F2-45B7-B214-F7B45D5D5782}"/>
               </a:ext>
             </a:extLst>
           </p:cNvPr>
@@ -4179,7 +4183,7 @@
           <p:cNvPr id="16" name="Straight Connector 15">
             <a:extLst>
               <a:ext uri="{FF2B5EF4-FFF2-40B4-BE49-F238E27FC236}">
-                <a16:creationId xmlns:a16="http://schemas.microsoft.com/office/drawing/2014/main" id="{3ADFF745-E739-4A17-9B00-D0C907ECDF07}"/>
+                <a16:creationId xmlns:a16="http://schemas.microsoft.com/office/drawing/2014/main" xmlns="" id="{3ADFF745-E739-4A17-9B00-D0C907ECDF07}"/>
               </a:ext>
             </a:extLst>
           </p:cNvPr>
@@ -4225,7 +4229,7 @@
           <p:cNvPr id="17" name="Oval 16">
             <a:extLst>
               <a:ext uri="{FF2B5EF4-FFF2-40B4-BE49-F238E27FC236}">
-                <a16:creationId xmlns:a16="http://schemas.microsoft.com/office/drawing/2014/main" id="{4757F13A-6241-4299-9829-C8A70499FF23}"/>
+                <a16:creationId xmlns:a16="http://schemas.microsoft.com/office/drawing/2014/main" xmlns="" id="{4757F13A-6241-4299-9829-C8A70499FF23}"/>
               </a:ext>
             </a:extLst>
           </p:cNvPr>
@@ -4279,7 +4283,7 @@
           <p:cNvPr id="18" name="TextBox 17">
             <a:extLst>
               <a:ext uri="{FF2B5EF4-FFF2-40B4-BE49-F238E27FC236}">
-                <a16:creationId xmlns:a16="http://schemas.microsoft.com/office/drawing/2014/main" id="{49213482-61DE-4E6A-923C-D45CD14DD772}"/>
+                <a16:creationId xmlns:a16="http://schemas.microsoft.com/office/drawing/2014/main" xmlns="" id="{49213482-61DE-4E6A-923C-D45CD14DD772}"/>
               </a:ext>
             </a:extLst>
           </p:cNvPr>
@@ -4314,7 +4318,7 @@
           <p:cNvPr id="19" name="TextBox 18">
             <a:extLst>
               <a:ext uri="{FF2B5EF4-FFF2-40B4-BE49-F238E27FC236}">
-                <a16:creationId xmlns:a16="http://schemas.microsoft.com/office/drawing/2014/main" id="{26382464-B130-418C-826B-FCE1564D90CF}"/>
+                <a16:creationId xmlns:a16="http://schemas.microsoft.com/office/drawing/2014/main" xmlns="" id="{26382464-B130-418C-826B-FCE1564D90CF}"/>
               </a:ext>
             </a:extLst>
           </p:cNvPr>
@@ -4349,7 +4353,7 @@
           <p:cNvPr id="20" name="TextBox 19">
             <a:extLst>
               <a:ext uri="{FF2B5EF4-FFF2-40B4-BE49-F238E27FC236}">
-                <a16:creationId xmlns:a16="http://schemas.microsoft.com/office/drawing/2014/main" id="{DD390C99-FD0D-4FFA-9936-058FE9FC4932}"/>
+                <a16:creationId xmlns:a16="http://schemas.microsoft.com/office/drawing/2014/main" xmlns="" id="{DD390C99-FD0D-4FFA-9936-058FE9FC4932}"/>
               </a:ext>
             </a:extLst>
           </p:cNvPr>
@@ -4384,7 +4388,7 @@
           <p:cNvPr id="21" name="TextBox 20">
             <a:extLst>
               <a:ext uri="{FF2B5EF4-FFF2-40B4-BE49-F238E27FC236}">
-                <a16:creationId xmlns:a16="http://schemas.microsoft.com/office/drawing/2014/main" id="{734B1D83-C646-4FC5-B231-EB30686F8E0F}"/>
+                <a16:creationId xmlns:a16="http://schemas.microsoft.com/office/drawing/2014/main" xmlns="" id="{734B1D83-C646-4FC5-B231-EB30686F8E0F}"/>
               </a:ext>
             </a:extLst>
           </p:cNvPr>
@@ -4419,7 +4423,7 @@
           <p:cNvPr id="22" name="Straight Connector 21">
             <a:extLst>
               <a:ext uri="{FF2B5EF4-FFF2-40B4-BE49-F238E27FC236}">
-                <a16:creationId xmlns:a16="http://schemas.microsoft.com/office/drawing/2014/main" id="{489F4072-AC12-4534-9FC1-B1BF9DFC4213}"/>
+                <a16:creationId xmlns:a16="http://schemas.microsoft.com/office/drawing/2014/main" xmlns="" id="{489F4072-AC12-4534-9FC1-B1BF9DFC4213}"/>
               </a:ext>
             </a:extLst>
           </p:cNvPr>
@@ -4465,7 +4469,7 @@
           <p:cNvPr id="50" name="Group 49">
             <a:extLst>
               <a:ext uri="{FF2B5EF4-FFF2-40B4-BE49-F238E27FC236}">
-                <a16:creationId xmlns:a16="http://schemas.microsoft.com/office/drawing/2014/main" id="{69D37D2E-64FC-4E06-AB29-38DBF169C493}"/>
+                <a16:creationId xmlns:a16="http://schemas.microsoft.com/office/drawing/2014/main" xmlns="" id="{69D37D2E-64FC-4E06-AB29-38DBF169C493}"/>
               </a:ext>
             </a:extLst>
           </p:cNvPr>
@@ -4485,7 +4489,7 @@
             <p:cNvPr id="23" name="Oval 22">
               <a:extLst>
                 <a:ext uri="{FF2B5EF4-FFF2-40B4-BE49-F238E27FC236}">
-                  <a16:creationId xmlns:a16="http://schemas.microsoft.com/office/drawing/2014/main" id="{BC70D42B-C0C9-4C4D-A417-570AFB319A8D}"/>
+                  <a16:creationId xmlns:a16="http://schemas.microsoft.com/office/drawing/2014/main" xmlns="" id="{BC70D42B-C0C9-4C4D-A417-570AFB319A8D}"/>
                 </a:ext>
               </a:extLst>
             </p:cNvPr>
@@ -4539,7 +4543,7 @@
             <p:cNvPr id="24" name="TextBox 23">
               <a:extLst>
                 <a:ext uri="{FF2B5EF4-FFF2-40B4-BE49-F238E27FC236}">
-                  <a16:creationId xmlns:a16="http://schemas.microsoft.com/office/drawing/2014/main" id="{445DDA8A-C75E-4606-ADD3-DAADFB8F7B23}"/>
+                  <a16:creationId xmlns:a16="http://schemas.microsoft.com/office/drawing/2014/main" xmlns="" id="{445DDA8A-C75E-4606-ADD3-DAADFB8F7B23}"/>
                 </a:ext>
               </a:extLst>
             </p:cNvPr>
@@ -4575,7 +4579,7 @@
           <p:cNvPr id="25" name="Straight Connector 24">
             <a:extLst>
               <a:ext uri="{FF2B5EF4-FFF2-40B4-BE49-F238E27FC236}">
-                <a16:creationId xmlns:a16="http://schemas.microsoft.com/office/drawing/2014/main" id="{3F40EC89-C0D5-4DD8-85F5-44FBCB69B00D}"/>
+                <a16:creationId xmlns:a16="http://schemas.microsoft.com/office/drawing/2014/main" xmlns="" id="{3F40EC89-C0D5-4DD8-85F5-44FBCB69B00D}"/>
               </a:ext>
             </a:extLst>
           </p:cNvPr>
@@ -4621,7 +4625,7 @@
           <p:cNvPr id="31" name="Group 30">
             <a:extLst>
               <a:ext uri="{FF2B5EF4-FFF2-40B4-BE49-F238E27FC236}">
-                <a16:creationId xmlns:a16="http://schemas.microsoft.com/office/drawing/2014/main" id="{34D17B67-032B-4939-BF41-B15BBEBA20B3}"/>
+                <a16:creationId xmlns:a16="http://schemas.microsoft.com/office/drawing/2014/main" xmlns="" id="{34D17B67-032B-4939-BF41-B15BBEBA20B3}"/>
               </a:ext>
             </a:extLst>
           </p:cNvPr>
@@ -4641,7 +4645,7 @@
             <p:cNvPr id="26" name="Oval 25">
               <a:extLst>
                 <a:ext uri="{FF2B5EF4-FFF2-40B4-BE49-F238E27FC236}">
-                  <a16:creationId xmlns:a16="http://schemas.microsoft.com/office/drawing/2014/main" id="{2E65D98B-A8D1-479B-9572-AF77672E1910}"/>
+                  <a16:creationId xmlns:a16="http://schemas.microsoft.com/office/drawing/2014/main" xmlns="" id="{2E65D98B-A8D1-479B-9572-AF77672E1910}"/>
                 </a:ext>
               </a:extLst>
             </p:cNvPr>
@@ -4695,7 +4699,7 @@
             <p:cNvPr id="27" name="TextBox 26">
               <a:extLst>
                 <a:ext uri="{FF2B5EF4-FFF2-40B4-BE49-F238E27FC236}">
-                  <a16:creationId xmlns:a16="http://schemas.microsoft.com/office/drawing/2014/main" id="{FFEB9FFF-1093-4D62-8CEA-8E02B2601C0A}"/>
+                  <a16:creationId xmlns:a16="http://schemas.microsoft.com/office/drawing/2014/main" xmlns="" id="{FFEB9FFF-1093-4D62-8CEA-8E02B2601C0A}"/>
                 </a:ext>
               </a:extLst>
             </p:cNvPr>
@@ -4731,7 +4735,7 @@
           <p:cNvPr id="28" name="Straight Connector 27">
             <a:extLst>
               <a:ext uri="{FF2B5EF4-FFF2-40B4-BE49-F238E27FC236}">
-                <a16:creationId xmlns:a16="http://schemas.microsoft.com/office/drawing/2014/main" id="{33B581A4-3E7E-430A-8907-A218421F32C0}"/>
+                <a16:creationId xmlns:a16="http://schemas.microsoft.com/office/drawing/2014/main" xmlns="" id="{33B581A4-3E7E-430A-8907-A218421F32C0}"/>
               </a:ext>
             </a:extLst>
           </p:cNvPr>
@@ -4775,7 +4779,7 @@
     </p:spTree>
     <p:extLst>
       <p:ext uri="{BB962C8B-B14F-4D97-AF65-F5344CB8AC3E}">
-        <p14:creationId xmlns:p14="http://schemas.microsoft.com/office/powerpoint/2010/main" val="1501496894"/>
+        <p14:creationId xmlns:p14="http://schemas.microsoft.com/office/powerpoint/2010/main" xmlns="" val="1501496894"/>
       </p:ext>
     </p:extLst>
   </p:cSld>
@@ -4862,28 +4866,6 @@
       </p:sp>
       <p:sp>
         <p:nvSpPr>
-          <p:cNvPr id="6" name="Date Placeholder 5"/>
-          <p:cNvSpPr>
-            <a:spLocks noGrp="1"/>
-          </p:cNvSpPr>
-          <p:nvPr>
-            <p:ph type="dt" sz="half" idx="2"/>
-          </p:nvPr>
-        </p:nvSpPr>
-        <p:spPr/>
-        <p:txBody>
-          <a:bodyPr/>
-          <a:lstStyle/>
-          <a:p>
-            <a:r>
-              <a:rPr lang="en-CA" dirty="0"/>
-              <a:t>Winter 2022</a:t>
-            </a:r>
-          </a:p>
-        </p:txBody>
-      </p:sp>
-      <p:sp>
-        <p:nvSpPr>
           <p:cNvPr id="10" name="Footer Placeholder 9"/>
           <p:cNvSpPr>
             <a:spLocks noGrp="1"/>
@@ -4936,7 +4918,7 @@
           <p:cNvPr id="5" name="Straight Connector 4">
             <a:extLst>
               <a:ext uri="{FF2B5EF4-FFF2-40B4-BE49-F238E27FC236}">
-                <a16:creationId xmlns:a16="http://schemas.microsoft.com/office/drawing/2014/main" id="{E22AD152-70BD-4229-B8BC-C60DBA0179DC}"/>
+                <a16:creationId xmlns:a16="http://schemas.microsoft.com/office/drawing/2014/main" xmlns="" id="{E22AD152-70BD-4229-B8BC-C60DBA0179DC}"/>
               </a:ext>
             </a:extLst>
           </p:cNvPr>
@@ -4980,7 +4962,7 @@
           <p:cNvPr id="9" name="Oval 8">
             <a:extLst>
               <a:ext uri="{FF2B5EF4-FFF2-40B4-BE49-F238E27FC236}">
-                <a16:creationId xmlns:a16="http://schemas.microsoft.com/office/drawing/2014/main" id="{8F37EFB2-5530-4905-AC70-3DB832BEDBD3}"/>
+                <a16:creationId xmlns:a16="http://schemas.microsoft.com/office/drawing/2014/main" xmlns="" id="{8F37EFB2-5530-4905-AC70-3DB832BEDBD3}"/>
               </a:ext>
             </a:extLst>
           </p:cNvPr>
@@ -5034,7 +5016,7 @@
           <p:cNvPr id="13" name="Oval 12">
             <a:extLst>
               <a:ext uri="{FF2B5EF4-FFF2-40B4-BE49-F238E27FC236}">
-                <a16:creationId xmlns:a16="http://schemas.microsoft.com/office/drawing/2014/main" id="{5BC6BE35-425F-46E5-A8D6-F89BE4A3F589}"/>
+                <a16:creationId xmlns:a16="http://schemas.microsoft.com/office/drawing/2014/main" xmlns="" id="{5BC6BE35-425F-46E5-A8D6-F89BE4A3F589}"/>
               </a:ext>
             </a:extLst>
           </p:cNvPr>
@@ -5088,7 +5070,7 @@
           <p:cNvPr id="14" name="Straight Connector 13">
             <a:extLst>
               <a:ext uri="{FF2B5EF4-FFF2-40B4-BE49-F238E27FC236}">
-                <a16:creationId xmlns:a16="http://schemas.microsoft.com/office/drawing/2014/main" id="{E08E1825-7573-4055-8192-47D6B83231F8}"/>
+                <a16:creationId xmlns:a16="http://schemas.microsoft.com/office/drawing/2014/main" xmlns="" id="{E08E1825-7573-4055-8192-47D6B83231F8}"/>
               </a:ext>
             </a:extLst>
           </p:cNvPr>
@@ -5132,7 +5114,7 @@
           <p:cNvPr id="15" name="Oval 14">
             <a:extLst>
               <a:ext uri="{FF2B5EF4-FFF2-40B4-BE49-F238E27FC236}">
-                <a16:creationId xmlns:a16="http://schemas.microsoft.com/office/drawing/2014/main" id="{C673D449-E9F2-45B7-B214-F7B45D5D5782}"/>
+                <a16:creationId xmlns:a16="http://schemas.microsoft.com/office/drawing/2014/main" xmlns="" id="{C673D449-E9F2-45B7-B214-F7B45D5D5782}"/>
               </a:ext>
             </a:extLst>
           </p:cNvPr>
@@ -5186,7 +5168,7 @@
           <p:cNvPr id="16" name="Straight Connector 15">
             <a:extLst>
               <a:ext uri="{FF2B5EF4-FFF2-40B4-BE49-F238E27FC236}">
-                <a16:creationId xmlns:a16="http://schemas.microsoft.com/office/drawing/2014/main" id="{3ADFF745-E739-4A17-9B00-D0C907ECDF07}"/>
+                <a16:creationId xmlns:a16="http://schemas.microsoft.com/office/drawing/2014/main" xmlns="" id="{3ADFF745-E739-4A17-9B00-D0C907ECDF07}"/>
               </a:ext>
             </a:extLst>
           </p:cNvPr>
@@ -5232,7 +5214,7 @@
           <p:cNvPr id="17" name="Oval 16">
             <a:extLst>
               <a:ext uri="{FF2B5EF4-FFF2-40B4-BE49-F238E27FC236}">
-                <a16:creationId xmlns:a16="http://schemas.microsoft.com/office/drawing/2014/main" id="{4757F13A-6241-4299-9829-C8A70499FF23}"/>
+                <a16:creationId xmlns:a16="http://schemas.microsoft.com/office/drawing/2014/main" xmlns="" id="{4757F13A-6241-4299-9829-C8A70499FF23}"/>
               </a:ext>
             </a:extLst>
           </p:cNvPr>
@@ -5286,7 +5268,7 @@
           <p:cNvPr id="18" name="TextBox 17">
             <a:extLst>
               <a:ext uri="{FF2B5EF4-FFF2-40B4-BE49-F238E27FC236}">
-                <a16:creationId xmlns:a16="http://schemas.microsoft.com/office/drawing/2014/main" id="{49213482-61DE-4E6A-923C-D45CD14DD772}"/>
+                <a16:creationId xmlns:a16="http://schemas.microsoft.com/office/drawing/2014/main" xmlns="" id="{49213482-61DE-4E6A-923C-D45CD14DD772}"/>
               </a:ext>
             </a:extLst>
           </p:cNvPr>
@@ -5321,7 +5303,7 @@
           <p:cNvPr id="19" name="TextBox 18">
             <a:extLst>
               <a:ext uri="{FF2B5EF4-FFF2-40B4-BE49-F238E27FC236}">
-                <a16:creationId xmlns:a16="http://schemas.microsoft.com/office/drawing/2014/main" id="{26382464-B130-418C-826B-FCE1564D90CF}"/>
+                <a16:creationId xmlns:a16="http://schemas.microsoft.com/office/drawing/2014/main" xmlns="" id="{26382464-B130-418C-826B-FCE1564D90CF}"/>
               </a:ext>
             </a:extLst>
           </p:cNvPr>
@@ -5356,7 +5338,7 @@
           <p:cNvPr id="20" name="TextBox 19">
             <a:extLst>
               <a:ext uri="{FF2B5EF4-FFF2-40B4-BE49-F238E27FC236}">
-                <a16:creationId xmlns:a16="http://schemas.microsoft.com/office/drawing/2014/main" id="{DD390C99-FD0D-4FFA-9936-058FE9FC4932}"/>
+                <a16:creationId xmlns:a16="http://schemas.microsoft.com/office/drawing/2014/main" xmlns="" id="{DD390C99-FD0D-4FFA-9936-058FE9FC4932}"/>
               </a:ext>
             </a:extLst>
           </p:cNvPr>
@@ -5391,7 +5373,7 @@
           <p:cNvPr id="21" name="TextBox 20">
             <a:extLst>
               <a:ext uri="{FF2B5EF4-FFF2-40B4-BE49-F238E27FC236}">
-                <a16:creationId xmlns:a16="http://schemas.microsoft.com/office/drawing/2014/main" id="{734B1D83-C646-4FC5-B231-EB30686F8E0F}"/>
+                <a16:creationId xmlns:a16="http://schemas.microsoft.com/office/drawing/2014/main" xmlns="" id="{734B1D83-C646-4FC5-B231-EB30686F8E0F}"/>
               </a:ext>
             </a:extLst>
           </p:cNvPr>
@@ -5426,7 +5408,7 @@
           <p:cNvPr id="22" name="Straight Connector 21">
             <a:extLst>
               <a:ext uri="{FF2B5EF4-FFF2-40B4-BE49-F238E27FC236}">
-                <a16:creationId xmlns:a16="http://schemas.microsoft.com/office/drawing/2014/main" id="{489F4072-AC12-4534-9FC1-B1BF9DFC4213}"/>
+                <a16:creationId xmlns:a16="http://schemas.microsoft.com/office/drawing/2014/main" xmlns="" id="{489F4072-AC12-4534-9FC1-B1BF9DFC4213}"/>
               </a:ext>
             </a:extLst>
           </p:cNvPr>
@@ -5472,7 +5454,7 @@
           <p:cNvPr id="50" name="Group 49">
             <a:extLst>
               <a:ext uri="{FF2B5EF4-FFF2-40B4-BE49-F238E27FC236}">
-                <a16:creationId xmlns:a16="http://schemas.microsoft.com/office/drawing/2014/main" id="{69D37D2E-64FC-4E06-AB29-38DBF169C493}"/>
+                <a16:creationId xmlns:a16="http://schemas.microsoft.com/office/drawing/2014/main" xmlns="" id="{69D37D2E-64FC-4E06-AB29-38DBF169C493}"/>
               </a:ext>
             </a:extLst>
           </p:cNvPr>
@@ -5492,7 +5474,7 @@
             <p:cNvPr id="23" name="Oval 22">
               <a:extLst>
                 <a:ext uri="{FF2B5EF4-FFF2-40B4-BE49-F238E27FC236}">
-                  <a16:creationId xmlns:a16="http://schemas.microsoft.com/office/drawing/2014/main" id="{BC70D42B-C0C9-4C4D-A417-570AFB319A8D}"/>
+                  <a16:creationId xmlns:a16="http://schemas.microsoft.com/office/drawing/2014/main" xmlns="" id="{BC70D42B-C0C9-4C4D-A417-570AFB319A8D}"/>
                 </a:ext>
               </a:extLst>
             </p:cNvPr>
@@ -5546,7 +5528,7 @@
             <p:cNvPr id="24" name="TextBox 23">
               <a:extLst>
                 <a:ext uri="{FF2B5EF4-FFF2-40B4-BE49-F238E27FC236}">
-                  <a16:creationId xmlns:a16="http://schemas.microsoft.com/office/drawing/2014/main" id="{445DDA8A-C75E-4606-ADD3-DAADFB8F7B23}"/>
+                  <a16:creationId xmlns:a16="http://schemas.microsoft.com/office/drawing/2014/main" xmlns="" id="{445DDA8A-C75E-4606-ADD3-DAADFB8F7B23}"/>
                 </a:ext>
               </a:extLst>
             </p:cNvPr>
@@ -5582,7 +5564,7 @@
           <p:cNvPr id="25" name="Straight Connector 24">
             <a:extLst>
               <a:ext uri="{FF2B5EF4-FFF2-40B4-BE49-F238E27FC236}">
-                <a16:creationId xmlns:a16="http://schemas.microsoft.com/office/drawing/2014/main" id="{3F40EC89-C0D5-4DD8-85F5-44FBCB69B00D}"/>
+                <a16:creationId xmlns:a16="http://schemas.microsoft.com/office/drawing/2014/main" xmlns="" id="{3F40EC89-C0D5-4DD8-85F5-44FBCB69B00D}"/>
               </a:ext>
             </a:extLst>
           </p:cNvPr>
@@ -5628,7 +5610,7 @@
           <p:cNvPr id="31" name="Group 30">
             <a:extLst>
               <a:ext uri="{FF2B5EF4-FFF2-40B4-BE49-F238E27FC236}">
-                <a16:creationId xmlns:a16="http://schemas.microsoft.com/office/drawing/2014/main" id="{34D17B67-032B-4939-BF41-B15BBEBA20B3}"/>
+                <a16:creationId xmlns:a16="http://schemas.microsoft.com/office/drawing/2014/main" xmlns="" id="{34D17B67-032B-4939-BF41-B15BBEBA20B3}"/>
               </a:ext>
             </a:extLst>
           </p:cNvPr>
@@ -5648,7 +5630,7 @@
             <p:cNvPr id="26" name="Oval 25">
               <a:extLst>
                 <a:ext uri="{FF2B5EF4-FFF2-40B4-BE49-F238E27FC236}">
-                  <a16:creationId xmlns:a16="http://schemas.microsoft.com/office/drawing/2014/main" id="{2E65D98B-A8D1-479B-9572-AF77672E1910}"/>
+                  <a16:creationId xmlns:a16="http://schemas.microsoft.com/office/drawing/2014/main" xmlns="" id="{2E65D98B-A8D1-479B-9572-AF77672E1910}"/>
                 </a:ext>
               </a:extLst>
             </p:cNvPr>
@@ -5702,7 +5684,7 @@
             <p:cNvPr id="27" name="TextBox 26">
               <a:extLst>
                 <a:ext uri="{FF2B5EF4-FFF2-40B4-BE49-F238E27FC236}">
-                  <a16:creationId xmlns:a16="http://schemas.microsoft.com/office/drawing/2014/main" id="{FFEB9FFF-1093-4D62-8CEA-8E02B2601C0A}"/>
+                  <a16:creationId xmlns:a16="http://schemas.microsoft.com/office/drawing/2014/main" xmlns="" id="{FFEB9FFF-1093-4D62-8CEA-8E02B2601C0A}"/>
                 </a:ext>
               </a:extLst>
             </p:cNvPr>
@@ -5738,7 +5720,7 @@
           <p:cNvPr id="28" name="Straight Connector 27">
             <a:extLst>
               <a:ext uri="{FF2B5EF4-FFF2-40B4-BE49-F238E27FC236}">
-                <a16:creationId xmlns:a16="http://schemas.microsoft.com/office/drawing/2014/main" id="{33B581A4-3E7E-430A-8907-A218421F32C0}"/>
+                <a16:creationId xmlns:a16="http://schemas.microsoft.com/office/drawing/2014/main" xmlns="" id="{33B581A4-3E7E-430A-8907-A218421F32C0}"/>
               </a:ext>
             </a:extLst>
           </p:cNvPr>
@@ -5784,7 +5766,7 @@
           <p:cNvPr id="38" name="Straight Connector 37">
             <a:extLst>
               <a:ext uri="{FF2B5EF4-FFF2-40B4-BE49-F238E27FC236}">
-                <a16:creationId xmlns:a16="http://schemas.microsoft.com/office/drawing/2014/main" id="{B6A10E85-0C96-460E-B1C2-F03B5B66A7BD}"/>
+                <a16:creationId xmlns:a16="http://schemas.microsoft.com/office/drawing/2014/main" xmlns="" id="{B6A10E85-0C96-460E-B1C2-F03B5B66A7BD}"/>
               </a:ext>
             </a:extLst>
           </p:cNvPr>
@@ -5830,7 +5812,7 @@
           <p:cNvPr id="41" name="Group 40">
             <a:extLst>
               <a:ext uri="{FF2B5EF4-FFF2-40B4-BE49-F238E27FC236}">
-                <a16:creationId xmlns:a16="http://schemas.microsoft.com/office/drawing/2014/main" id="{53C4116D-078F-4226-A038-C5ECD93AAB80}"/>
+                <a16:creationId xmlns:a16="http://schemas.microsoft.com/office/drawing/2014/main" xmlns="" id="{53C4116D-078F-4226-A038-C5ECD93AAB80}"/>
               </a:ext>
             </a:extLst>
           </p:cNvPr>
@@ -5850,7 +5832,7 @@
             <p:cNvPr id="42" name="Oval 41">
               <a:extLst>
                 <a:ext uri="{FF2B5EF4-FFF2-40B4-BE49-F238E27FC236}">
-                  <a16:creationId xmlns:a16="http://schemas.microsoft.com/office/drawing/2014/main" id="{6F197843-A8E9-4E68-8775-9BF3AEE09B01}"/>
+                  <a16:creationId xmlns:a16="http://schemas.microsoft.com/office/drawing/2014/main" xmlns="" id="{6F197843-A8E9-4E68-8775-9BF3AEE09B01}"/>
                 </a:ext>
               </a:extLst>
             </p:cNvPr>
@@ -5904,7 +5886,7 @@
             <p:cNvPr id="43" name="TextBox 42">
               <a:extLst>
                 <a:ext uri="{FF2B5EF4-FFF2-40B4-BE49-F238E27FC236}">
-                  <a16:creationId xmlns:a16="http://schemas.microsoft.com/office/drawing/2014/main" id="{0BB2D759-2BB8-4B73-AEE8-30E049A66B6E}"/>
+                  <a16:creationId xmlns:a16="http://schemas.microsoft.com/office/drawing/2014/main" xmlns="" id="{0BB2D759-2BB8-4B73-AEE8-30E049A66B6E}"/>
                 </a:ext>
               </a:extLst>
             </p:cNvPr>
@@ -5940,7 +5922,7 @@
           <p:cNvPr id="45" name="Straight Connector 44">
             <a:extLst>
               <a:ext uri="{FF2B5EF4-FFF2-40B4-BE49-F238E27FC236}">
-                <a16:creationId xmlns:a16="http://schemas.microsoft.com/office/drawing/2014/main" id="{49FC7B47-84DA-4CBD-B4E7-C26FD605689A}"/>
+                <a16:creationId xmlns:a16="http://schemas.microsoft.com/office/drawing/2014/main" xmlns="" id="{49FC7B47-84DA-4CBD-B4E7-C26FD605689A}"/>
               </a:ext>
             </a:extLst>
           </p:cNvPr>
@@ -5984,7 +5966,7 @@
     </p:spTree>
     <p:extLst>
       <p:ext uri="{BB962C8B-B14F-4D97-AF65-F5344CB8AC3E}">
-        <p14:creationId xmlns:p14="http://schemas.microsoft.com/office/powerpoint/2010/main" val="1560637448"/>
+        <p14:creationId xmlns:p14="http://schemas.microsoft.com/office/powerpoint/2010/main" xmlns="" val="1560637448"/>
       </p:ext>
     </p:extLst>
   </p:cSld>
@@ -6071,28 +6053,6 @@
       </p:sp>
       <p:sp>
         <p:nvSpPr>
-          <p:cNvPr id="6" name="Date Placeholder 5"/>
-          <p:cNvSpPr>
-            <a:spLocks noGrp="1"/>
-          </p:cNvSpPr>
-          <p:nvPr>
-            <p:ph type="dt" sz="half" idx="2"/>
-          </p:nvPr>
-        </p:nvSpPr>
-        <p:spPr/>
-        <p:txBody>
-          <a:bodyPr/>
-          <a:lstStyle/>
-          <a:p>
-            <a:r>
-              <a:rPr lang="en-CA" dirty="0"/>
-              <a:t>Winter 2022</a:t>
-            </a:r>
-          </a:p>
-        </p:txBody>
-      </p:sp>
-      <p:sp>
-        <p:nvSpPr>
           <p:cNvPr id="10" name="Footer Placeholder 9"/>
           <p:cNvSpPr>
             <a:spLocks noGrp="1"/>
@@ -6145,7 +6105,7 @@
           <p:cNvPr id="5" name="Straight Connector 4">
             <a:extLst>
               <a:ext uri="{FF2B5EF4-FFF2-40B4-BE49-F238E27FC236}">
-                <a16:creationId xmlns:a16="http://schemas.microsoft.com/office/drawing/2014/main" id="{E22AD152-70BD-4229-B8BC-C60DBA0179DC}"/>
+                <a16:creationId xmlns:a16="http://schemas.microsoft.com/office/drawing/2014/main" xmlns="" id="{E22AD152-70BD-4229-B8BC-C60DBA0179DC}"/>
               </a:ext>
             </a:extLst>
           </p:cNvPr>
@@ -6189,7 +6149,7 @@
           <p:cNvPr id="9" name="Oval 8">
             <a:extLst>
               <a:ext uri="{FF2B5EF4-FFF2-40B4-BE49-F238E27FC236}">
-                <a16:creationId xmlns:a16="http://schemas.microsoft.com/office/drawing/2014/main" id="{8F37EFB2-5530-4905-AC70-3DB832BEDBD3}"/>
+                <a16:creationId xmlns:a16="http://schemas.microsoft.com/office/drawing/2014/main" xmlns="" id="{8F37EFB2-5530-4905-AC70-3DB832BEDBD3}"/>
               </a:ext>
             </a:extLst>
           </p:cNvPr>
@@ -6243,7 +6203,7 @@
           <p:cNvPr id="13" name="Oval 12">
             <a:extLst>
               <a:ext uri="{FF2B5EF4-FFF2-40B4-BE49-F238E27FC236}">
-                <a16:creationId xmlns:a16="http://schemas.microsoft.com/office/drawing/2014/main" id="{5BC6BE35-425F-46E5-A8D6-F89BE4A3F589}"/>
+                <a16:creationId xmlns:a16="http://schemas.microsoft.com/office/drawing/2014/main" xmlns="" id="{5BC6BE35-425F-46E5-A8D6-F89BE4A3F589}"/>
               </a:ext>
             </a:extLst>
           </p:cNvPr>
@@ -6297,7 +6257,7 @@
           <p:cNvPr id="14" name="Straight Connector 13">
             <a:extLst>
               <a:ext uri="{FF2B5EF4-FFF2-40B4-BE49-F238E27FC236}">
-                <a16:creationId xmlns:a16="http://schemas.microsoft.com/office/drawing/2014/main" id="{E08E1825-7573-4055-8192-47D6B83231F8}"/>
+                <a16:creationId xmlns:a16="http://schemas.microsoft.com/office/drawing/2014/main" xmlns="" id="{E08E1825-7573-4055-8192-47D6B83231F8}"/>
               </a:ext>
             </a:extLst>
           </p:cNvPr>
@@ -6341,7 +6301,7 @@
           <p:cNvPr id="15" name="Oval 14">
             <a:extLst>
               <a:ext uri="{FF2B5EF4-FFF2-40B4-BE49-F238E27FC236}">
-                <a16:creationId xmlns:a16="http://schemas.microsoft.com/office/drawing/2014/main" id="{C673D449-E9F2-45B7-B214-F7B45D5D5782}"/>
+                <a16:creationId xmlns:a16="http://schemas.microsoft.com/office/drawing/2014/main" xmlns="" id="{C673D449-E9F2-45B7-B214-F7B45D5D5782}"/>
               </a:ext>
             </a:extLst>
           </p:cNvPr>
@@ -6395,7 +6355,7 @@
           <p:cNvPr id="18" name="TextBox 17">
             <a:extLst>
               <a:ext uri="{FF2B5EF4-FFF2-40B4-BE49-F238E27FC236}">
-                <a16:creationId xmlns:a16="http://schemas.microsoft.com/office/drawing/2014/main" id="{49213482-61DE-4E6A-923C-D45CD14DD772}"/>
+                <a16:creationId xmlns:a16="http://schemas.microsoft.com/office/drawing/2014/main" xmlns="" id="{49213482-61DE-4E6A-923C-D45CD14DD772}"/>
               </a:ext>
             </a:extLst>
           </p:cNvPr>
@@ -6430,7 +6390,7 @@
           <p:cNvPr id="19" name="TextBox 18">
             <a:extLst>
               <a:ext uri="{FF2B5EF4-FFF2-40B4-BE49-F238E27FC236}">
-                <a16:creationId xmlns:a16="http://schemas.microsoft.com/office/drawing/2014/main" id="{26382464-B130-418C-826B-FCE1564D90CF}"/>
+                <a16:creationId xmlns:a16="http://schemas.microsoft.com/office/drawing/2014/main" xmlns="" id="{26382464-B130-418C-826B-FCE1564D90CF}"/>
               </a:ext>
             </a:extLst>
           </p:cNvPr>
@@ -6465,7 +6425,7 @@
           <p:cNvPr id="20" name="TextBox 19">
             <a:extLst>
               <a:ext uri="{FF2B5EF4-FFF2-40B4-BE49-F238E27FC236}">
-                <a16:creationId xmlns:a16="http://schemas.microsoft.com/office/drawing/2014/main" id="{DD390C99-FD0D-4FFA-9936-058FE9FC4932}"/>
+                <a16:creationId xmlns:a16="http://schemas.microsoft.com/office/drawing/2014/main" xmlns="" id="{DD390C99-FD0D-4FFA-9936-058FE9FC4932}"/>
               </a:ext>
             </a:extLst>
           </p:cNvPr>
@@ -6500,7 +6460,7 @@
           <p:cNvPr id="22" name="Straight Connector 21">
             <a:extLst>
               <a:ext uri="{FF2B5EF4-FFF2-40B4-BE49-F238E27FC236}">
-                <a16:creationId xmlns:a16="http://schemas.microsoft.com/office/drawing/2014/main" id="{489F4072-AC12-4534-9FC1-B1BF9DFC4213}"/>
+                <a16:creationId xmlns:a16="http://schemas.microsoft.com/office/drawing/2014/main" xmlns="" id="{489F4072-AC12-4534-9FC1-B1BF9DFC4213}"/>
               </a:ext>
             </a:extLst>
           </p:cNvPr>
@@ -6546,7 +6506,7 @@
           <p:cNvPr id="50" name="Group 49">
             <a:extLst>
               <a:ext uri="{FF2B5EF4-FFF2-40B4-BE49-F238E27FC236}">
-                <a16:creationId xmlns:a16="http://schemas.microsoft.com/office/drawing/2014/main" id="{69D37D2E-64FC-4E06-AB29-38DBF169C493}"/>
+                <a16:creationId xmlns:a16="http://schemas.microsoft.com/office/drawing/2014/main" xmlns="" id="{69D37D2E-64FC-4E06-AB29-38DBF169C493}"/>
               </a:ext>
             </a:extLst>
           </p:cNvPr>
@@ -6566,7 +6526,7 @@
             <p:cNvPr id="23" name="Oval 22">
               <a:extLst>
                 <a:ext uri="{FF2B5EF4-FFF2-40B4-BE49-F238E27FC236}">
-                  <a16:creationId xmlns:a16="http://schemas.microsoft.com/office/drawing/2014/main" id="{BC70D42B-C0C9-4C4D-A417-570AFB319A8D}"/>
+                  <a16:creationId xmlns:a16="http://schemas.microsoft.com/office/drawing/2014/main" xmlns="" id="{BC70D42B-C0C9-4C4D-A417-570AFB319A8D}"/>
                 </a:ext>
               </a:extLst>
             </p:cNvPr>
@@ -6620,7 +6580,7 @@
             <p:cNvPr id="24" name="TextBox 23">
               <a:extLst>
                 <a:ext uri="{FF2B5EF4-FFF2-40B4-BE49-F238E27FC236}">
-                  <a16:creationId xmlns:a16="http://schemas.microsoft.com/office/drawing/2014/main" id="{445DDA8A-C75E-4606-ADD3-DAADFB8F7B23}"/>
+                  <a16:creationId xmlns:a16="http://schemas.microsoft.com/office/drawing/2014/main" xmlns="" id="{445DDA8A-C75E-4606-ADD3-DAADFB8F7B23}"/>
                 </a:ext>
               </a:extLst>
             </p:cNvPr>
@@ -6656,7 +6616,7 @@
           <p:cNvPr id="25" name="Straight Connector 24">
             <a:extLst>
               <a:ext uri="{FF2B5EF4-FFF2-40B4-BE49-F238E27FC236}">
-                <a16:creationId xmlns:a16="http://schemas.microsoft.com/office/drawing/2014/main" id="{3F40EC89-C0D5-4DD8-85F5-44FBCB69B00D}"/>
+                <a16:creationId xmlns:a16="http://schemas.microsoft.com/office/drawing/2014/main" xmlns="" id="{3F40EC89-C0D5-4DD8-85F5-44FBCB69B00D}"/>
               </a:ext>
             </a:extLst>
           </p:cNvPr>
@@ -6702,7 +6662,7 @@
           <p:cNvPr id="31" name="Group 30">
             <a:extLst>
               <a:ext uri="{FF2B5EF4-FFF2-40B4-BE49-F238E27FC236}">
-                <a16:creationId xmlns:a16="http://schemas.microsoft.com/office/drawing/2014/main" id="{34D17B67-032B-4939-BF41-B15BBEBA20B3}"/>
+                <a16:creationId xmlns:a16="http://schemas.microsoft.com/office/drawing/2014/main" xmlns="" id="{34D17B67-032B-4939-BF41-B15BBEBA20B3}"/>
               </a:ext>
             </a:extLst>
           </p:cNvPr>
@@ -6722,7 +6682,7 @@
             <p:cNvPr id="26" name="Oval 25">
               <a:extLst>
                 <a:ext uri="{FF2B5EF4-FFF2-40B4-BE49-F238E27FC236}">
-                  <a16:creationId xmlns:a16="http://schemas.microsoft.com/office/drawing/2014/main" id="{2E65D98B-A8D1-479B-9572-AF77672E1910}"/>
+                  <a16:creationId xmlns:a16="http://schemas.microsoft.com/office/drawing/2014/main" xmlns="" id="{2E65D98B-A8D1-479B-9572-AF77672E1910}"/>
                 </a:ext>
               </a:extLst>
             </p:cNvPr>
@@ -6776,7 +6736,7 @@
             <p:cNvPr id="27" name="TextBox 26">
               <a:extLst>
                 <a:ext uri="{FF2B5EF4-FFF2-40B4-BE49-F238E27FC236}">
-                  <a16:creationId xmlns:a16="http://schemas.microsoft.com/office/drawing/2014/main" id="{FFEB9FFF-1093-4D62-8CEA-8E02B2601C0A}"/>
+                  <a16:creationId xmlns:a16="http://schemas.microsoft.com/office/drawing/2014/main" xmlns="" id="{FFEB9FFF-1093-4D62-8CEA-8E02B2601C0A}"/>
                 </a:ext>
               </a:extLst>
             </p:cNvPr>
@@ -6810,7 +6770,7 @@
     </p:spTree>
     <p:extLst>
       <p:ext uri="{BB962C8B-B14F-4D97-AF65-F5344CB8AC3E}">
-        <p14:creationId xmlns:p14="http://schemas.microsoft.com/office/powerpoint/2010/main" val="1301354931"/>
+        <p14:creationId xmlns:p14="http://schemas.microsoft.com/office/powerpoint/2010/main" xmlns="" val="1301354931"/>
       </p:ext>
     </p:extLst>
   </p:cSld>
@@ -6897,28 +6857,6 @@
       </p:sp>
       <p:sp>
         <p:nvSpPr>
-          <p:cNvPr id="6" name="Date Placeholder 5"/>
-          <p:cNvSpPr>
-            <a:spLocks noGrp="1"/>
-          </p:cNvSpPr>
-          <p:nvPr>
-            <p:ph type="dt" sz="half" idx="2"/>
-          </p:nvPr>
-        </p:nvSpPr>
-        <p:spPr/>
-        <p:txBody>
-          <a:bodyPr/>
-          <a:lstStyle/>
-          <a:p>
-            <a:r>
-              <a:rPr lang="en-CA" dirty="0"/>
-              <a:t>Winter 2022</a:t>
-            </a:r>
-          </a:p>
-        </p:txBody>
-      </p:sp>
-      <p:sp>
-        <p:nvSpPr>
           <p:cNvPr id="10" name="Footer Placeholder 9"/>
           <p:cNvSpPr>
             <a:spLocks noGrp="1"/>
@@ -6971,7 +6909,7 @@
           <p:cNvPr id="5" name="Straight Connector 4">
             <a:extLst>
               <a:ext uri="{FF2B5EF4-FFF2-40B4-BE49-F238E27FC236}">
-                <a16:creationId xmlns:a16="http://schemas.microsoft.com/office/drawing/2014/main" id="{E22AD152-70BD-4229-B8BC-C60DBA0179DC}"/>
+                <a16:creationId xmlns:a16="http://schemas.microsoft.com/office/drawing/2014/main" xmlns="" id="{E22AD152-70BD-4229-B8BC-C60DBA0179DC}"/>
               </a:ext>
             </a:extLst>
           </p:cNvPr>
@@ -7015,7 +6953,7 @@
           <p:cNvPr id="9" name="Oval 8">
             <a:extLst>
               <a:ext uri="{FF2B5EF4-FFF2-40B4-BE49-F238E27FC236}">
-                <a16:creationId xmlns:a16="http://schemas.microsoft.com/office/drawing/2014/main" id="{8F37EFB2-5530-4905-AC70-3DB832BEDBD3}"/>
+                <a16:creationId xmlns:a16="http://schemas.microsoft.com/office/drawing/2014/main" xmlns="" id="{8F37EFB2-5530-4905-AC70-3DB832BEDBD3}"/>
               </a:ext>
             </a:extLst>
           </p:cNvPr>
@@ -7069,7 +7007,7 @@
           <p:cNvPr id="13" name="Oval 12">
             <a:extLst>
               <a:ext uri="{FF2B5EF4-FFF2-40B4-BE49-F238E27FC236}">
-                <a16:creationId xmlns:a16="http://schemas.microsoft.com/office/drawing/2014/main" id="{5BC6BE35-425F-46E5-A8D6-F89BE4A3F589}"/>
+                <a16:creationId xmlns:a16="http://schemas.microsoft.com/office/drawing/2014/main" xmlns="" id="{5BC6BE35-425F-46E5-A8D6-F89BE4A3F589}"/>
               </a:ext>
             </a:extLst>
           </p:cNvPr>
@@ -7123,7 +7061,7 @@
           <p:cNvPr id="14" name="Straight Connector 13">
             <a:extLst>
               <a:ext uri="{FF2B5EF4-FFF2-40B4-BE49-F238E27FC236}">
-                <a16:creationId xmlns:a16="http://schemas.microsoft.com/office/drawing/2014/main" id="{E08E1825-7573-4055-8192-47D6B83231F8}"/>
+                <a16:creationId xmlns:a16="http://schemas.microsoft.com/office/drawing/2014/main" xmlns="" id="{E08E1825-7573-4055-8192-47D6B83231F8}"/>
               </a:ext>
             </a:extLst>
           </p:cNvPr>
@@ -7167,7 +7105,7 @@
           <p:cNvPr id="15" name="Oval 14">
             <a:extLst>
               <a:ext uri="{FF2B5EF4-FFF2-40B4-BE49-F238E27FC236}">
-                <a16:creationId xmlns:a16="http://schemas.microsoft.com/office/drawing/2014/main" id="{C673D449-E9F2-45B7-B214-F7B45D5D5782}"/>
+                <a16:creationId xmlns:a16="http://schemas.microsoft.com/office/drawing/2014/main" xmlns="" id="{C673D449-E9F2-45B7-B214-F7B45D5D5782}"/>
               </a:ext>
             </a:extLst>
           </p:cNvPr>
@@ -7221,7 +7159,7 @@
           <p:cNvPr id="18" name="TextBox 17">
             <a:extLst>
               <a:ext uri="{FF2B5EF4-FFF2-40B4-BE49-F238E27FC236}">
-                <a16:creationId xmlns:a16="http://schemas.microsoft.com/office/drawing/2014/main" id="{49213482-61DE-4E6A-923C-D45CD14DD772}"/>
+                <a16:creationId xmlns:a16="http://schemas.microsoft.com/office/drawing/2014/main" xmlns="" id="{49213482-61DE-4E6A-923C-D45CD14DD772}"/>
               </a:ext>
             </a:extLst>
           </p:cNvPr>
@@ -7256,7 +7194,7 @@
           <p:cNvPr id="19" name="TextBox 18">
             <a:extLst>
               <a:ext uri="{FF2B5EF4-FFF2-40B4-BE49-F238E27FC236}">
-                <a16:creationId xmlns:a16="http://schemas.microsoft.com/office/drawing/2014/main" id="{26382464-B130-418C-826B-FCE1564D90CF}"/>
+                <a16:creationId xmlns:a16="http://schemas.microsoft.com/office/drawing/2014/main" xmlns="" id="{26382464-B130-418C-826B-FCE1564D90CF}"/>
               </a:ext>
             </a:extLst>
           </p:cNvPr>
@@ -7291,7 +7229,7 @@
           <p:cNvPr id="20" name="TextBox 19">
             <a:extLst>
               <a:ext uri="{FF2B5EF4-FFF2-40B4-BE49-F238E27FC236}">
-                <a16:creationId xmlns:a16="http://schemas.microsoft.com/office/drawing/2014/main" id="{DD390C99-FD0D-4FFA-9936-058FE9FC4932}"/>
+                <a16:creationId xmlns:a16="http://schemas.microsoft.com/office/drawing/2014/main" xmlns="" id="{DD390C99-FD0D-4FFA-9936-058FE9FC4932}"/>
               </a:ext>
             </a:extLst>
           </p:cNvPr>
@@ -7326,7 +7264,7 @@
           <p:cNvPr id="22" name="Straight Connector 21">
             <a:extLst>
               <a:ext uri="{FF2B5EF4-FFF2-40B4-BE49-F238E27FC236}">
-                <a16:creationId xmlns:a16="http://schemas.microsoft.com/office/drawing/2014/main" id="{489F4072-AC12-4534-9FC1-B1BF9DFC4213}"/>
+                <a16:creationId xmlns:a16="http://schemas.microsoft.com/office/drawing/2014/main" xmlns="" id="{489F4072-AC12-4534-9FC1-B1BF9DFC4213}"/>
               </a:ext>
             </a:extLst>
           </p:cNvPr>
@@ -7372,7 +7310,7 @@
           <p:cNvPr id="50" name="Group 49">
             <a:extLst>
               <a:ext uri="{FF2B5EF4-FFF2-40B4-BE49-F238E27FC236}">
-                <a16:creationId xmlns:a16="http://schemas.microsoft.com/office/drawing/2014/main" id="{69D37D2E-64FC-4E06-AB29-38DBF169C493}"/>
+                <a16:creationId xmlns:a16="http://schemas.microsoft.com/office/drawing/2014/main" xmlns="" id="{69D37D2E-64FC-4E06-AB29-38DBF169C493}"/>
               </a:ext>
             </a:extLst>
           </p:cNvPr>
@@ -7392,7 +7330,7 @@
             <p:cNvPr id="23" name="Oval 22">
               <a:extLst>
                 <a:ext uri="{FF2B5EF4-FFF2-40B4-BE49-F238E27FC236}">
-                  <a16:creationId xmlns:a16="http://schemas.microsoft.com/office/drawing/2014/main" id="{BC70D42B-C0C9-4C4D-A417-570AFB319A8D}"/>
+                  <a16:creationId xmlns:a16="http://schemas.microsoft.com/office/drawing/2014/main" xmlns="" id="{BC70D42B-C0C9-4C4D-A417-570AFB319A8D}"/>
                 </a:ext>
               </a:extLst>
             </p:cNvPr>
@@ -7446,7 +7384,7 @@
             <p:cNvPr id="24" name="TextBox 23">
               <a:extLst>
                 <a:ext uri="{FF2B5EF4-FFF2-40B4-BE49-F238E27FC236}">
-                  <a16:creationId xmlns:a16="http://schemas.microsoft.com/office/drawing/2014/main" id="{445DDA8A-C75E-4606-ADD3-DAADFB8F7B23}"/>
+                  <a16:creationId xmlns:a16="http://schemas.microsoft.com/office/drawing/2014/main" xmlns="" id="{445DDA8A-C75E-4606-ADD3-DAADFB8F7B23}"/>
                 </a:ext>
               </a:extLst>
             </p:cNvPr>
@@ -7482,7 +7420,7 @@
           <p:cNvPr id="25" name="Straight Connector 24">
             <a:extLst>
               <a:ext uri="{FF2B5EF4-FFF2-40B4-BE49-F238E27FC236}">
-                <a16:creationId xmlns:a16="http://schemas.microsoft.com/office/drawing/2014/main" id="{3F40EC89-C0D5-4DD8-85F5-44FBCB69B00D}"/>
+                <a16:creationId xmlns:a16="http://schemas.microsoft.com/office/drawing/2014/main" xmlns="" id="{3F40EC89-C0D5-4DD8-85F5-44FBCB69B00D}"/>
               </a:ext>
             </a:extLst>
           </p:cNvPr>
@@ -7528,7 +7466,7 @@
           <p:cNvPr id="31" name="Group 30">
             <a:extLst>
               <a:ext uri="{FF2B5EF4-FFF2-40B4-BE49-F238E27FC236}">
-                <a16:creationId xmlns:a16="http://schemas.microsoft.com/office/drawing/2014/main" id="{34D17B67-032B-4939-BF41-B15BBEBA20B3}"/>
+                <a16:creationId xmlns:a16="http://schemas.microsoft.com/office/drawing/2014/main" xmlns="" id="{34D17B67-032B-4939-BF41-B15BBEBA20B3}"/>
               </a:ext>
             </a:extLst>
           </p:cNvPr>
@@ -7548,7 +7486,7 @@
             <p:cNvPr id="26" name="Oval 25">
               <a:extLst>
                 <a:ext uri="{FF2B5EF4-FFF2-40B4-BE49-F238E27FC236}">
-                  <a16:creationId xmlns:a16="http://schemas.microsoft.com/office/drawing/2014/main" id="{2E65D98B-A8D1-479B-9572-AF77672E1910}"/>
+                  <a16:creationId xmlns:a16="http://schemas.microsoft.com/office/drawing/2014/main" xmlns="" id="{2E65D98B-A8D1-479B-9572-AF77672E1910}"/>
                 </a:ext>
               </a:extLst>
             </p:cNvPr>
@@ -7602,7 +7540,7 @@
             <p:cNvPr id="27" name="TextBox 26">
               <a:extLst>
                 <a:ext uri="{FF2B5EF4-FFF2-40B4-BE49-F238E27FC236}">
-                  <a16:creationId xmlns:a16="http://schemas.microsoft.com/office/drawing/2014/main" id="{FFEB9FFF-1093-4D62-8CEA-8E02B2601C0A}"/>
+                  <a16:creationId xmlns:a16="http://schemas.microsoft.com/office/drawing/2014/main" xmlns="" id="{FFEB9FFF-1093-4D62-8CEA-8E02B2601C0A}"/>
                 </a:ext>
               </a:extLst>
             </p:cNvPr>
@@ -7636,7 +7574,7 @@
     </p:spTree>
     <p:extLst>
       <p:ext uri="{BB962C8B-B14F-4D97-AF65-F5344CB8AC3E}">
-        <p14:creationId xmlns:p14="http://schemas.microsoft.com/office/powerpoint/2010/main" val="4155531978"/>
+        <p14:creationId xmlns:p14="http://schemas.microsoft.com/office/powerpoint/2010/main" xmlns="" val="4155531978"/>
       </p:ext>
     </p:extLst>
   </p:cSld>
@@ -7723,28 +7661,6 @@
       </p:sp>
       <p:sp>
         <p:nvSpPr>
-          <p:cNvPr id="6" name="Date Placeholder 5"/>
-          <p:cNvSpPr>
-            <a:spLocks noGrp="1"/>
-          </p:cNvSpPr>
-          <p:nvPr>
-            <p:ph type="dt" sz="half" idx="2"/>
-          </p:nvPr>
-        </p:nvSpPr>
-        <p:spPr/>
-        <p:txBody>
-          <a:bodyPr/>
-          <a:lstStyle/>
-          <a:p>
-            <a:r>
-              <a:rPr lang="en-CA" dirty="0"/>
-              <a:t>Winter 2022</a:t>
-            </a:r>
-          </a:p>
-        </p:txBody>
-      </p:sp>
-      <p:sp>
-        <p:nvSpPr>
           <p:cNvPr id="10" name="Footer Placeholder 9"/>
           <p:cNvSpPr>
             <a:spLocks noGrp="1"/>
@@ -7797,7 +7713,7 @@
           <p:cNvPr id="5" name="Straight Connector 4">
             <a:extLst>
               <a:ext uri="{FF2B5EF4-FFF2-40B4-BE49-F238E27FC236}">
-                <a16:creationId xmlns:a16="http://schemas.microsoft.com/office/drawing/2014/main" id="{E22AD152-70BD-4229-B8BC-C60DBA0179DC}"/>
+                <a16:creationId xmlns:a16="http://schemas.microsoft.com/office/drawing/2014/main" xmlns="" id="{E22AD152-70BD-4229-B8BC-C60DBA0179DC}"/>
               </a:ext>
             </a:extLst>
           </p:cNvPr>
@@ -7841,7 +7757,7 @@
           <p:cNvPr id="9" name="Oval 8">
             <a:extLst>
               <a:ext uri="{FF2B5EF4-FFF2-40B4-BE49-F238E27FC236}">
-                <a16:creationId xmlns:a16="http://schemas.microsoft.com/office/drawing/2014/main" id="{8F37EFB2-5530-4905-AC70-3DB832BEDBD3}"/>
+                <a16:creationId xmlns:a16="http://schemas.microsoft.com/office/drawing/2014/main" xmlns="" id="{8F37EFB2-5530-4905-AC70-3DB832BEDBD3}"/>
               </a:ext>
             </a:extLst>
           </p:cNvPr>
@@ -7895,7 +7811,7 @@
           <p:cNvPr id="13" name="Oval 12">
             <a:extLst>
               <a:ext uri="{FF2B5EF4-FFF2-40B4-BE49-F238E27FC236}">
-                <a16:creationId xmlns:a16="http://schemas.microsoft.com/office/drawing/2014/main" id="{5BC6BE35-425F-46E5-A8D6-F89BE4A3F589}"/>
+                <a16:creationId xmlns:a16="http://schemas.microsoft.com/office/drawing/2014/main" xmlns="" id="{5BC6BE35-425F-46E5-A8D6-F89BE4A3F589}"/>
               </a:ext>
             </a:extLst>
           </p:cNvPr>
@@ -7949,7 +7865,7 @@
           <p:cNvPr id="14" name="Straight Connector 13">
             <a:extLst>
               <a:ext uri="{FF2B5EF4-FFF2-40B4-BE49-F238E27FC236}">
-                <a16:creationId xmlns:a16="http://schemas.microsoft.com/office/drawing/2014/main" id="{E08E1825-7573-4055-8192-47D6B83231F8}"/>
+                <a16:creationId xmlns:a16="http://schemas.microsoft.com/office/drawing/2014/main" xmlns="" id="{E08E1825-7573-4055-8192-47D6B83231F8}"/>
               </a:ext>
             </a:extLst>
           </p:cNvPr>
@@ -7993,7 +7909,7 @@
           <p:cNvPr id="15" name="Oval 14">
             <a:extLst>
               <a:ext uri="{FF2B5EF4-FFF2-40B4-BE49-F238E27FC236}">
-                <a16:creationId xmlns:a16="http://schemas.microsoft.com/office/drawing/2014/main" id="{C673D449-E9F2-45B7-B214-F7B45D5D5782}"/>
+                <a16:creationId xmlns:a16="http://schemas.microsoft.com/office/drawing/2014/main" xmlns="" id="{C673D449-E9F2-45B7-B214-F7B45D5D5782}"/>
               </a:ext>
             </a:extLst>
           </p:cNvPr>
@@ -8047,7 +7963,7 @@
           <p:cNvPr id="18" name="TextBox 17">
             <a:extLst>
               <a:ext uri="{FF2B5EF4-FFF2-40B4-BE49-F238E27FC236}">
-                <a16:creationId xmlns:a16="http://schemas.microsoft.com/office/drawing/2014/main" id="{49213482-61DE-4E6A-923C-D45CD14DD772}"/>
+                <a16:creationId xmlns:a16="http://schemas.microsoft.com/office/drawing/2014/main" xmlns="" id="{49213482-61DE-4E6A-923C-D45CD14DD772}"/>
               </a:ext>
             </a:extLst>
           </p:cNvPr>
@@ -8082,7 +7998,7 @@
           <p:cNvPr id="19" name="TextBox 18">
             <a:extLst>
               <a:ext uri="{FF2B5EF4-FFF2-40B4-BE49-F238E27FC236}">
-                <a16:creationId xmlns:a16="http://schemas.microsoft.com/office/drawing/2014/main" id="{26382464-B130-418C-826B-FCE1564D90CF}"/>
+                <a16:creationId xmlns:a16="http://schemas.microsoft.com/office/drawing/2014/main" xmlns="" id="{26382464-B130-418C-826B-FCE1564D90CF}"/>
               </a:ext>
             </a:extLst>
           </p:cNvPr>
@@ -8117,7 +8033,7 @@
           <p:cNvPr id="20" name="TextBox 19">
             <a:extLst>
               <a:ext uri="{FF2B5EF4-FFF2-40B4-BE49-F238E27FC236}">
-                <a16:creationId xmlns:a16="http://schemas.microsoft.com/office/drawing/2014/main" id="{DD390C99-FD0D-4FFA-9936-058FE9FC4932}"/>
+                <a16:creationId xmlns:a16="http://schemas.microsoft.com/office/drawing/2014/main" xmlns="" id="{DD390C99-FD0D-4FFA-9936-058FE9FC4932}"/>
               </a:ext>
             </a:extLst>
           </p:cNvPr>
@@ -8152,7 +8068,7 @@
           <p:cNvPr id="22" name="Straight Connector 21">
             <a:extLst>
               <a:ext uri="{FF2B5EF4-FFF2-40B4-BE49-F238E27FC236}">
-                <a16:creationId xmlns:a16="http://schemas.microsoft.com/office/drawing/2014/main" id="{489F4072-AC12-4534-9FC1-B1BF9DFC4213}"/>
+                <a16:creationId xmlns:a16="http://schemas.microsoft.com/office/drawing/2014/main" xmlns="" id="{489F4072-AC12-4534-9FC1-B1BF9DFC4213}"/>
               </a:ext>
             </a:extLst>
           </p:cNvPr>
@@ -8198,7 +8114,7 @@
           <p:cNvPr id="50" name="Group 49">
             <a:extLst>
               <a:ext uri="{FF2B5EF4-FFF2-40B4-BE49-F238E27FC236}">
-                <a16:creationId xmlns:a16="http://schemas.microsoft.com/office/drawing/2014/main" id="{69D37D2E-64FC-4E06-AB29-38DBF169C493}"/>
+                <a16:creationId xmlns:a16="http://schemas.microsoft.com/office/drawing/2014/main" xmlns="" id="{69D37D2E-64FC-4E06-AB29-38DBF169C493}"/>
               </a:ext>
             </a:extLst>
           </p:cNvPr>
@@ -8218,7 +8134,7 @@
             <p:cNvPr id="23" name="Oval 22">
               <a:extLst>
                 <a:ext uri="{FF2B5EF4-FFF2-40B4-BE49-F238E27FC236}">
-                  <a16:creationId xmlns:a16="http://schemas.microsoft.com/office/drawing/2014/main" id="{BC70D42B-C0C9-4C4D-A417-570AFB319A8D}"/>
+                  <a16:creationId xmlns:a16="http://schemas.microsoft.com/office/drawing/2014/main" xmlns="" id="{BC70D42B-C0C9-4C4D-A417-570AFB319A8D}"/>
                 </a:ext>
               </a:extLst>
             </p:cNvPr>
@@ -8272,7 +8188,7 @@
             <p:cNvPr id="24" name="TextBox 23">
               <a:extLst>
                 <a:ext uri="{FF2B5EF4-FFF2-40B4-BE49-F238E27FC236}">
-                  <a16:creationId xmlns:a16="http://schemas.microsoft.com/office/drawing/2014/main" id="{445DDA8A-C75E-4606-ADD3-DAADFB8F7B23}"/>
+                  <a16:creationId xmlns:a16="http://schemas.microsoft.com/office/drawing/2014/main" xmlns="" id="{445DDA8A-C75E-4606-ADD3-DAADFB8F7B23}"/>
                 </a:ext>
               </a:extLst>
             </p:cNvPr>
@@ -8308,7 +8224,7 @@
           <p:cNvPr id="25" name="Straight Connector 24">
             <a:extLst>
               <a:ext uri="{FF2B5EF4-FFF2-40B4-BE49-F238E27FC236}">
-                <a16:creationId xmlns:a16="http://schemas.microsoft.com/office/drawing/2014/main" id="{3F40EC89-C0D5-4DD8-85F5-44FBCB69B00D}"/>
+                <a16:creationId xmlns:a16="http://schemas.microsoft.com/office/drawing/2014/main" xmlns="" id="{3F40EC89-C0D5-4DD8-85F5-44FBCB69B00D}"/>
               </a:ext>
             </a:extLst>
           </p:cNvPr>
@@ -8354,7 +8270,7 @@
           <p:cNvPr id="31" name="Group 30">
             <a:extLst>
               <a:ext uri="{FF2B5EF4-FFF2-40B4-BE49-F238E27FC236}">
-                <a16:creationId xmlns:a16="http://schemas.microsoft.com/office/drawing/2014/main" id="{34D17B67-032B-4939-BF41-B15BBEBA20B3}"/>
+                <a16:creationId xmlns:a16="http://schemas.microsoft.com/office/drawing/2014/main" xmlns="" id="{34D17B67-032B-4939-BF41-B15BBEBA20B3}"/>
               </a:ext>
             </a:extLst>
           </p:cNvPr>
@@ -8374,7 +8290,7 @@
             <p:cNvPr id="26" name="Oval 25">
               <a:extLst>
                 <a:ext uri="{FF2B5EF4-FFF2-40B4-BE49-F238E27FC236}">
-                  <a16:creationId xmlns:a16="http://schemas.microsoft.com/office/drawing/2014/main" id="{2E65D98B-A8D1-479B-9572-AF77672E1910}"/>
+                  <a16:creationId xmlns:a16="http://schemas.microsoft.com/office/drawing/2014/main" xmlns="" id="{2E65D98B-A8D1-479B-9572-AF77672E1910}"/>
                 </a:ext>
               </a:extLst>
             </p:cNvPr>
@@ -8428,7 +8344,7 @@
             <p:cNvPr id="27" name="TextBox 26">
               <a:extLst>
                 <a:ext uri="{FF2B5EF4-FFF2-40B4-BE49-F238E27FC236}">
-                  <a16:creationId xmlns:a16="http://schemas.microsoft.com/office/drawing/2014/main" id="{FFEB9FFF-1093-4D62-8CEA-8E02B2601C0A}"/>
+                  <a16:creationId xmlns:a16="http://schemas.microsoft.com/office/drawing/2014/main" xmlns="" id="{FFEB9FFF-1093-4D62-8CEA-8E02B2601C0A}"/>
                 </a:ext>
               </a:extLst>
             </p:cNvPr>
@@ -8462,7 +8378,7 @@
     </p:spTree>
     <p:extLst>
       <p:ext uri="{BB962C8B-B14F-4D97-AF65-F5344CB8AC3E}">
-        <p14:creationId xmlns:p14="http://schemas.microsoft.com/office/powerpoint/2010/main" val="2856295677"/>
+        <p14:creationId xmlns:p14="http://schemas.microsoft.com/office/powerpoint/2010/main" xmlns="" val="2856295677"/>
       </p:ext>
     </p:extLst>
   </p:cSld>
@@ -8555,28 +8471,6 @@
       </p:sp>
       <p:sp>
         <p:nvSpPr>
-          <p:cNvPr id="6" name="Date Placeholder 5"/>
-          <p:cNvSpPr>
-            <a:spLocks noGrp="1"/>
-          </p:cNvSpPr>
-          <p:nvPr>
-            <p:ph type="dt" sz="half" idx="2"/>
-          </p:nvPr>
-        </p:nvSpPr>
-        <p:spPr/>
-        <p:txBody>
-          <a:bodyPr/>
-          <a:lstStyle/>
-          <a:p>
-            <a:r>
-              <a:rPr lang="en-CA" dirty="0"/>
-              <a:t>Winter 2022</a:t>
-            </a:r>
-          </a:p>
-        </p:txBody>
-      </p:sp>
-      <p:sp>
-        <p:nvSpPr>
           <p:cNvPr id="10" name="Footer Placeholder 9"/>
           <p:cNvSpPr>
             <a:spLocks noGrp="1"/>
@@ -8629,7 +8523,7 @@
           <p:cNvPr id="4" name="Group 3">
             <a:extLst>
               <a:ext uri="{FF2B5EF4-FFF2-40B4-BE49-F238E27FC236}">
-                <a16:creationId xmlns:a16="http://schemas.microsoft.com/office/drawing/2014/main" id="{392859C3-3DA5-48EC-8DA7-7E77DD63BDE3}"/>
+                <a16:creationId xmlns:a16="http://schemas.microsoft.com/office/drawing/2014/main" xmlns="" id="{392859C3-3DA5-48EC-8DA7-7E77DD63BDE3}"/>
               </a:ext>
             </a:extLst>
           </p:cNvPr>
@@ -8649,7 +8543,7 @@
             <p:cNvPr id="5" name="Straight Connector 4">
               <a:extLst>
                 <a:ext uri="{FF2B5EF4-FFF2-40B4-BE49-F238E27FC236}">
-                  <a16:creationId xmlns:a16="http://schemas.microsoft.com/office/drawing/2014/main" id="{E22AD152-70BD-4229-B8BC-C60DBA0179DC}"/>
+                  <a16:creationId xmlns:a16="http://schemas.microsoft.com/office/drawing/2014/main" xmlns="" id="{E22AD152-70BD-4229-B8BC-C60DBA0179DC}"/>
                 </a:ext>
               </a:extLst>
             </p:cNvPr>
@@ -8693,7 +8587,7 @@
             <p:cNvPr id="9" name="Oval 8">
               <a:extLst>
                 <a:ext uri="{FF2B5EF4-FFF2-40B4-BE49-F238E27FC236}">
-                  <a16:creationId xmlns:a16="http://schemas.microsoft.com/office/drawing/2014/main" id="{8F37EFB2-5530-4905-AC70-3DB832BEDBD3}"/>
+                  <a16:creationId xmlns:a16="http://schemas.microsoft.com/office/drawing/2014/main" xmlns="" id="{8F37EFB2-5530-4905-AC70-3DB832BEDBD3}"/>
                 </a:ext>
               </a:extLst>
             </p:cNvPr>
@@ -8747,7 +8641,7 @@
             <p:cNvPr id="13" name="Oval 12">
               <a:extLst>
                 <a:ext uri="{FF2B5EF4-FFF2-40B4-BE49-F238E27FC236}">
-                  <a16:creationId xmlns:a16="http://schemas.microsoft.com/office/drawing/2014/main" id="{5BC6BE35-425F-46E5-A8D6-F89BE4A3F589}"/>
+                  <a16:creationId xmlns:a16="http://schemas.microsoft.com/office/drawing/2014/main" xmlns="" id="{5BC6BE35-425F-46E5-A8D6-F89BE4A3F589}"/>
                 </a:ext>
               </a:extLst>
             </p:cNvPr>
@@ -8801,7 +8695,7 @@
             <p:cNvPr id="14" name="Straight Connector 13">
               <a:extLst>
                 <a:ext uri="{FF2B5EF4-FFF2-40B4-BE49-F238E27FC236}">
-                  <a16:creationId xmlns:a16="http://schemas.microsoft.com/office/drawing/2014/main" id="{E08E1825-7573-4055-8192-47D6B83231F8}"/>
+                  <a16:creationId xmlns:a16="http://schemas.microsoft.com/office/drawing/2014/main" xmlns="" id="{E08E1825-7573-4055-8192-47D6B83231F8}"/>
                 </a:ext>
               </a:extLst>
             </p:cNvPr>
@@ -8845,7 +8739,7 @@
             <p:cNvPr id="15" name="Oval 14">
               <a:extLst>
                 <a:ext uri="{FF2B5EF4-FFF2-40B4-BE49-F238E27FC236}">
-                  <a16:creationId xmlns:a16="http://schemas.microsoft.com/office/drawing/2014/main" id="{C673D449-E9F2-45B7-B214-F7B45D5D5782}"/>
+                  <a16:creationId xmlns:a16="http://schemas.microsoft.com/office/drawing/2014/main" xmlns="" id="{C673D449-E9F2-45B7-B214-F7B45D5D5782}"/>
                 </a:ext>
               </a:extLst>
             </p:cNvPr>
@@ -8899,7 +8793,7 @@
             <p:cNvPr id="18" name="TextBox 17">
               <a:extLst>
                 <a:ext uri="{FF2B5EF4-FFF2-40B4-BE49-F238E27FC236}">
-                  <a16:creationId xmlns:a16="http://schemas.microsoft.com/office/drawing/2014/main" id="{49213482-61DE-4E6A-923C-D45CD14DD772}"/>
+                  <a16:creationId xmlns:a16="http://schemas.microsoft.com/office/drawing/2014/main" xmlns="" id="{49213482-61DE-4E6A-923C-D45CD14DD772}"/>
                 </a:ext>
               </a:extLst>
             </p:cNvPr>
@@ -8934,7 +8828,7 @@
             <p:cNvPr id="19" name="TextBox 18">
               <a:extLst>
                 <a:ext uri="{FF2B5EF4-FFF2-40B4-BE49-F238E27FC236}">
-                  <a16:creationId xmlns:a16="http://schemas.microsoft.com/office/drawing/2014/main" id="{26382464-B130-418C-826B-FCE1564D90CF}"/>
+                  <a16:creationId xmlns:a16="http://schemas.microsoft.com/office/drawing/2014/main" xmlns="" id="{26382464-B130-418C-826B-FCE1564D90CF}"/>
                 </a:ext>
               </a:extLst>
             </p:cNvPr>
@@ -8969,7 +8863,7 @@
             <p:cNvPr id="20" name="TextBox 19">
               <a:extLst>
                 <a:ext uri="{FF2B5EF4-FFF2-40B4-BE49-F238E27FC236}">
-                  <a16:creationId xmlns:a16="http://schemas.microsoft.com/office/drawing/2014/main" id="{DD390C99-FD0D-4FFA-9936-058FE9FC4932}"/>
+                  <a16:creationId xmlns:a16="http://schemas.microsoft.com/office/drawing/2014/main" xmlns="" id="{DD390C99-FD0D-4FFA-9936-058FE9FC4932}"/>
                 </a:ext>
               </a:extLst>
             </p:cNvPr>
@@ -9004,7 +8898,7 @@
             <p:cNvPr id="22" name="Straight Connector 21">
               <a:extLst>
                 <a:ext uri="{FF2B5EF4-FFF2-40B4-BE49-F238E27FC236}">
-                  <a16:creationId xmlns:a16="http://schemas.microsoft.com/office/drawing/2014/main" id="{489F4072-AC12-4534-9FC1-B1BF9DFC4213}"/>
+                  <a16:creationId xmlns:a16="http://schemas.microsoft.com/office/drawing/2014/main" xmlns="" id="{489F4072-AC12-4534-9FC1-B1BF9DFC4213}"/>
                 </a:ext>
               </a:extLst>
             </p:cNvPr>
@@ -9050,7 +8944,7 @@
             <p:cNvPr id="50" name="Group 49">
               <a:extLst>
                 <a:ext uri="{FF2B5EF4-FFF2-40B4-BE49-F238E27FC236}">
-                  <a16:creationId xmlns:a16="http://schemas.microsoft.com/office/drawing/2014/main" id="{69D37D2E-64FC-4E06-AB29-38DBF169C493}"/>
+                  <a16:creationId xmlns:a16="http://schemas.microsoft.com/office/drawing/2014/main" xmlns="" id="{69D37D2E-64FC-4E06-AB29-38DBF169C493}"/>
                 </a:ext>
               </a:extLst>
             </p:cNvPr>
@@ -9070,7 +8964,7 @@
               <p:cNvPr id="23" name="Oval 22">
                 <a:extLst>
                   <a:ext uri="{FF2B5EF4-FFF2-40B4-BE49-F238E27FC236}">
-                    <a16:creationId xmlns:a16="http://schemas.microsoft.com/office/drawing/2014/main" id="{BC70D42B-C0C9-4C4D-A417-570AFB319A8D}"/>
+                    <a16:creationId xmlns:a16="http://schemas.microsoft.com/office/drawing/2014/main" xmlns="" id="{BC70D42B-C0C9-4C4D-A417-570AFB319A8D}"/>
                   </a:ext>
                 </a:extLst>
               </p:cNvPr>
@@ -9124,7 +9018,7 @@
               <p:cNvPr id="24" name="TextBox 23">
                 <a:extLst>
                   <a:ext uri="{FF2B5EF4-FFF2-40B4-BE49-F238E27FC236}">
-                    <a16:creationId xmlns:a16="http://schemas.microsoft.com/office/drawing/2014/main" id="{445DDA8A-C75E-4606-ADD3-DAADFB8F7B23}"/>
+                    <a16:creationId xmlns:a16="http://schemas.microsoft.com/office/drawing/2014/main" xmlns="" id="{445DDA8A-C75E-4606-ADD3-DAADFB8F7B23}"/>
                   </a:ext>
                 </a:extLst>
               </p:cNvPr>
@@ -9160,7 +9054,7 @@
             <p:cNvPr id="25" name="Straight Connector 24">
               <a:extLst>
                 <a:ext uri="{FF2B5EF4-FFF2-40B4-BE49-F238E27FC236}">
-                  <a16:creationId xmlns:a16="http://schemas.microsoft.com/office/drawing/2014/main" id="{3F40EC89-C0D5-4DD8-85F5-44FBCB69B00D}"/>
+                  <a16:creationId xmlns:a16="http://schemas.microsoft.com/office/drawing/2014/main" xmlns="" id="{3F40EC89-C0D5-4DD8-85F5-44FBCB69B00D}"/>
                 </a:ext>
               </a:extLst>
             </p:cNvPr>
@@ -9206,7 +9100,7 @@
             <p:cNvPr id="31" name="Group 30">
               <a:extLst>
                 <a:ext uri="{FF2B5EF4-FFF2-40B4-BE49-F238E27FC236}">
-                  <a16:creationId xmlns:a16="http://schemas.microsoft.com/office/drawing/2014/main" id="{34D17B67-032B-4939-BF41-B15BBEBA20B3}"/>
+                  <a16:creationId xmlns:a16="http://schemas.microsoft.com/office/drawing/2014/main" xmlns="" id="{34D17B67-032B-4939-BF41-B15BBEBA20B3}"/>
                 </a:ext>
               </a:extLst>
             </p:cNvPr>
@@ -9226,7 +9120,7 @@
               <p:cNvPr id="26" name="Oval 25">
                 <a:extLst>
                   <a:ext uri="{FF2B5EF4-FFF2-40B4-BE49-F238E27FC236}">
-                    <a16:creationId xmlns:a16="http://schemas.microsoft.com/office/drawing/2014/main" id="{2E65D98B-A8D1-479B-9572-AF77672E1910}"/>
+                    <a16:creationId xmlns:a16="http://schemas.microsoft.com/office/drawing/2014/main" xmlns="" id="{2E65D98B-A8D1-479B-9572-AF77672E1910}"/>
                   </a:ext>
                 </a:extLst>
               </p:cNvPr>
@@ -9283,7 +9177,7 @@
               <p:cNvPr id="27" name="TextBox 26">
                 <a:extLst>
                   <a:ext uri="{FF2B5EF4-FFF2-40B4-BE49-F238E27FC236}">
-                    <a16:creationId xmlns:a16="http://schemas.microsoft.com/office/drawing/2014/main" id="{FFEB9FFF-1093-4D62-8CEA-8E02B2601C0A}"/>
+                    <a16:creationId xmlns:a16="http://schemas.microsoft.com/office/drawing/2014/main" xmlns="" id="{FFEB9FFF-1093-4D62-8CEA-8E02B2601C0A}"/>
                   </a:ext>
                 </a:extLst>
               </p:cNvPr>
@@ -9320,7 +9214,7 @@
           <p:cNvPr id="7" name="TextBox 6">
             <a:extLst>
               <a:ext uri="{FF2B5EF4-FFF2-40B4-BE49-F238E27FC236}">
-                <a16:creationId xmlns:a16="http://schemas.microsoft.com/office/drawing/2014/main" id="{6966F64C-CB81-4CF7-B599-F846F56B5A6E}"/>
+                <a16:creationId xmlns:a16="http://schemas.microsoft.com/office/drawing/2014/main" xmlns="" id="{6966F64C-CB81-4CF7-B599-F846F56B5A6E}"/>
               </a:ext>
             </a:extLst>
           </p:cNvPr>
@@ -9365,7 +9259,7 @@
           <p:cNvPr id="29" name="Straight Connector 28">
             <a:extLst>
               <a:ext uri="{FF2B5EF4-FFF2-40B4-BE49-F238E27FC236}">
-                <a16:creationId xmlns:a16="http://schemas.microsoft.com/office/drawing/2014/main" id="{0761E812-7018-4712-A3B4-BA0840743582}"/>
+                <a16:creationId xmlns:a16="http://schemas.microsoft.com/office/drawing/2014/main" xmlns="" id="{0761E812-7018-4712-A3B4-BA0840743582}"/>
               </a:ext>
             </a:extLst>
           </p:cNvPr>
@@ -9410,7 +9304,7 @@
           <p:cNvPr id="30" name="Oval 29">
             <a:extLst>
               <a:ext uri="{FF2B5EF4-FFF2-40B4-BE49-F238E27FC236}">
-                <a16:creationId xmlns:a16="http://schemas.microsoft.com/office/drawing/2014/main" id="{97D0FF15-79B0-44B5-BAFA-F8500EF783D7}"/>
+                <a16:creationId xmlns:a16="http://schemas.microsoft.com/office/drawing/2014/main" xmlns="" id="{97D0FF15-79B0-44B5-BAFA-F8500EF783D7}"/>
               </a:ext>
             </a:extLst>
           </p:cNvPr>
@@ -9464,7 +9358,7 @@
           <p:cNvPr id="35" name="TextBox 34">
             <a:extLst>
               <a:ext uri="{FF2B5EF4-FFF2-40B4-BE49-F238E27FC236}">
-                <a16:creationId xmlns:a16="http://schemas.microsoft.com/office/drawing/2014/main" id="{367A9E5B-E1E7-4995-8A17-C3119F0AF249}"/>
+                <a16:creationId xmlns:a16="http://schemas.microsoft.com/office/drawing/2014/main" xmlns="" id="{367A9E5B-E1E7-4995-8A17-C3119F0AF249}"/>
               </a:ext>
             </a:extLst>
           </p:cNvPr>
@@ -9499,7 +9393,7 @@
           <p:cNvPr id="39" name="Group 38">
             <a:extLst>
               <a:ext uri="{FF2B5EF4-FFF2-40B4-BE49-F238E27FC236}">
-                <a16:creationId xmlns:a16="http://schemas.microsoft.com/office/drawing/2014/main" id="{1479386C-47F8-47FC-B853-DE1ACABB80D8}"/>
+                <a16:creationId xmlns:a16="http://schemas.microsoft.com/office/drawing/2014/main" xmlns="" id="{1479386C-47F8-47FC-B853-DE1ACABB80D8}"/>
               </a:ext>
             </a:extLst>
           </p:cNvPr>
@@ -9519,7 +9413,7 @@
             <p:cNvPr id="44" name="Oval 43">
               <a:extLst>
                 <a:ext uri="{FF2B5EF4-FFF2-40B4-BE49-F238E27FC236}">
-                  <a16:creationId xmlns:a16="http://schemas.microsoft.com/office/drawing/2014/main" id="{F83FCDB9-FE62-48B6-B9C9-98E8879E8310}"/>
+                  <a16:creationId xmlns:a16="http://schemas.microsoft.com/office/drawing/2014/main" xmlns="" id="{F83FCDB9-FE62-48B6-B9C9-98E8879E8310}"/>
                 </a:ext>
               </a:extLst>
             </p:cNvPr>
@@ -9573,7 +9467,7 @@
             <p:cNvPr id="45" name="TextBox 44">
               <a:extLst>
                 <a:ext uri="{FF2B5EF4-FFF2-40B4-BE49-F238E27FC236}">
-                  <a16:creationId xmlns:a16="http://schemas.microsoft.com/office/drawing/2014/main" id="{9C8AA847-34F5-4477-BFF8-5A75370286A8}"/>
+                  <a16:creationId xmlns:a16="http://schemas.microsoft.com/office/drawing/2014/main" xmlns="" id="{9C8AA847-34F5-4477-BFF8-5A75370286A8}"/>
                 </a:ext>
               </a:extLst>
             </p:cNvPr>
@@ -9609,7 +9503,7 @@
           <p:cNvPr id="46" name="Straight Connector 45">
             <a:extLst>
               <a:ext uri="{FF2B5EF4-FFF2-40B4-BE49-F238E27FC236}">
-                <a16:creationId xmlns:a16="http://schemas.microsoft.com/office/drawing/2014/main" id="{09EA1F22-8124-4C3C-8487-4F2855F86FA1}"/>
+                <a16:creationId xmlns:a16="http://schemas.microsoft.com/office/drawing/2014/main" xmlns="" id="{09EA1F22-8124-4C3C-8487-4F2855F86FA1}"/>
               </a:ext>
             </a:extLst>
           </p:cNvPr>
@@ -9655,7 +9549,7 @@
           <p:cNvPr id="48" name="TextBox 47">
             <a:extLst>
               <a:ext uri="{FF2B5EF4-FFF2-40B4-BE49-F238E27FC236}">
-                <a16:creationId xmlns:a16="http://schemas.microsoft.com/office/drawing/2014/main" id="{837C37C0-F977-4FC9-9B66-D8B3352D1156}"/>
+                <a16:creationId xmlns:a16="http://schemas.microsoft.com/office/drawing/2014/main" xmlns="" id="{837C37C0-F977-4FC9-9B66-D8B3352D1156}"/>
               </a:ext>
             </a:extLst>
           </p:cNvPr>
@@ -9700,7 +9594,7 @@
           <p:cNvPr id="51" name="Straight Connector 50">
             <a:extLst>
               <a:ext uri="{FF2B5EF4-FFF2-40B4-BE49-F238E27FC236}">
-                <a16:creationId xmlns:a16="http://schemas.microsoft.com/office/drawing/2014/main" id="{54D31D38-4D9B-4E31-B54B-A451D1680C6C}"/>
+                <a16:creationId xmlns:a16="http://schemas.microsoft.com/office/drawing/2014/main" xmlns="" id="{54D31D38-4D9B-4E31-B54B-A451D1680C6C}"/>
               </a:ext>
             </a:extLst>
           </p:cNvPr>
@@ -9744,7 +9638,7 @@
           <p:cNvPr id="52" name="Oval 51">
             <a:extLst>
               <a:ext uri="{FF2B5EF4-FFF2-40B4-BE49-F238E27FC236}">
-                <a16:creationId xmlns:a16="http://schemas.microsoft.com/office/drawing/2014/main" id="{5726B7DD-0EA9-406A-96AF-756F1A0E8887}"/>
+                <a16:creationId xmlns:a16="http://schemas.microsoft.com/office/drawing/2014/main" xmlns="" id="{5726B7DD-0EA9-406A-96AF-756F1A0E8887}"/>
               </a:ext>
             </a:extLst>
           </p:cNvPr>
@@ -9798,7 +9692,7 @@
           <p:cNvPr id="56" name="TextBox 55">
             <a:extLst>
               <a:ext uri="{FF2B5EF4-FFF2-40B4-BE49-F238E27FC236}">
-                <a16:creationId xmlns:a16="http://schemas.microsoft.com/office/drawing/2014/main" id="{9BB8C067-EC43-42AE-9AAE-72369341D1AA}"/>
+                <a16:creationId xmlns:a16="http://schemas.microsoft.com/office/drawing/2014/main" xmlns="" id="{9BB8C067-EC43-42AE-9AAE-72369341D1AA}"/>
               </a:ext>
             </a:extLst>
           </p:cNvPr>
@@ -9833,7 +9727,7 @@
           <p:cNvPr id="70" name="Group 69">
             <a:extLst>
               <a:ext uri="{FF2B5EF4-FFF2-40B4-BE49-F238E27FC236}">
-                <a16:creationId xmlns:a16="http://schemas.microsoft.com/office/drawing/2014/main" id="{94E5A6EE-967C-4683-8189-EE5DBFA1FDEC}"/>
+                <a16:creationId xmlns:a16="http://schemas.microsoft.com/office/drawing/2014/main" xmlns="" id="{94E5A6EE-967C-4683-8189-EE5DBFA1FDEC}"/>
               </a:ext>
             </a:extLst>
           </p:cNvPr>
@@ -9859,7 +9753,7 @@
             <p:cNvPr id="53" name="Oval 52">
               <a:extLst>
                 <a:ext uri="{FF2B5EF4-FFF2-40B4-BE49-F238E27FC236}">
-                  <a16:creationId xmlns:a16="http://schemas.microsoft.com/office/drawing/2014/main" id="{1ECE8758-147F-4AFA-AFFF-C933A42D805C}"/>
+                  <a16:creationId xmlns:a16="http://schemas.microsoft.com/office/drawing/2014/main" xmlns="" id="{1ECE8758-147F-4AFA-AFFF-C933A42D805C}"/>
                 </a:ext>
               </a:extLst>
             </p:cNvPr>
@@ -9911,7 +9805,7 @@
             <p:cNvPr id="57" name="TextBox 56">
               <a:extLst>
                 <a:ext uri="{FF2B5EF4-FFF2-40B4-BE49-F238E27FC236}">
-                  <a16:creationId xmlns:a16="http://schemas.microsoft.com/office/drawing/2014/main" id="{A4F84758-D3CF-46F2-8CAF-0B146CA2B577}"/>
+                  <a16:creationId xmlns:a16="http://schemas.microsoft.com/office/drawing/2014/main" xmlns="" id="{A4F84758-D3CF-46F2-8CAF-0B146CA2B577}"/>
                 </a:ext>
               </a:extLst>
             </p:cNvPr>
@@ -9947,7 +9841,7 @@
           <p:cNvPr id="63" name="TextBox 62">
             <a:extLst>
               <a:ext uri="{FF2B5EF4-FFF2-40B4-BE49-F238E27FC236}">
-                <a16:creationId xmlns:a16="http://schemas.microsoft.com/office/drawing/2014/main" id="{B06C78FF-85EE-46D9-A2FB-027AF9F5AFA5}"/>
+                <a16:creationId xmlns:a16="http://schemas.microsoft.com/office/drawing/2014/main" xmlns="" id="{B06C78FF-85EE-46D9-A2FB-027AF9F5AFA5}"/>
               </a:ext>
             </a:extLst>
           </p:cNvPr>
@@ -9992,7 +9886,7 @@
           <p:cNvPr id="64" name="Straight Connector 63">
             <a:extLst>
               <a:ext uri="{FF2B5EF4-FFF2-40B4-BE49-F238E27FC236}">
-                <a16:creationId xmlns:a16="http://schemas.microsoft.com/office/drawing/2014/main" id="{B719218F-5959-4D48-AA0E-EAAA90C83A27}"/>
+                <a16:creationId xmlns:a16="http://schemas.microsoft.com/office/drawing/2014/main" xmlns="" id="{B719218F-5959-4D48-AA0E-EAAA90C83A27}"/>
               </a:ext>
             </a:extLst>
           </p:cNvPr>
@@ -10038,7 +9932,7 @@
           <p:cNvPr id="67" name="Straight Connector 66">
             <a:extLst>
               <a:ext uri="{FF2B5EF4-FFF2-40B4-BE49-F238E27FC236}">
-                <a16:creationId xmlns:a16="http://schemas.microsoft.com/office/drawing/2014/main" id="{A490E88C-0524-4D04-A593-C8AEF6195AEC}"/>
+                <a16:creationId xmlns:a16="http://schemas.microsoft.com/office/drawing/2014/main" xmlns="" id="{A490E88C-0524-4D04-A593-C8AEF6195AEC}"/>
               </a:ext>
             </a:extLst>
           </p:cNvPr>
@@ -10084,7 +9978,7 @@
           <p:cNvPr id="76" name="Straight Connector 75">
             <a:extLst>
               <a:ext uri="{FF2B5EF4-FFF2-40B4-BE49-F238E27FC236}">
-                <a16:creationId xmlns:a16="http://schemas.microsoft.com/office/drawing/2014/main" id="{D6DFB163-4FD5-486B-8D36-49BDA9B87C2B}"/>
+                <a16:creationId xmlns:a16="http://schemas.microsoft.com/office/drawing/2014/main" xmlns="" id="{D6DFB163-4FD5-486B-8D36-49BDA9B87C2B}"/>
               </a:ext>
             </a:extLst>
           </p:cNvPr>
@@ -10130,7 +10024,7 @@
           <p:cNvPr id="79" name="Group 78">
             <a:extLst>
               <a:ext uri="{FF2B5EF4-FFF2-40B4-BE49-F238E27FC236}">
-                <a16:creationId xmlns:a16="http://schemas.microsoft.com/office/drawing/2014/main" id="{30FFD568-DE9E-4715-9176-0BEC152CBF7F}"/>
+                <a16:creationId xmlns:a16="http://schemas.microsoft.com/office/drawing/2014/main" xmlns="" id="{30FFD568-DE9E-4715-9176-0BEC152CBF7F}"/>
               </a:ext>
             </a:extLst>
           </p:cNvPr>
@@ -10156,7 +10050,7 @@
             <p:cNvPr id="80" name="Oval 79">
               <a:extLst>
                 <a:ext uri="{FF2B5EF4-FFF2-40B4-BE49-F238E27FC236}">
-                  <a16:creationId xmlns:a16="http://schemas.microsoft.com/office/drawing/2014/main" id="{9DF465D2-75F0-4125-A9CB-0D50B6A731DD}"/>
+                  <a16:creationId xmlns:a16="http://schemas.microsoft.com/office/drawing/2014/main" xmlns="" id="{9DF465D2-75F0-4125-A9CB-0D50B6A731DD}"/>
                 </a:ext>
               </a:extLst>
             </p:cNvPr>
@@ -10208,7 +10102,7 @@
             <p:cNvPr id="81" name="TextBox 80">
               <a:extLst>
                 <a:ext uri="{FF2B5EF4-FFF2-40B4-BE49-F238E27FC236}">
-                  <a16:creationId xmlns:a16="http://schemas.microsoft.com/office/drawing/2014/main" id="{1D3D4C2F-24A1-424F-9B49-18C67911C184}"/>
+                  <a16:creationId xmlns:a16="http://schemas.microsoft.com/office/drawing/2014/main" xmlns="" id="{1D3D4C2F-24A1-424F-9B49-18C67911C184}"/>
                 </a:ext>
               </a:extLst>
             </p:cNvPr>
@@ -10244,7 +10138,7 @@
           <p:cNvPr id="83" name="Straight Connector 82">
             <a:extLst>
               <a:ext uri="{FF2B5EF4-FFF2-40B4-BE49-F238E27FC236}">
-                <a16:creationId xmlns:a16="http://schemas.microsoft.com/office/drawing/2014/main" id="{22A61181-6EA2-4714-8A3E-F48DACB5C65B}"/>
+                <a16:creationId xmlns:a16="http://schemas.microsoft.com/office/drawing/2014/main" xmlns="" id="{22A61181-6EA2-4714-8A3E-F48DACB5C65B}"/>
               </a:ext>
             </a:extLst>
           </p:cNvPr>
@@ -10290,7 +10184,7 @@
           <p:cNvPr id="88" name="Straight Connector 87">
             <a:extLst>
               <a:ext uri="{FF2B5EF4-FFF2-40B4-BE49-F238E27FC236}">
-                <a16:creationId xmlns:a16="http://schemas.microsoft.com/office/drawing/2014/main" id="{DBFA6EBA-2706-4C4E-A35C-1DE71DA4BD3D}"/>
+                <a16:creationId xmlns:a16="http://schemas.microsoft.com/office/drawing/2014/main" xmlns="" id="{DBFA6EBA-2706-4C4E-A35C-1DE71DA4BD3D}"/>
               </a:ext>
             </a:extLst>
           </p:cNvPr>
@@ -10336,7 +10230,7 @@
           <p:cNvPr id="91" name="Group 90">
             <a:extLst>
               <a:ext uri="{FF2B5EF4-FFF2-40B4-BE49-F238E27FC236}">
-                <a16:creationId xmlns:a16="http://schemas.microsoft.com/office/drawing/2014/main" id="{F6A5C452-E102-49C2-9EC5-B98C0DB86935}"/>
+                <a16:creationId xmlns:a16="http://schemas.microsoft.com/office/drawing/2014/main" xmlns="" id="{F6A5C452-E102-49C2-9EC5-B98C0DB86935}"/>
               </a:ext>
             </a:extLst>
           </p:cNvPr>
@@ -10356,7 +10250,7 @@
             <p:cNvPr id="94" name="Oval 93">
               <a:extLst>
                 <a:ext uri="{FF2B5EF4-FFF2-40B4-BE49-F238E27FC236}">
-                  <a16:creationId xmlns:a16="http://schemas.microsoft.com/office/drawing/2014/main" id="{21285E0F-DC60-479E-8FDD-7D6AAF1D0701}"/>
+                  <a16:creationId xmlns:a16="http://schemas.microsoft.com/office/drawing/2014/main" xmlns="" id="{21285E0F-DC60-479E-8FDD-7D6AAF1D0701}"/>
                 </a:ext>
               </a:extLst>
             </p:cNvPr>
@@ -10410,7 +10304,7 @@
             <p:cNvPr id="95" name="Straight Connector 94">
               <a:extLst>
                 <a:ext uri="{FF2B5EF4-FFF2-40B4-BE49-F238E27FC236}">
-                  <a16:creationId xmlns:a16="http://schemas.microsoft.com/office/drawing/2014/main" id="{23001623-E7DF-4339-819C-0213B895BEE0}"/>
+                  <a16:creationId xmlns:a16="http://schemas.microsoft.com/office/drawing/2014/main" xmlns="" id="{23001623-E7DF-4339-819C-0213B895BEE0}"/>
                 </a:ext>
               </a:extLst>
             </p:cNvPr>
@@ -10454,7 +10348,7 @@
             <p:cNvPr id="96" name="Oval 95">
               <a:extLst>
                 <a:ext uri="{FF2B5EF4-FFF2-40B4-BE49-F238E27FC236}">
-                  <a16:creationId xmlns:a16="http://schemas.microsoft.com/office/drawing/2014/main" id="{A9F5A792-F17E-456E-AD39-7EB7E3B2E576}"/>
+                  <a16:creationId xmlns:a16="http://schemas.microsoft.com/office/drawing/2014/main" xmlns="" id="{A9F5A792-F17E-456E-AD39-7EB7E3B2E576}"/>
                 </a:ext>
               </a:extLst>
             </p:cNvPr>
@@ -10508,7 +10402,7 @@
             <p:cNvPr id="98" name="TextBox 97">
               <a:extLst>
                 <a:ext uri="{FF2B5EF4-FFF2-40B4-BE49-F238E27FC236}">
-                  <a16:creationId xmlns:a16="http://schemas.microsoft.com/office/drawing/2014/main" id="{5428B68C-6BF0-43CC-8B3B-C14884F723E2}"/>
+                  <a16:creationId xmlns:a16="http://schemas.microsoft.com/office/drawing/2014/main" xmlns="" id="{5428B68C-6BF0-43CC-8B3B-C14884F723E2}"/>
                 </a:ext>
               </a:extLst>
             </p:cNvPr>
@@ -10543,7 +10437,7 @@
             <p:cNvPr id="99" name="TextBox 98">
               <a:extLst>
                 <a:ext uri="{FF2B5EF4-FFF2-40B4-BE49-F238E27FC236}">
-                  <a16:creationId xmlns:a16="http://schemas.microsoft.com/office/drawing/2014/main" id="{631C1401-BC47-4768-AE22-1C6513D41F7E}"/>
+                  <a16:creationId xmlns:a16="http://schemas.microsoft.com/office/drawing/2014/main" xmlns="" id="{631C1401-BC47-4768-AE22-1C6513D41F7E}"/>
                 </a:ext>
               </a:extLst>
             </p:cNvPr>
@@ -10578,7 +10472,7 @@
             <p:cNvPr id="100" name="Straight Connector 99">
               <a:extLst>
                 <a:ext uri="{FF2B5EF4-FFF2-40B4-BE49-F238E27FC236}">
-                  <a16:creationId xmlns:a16="http://schemas.microsoft.com/office/drawing/2014/main" id="{244E5E09-9C2B-45C4-8506-6F4E9D1AE13A}"/>
+                  <a16:creationId xmlns:a16="http://schemas.microsoft.com/office/drawing/2014/main" xmlns="" id="{244E5E09-9C2B-45C4-8506-6F4E9D1AE13A}"/>
                 </a:ext>
               </a:extLst>
             </p:cNvPr>
@@ -10624,7 +10518,7 @@
             <p:cNvPr id="101" name="Group 100">
               <a:extLst>
                 <a:ext uri="{FF2B5EF4-FFF2-40B4-BE49-F238E27FC236}">
-                  <a16:creationId xmlns:a16="http://schemas.microsoft.com/office/drawing/2014/main" id="{274A4EDA-F47E-41CA-A823-D10DE501B84B}"/>
+                  <a16:creationId xmlns:a16="http://schemas.microsoft.com/office/drawing/2014/main" xmlns="" id="{274A4EDA-F47E-41CA-A823-D10DE501B84B}"/>
                 </a:ext>
               </a:extLst>
             </p:cNvPr>
@@ -10644,7 +10538,7 @@
               <p:cNvPr id="106" name="Oval 105">
                 <a:extLst>
                   <a:ext uri="{FF2B5EF4-FFF2-40B4-BE49-F238E27FC236}">
-                    <a16:creationId xmlns:a16="http://schemas.microsoft.com/office/drawing/2014/main" id="{A5AC4FD0-1E48-41B2-B58B-6F7F88A1838B}"/>
+                    <a16:creationId xmlns:a16="http://schemas.microsoft.com/office/drawing/2014/main" xmlns="" id="{A5AC4FD0-1E48-41B2-B58B-6F7F88A1838B}"/>
                   </a:ext>
                 </a:extLst>
               </p:cNvPr>
@@ -10698,7 +10592,7 @@
               <p:cNvPr id="107" name="TextBox 106">
                 <a:extLst>
                   <a:ext uri="{FF2B5EF4-FFF2-40B4-BE49-F238E27FC236}">
-                    <a16:creationId xmlns:a16="http://schemas.microsoft.com/office/drawing/2014/main" id="{E165BCEA-E023-406D-8F24-89D15D3EAF2F}"/>
+                    <a16:creationId xmlns:a16="http://schemas.microsoft.com/office/drawing/2014/main" xmlns="" id="{E165BCEA-E023-406D-8F24-89D15D3EAF2F}"/>
                   </a:ext>
                 </a:extLst>
               </p:cNvPr>
@@ -10734,7 +10628,7 @@
             <p:cNvPr id="102" name="Straight Connector 101">
               <a:extLst>
                 <a:ext uri="{FF2B5EF4-FFF2-40B4-BE49-F238E27FC236}">
-                  <a16:creationId xmlns:a16="http://schemas.microsoft.com/office/drawing/2014/main" id="{CF2D2FB4-F448-4A25-BFA4-71CB70DF6478}"/>
+                  <a16:creationId xmlns:a16="http://schemas.microsoft.com/office/drawing/2014/main" xmlns="" id="{CF2D2FB4-F448-4A25-BFA4-71CB70DF6478}"/>
                 </a:ext>
               </a:extLst>
             </p:cNvPr>
@@ -10780,7 +10674,7 @@
             <p:cNvPr id="103" name="Group 102">
               <a:extLst>
                 <a:ext uri="{FF2B5EF4-FFF2-40B4-BE49-F238E27FC236}">
-                  <a16:creationId xmlns:a16="http://schemas.microsoft.com/office/drawing/2014/main" id="{FC534FF6-F6E2-4953-9CF4-3A8F14ADBF81}"/>
+                  <a16:creationId xmlns:a16="http://schemas.microsoft.com/office/drawing/2014/main" xmlns="" id="{FC534FF6-F6E2-4953-9CF4-3A8F14ADBF81}"/>
                 </a:ext>
               </a:extLst>
             </p:cNvPr>
@@ -10800,7 +10694,7 @@
               <p:cNvPr id="104" name="Oval 103">
                 <a:extLst>
                   <a:ext uri="{FF2B5EF4-FFF2-40B4-BE49-F238E27FC236}">
-                    <a16:creationId xmlns:a16="http://schemas.microsoft.com/office/drawing/2014/main" id="{EC616579-189C-46F2-A417-A2EA8F72691F}"/>
+                    <a16:creationId xmlns:a16="http://schemas.microsoft.com/office/drawing/2014/main" xmlns="" id="{EC616579-189C-46F2-A417-A2EA8F72691F}"/>
                   </a:ext>
                 </a:extLst>
               </p:cNvPr>
@@ -10854,7 +10748,7 @@
               <p:cNvPr id="105" name="TextBox 104">
                 <a:extLst>
                   <a:ext uri="{FF2B5EF4-FFF2-40B4-BE49-F238E27FC236}">
-                    <a16:creationId xmlns:a16="http://schemas.microsoft.com/office/drawing/2014/main" id="{EB749B01-BA39-4AD2-949B-178D0F152621}"/>
+                    <a16:creationId xmlns:a16="http://schemas.microsoft.com/office/drawing/2014/main" xmlns="" id="{EB749B01-BA39-4AD2-949B-178D0F152621}"/>
                   </a:ext>
                 </a:extLst>
               </p:cNvPr>
@@ -10891,7 +10785,7 @@
           <p:cNvPr id="108" name="TextBox 107">
             <a:extLst>
               <a:ext uri="{FF2B5EF4-FFF2-40B4-BE49-F238E27FC236}">
-                <a16:creationId xmlns:a16="http://schemas.microsoft.com/office/drawing/2014/main" id="{73571061-D6B9-4E52-A033-95BEF6D1497D}"/>
+                <a16:creationId xmlns:a16="http://schemas.microsoft.com/office/drawing/2014/main" xmlns="" id="{73571061-D6B9-4E52-A033-95BEF6D1497D}"/>
               </a:ext>
             </a:extLst>
           </p:cNvPr>
@@ -10936,7 +10830,7 @@
           <p:cNvPr id="109" name="Straight Connector 108">
             <a:extLst>
               <a:ext uri="{FF2B5EF4-FFF2-40B4-BE49-F238E27FC236}">
-                <a16:creationId xmlns:a16="http://schemas.microsoft.com/office/drawing/2014/main" id="{0AB1E67E-AFB6-4A34-B762-CCDC7B958201}"/>
+                <a16:creationId xmlns:a16="http://schemas.microsoft.com/office/drawing/2014/main" xmlns="" id="{0AB1E67E-AFB6-4A34-B762-CCDC7B958201}"/>
               </a:ext>
             </a:extLst>
           </p:cNvPr>
@@ -10982,7 +10876,7 @@
           <p:cNvPr id="114" name="Straight Connector 113">
             <a:extLst>
               <a:ext uri="{FF2B5EF4-FFF2-40B4-BE49-F238E27FC236}">
-                <a16:creationId xmlns:a16="http://schemas.microsoft.com/office/drawing/2014/main" id="{25911FEA-DC74-4864-A67A-37C9E91C6ED1}"/>
+                <a16:creationId xmlns:a16="http://schemas.microsoft.com/office/drawing/2014/main" xmlns="" id="{25911FEA-DC74-4864-A67A-37C9E91C6ED1}"/>
               </a:ext>
             </a:extLst>
           </p:cNvPr>
@@ -11026,7 +10920,7 @@
           <p:cNvPr id="115" name="Group 114">
             <a:extLst>
               <a:ext uri="{FF2B5EF4-FFF2-40B4-BE49-F238E27FC236}">
-                <a16:creationId xmlns:a16="http://schemas.microsoft.com/office/drawing/2014/main" id="{C5505F9E-ABB2-4FD8-958B-5D68FCD57D00}"/>
+                <a16:creationId xmlns:a16="http://schemas.microsoft.com/office/drawing/2014/main" xmlns="" id="{C5505F9E-ABB2-4FD8-958B-5D68FCD57D00}"/>
               </a:ext>
             </a:extLst>
           </p:cNvPr>
@@ -11052,7 +10946,7 @@
             <p:cNvPr id="116" name="Oval 115">
               <a:extLst>
                 <a:ext uri="{FF2B5EF4-FFF2-40B4-BE49-F238E27FC236}">
-                  <a16:creationId xmlns:a16="http://schemas.microsoft.com/office/drawing/2014/main" id="{6A16AD78-C125-4D07-901C-38EDF9FBD495}"/>
+                  <a16:creationId xmlns:a16="http://schemas.microsoft.com/office/drawing/2014/main" xmlns="" id="{6A16AD78-C125-4D07-901C-38EDF9FBD495}"/>
                 </a:ext>
               </a:extLst>
             </p:cNvPr>
@@ -11104,7 +10998,7 @@
             <p:cNvPr id="117" name="TextBox 116">
               <a:extLst>
                 <a:ext uri="{FF2B5EF4-FFF2-40B4-BE49-F238E27FC236}">
-                  <a16:creationId xmlns:a16="http://schemas.microsoft.com/office/drawing/2014/main" id="{502AA8E2-36B5-4715-BCE7-DCC0521A0EAE}"/>
+                  <a16:creationId xmlns:a16="http://schemas.microsoft.com/office/drawing/2014/main" xmlns="" id="{502AA8E2-36B5-4715-BCE7-DCC0521A0EAE}"/>
                 </a:ext>
               </a:extLst>
             </p:cNvPr>
@@ -11140,7 +11034,7 @@
           <p:cNvPr id="118" name="Straight Connector 117">
             <a:extLst>
               <a:ext uri="{FF2B5EF4-FFF2-40B4-BE49-F238E27FC236}">
-                <a16:creationId xmlns:a16="http://schemas.microsoft.com/office/drawing/2014/main" id="{40AC7EE6-7DC2-4100-B10D-ED6BEED30DB2}"/>
+                <a16:creationId xmlns:a16="http://schemas.microsoft.com/office/drawing/2014/main" xmlns="" id="{40AC7EE6-7DC2-4100-B10D-ED6BEED30DB2}"/>
               </a:ext>
             </a:extLst>
           </p:cNvPr>
@@ -11186,7 +11080,7 @@
           <p:cNvPr id="122" name="Straight Connector 121">
             <a:extLst>
               <a:ext uri="{FF2B5EF4-FFF2-40B4-BE49-F238E27FC236}">
-                <a16:creationId xmlns:a16="http://schemas.microsoft.com/office/drawing/2014/main" id="{4B10D7EB-1894-411F-8012-36C838B71B7E}"/>
+                <a16:creationId xmlns:a16="http://schemas.microsoft.com/office/drawing/2014/main" xmlns="" id="{4B10D7EB-1894-411F-8012-36C838B71B7E}"/>
               </a:ext>
             </a:extLst>
           </p:cNvPr>
@@ -11230,7 +11124,7 @@
     </p:spTree>
     <p:extLst>
       <p:ext uri="{BB962C8B-B14F-4D97-AF65-F5344CB8AC3E}">
-        <p14:creationId xmlns:p14="http://schemas.microsoft.com/office/powerpoint/2010/main" val="2111027691"/>
+        <p14:creationId xmlns:p14="http://schemas.microsoft.com/office/powerpoint/2010/main" xmlns="" val="2111027691"/>
       </p:ext>
     </p:extLst>
   </p:cSld>
@@ -11323,28 +11217,6 @@
       </p:sp>
       <p:sp>
         <p:nvSpPr>
-          <p:cNvPr id="6" name="Date Placeholder 5"/>
-          <p:cNvSpPr>
-            <a:spLocks noGrp="1"/>
-          </p:cNvSpPr>
-          <p:nvPr>
-            <p:ph type="dt" sz="half" idx="2"/>
-          </p:nvPr>
-        </p:nvSpPr>
-        <p:spPr/>
-        <p:txBody>
-          <a:bodyPr/>
-          <a:lstStyle/>
-          <a:p>
-            <a:r>
-              <a:rPr lang="en-CA" dirty="0"/>
-              <a:t>Winter 2022</a:t>
-            </a:r>
-          </a:p>
-        </p:txBody>
-      </p:sp>
-      <p:sp>
-        <p:nvSpPr>
           <p:cNvPr id="10" name="Footer Placeholder 9"/>
           <p:cNvSpPr>
             <a:spLocks noGrp="1"/>
@@ -11397,7 +11269,7 @@
           <p:cNvPr id="4" name="Group 3">
             <a:extLst>
               <a:ext uri="{FF2B5EF4-FFF2-40B4-BE49-F238E27FC236}">
-                <a16:creationId xmlns:a16="http://schemas.microsoft.com/office/drawing/2014/main" id="{392859C3-3DA5-48EC-8DA7-7E77DD63BDE3}"/>
+                <a16:creationId xmlns:a16="http://schemas.microsoft.com/office/drawing/2014/main" xmlns="" id="{392859C3-3DA5-48EC-8DA7-7E77DD63BDE3}"/>
               </a:ext>
             </a:extLst>
           </p:cNvPr>
@@ -11417,7 +11289,7 @@
             <p:cNvPr id="5" name="Straight Connector 4">
               <a:extLst>
                 <a:ext uri="{FF2B5EF4-FFF2-40B4-BE49-F238E27FC236}">
-                  <a16:creationId xmlns:a16="http://schemas.microsoft.com/office/drawing/2014/main" id="{E22AD152-70BD-4229-B8BC-C60DBA0179DC}"/>
+                  <a16:creationId xmlns:a16="http://schemas.microsoft.com/office/drawing/2014/main" xmlns="" id="{E22AD152-70BD-4229-B8BC-C60DBA0179DC}"/>
                 </a:ext>
               </a:extLst>
             </p:cNvPr>
@@ -11461,7 +11333,7 @@
             <p:cNvPr id="9" name="Oval 8">
               <a:extLst>
                 <a:ext uri="{FF2B5EF4-FFF2-40B4-BE49-F238E27FC236}">
-                  <a16:creationId xmlns:a16="http://schemas.microsoft.com/office/drawing/2014/main" id="{8F37EFB2-5530-4905-AC70-3DB832BEDBD3}"/>
+                  <a16:creationId xmlns:a16="http://schemas.microsoft.com/office/drawing/2014/main" xmlns="" id="{8F37EFB2-5530-4905-AC70-3DB832BEDBD3}"/>
                 </a:ext>
               </a:extLst>
             </p:cNvPr>
@@ -11515,7 +11387,7 @@
             <p:cNvPr id="13" name="Oval 12">
               <a:extLst>
                 <a:ext uri="{FF2B5EF4-FFF2-40B4-BE49-F238E27FC236}">
-                  <a16:creationId xmlns:a16="http://schemas.microsoft.com/office/drawing/2014/main" id="{5BC6BE35-425F-46E5-A8D6-F89BE4A3F589}"/>
+                  <a16:creationId xmlns:a16="http://schemas.microsoft.com/office/drawing/2014/main" xmlns="" id="{5BC6BE35-425F-46E5-A8D6-F89BE4A3F589}"/>
                 </a:ext>
               </a:extLst>
             </p:cNvPr>
@@ -11569,7 +11441,7 @@
             <p:cNvPr id="14" name="Straight Connector 13">
               <a:extLst>
                 <a:ext uri="{FF2B5EF4-FFF2-40B4-BE49-F238E27FC236}">
-                  <a16:creationId xmlns:a16="http://schemas.microsoft.com/office/drawing/2014/main" id="{E08E1825-7573-4055-8192-47D6B83231F8}"/>
+                  <a16:creationId xmlns:a16="http://schemas.microsoft.com/office/drawing/2014/main" xmlns="" id="{E08E1825-7573-4055-8192-47D6B83231F8}"/>
                 </a:ext>
               </a:extLst>
             </p:cNvPr>
@@ -11613,7 +11485,7 @@
             <p:cNvPr id="15" name="Oval 14">
               <a:extLst>
                 <a:ext uri="{FF2B5EF4-FFF2-40B4-BE49-F238E27FC236}">
-                  <a16:creationId xmlns:a16="http://schemas.microsoft.com/office/drawing/2014/main" id="{C673D449-E9F2-45B7-B214-F7B45D5D5782}"/>
+                  <a16:creationId xmlns:a16="http://schemas.microsoft.com/office/drawing/2014/main" xmlns="" id="{C673D449-E9F2-45B7-B214-F7B45D5D5782}"/>
                 </a:ext>
               </a:extLst>
             </p:cNvPr>
@@ -11667,7 +11539,7 @@
             <p:cNvPr id="18" name="TextBox 17">
               <a:extLst>
                 <a:ext uri="{FF2B5EF4-FFF2-40B4-BE49-F238E27FC236}">
-                  <a16:creationId xmlns:a16="http://schemas.microsoft.com/office/drawing/2014/main" id="{49213482-61DE-4E6A-923C-D45CD14DD772}"/>
+                  <a16:creationId xmlns:a16="http://schemas.microsoft.com/office/drawing/2014/main" xmlns="" id="{49213482-61DE-4E6A-923C-D45CD14DD772}"/>
                 </a:ext>
               </a:extLst>
             </p:cNvPr>
@@ -11702,7 +11574,7 @@
             <p:cNvPr id="19" name="TextBox 18">
               <a:extLst>
                 <a:ext uri="{FF2B5EF4-FFF2-40B4-BE49-F238E27FC236}">
-                  <a16:creationId xmlns:a16="http://schemas.microsoft.com/office/drawing/2014/main" id="{26382464-B130-418C-826B-FCE1564D90CF}"/>
+                  <a16:creationId xmlns:a16="http://schemas.microsoft.com/office/drawing/2014/main" xmlns="" id="{26382464-B130-418C-826B-FCE1564D90CF}"/>
                 </a:ext>
               </a:extLst>
             </p:cNvPr>
@@ -11737,7 +11609,7 @@
             <p:cNvPr id="20" name="TextBox 19">
               <a:extLst>
                 <a:ext uri="{FF2B5EF4-FFF2-40B4-BE49-F238E27FC236}">
-                  <a16:creationId xmlns:a16="http://schemas.microsoft.com/office/drawing/2014/main" id="{DD390C99-FD0D-4FFA-9936-058FE9FC4932}"/>
+                  <a16:creationId xmlns:a16="http://schemas.microsoft.com/office/drawing/2014/main" xmlns="" id="{DD390C99-FD0D-4FFA-9936-058FE9FC4932}"/>
                 </a:ext>
               </a:extLst>
             </p:cNvPr>
@@ -11772,7 +11644,7 @@
             <p:cNvPr id="22" name="Straight Connector 21">
               <a:extLst>
                 <a:ext uri="{FF2B5EF4-FFF2-40B4-BE49-F238E27FC236}">
-                  <a16:creationId xmlns:a16="http://schemas.microsoft.com/office/drawing/2014/main" id="{489F4072-AC12-4534-9FC1-B1BF9DFC4213}"/>
+                  <a16:creationId xmlns:a16="http://schemas.microsoft.com/office/drawing/2014/main" xmlns="" id="{489F4072-AC12-4534-9FC1-B1BF9DFC4213}"/>
                 </a:ext>
               </a:extLst>
             </p:cNvPr>
@@ -11818,7 +11690,7 @@
             <p:cNvPr id="50" name="Group 49">
               <a:extLst>
                 <a:ext uri="{FF2B5EF4-FFF2-40B4-BE49-F238E27FC236}">
-                  <a16:creationId xmlns:a16="http://schemas.microsoft.com/office/drawing/2014/main" id="{69D37D2E-64FC-4E06-AB29-38DBF169C493}"/>
+                  <a16:creationId xmlns:a16="http://schemas.microsoft.com/office/drawing/2014/main" xmlns="" id="{69D37D2E-64FC-4E06-AB29-38DBF169C493}"/>
                 </a:ext>
               </a:extLst>
             </p:cNvPr>
@@ -11838,7 +11710,7 @@
               <p:cNvPr id="23" name="Oval 22">
                 <a:extLst>
                   <a:ext uri="{FF2B5EF4-FFF2-40B4-BE49-F238E27FC236}">
-                    <a16:creationId xmlns:a16="http://schemas.microsoft.com/office/drawing/2014/main" id="{BC70D42B-C0C9-4C4D-A417-570AFB319A8D}"/>
+                    <a16:creationId xmlns:a16="http://schemas.microsoft.com/office/drawing/2014/main" xmlns="" id="{BC70D42B-C0C9-4C4D-A417-570AFB319A8D}"/>
                   </a:ext>
                 </a:extLst>
               </p:cNvPr>
@@ -11892,7 +11764,7 @@
               <p:cNvPr id="24" name="TextBox 23">
                 <a:extLst>
                   <a:ext uri="{FF2B5EF4-FFF2-40B4-BE49-F238E27FC236}">
-                    <a16:creationId xmlns:a16="http://schemas.microsoft.com/office/drawing/2014/main" id="{445DDA8A-C75E-4606-ADD3-DAADFB8F7B23}"/>
+                    <a16:creationId xmlns:a16="http://schemas.microsoft.com/office/drawing/2014/main" xmlns="" id="{445DDA8A-C75E-4606-ADD3-DAADFB8F7B23}"/>
                   </a:ext>
                 </a:extLst>
               </p:cNvPr>
@@ -11928,7 +11800,7 @@
             <p:cNvPr id="25" name="Straight Connector 24">
               <a:extLst>
                 <a:ext uri="{FF2B5EF4-FFF2-40B4-BE49-F238E27FC236}">
-                  <a16:creationId xmlns:a16="http://schemas.microsoft.com/office/drawing/2014/main" id="{3F40EC89-C0D5-4DD8-85F5-44FBCB69B00D}"/>
+                  <a16:creationId xmlns:a16="http://schemas.microsoft.com/office/drawing/2014/main" xmlns="" id="{3F40EC89-C0D5-4DD8-85F5-44FBCB69B00D}"/>
                 </a:ext>
               </a:extLst>
             </p:cNvPr>
@@ -11974,7 +11846,7 @@
             <p:cNvPr id="31" name="Group 30">
               <a:extLst>
                 <a:ext uri="{FF2B5EF4-FFF2-40B4-BE49-F238E27FC236}">
-                  <a16:creationId xmlns:a16="http://schemas.microsoft.com/office/drawing/2014/main" id="{34D17B67-032B-4939-BF41-B15BBEBA20B3}"/>
+                  <a16:creationId xmlns:a16="http://schemas.microsoft.com/office/drawing/2014/main" xmlns="" id="{34D17B67-032B-4939-BF41-B15BBEBA20B3}"/>
                 </a:ext>
               </a:extLst>
             </p:cNvPr>
@@ -11994,7 +11866,7 @@
               <p:cNvPr id="26" name="Oval 25">
                 <a:extLst>
                   <a:ext uri="{FF2B5EF4-FFF2-40B4-BE49-F238E27FC236}">
-                    <a16:creationId xmlns:a16="http://schemas.microsoft.com/office/drawing/2014/main" id="{2E65D98B-A8D1-479B-9572-AF77672E1910}"/>
+                    <a16:creationId xmlns:a16="http://schemas.microsoft.com/office/drawing/2014/main" xmlns="" id="{2E65D98B-A8D1-479B-9572-AF77672E1910}"/>
                   </a:ext>
                 </a:extLst>
               </p:cNvPr>
@@ -12051,7 +11923,7 @@
               <p:cNvPr id="27" name="TextBox 26">
                 <a:extLst>
                   <a:ext uri="{FF2B5EF4-FFF2-40B4-BE49-F238E27FC236}">
-                    <a16:creationId xmlns:a16="http://schemas.microsoft.com/office/drawing/2014/main" id="{FFEB9FFF-1093-4D62-8CEA-8E02B2601C0A}"/>
+                    <a16:creationId xmlns:a16="http://schemas.microsoft.com/office/drawing/2014/main" xmlns="" id="{FFEB9FFF-1093-4D62-8CEA-8E02B2601C0A}"/>
                   </a:ext>
                 </a:extLst>
               </p:cNvPr>
@@ -12088,7 +11960,7 @@
           <p:cNvPr id="7" name="TextBox 6">
             <a:extLst>
               <a:ext uri="{FF2B5EF4-FFF2-40B4-BE49-F238E27FC236}">
-                <a16:creationId xmlns:a16="http://schemas.microsoft.com/office/drawing/2014/main" id="{6966F64C-CB81-4CF7-B599-F846F56B5A6E}"/>
+                <a16:creationId xmlns:a16="http://schemas.microsoft.com/office/drawing/2014/main" xmlns="" id="{6966F64C-CB81-4CF7-B599-F846F56B5A6E}"/>
               </a:ext>
             </a:extLst>
           </p:cNvPr>
@@ -12133,7 +12005,7 @@
           <p:cNvPr id="29" name="Straight Connector 28">
             <a:extLst>
               <a:ext uri="{FF2B5EF4-FFF2-40B4-BE49-F238E27FC236}">
-                <a16:creationId xmlns:a16="http://schemas.microsoft.com/office/drawing/2014/main" id="{0761E812-7018-4712-A3B4-BA0840743582}"/>
+                <a16:creationId xmlns:a16="http://schemas.microsoft.com/office/drawing/2014/main" xmlns="" id="{0761E812-7018-4712-A3B4-BA0840743582}"/>
               </a:ext>
             </a:extLst>
           </p:cNvPr>
@@ -12178,7 +12050,7 @@
           <p:cNvPr id="30" name="Oval 29">
             <a:extLst>
               <a:ext uri="{FF2B5EF4-FFF2-40B4-BE49-F238E27FC236}">
-                <a16:creationId xmlns:a16="http://schemas.microsoft.com/office/drawing/2014/main" id="{97D0FF15-79B0-44B5-BAFA-F8500EF783D7}"/>
+                <a16:creationId xmlns:a16="http://schemas.microsoft.com/office/drawing/2014/main" xmlns="" id="{97D0FF15-79B0-44B5-BAFA-F8500EF783D7}"/>
               </a:ext>
             </a:extLst>
           </p:cNvPr>
@@ -12232,7 +12104,7 @@
           <p:cNvPr id="35" name="TextBox 34">
             <a:extLst>
               <a:ext uri="{FF2B5EF4-FFF2-40B4-BE49-F238E27FC236}">
-                <a16:creationId xmlns:a16="http://schemas.microsoft.com/office/drawing/2014/main" id="{367A9E5B-E1E7-4995-8A17-C3119F0AF249}"/>
+                <a16:creationId xmlns:a16="http://schemas.microsoft.com/office/drawing/2014/main" xmlns="" id="{367A9E5B-E1E7-4995-8A17-C3119F0AF249}"/>
               </a:ext>
             </a:extLst>
           </p:cNvPr>
@@ -12267,7 +12139,7 @@
           <p:cNvPr id="39" name="Group 38">
             <a:extLst>
               <a:ext uri="{FF2B5EF4-FFF2-40B4-BE49-F238E27FC236}">
-                <a16:creationId xmlns:a16="http://schemas.microsoft.com/office/drawing/2014/main" id="{1479386C-47F8-47FC-B853-DE1ACABB80D8}"/>
+                <a16:creationId xmlns:a16="http://schemas.microsoft.com/office/drawing/2014/main" xmlns="" id="{1479386C-47F8-47FC-B853-DE1ACABB80D8}"/>
               </a:ext>
             </a:extLst>
           </p:cNvPr>
@@ -12287,7 +12159,7 @@
             <p:cNvPr id="44" name="Oval 43">
               <a:extLst>
                 <a:ext uri="{FF2B5EF4-FFF2-40B4-BE49-F238E27FC236}">
-                  <a16:creationId xmlns:a16="http://schemas.microsoft.com/office/drawing/2014/main" id="{F83FCDB9-FE62-48B6-B9C9-98E8879E8310}"/>
+                  <a16:creationId xmlns:a16="http://schemas.microsoft.com/office/drawing/2014/main" xmlns="" id="{F83FCDB9-FE62-48B6-B9C9-98E8879E8310}"/>
                 </a:ext>
               </a:extLst>
             </p:cNvPr>
@@ -12341,7 +12213,7 @@
             <p:cNvPr id="45" name="TextBox 44">
               <a:extLst>
                 <a:ext uri="{FF2B5EF4-FFF2-40B4-BE49-F238E27FC236}">
-                  <a16:creationId xmlns:a16="http://schemas.microsoft.com/office/drawing/2014/main" id="{9C8AA847-34F5-4477-BFF8-5A75370286A8}"/>
+                  <a16:creationId xmlns:a16="http://schemas.microsoft.com/office/drawing/2014/main" xmlns="" id="{9C8AA847-34F5-4477-BFF8-5A75370286A8}"/>
                 </a:ext>
               </a:extLst>
             </p:cNvPr>
@@ -12377,7 +12249,7 @@
           <p:cNvPr id="46" name="Straight Connector 45">
             <a:extLst>
               <a:ext uri="{FF2B5EF4-FFF2-40B4-BE49-F238E27FC236}">
-                <a16:creationId xmlns:a16="http://schemas.microsoft.com/office/drawing/2014/main" id="{09EA1F22-8124-4C3C-8487-4F2855F86FA1}"/>
+                <a16:creationId xmlns:a16="http://schemas.microsoft.com/office/drawing/2014/main" xmlns="" id="{09EA1F22-8124-4C3C-8487-4F2855F86FA1}"/>
               </a:ext>
             </a:extLst>
           </p:cNvPr>
@@ -12423,7 +12295,7 @@
           <p:cNvPr id="51" name="Straight Connector 50">
             <a:extLst>
               <a:ext uri="{FF2B5EF4-FFF2-40B4-BE49-F238E27FC236}">
-                <a16:creationId xmlns:a16="http://schemas.microsoft.com/office/drawing/2014/main" id="{54D31D38-4D9B-4E31-B54B-A451D1680C6C}"/>
+                <a16:creationId xmlns:a16="http://schemas.microsoft.com/office/drawing/2014/main" xmlns="" id="{54D31D38-4D9B-4E31-B54B-A451D1680C6C}"/>
               </a:ext>
             </a:extLst>
           </p:cNvPr>
@@ -12467,7 +12339,7 @@
           <p:cNvPr id="52" name="Oval 51">
             <a:extLst>
               <a:ext uri="{FF2B5EF4-FFF2-40B4-BE49-F238E27FC236}">
-                <a16:creationId xmlns:a16="http://schemas.microsoft.com/office/drawing/2014/main" id="{5726B7DD-0EA9-406A-96AF-756F1A0E8887}"/>
+                <a16:creationId xmlns:a16="http://schemas.microsoft.com/office/drawing/2014/main" xmlns="" id="{5726B7DD-0EA9-406A-96AF-756F1A0E8887}"/>
               </a:ext>
             </a:extLst>
           </p:cNvPr>
@@ -12521,7 +12393,7 @@
           <p:cNvPr id="56" name="TextBox 55">
             <a:extLst>
               <a:ext uri="{FF2B5EF4-FFF2-40B4-BE49-F238E27FC236}">
-                <a16:creationId xmlns:a16="http://schemas.microsoft.com/office/drawing/2014/main" id="{9BB8C067-EC43-42AE-9AAE-72369341D1AA}"/>
+                <a16:creationId xmlns:a16="http://schemas.microsoft.com/office/drawing/2014/main" xmlns="" id="{9BB8C067-EC43-42AE-9AAE-72369341D1AA}"/>
               </a:ext>
             </a:extLst>
           </p:cNvPr>
@@ -12556,7 +12428,7 @@
           <p:cNvPr id="70" name="Group 69">
             <a:extLst>
               <a:ext uri="{FF2B5EF4-FFF2-40B4-BE49-F238E27FC236}">
-                <a16:creationId xmlns:a16="http://schemas.microsoft.com/office/drawing/2014/main" id="{94E5A6EE-967C-4683-8189-EE5DBFA1FDEC}"/>
+                <a16:creationId xmlns:a16="http://schemas.microsoft.com/office/drawing/2014/main" xmlns="" id="{94E5A6EE-967C-4683-8189-EE5DBFA1FDEC}"/>
               </a:ext>
             </a:extLst>
           </p:cNvPr>
@@ -12582,7 +12454,7 @@
             <p:cNvPr id="53" name="Oval 52">
               <a:extLst>
                 <a:ext uri="{FF2B5EF4-FFF2-40B4-BE49-F238E27FC236}">
-                  <a16:creationId xmlns:a16="http://schemas.microsoft.com/office/drawing/2014/main" id="{1ECE8758-147F-4AFA-AFFF-C933A42D805C}"/>
+                  <a16:creationId xmlns:a16="http://schemas.microsoft.com/office/drawing/2014/main" xmlns="" id="{1ECE8758-147F-4AFA-AFFF-C933A42D805C}"/>
                 </a:ext>
               </a:extLst>
             </p:cNvPr>
@@ -12634,7 +12506,7 @@
             <p:cNvPr id="57" name="TextBox 56">
               <a:extLst>
                 <a:ext uri="{FF2B5EF4-FFF2-40B4-BE49-F238E27FC236}">
-                  <a16:creationId xmlns:a16="http://schemas.microsoft.com/office/drawing/2014/main" id="{A4F84758-D3CF-46F2-8CAF-0B146CA2B577}"/>
+                  <a16:creationId xmlns:a16="http://schemas.microsoft.com/office/drawing/2014/main" xmlns="" id="{A4F84758-D3CF-46F2-8CAF-0B146CA2B577}"/>
                 </a:ext>
               </a:extLst>
             </p:cNvPr>
@@ -12670,7 +12542,7 @@
           <p:cNvPr id="64" name="Straight Connector 63">
             <a:extLst>
               <a:ext uri="{FF2B5EF4-FFF2-40B4-BE49-F238E27FC236}">
-                <a16:creationId xmlns:a16="http://schemas.microsoft.com/office/drawing/2014/main" id="{B719218F-5959-4D48-AA0E-EAAA90C83A27}"/>
+                <a16:creationId xmlns:a16="http://schemas.microsoft.com/office/drawing/2014/main" xmlns="" id="{B719218F-5959-4D48-AA0E-EAAA90C83A27}"/>
               </a:ext>
             </a:extLst>
           </p:cNvPr>
@@ -12716,7 +12588,7 @@
           <p:cNvPr id="67" name="Straight Connector 66">
             <a:extLst>
               <a:ext uri="{FF2B5EF4-FFF2-40B4-BE49-F238E27FC236}">
-                <a16:creationId xmlns:a16="http://schemas.microsoft.com/office/drawing/2014/main" id="{A490E88C-0524-4D04-A593-C8AEF6195AEC}"/>
+                <a16:creationId xmlns:a16="http://schemas.microsoft.com/office/drawing/2014/main" xmlns="" id="{A490E88C-0524-4D04-A593-C8AEF6195AEC}"/>
               </a:ext>
             </a:extLst>
           </p:cNvPr>
@@ -12762,7 +12634,7 @@
           <p:cNvPr id="76" name="Straight Connector 75">
             <a:extLst>
               <a:ext uri="{FF2B5EF4-FFF2-40B4-BE49-F238E27FC236}">
-                <a16:creationId xmlns:a16="http://schemas.microsoft.com/office/drawing/2014/main" id="{D6DFB163-4FD5-486B-8D36-49BDA9B87C2B}"/>
+                <a16:creationId xmlns:a16="http://schemas.microsoft.com/office/drawing/2014/main" xmlns="" id="{D6DFB163-4FD5-486B-8D36-49BDA9B87C2B}"/>
               </a:ext>
             </a:extLst>
           </p:cNvPr>
@@ -12808,7 +12680,7 @@
           <p:cNvPr id="79" name="Group 78">
             <a:extLst>
               <a:ext uri="{FF2B5EF4-FFF2-40B4-BE49-F238E27FC236}">
-                <a16:creationId xmlns:a16="http://schemas.microsoft.com/office/drawing/2014/main" id="{30FFD568-DE9E-4715-9176-0BEC152CBF7F}"/>
+                <a16:creationId xmlns:a16="http://schemas.microsoft.com/office/drawing/2014/main" xmlns="" id="{30FFD568-DE9E-4715-9176-0BEC152CBF7F}"/>
               </a:ext>
             </a:extLst>
           </p:cNvPr>
@@ -12834,7 +12706,7 @@
             <p:cNvPr id="80" name="Oval 79">
               <a:extLst>
                 <a:ext uri="{FF2B5EF4-FFF2-40B4-BE49-F238E27FC236}">
-                  <a16:creationId xmlns:a16="http://schemas.microsoft.com/office/drawing/2014/main" id="{9DF465D2-75F0-4125-A9CB-0D50B6A731DD}"/>
+                  <a16:creationId xmlns:a16="http://schemas.microsoft.com/office/drawing/2014/main" xmlns="" id="{9DF465D2-75F0-4125-A9CB-0D50B6A731DD}"/>
                 </a:ext>
               </a:extLst>
             </p:cNvPr>
@@ -12886,7 +12758,7 @@
             <p:cNvPr id="81" name="TextBox 80">
               <a:extLst>
                 <a:ext uri="{FF2B5EF4-FFF2-40B4-BE49-F238E27FC236}">
-                  <a16:creationId xmlns:a16="http://schemas.microsoft.com/office/drawing/2014/main" id="{1D3D4C2F-24A1-424F-9B49-18C67911C184}"/>
+                  <a16:creationId xmlns:a16="http://schemas.microsoft.com/office/drawing/2014/main" xmlns="" id="{1D3D4C2F-24A1-424F-9B49-18C67911C184}"/>
                 </a:ext>
               </a:extLst>
             </p:cNvPr>
@@ -12922,7 +12794,7 @@
           <p:cNvPr id="83" name="Straight Connector 82">
             <a:extLst>
               <a:ext uri="{FF2B5EF4-FFF2-40B4-BE49-F238E27FC236}">
-                <a16:creationId xmlns:a16="http://schemas.microsoft.com/office/drawing/2014/main" id="{22A61181-6EA2-4714-8A3E-F48DACB5C65B}"/>
+                <a16:creationId xmlns:a16="http://schemas.microsoft.com/office/drawing/2014/main" xmlns="" id="{22A61181-6EA2-4714-8A3E-F48DACB5C65B}"/>
               </a:ext>
             </a:extLst>
           </p:cNvPr>
@@ -12968,7 +12840,7 @@
           <p:cNvPr id="88" name="Straight Connector 87">
             <a:extLst>
               <a:ext uri="{FF2B5EF4-FFF2-40B4-BE49-F238E27FC236}">
-                <a16:creationId xmlns:a16="http://schemas.microsoft.com/office/drawing/2014/main" id="{DBFA6EBA-2706-4C4E-A35C-1DE71DA4BD3D}"/>
+                <a16:creationId xmlns:a16="http://schemas.microsoft.com/office/drawing/2014/main" xmlns="" id="{DBFA6EBA-2706-4C4E-A35C-1DE71DA4BD3D}"/>
               </a:ext>
             </a:extLst>
           </p:cNvPr>
@@ -13014,7 +12886,7 @@
           <p:cNvPr id="91" name="Group 90">
             <a:extLst>
               <a:ext uri="{FF2B5EF4-FFF2-40B4-BE49-F238E27FC236}">
-                <a16:creationId xmlns:a16="http://schemas.microsoft.com/office/drawing/2014/main" id="{F6A5C452-E102-49C2-9EC5-B98C0DB86935}"/>
+                <a16:creationId xmlns:a16="http://schemas.microsoft.com/office/drawing/2014/main" xmlns="" id="{F6A5C452-E102-49C2-9EC5-B98C0DB86935}"/>
               </a:ext>
             </a:extLst>
           </p:cNvPr>
@@ -13034,7 +12906,7 @@
             <p:cNvPr id="94" name="Oval 93">
               <a:extLst>
                 <a:ext uri="{FF2B5EF4-FFF2-40B4-BE49-F238E27FC236}">
-                  <a16:creationId xmlns:a16="http://schemas.microsoft.com/office/drawing/2014/main" id="{21285E0F-DC60-479E-8FDD-7D6AAF1D0701}"/>
+                  <a16:creationId xmlns:a16="http://schemas.microsoft.com/office/drawing/2014/main" xmlns="" id="{21285E0F-DC60-479E-8FDD-7D6AAF1D0701}"/>
                 </a:ext>
               </a:extLst>
             </p:cNvPr>
@@ -13088,7 +12960,7 @@
             <p:cNvPr id="95" name="Straight Connector 94">
               <a:extLst>
                 <a:ext uri="{FF2B5EF4-FFF2-40B4-BE49-F238E27FC236}">
-                  <a16:creationId xmlns:a16="http://schemas.microsoft.com/office/drawing/2014/main" id="{23001623-E7DF-4339-819C-0213B895BEE0}"/>
+                  <a16:creationId xmlns:a16="http://schemas.microsoft.com/office/drawing/2014/main" xmlns="" id="{23001623-E7DF-4339-819C-0213B895BEE0}"/>
                 </a:ext>
               </a:extLst>
             </p:cNvPr>
@@ -13132,7 +13004,7 @@
             <p:cNvPr id="96" name="Oval 95">
               <a:extLst>
                 <a:ext uri="{FF2B5EF4-FFF2-40B4-BE49-F238E27FC236}">
-                  <a16:creationId xmlns:a16="http://schemas.microsoft.com/office/drawing/2014/main" id="{A9F5A792-F17E-456E-AD39-7EB7E3B2E576}"/>
+                  <a16:creationId xmlns:a16="http://schemas.microsoft.com/office/drawing/2014/main" xmlns="" id="{A9F5A792-F17E-456E-AD39-7EB7E3B2E576}"/>
                 </a:ext>
               </a:extLst>
             </p:cNvPr>
@@ -13186,7 +13058,7 @@
             <p:cNvPr id="98" name="TextBox 97">
               <a:extLst>
                 <a:ext uri="{FF2B5EF4-FFF2-40B4-BE49-F238E27FC236}">
-                  <a16:creationId xmlns:a16="http://schemas.microsoft.com/office/drawing/2014/main" id="{5428B68C-6BF0-43CC-8B3B-C14884F723E2}"/>
+                  <a16:creationId xmlns:a16="http://schemas.microsoft.com/office/drawing/2014/main" xmlns="" id="{5428B68C-6BF0-43CC-8B3B-C14884F723E2}"/>
                 </a:ext>
               </a:extLst>
             </p:cNvPr>
@@ -13221,7 +13093,7 @@
             <p:cNvPr id="99" name="TextBox 98">
               <a:extLst>
                 <a:ext uri="{FF2B5EF4-FFF2-40B4-BE49-F238E27FC236}">
-                  <a16:creationId xmlns:a16="http://schemas.microsoft.com/office/drawing/2014/main" id="{631C1401-BC47-4768-AE22-1C6513D41F7E}"/>
+                  <a16:creationId xmlns:a16="http://schemas.microsoft.com/office/drawing/2014/main" xmlns="" id="{631C1401-BC47-4768-AE22-1C6513D41F7E}"/>
                 </a:ext>
               </a:extLst>
             </p:cNvPr>
@@ -13256,7 +13128,7 @@
             <p:cNvPr id="100" name="Straight Connector 99">
               <a:extLst>
                 <a:ext uri="{FF2B5EF4-FFF2-40B4-BE49-F238E27FC236}">
-                  <a16:creationId xmlns:a16="http://schemas.microsoft.com/office/drawing/2014/main" id="{244E5E09-9C2B-45C4-8506-6F4E9D1AE13A}"/>
+                  <a16:creationId xmlns:a16="http://schemas.microsoft.com/office/drawing/2014/main" xmlns="" id="{244E5E09-9C2B-45C4-8506-6F4E9D1AE13A}"/>
                 </a:ext>
               </a:extLst>
             </p:cNvPr>
@@ -13302,7 +13174,7 @@
             <p:cNvPr id="101" name="Group 100">
               <a:extLst>
                 <a:ext uri="{FF2B5EF4-FFF2-40B4-BE49-F238E27FC236}">
-                  <a16:creationId xmlns:a16="http://schemas.microsoft.com/office/drawing/2014/main" id="{274A4EDA-F47E-41CA-A823-D10DE501B84B}"/>
+                  <a16:creationId xmlns:a16="http://schemas.microsoft.com/office/drawing/2014/main" xmlns="" id="{274A4EDA-F47E-41CA-A823-D10DE501B84B}"/>
                 </a:ext>
               </a:extLst>
             </p:cNvPr>
@@ -13322,7 +13194,7 @@
               <p:cNvPr id="106" name="Oval 105">
                 <a:extLst>
                   <a:ext uri="{FF2B5EF4-FFF2-40B4-BE49-F238E27FC236}">
-                    <a16:creationId xmlns:a16="http://schemas.microsoft.com/office/drawing/2014/main" id="{A5AC4FD0-1E48-41B2-B58B-6F7F88A1838B}"/>
+                    <a16:creationId xmlns:a16="http://schemas.microsoft.com/office/drawing/2014/main" xmlns="" id="{A5AC4FD0-1E48-41B2-B58B-6F7F88A1838B}"/>
                   </a:ext>
                 </a:extLst>
               </p:cNvPr>
@@ -13376,7 +13248,7 @@
               <p:cNvPr id="107" name="TextBox 106">
                 <a:extLst>
                   <a:ext uri="{FF2B5EF4-FFF2-40B4-BE49-F238E27FC236}">
-                    <a16:creationId xmlns:a16="http://schemas.microsoft.com/office/drawing/2014/main" id="{E165BCEA-E023-406D-8F24-89D15D3EAF2F}"/>
+                    <a16:creationId xmlns:a16="http://schemas.microsoft.com/office/drawing/2014/main" xmlns="" id="{E165BCEA-E023-406D-8F24-89D15D3EAF2F}"/>
                   </a:ext>
                 </a:extLst>
               </p:cNvPr>
@@ -13412,7 +13284,7 @@
             <p:cNvPr id="102" name="Straight Connector 101">
               <a:extLst>
                 <a:ext uri="{FF2B5EF4-FFF2-40B4-BE49-F238E27FC236}">
-                  <a16:creationId xmlns:a16="http://schemas.microsoft.com/office/drawing/2014/main" id="{CF2D2FB4-F448-4A25-BFA4-71CB70DF6478}"/>
+                  <a16:creationId xmlns:a16="http://schemas.microsoft.com/office/drawing/2014/main" xmlns="" id="{CF2D2FB4-F448-4A25-BFA4-71CB70DF6478}"/>
                 </a:ext>
               </a:extLst>
             </p:cNvPr>
@@ -13458,7 +13330,7 @@
             <p:cNvPr id="103" name="Group 102">
               <a:extLst>
                 <a:ext uri="{FF2B5EF4-FFF2-40B4-BE49-F238E27FC236}">
-                  <a16:creationId xmlns:a16="http://schemas.microsoft.com/office/drawing/2014/main" id="{FC534FF6-F6E2-4953-9CF4-3A8F14ADBF81}"/>
+                  <a16:creationId xmlns:a16="http://schemas.microsoft.com/office/drawing/2014/main" xmlns="" id="{FC534FF6-F6E2-4953-9CF4-3A8F14ADBF81}"/>
                 </a:ext>
               </a:extLst>
             </p:cNvPr>
@@ -13478,7 +13350,7 @@
               <p:cNvPr id="104" name="Oval 103">
                 <a:extLst>
                   <a:ext uri="{FF2B5EF4-FFF2-40B4-BE49-F238E27FC236}">
-                    <a16:creationId xmlns:a16="http://schemas.microsoft.com/office/drawing/2014/main" id="{EC616579-189C-46F2-A417-A2EA8F72691F}"/>
+                    <a16:creationId xmlns:a16="http://schemas.microsoft.com/office/drawing/2014/main" xmlns="" id="{EC616579-189C-46F2-A417-A2EA8F72691F}"/>
                   </a:ext>
                 </a:extLst>
               </p:cNvPr>
@@ -13532,7 +13404,7 @@
               <p:cNvPr id="105" name="TextBox 104">
                 <a:extLst>
                   <a:ext uri="{FF2B5EF4-FFF2-40B4-BE49-F238E27FC236}">
-                    <a16:creationId xmlns:a16="http://schemas.microsoft.com/office/drawing/2014/main" id="{EB749B01-BA39-4AD2-949B-178D0F152621}"/>
+                    <a16:creationId xmlns:a16="http://schemas.microsoft.com/office/drawing/2014/main" xmlns="" id="{EB749B01-BA39-4AD2-949B-178D0F152621}"/>
                   </a:ext>
                 </a:extLst>
               </p:cNvPr>
@@ -13569,7 +13441,7 @@
           <p:cNvPr id="109" name="Straight Connector 108">
             <a:extLst>
               <a:ext uri="{FF2B5EF4-FFF2-40B4-BE49-F238E27FC236}">
-                <a16:creationId xmlns:a16="http://schemas.microsoft.com/office/drawing/2014/main" id="{0AB1E67E-AFB6-4A34-B762-CCDC7B958201}"/>
+                <a16:creationId xmlns:a16="http://schemas.microsoft.com/office/drawing/2014/main" xmlns="" id="{0AB1E67E-AFB6-4A34-B762-CCDC7B958201}"/>
               </a:ext>
             </a:extLst>
           </p:cNvPr>
@@ -13615,7 +13487,7 @@
           <p:cNvPr id="114" name="Straight Connector 113">
             <a:extLst>
               <a:ext uri="{FF2B5EF4-FFF2-40B4-BE49-F238E27FC236}">
-                <a16:creationId xmlns:a16="http://schemas.microsoft.com/office/drawing/2014/main" id="{25911FEA-DC74-4864-A67A-37C9E91C6ED1}"/>
+                <a16:creationId xmlns:a16="http://schemas.microsoft.com/office/drawing/2014/main" xmlns="" id="{25911FEA-DC74-4864-A67A-37C9E91C6ED1}"/>
               </a:ext>
             </a:extLst>
           </p:cNvPr>
@@ -13659,7 +13531,7 @@
           <p:cNvPr id="115" name="Group 114">
             <a:extLst>
               <a:ext uri="{FF2B5EF4-FFF2-40B4-BE49-F238E27FC236}">
-                <a16:creationId xmlns:a16="http://schemas.microsoft.com/office/drawing/2014/main" id="{C5505F9E-ABB2-4FD8-958B-5D68FCD57D00}"/>
+                <a16:creationId xmlns:a16="http://schemas.microsoft.com/office/drawing/2014/main" xmlns="" id="{C5505F9E-ABB2-4FD8-958B-5D68FCD57D00}"/>
               </a:ext>
             </a:extLst>
           </p:cNvPr>
@@ -13685,7 +13557,7 @@
             <p:cNvPr id="116" name="Oval 115">
               <a:extLst>
                 <a:ext uri="{FF2B5EF4-FFF2-40B4-BE49-F238E27FC236}">
-                  <a16:creationId xmlns:a16="http://schemas.microsoft.com/office/drawing/2014/main" id="{6A16AD78-C125-4D07-901C-38EDF9FBD495}"/>
+                  <a16:creationId xmlns:a16="http://schemas.microsoft.com/office/drawing/2014/main" xmlns="" id="{6A16AD78-C125-4D07-901C-38EDF9FBD495}"/>
                 </a:ext>
               </a:extLst>
             </p:cNvPr>
@@ -13737,7 +13609,7 @@
             <p:cNvPr id="117" name="TextBox 116">
               <a:extLst>
                 <a:ext uri="{FF2B5EF4-FFF2-40B4-BE49-F238E27FC236}">
-                  <a16:creationId xmlns:a16="http://schemas.microsoft.com/office/drawing/2014/main" id="{502AA8E2-36B5-4715-BCE7-DCC0521A0EAE}"/>
+                  <a16:creationId xmlns:a16="http://schemas.microsoft.com/office/drawing/2014/main" xmlns="" id="{502AA8E2-36B5-4715-BCE7-DCC0521A0EAE}"/>
                 </a:ext>
               </a:extLst>
             </p:cNvPr>
@@ -13773,7 +13645,7 @@
           <p:cNvPr id="118" name="Straight Connector 117">
             <a:extLst>
               <a:ext uri="{FF2B5EF4-FFF2-40B4-BE49-F238E27FC236}">
-                <a16:creationId xmlns:a16="http://schemas.microsoft.com/office/drawing/2014/main" id="{40AC7EE6-7DC2-4100-B10D-ED6BEED30DB2}"/>
+                <a16:creationId xmlns:a16="http://schemas.microsoft.com/office/drawing/2014/main" xmlns="" id="{40AC7EE6-7DC2-4100-B10D-ED6BEED30DB2}"/>
               </a:ext>
             </a:extLst>
           </p:cNvPr>
@@ -13819,7 +13691,7 @@
           <p:cNvPr id="122" name="Straight Connector 121">
             <a:extLst>
               <a:ext uri="{FF2B5EF4-FFF2-40B4-BE49-F238E27FC236}">
-                <a16:creationId xmlns:a16="http://schemas.microsoft.com/office/drawing/2014/main" id="{4B10D7EB-1894-411F-8012-36C838B71B7E}"/>
+                <a16:creationId xmlns:a16="http://schemas.microsoft.com/office/drawing/2014/main" xmlns="" id="{4B10D7EB-1894-411F-8012-36C838B71B7E}"/>
               </a:ext>
             </a:extLst>
           </p:cNvPr>
@@ -13865,7 +13737,7 @@
           <p:cNvPr id="8" name="Oval 7">
             <a:extLst>
               <a:ext uri="{FF2B5EF4-FFF2-40B4-BE49-F238E27FC236}">
-                <a16:creationId xmlns:a16="http://schemas.microsoft.com/office/drawing/2014/main" id="{A3A36335-C2DE-47B1-8A7A-3A8038141466}"/>
+                <a16:creationId xmlns:a16="http://schemas.microsoft.com/office/drawing/2014/main" xmlns="" id="{A3A36335-C2DE-47B1-8A7A-3A8038141466}"/>
               </a:ext>
             </a:extLst>
           </p:cNvPr>
@@ -13917,7 +13789,7 @@
           <p:cNvPr id="11" name="TextBox 10">
             <a:extLst>
               <a:ext uri="{FF2B5EF4-FFF2-40B4-BE49-F238E27FC236}">
-                <a16:creationId xmlns:a16="http://schemas.microsoft.com/office/drawing/2014/main" id="{8174E82C-0B31-49B5-809A-EC338BF5A79A}"/>
+                <a16:creationId xmlns:a16="http://schemas.microsoft.com/office/drawing/2014/main" xmlns="" id="{8174E82C-0B31-49B5-809A-EC338BF5A79A}"/>
               </a:ext>
             </a:extLst>
           </p:cNvPr>
@@ -13950,7 +13822,7 @@
     </p:spTree>
     <p:extLst>
       <p:ext uri="{BB962C8B-B14F-4D97-AF65-F5344CB8AC3E}">
-        <p14:creationId xmlns:p14="http://schemas.microsoft.com/office/powerpoint/2010/main" val="4008456893"/>
+        <p14:creationId xmlns:p14="http://schemas.microsoft.com/office/powerpoint/2010/main" xmlns="" val="4008456893"/>
       </p:ext>
     </p:extLst>
   </p:cSld>
@@ -14043,28 +13915,6 @@
       </p:sp>
       <p:sp>
         <p:nvSpPr>
-          <p:cNvPr id="6" name="Date Placeholder 5"/>
-          <p:cNvSpPr>
-            <a:spLocks noGrp="1"/>
-          </p:cNvSpPr>
-          <p:nvPr>
-            <p:ph type="dt" sz="half" idx="2"/>
-          </p:nvPr>
-        </p:nvSpPr>
-        <p:spPr/>
-        <p:txBody>
-          <a:bodyPr/>
-          <a:lstStyle/>
-          <a:p>
-            <a:r>
-              <a:rPr lang="en-CA" dirty="0"/>
-              <a:t>Winter 2022</a:t>
-            </a:r>
-          </a:p>
-        </p:txBody>
-      </p:sp>
-      <p:sp>
-        <p:nvSpPr>
           <p:cNvPr id="10" name="Footer Placeholder 9"/>
           <p:cNvSpPr>
             <a:spLocks noGrp="1"/>
@@ -14117,7 +13967,7 @@
           <p:cNvPr id="4" name="Group 3">
             <a:extLst>
               <a:ext uri="{FF2B5EF4-FFF2-40B4-BE49-F238E27FC236}">
-                <a16:creationId xmlns:a16="http://schemas.microsoft.com/office/drawing/2014/main" id="{392859C3-3DA5-48EC-8DA7-7E77DD63BDE3}"/>
+                <a16:creationId xmlns:a16="http://schemas.microsoft.com/office/drawing/2014/main" xmlns="" id="{392859C3-3DA5-48EC-8DA7-7E77DD63BDE3}"/>
               </a:ext>
             </a:extLst>
           </p:cNvPr>
@@ -14137,7 +13987,7 @@
             <p:cNvPr id="5" name="Straight Connector 4">
               <a:extLst>
                 <a:ext uri="{FF2B5EF4-FFF2-40B4-BE49-F238E27FC236}">
-                  <a16:creationId xmlns:a16="http://schemas.microsoft.com/office/drawing/2014/main" id="{E22AD152-70BD-4229-B8BC-C60DBA0179DC}"/>
+                  <a16:creationId xmlns:a16="http://schemas.microsoft.com/office/drawing/2014/main" xmlns="" id="{E22AD152-70BD-4229-B8BC-C60DBA0179DC}"/>
                 </a:ext>
               </a:extLst>
             </p:cNvPr>
@@ -14181,7 +14031,7 @@
             <p:cNvPr id="9" name="Oval 8">
               <a:extLst>
                 <a:ext uri="{FF2B5EF4-FFF2-40B4-BE49-F238E27FC236}">
-                  <a16:creationId xmlns:a16="http://schemas.microsoft.com/office/drawing/2014/main" id="{8F37EFB2-5530-4905-AC70-3DB832BEDBD3}"/>
+                  <a16:creationId xmlns:a16="http://schemas.microsoft.com/office/drawing/2014/main" xmlns="" id="{8F37EFB2-5530-4905-AC70-3DB832BEDBD3}"/>
                 </a:ext>
               </a:extLst>
             </p:cNvPr>
@@ -14235,7 +14085,7 @@
             <p:cNvPr id="13" name="Oval 12">
               <a:extLst>
                 <a:ext uri="{FF2B5EF4-FFF2-40B4-BE49-F238E27FC236}">
-                  <a16:creationId xmlns:a16="http://schemas.microsoft.com/office/drawing/2014/main" id="{5BC6BE35-425F-46E5-A8D6-F89BE4A3F589}"/>
+                  <a16:creationId xmlns:a16="http://schemas.microsoft.com/office/drawing/2014/main" xmlns="" id="{5BC6BE35-425F-46E5-A8D6-F89BE4A3F589}"/>
                 </a:ext>
               </a:extLst>
             </p:cNvPr>
@@ -14289,7 +14139,7 @@
             <p:cNvPr id="14" name="Straight Connector 13">
               <a:extLst>
                 <a:ext uri="{FF2B5EF4-FFF2-40B4-BE49-F238E27FC236}">
-                  <a16:creationId xmlns:a16="http://schemas.microsoft.com/office/drawing/2014/main" id="{E08E1825-7573-4055-8192-47D6B83231F8}"/>
+                  <a16:creationId xmlns:a16="http://schemas.microsoft.com/office/drawing/2014/main" xmlns="" id="{E08E1825-7573-4055-8192-47D6B83231F8}"/>
                 </a:ext>
               </a:extLst>
             </p:cNvPr>
@@ -14333,7 +14183,7 @@
             <p:cNvPr id="15" name="Oval 14">
               <a:extLst>
                 <a:ext uri="{FF2B5EF4-FFF2-40B4-BE49-F238E27FC236}">
-                  <a16:creationId xmlns:a16="http://schemas.microsoft.com/office/drawing/2014/main" id="{C673D449-E9F2-45B7-B214-F7B45D5D5782}"/>
+                  <a16:creationId xmlns:a16="http://schemas.microsoft.com/office/drawing/2014/main" xmlns="" id="{C673D449-E9F2-45B7-B214-F7B45D5D5782}"/>
                 </a:ext>
               </a:extLst>
             </p:cNvPr>
@@ -14387,7 +14237,7 @@
             <p:cNvPr id="18" name="TextBox 17">
               <a:extLst>
                 <a:ext uri="{FF2B5EF4-FFF2-40B4-BE49-F238E27FC236}">
-                  <a16:creationId xmlns:a16="http://schemas.microsoft.com/office/drawing/2014/main" id="{49213482-61DE-4E6A-923C-D45CD14DD772}"/>
+                  <a16:creationId xmlns:a16="http://schemas.microsoft.com/office/drawing/2014/main" xmlns="" id="{49213482-61DE-4E6A-923C-D45CD14DD772}"/>
                 </a:ext>
               </a:extLst>
             </p:cNvPr>
@@ -14422,7 +14272,7 @@
             <p:cNvPr id="19" name="TextBox 18">
               <a:extLst>
                 <a:ext uri="{FF2B5EF4-FFF2-40B4-BE49-F238E27FC236}">
-                  <a16:creationId xmlns:a16="http://schemas.microsoft.com/office/drawing/2014/main" id="{26382464-B130-418C-826B-FCE1564D90CF}"/>
+                  <a16:creationId xmlns:a16="http://schemas.microsoft.com/office/drawing/2014/main" xmlns="" id="{26382464-B130-418C-826B-FCE1564D90CF}"/>
                 </a:ext>
               </a:extLst>
             </p:cNvPr>
@@ -14457,7 +14307,7 @@
             <p:cNvPr id="20" name="TextBox 19">
               <a:extLst>
                 <a:ext uri="{FF2B5EF4-FFF2-40B4-BE49-F238E27FC236}">
-                  <a16:creationId xmlns:a16="http://schemas.microsoft.com/office/drawing/2014/main" id="{DD390C99-FD0D-4FFA-9936-058FE9FC4932}"/>
+                  <a16:creationId xmlns:a16="http://schemas.microsoft.com/office/drawing/2014/main" xmlns="" id="{DD390C99-FD0D-4FFA-9936-058FE9FC4932}"/>
                 </a:ext>
               </a:extLst>
             </p:cNvPr>
@@ -14492,7 +14342,7 @@
             <p:cNvPr id="22" name="Straight Connector 21">
               <a:extLst>
                 <a:ext uri="{FF2B5EF4-FFF2-40B4-BE49-F238E27FC236}">
-                  <a16:creationId xmlns:a16="http://schemas.microsoft.com/office/drawing/2014/main" id="{489F4072-AC12-4534-9FC1-B1BF9DFC4213}"/>
+                  <a16:creationId xmlns:a16="http://schemas.microsoft.com/office/drawing/2014/main" xmlns="" id="{489F4072-AC12-4534-9FC1-B1BF9DFC4213}"/>
                 </a:ext>
               </a:extLst>
             </p:cNvPr>
@@ -14538,7 +14388,7 @@
             <p:cNvPr id="50" name="Group 49">
               <a:extLst>
                 <a:ext uri="{FF2B5EF4-FFF2-40B4-BE49-F238E27FC236}">
-                  <a16:creationId xmlns:a16="http://schemas.microsoft.com/office/drawing/2014/main" id="{69D37D2E-64FC-4E06-AB29-38DBF169C493}"/>
+                  <a16:creationId xmlns:a16="http://schemas.microsoft.com/office/drawing/2014/main" xmlns="" id="{69D37D2E-64FC-4E06-AB29-38DBF169C493}"/>
                 </a:ext>
               </a:extLst>
             </p:cNvPr>
@@ -14558,7 +14408,7 @@
               <p:cNvPr id="23" name="Oval 22">
                 <a:extLst>
                   <a:ext uri="{FF2B5EF4-FFF2-40B4-BE49-F238E27FC236}">
-                    <a16:creationId xmlns:a16="http://schemas.microsoft.com/office/drawing/2014/main" id="{BC70D42B-C0C9-4C4D-A417-570AFB319A8D}"/>
+                    <a16:creationId xmlns:a16="http://schemas.microsoft.com/office/drawing/2014/main" xmlns="" id="{BC70D42B-C0C9-4C4D-A417-570AFB319A8D}"/>
                   </a:ext>
                 </a:extLst>
               </p:cNvPr>
@@ -14612,7 +14462,7 @@
               <p:cNvPr id="24" name="TextBox 23">
                 <a:extLst>
                   <a:ext uri="{FF2B5EF4-FFF2-40B4-BE49-F238E27FC236}">
-                    <a16:creationId xmlns:a16="http://schemas.microsoft.com/office/drawing/2014/main" id="{445DDA8A-C75E-4606-ADD3-DAADFB8F7B23}"/>
+                    <a16:creationId xmlns:a16="http://schemas.microsoft.com/office/drawing/2014/main" xmlns="" id="{445DDA8A-C75E-4606-ADD3-DAADFB8F7B23}"/>
                   </a:ext>
                 </a:extLst>
               </p:cNvPr>
@@ -14648,7 +14498,7 @@
             <p:cNvPr id="25" name="Straight Connector 24">
               <a:extLst>
                 <a:ext uri="{FF2B5EF4-FFF2-40B4-BE49-F238E27FC236}">
-                  <a16:creationId xmlns:a16="http://schemas.microsoft.com/office/drawing/2014/main" id="{3F40EC89-C0D5-4DD8-85F5-44FBCB69B00D}"/>
+                  <a16:creationId xmlns:a16="http://schemas.microsoft.com/office/drawing/2014/main" xmlns="" id="{3F40EC89-C0D5-4DD8-85F5-44FBCB69B00D}"/>
                 </a:ext>
               </a:extLst>
             </p:cNvPr>
@@ -14694,7 +14544,7 @@
             <p:cNvPr id="31" name="Group 30">
               <a:extLst>
                 <a:ext uri="{FF2B5EF4-FFF2-40B4-BE49-F238E27FC236}">
-                  <a16:creationId xmlns:a16="http://schemas.microsoft.com/office/drawing/2014/main" id="{34D17B67-032B-4939-BF41-B15BBEBA20B3}"/>
+                  <a16:creationId xmlns:a16="http://schemas.microsoft.com/office/drawing/2014/main" xmlns="" id="{34D17B67-032B-4939-BF41-B15BBEBA20B3}"/>
                 </a:ext>
               </a:extLst>
             </p:cNvPr>
@@ -14714,7 +14564,7 @@
               <p:cNvPr id="26" name="Oval 25">
                 <a:extLst>
                   <a:ext uri="{FF2B5EF4-FFF2-40B4-BE49-F238E27FC236}">
-                    <a16:creationId xmlns:a16="http://schemas.microsoft.com/office/drawing/2014/main" id="{2E65D98B-A8D1-479B-9572-AF77672E1910}"/>
+                    <a16:creationId xmlns:a16="http://schemas.microsoft.com/office/drawing/2014/main" xmlns="" id="{2E65D98B-A8D1-479B-9572-AF77672E1910}"/>
                   </a:ext>
                 </a:extLst>
               </p:cNvPr>
@@ -14771,7 +14621,7 @@
               <p:cNvPr id="27" name="TextBox 26">
                 <a:extLst>
                   <a:ext uri="{FF2B5EF4-FFF2-40B4-BE49-F238E27FC236}">
-                    <a16:creationId xmlns:a16="http://schemas.microsoft.com/office/drawing/2014/main" id="{FFEB9FFF-1093-4D62-8CEA-8E02B2601C0A}"/>
+                    <a16:creationId xmlns:a16="http://schemas.microsoft.com/office/drawing/2014/main" xmlns="" id="{FFEB9FFF-1093-4D62-8CEA-8E02B2601C0A}"/>
                   </a:ext>
                 </a:extLst>
               </p:cNvPr>
@@ -14808,7 +14658,7 @@
           <p:cNvPr id="29" name="Straight Connector 28">
             <a:extLst>
               <a:ext uri="{FF2B5EF4-FFF2-40B4-BE49-F238E27FC236}">
-                <a16:creationId xmlns:a16="http://schemas.microsoft.com/office/drawing/2014/main" id="{0761E812-7018-4712-A3B4-BA0840743582}"/>
+                <a16:creationId xmlns:a16="http://schemas.microsoft.com/office/drawing/2014/main" xmlns="" id="{0761E812-7018-4712-A3B4-BA0840743582}"/>
               </a:ext>
             </a:extLst>
           </p:cNvPr>
@@ -14853,7 +14703,7 @@
           <p:cNvPr id="30" name="Oval 29">
             <a:extLst>
               <a:ext uri="{FF2B5EF4-FFF2-40B4-BE49-F238E27FC236}">
-                <a16:creationId xmlns:a16="http://schemas.microsoft.com/office/drawing/2014/main" id="{97D0FF15-79B0-44B5-BAFA-F8500EF783D7}"/>
+                <a16:creationId xmlns:a16="http://schemas.microsoft.com/office/drawing/2014/main" xmlns="" id="{97D0FF15-79B0-44B5-BAFA-F8500EF783D7}"/>
               </a:ext>
             </a:extLst>
           </p:cNvPr>
@@ -14907,7 +14757,7 @@
           <p:cNvPr id="35" name="TextBox 34">
             <a:extLst>
               <a:ext uri="{FF2B5EF4-FFF2-40B4-BE49-F238E27FC236}">
-                <a16:creationId xmlns:a16="http://schemas.microsoft.com/office/drawing/2014/main" id="{367A9E5B-E1E7-4995-8A17-C3119F0AF249}"/>
+                <a16:creationId xmlns:a16="http://schemas.microsoft.com/office/drawing/2014/main" xmlns="" id="{367A9E5B-E1E7-4995-8A17-C3119F0AF249}"/>
               </a:ext>
             </a:extLst>
           </p:cNvPr>
@@ -14942,7 +14792,7 @@
           <p:cNvPr id="39" name="Group 38">
             <a:extLst>
               <a:ext uri="{FF2B5EF4-FFF2-40B4-BE49-F238E27FC236}">
-                <a16:creationId xmlns:a16="http://schemas.microsoft.com/office/drawing/2014/main" id="{1479386C-47F8-47FC-B853-DE1ACABB80D8}"/>
+                <a16:creationId xmlns:a16="http://schemas.microsoft.com/office/drawing/2014/main" xmlns="" id="{1479386C-47F8-47FC-B853-DE1ACABB80D8}"/>
               </a:ext>
             </a:extLst>
           </p:cNvPr>
@@ -14962,7 +14812,7 @@
             <p:cNvPr id="44" name="Oval 43">
               <a:extLst>
                 <a:ext uri="{FF2B5EF4-FFF2-40B4-BE49-F238E27FC236}">
-                  <a16:creationId xmlns:a16="http://schemas.microsoft.com/office/drawing/2014/main" id="{F83FCDB9-FE62-48B6-B9C9-98E8879E8310}"/>
+                  <a16:creationId xmlns:a16="http://schemas.microsoft.com/office/drawing/2014/main" xmlns="" id="{F83FCDB9-FE62-48B6-B9C9-98E8879E8310}"/>
                 </a:ext>
               </a:extLst>
             </p:cNvPr>
@@ -15016,7 +14866,7 @@
             <p:cNvPr id="45" name="TextBox 44">
               <a:extLst>
                 <a:ext uri="{FF2B5EF4-FFF2-40B4-BE49-F238E27FC236}">
-                  <a16:creationId xmlns:a16="http://schemas.microsoft.com/office/drawing/2014/main" id="{9C8AA847-34F5-4477-BFF8-5A75370286A8}"/>
+                  <a16:creationId xmlns:a16="http://schemas.microsoft.com/office/drawing/2014/main" xmlns="" id="{9C8AA847-34F5-4477-BFF8-5A75370286A8}"/>
                 </a:ext>
               </a:extLst>
             </p:cNvPr>
@@ -15052,7 +14902,7 @@
           <p:cNvPr id="46" name="Straight Connector 45">
             <a:extLst>
               <a:ext uri="{FF2B5EF4-FFF2-40B4-BE49-F238E27FC236}">
-                <a16:creationId xmlns:a16="http://schemas.microsoft.com/office/drawing/2014/main" id="{09EA1F22-8124-4C3C-8487-4F2855F86FA1}"/>
+                <a16:creationId xmlns:a16="http://schemas.microsoft.com/office/drawing/2014/main" xmlns="" id="{09EA1F22-8124-4C3C-8487-4F2855F86FA1}"/>
               </a:ext>
             </a:extLst>
           </p:cNvPr>
@@ -15098,7 +14948,7 @@
           <p:cNvPr id="51" name="Straight Connector 50">
             <a:extLst>
               <a:ext uri="{FF2B5EF4-FFF2-40B4-BE49-F238E27FC236}">
-                <a16:creationId xmlns:a16="http://schemas.microsoft.com/office/drawing/2014/main" id="{54D31D38-4D9B-4E31-B54B-A451D1680C6C}"/>
+                <a16:creationId xmlns:a16="http://schemas.microsoft.com/office/drawing/2014/main" xmlns="" id="{54D31D38-4D9B-4E31-B54B-A451D1680C6C}"/>
               </a:ext>
             </a:extLst>
           </p:cNvPr>
@@ -15142,7 +14992,7 @@
           <p:cNvPr id="52" name="Oval 51">
             <a:extLst>
               <a:ext uri="{FF2B5EF4-FFF2-40B4-BE49-F238E27FC236}">
-                <a16:creationId xmlns:a16="http://schemas.microsoft.com/office/drawing/2014/main" id="{5726B7DD-0EA9-406A-96AF-756F1A0E8887}"/>
+                <a16:creationId xmlns:a16="http://schemas.microsoft.com/office/drawing/2014/main" xmlns="" id="{5726B7DD-0EA9-406A-96AF-756F1A0E8887}"/>
               </a:ext>
             </a:extLst>
           </p:cNvPr>
@@ -15196,7 +15046,7 @@
           <p:cNvPr id="56" name="TextBox 55">
             <a:extLst>
               <a:ext uri="{FF2B5EF4-FFF2-40B4-BE49-F238E27FC236}">
-                <a16:creationId xmlns:a16="http://schemas.microsoft.com/office/drawing/2014/main" id="{9BB8C067-EC43-42AE-9AAE-72369341D1AA}"/>
+                <a16:creationId xmlns:a16="http://schemas.microsoft.com/office/drawing/2014/main" xmlns="" id="{9BB8C067-EC43-42AE-9AAE-72369341D1AA}"/>
               </a:ext>
             </a:extLst>
           </p:cNvPr>
@@ -15231,7 +15081,7 @@
           <p:cNvPr id="70" name="Group 69">
             <a:extLst>
               <a:ext uri="{FF2B5EF4-FFF2-40B4-BE49-F238E27FC236}">
-                <a16:creationId xmlns:a16="http://schemas.microsoft.com/office/drawing/2014/main" id="{94E5A6EE-967C-4683-8189-EE5DBFA1FDEC}"/>
+                <a16:creationId xmlns:a16="http://schemas.microsoft.com/office/drawing/2014/main" xmlns="" id="{94E5A6EE-967C-4683-8189-EE5DBFA1FDEC}"/>
               </a:ext>
             </a:extLst>
           </p:cNvPr>
@@ -15257,7 +15107,7 @@
             <p:cNvPr id="53" name="Oval 52">
               <a:extLst>
                 <a:ext uri="{FF2B5EF4-FFF2-40B4-BE49-F238E27FC236}">
-                  <a16:creationId xmlns:a16="http://schemas.microsoft.com/office/drawing/2014/main" id="{1ECE8758-147F-4AFA-AFFF-C933A42D805C}"/>
+                  <a16:creationId xmlns:a16="http://schemas.microsoft.com/office/drawing/2014/main" xmlns="" id="{1ECE8758-147F-4AFA-AFFF-C933A42D805C}"/>
                 </a:ext>
               </a:extLst>
             </p:cNvPr>
@@ -15309,7 +15159,7 @@
             <p:cNvPr id="57" name="TextBox 56">
               <a:extLst>
                 <a:ext uri="{FF2B5EF4-FFF2-40B4-BE49-F238E27FC236}">
-                  <a16:creationId xmlns:a16="http://schemas.microsoft.com/office/drawing/2014/main" id="{A4F84758-D3CF-46F2-8CAF-0B146CA2B577}"/>
+                  <a16:creationId xmlns:a16="http://schemas.microsoft.com/office/drawing/2014/main" xmlns="" id="{A4F84758-D3CF-46F2-8CAF-0B146CA2B577}"/>
                 </a:ext>
               </a:extLst>
             </p:cNvPr>
@@ -15345,7 +15195,7 @@
           <p:cNvPr id="64" name="Straight Connector 63">
             <a:extLst>
               <a:ext uri="{FF2B5EF4-FFF2-40B4-BE49-F238E27FC236}">
-                <a16:creationId xmlns:a16="http://schemas.microsoft.com/office/drawing/2014/main" id="{B719218F-5959-4D48-AA0E-EAAA90C83A27}"/>
+                <a16:creationId xmlns:a16="http://schemas.microsoft.com/office/drawing/2014/main" xmlns="" id="{B719218F-5959-4D48-AA0E-EAAA90C83A27}"/>
               </a:ext>
             </a:extLst>
           </p:cNvPr>
@@ -15391,7 +15241,7 @@
           <p:cNvPr id="67" name="Straight Connector 66">
             <a:extLst>
               <a:ext uri="{FF2B5EF4-FFF2-40B4-BE49-F238E27FC236}">
-                <a16:creationId xmlns:a16="http://schemas.microsoft.com/office/drawing/2014/main" id="{A490E88C-0524-4D04-A593-C8AEF6195AEC}"/>
+                <a16:creationId xmlns:a16="http://schemas.microsoft.com/office/drawing/2014/main" xmlns="" id="{A490E88C-0524-4D04-A593-C8AEF6195AEC}"/>
               </a:ext>
             </a:extLst>
           </p:cNvPr>
@@ -15437,7 +15287,7 @@
           <p:cNvPr id="76" name="Straight Connector 75">
             <a:extLst>
               <a:ext uri="{FF2B5EF4-FFF2-40B4-BE49-F238E27FC236}">
-                <a16:creationId xmlns:a16="http://schemas.microsoft.com/office/drawing/2014/main" id="{D6DFB163-4FD5-486B-8D36-49BDA9B87C2B}"/>
+                <a16:creationId xmlns:a16="http://schemas.microsoft.com/office/drawing/2014/main" xmlns="" id="{D6DFB163-4FD5-486B-8D36-49BDA9B87C2B}"/>
               </a:ext>
             </a:extLst>
           </p:cNvPr>
@@ -15483,7 +15333,7 @@
           <p:cNvPr id="79" name="Group 78">
             <a:extLst>
               <a:ext uri="{FF2B5EF4-FFF2-40B4-BE49-F238E27FC236}">
-                <a16:creationId xmlns:a16="http://schemas.microsoft.com/office/drawing/2014/main" id="{30FFD568-DE9E-4715-9176-0BEC152CBF7F}"/>
+                <a16:creationId xmlns:a16="http://schemas.microsoft.com/office/drawing/2014/main" xmlns="" id="{30FFD568-DE9E-4715-9176-0BEC152CBF7F}"/>
               </a:ext>
             </a:extLst>
           </p:cNvPr>
@@ -15509,7 +15359,7 @@
             <p:cNvPr id="80" name="Oval 79">
               <a:extLst>
                 <a:ext uri="{FF2B5EF4-FFF2-40B4-BE49-F238E27FC236}">
-                  <a16:creationId xmlns:a16="http://schemas.microsoft.com/office/drawing/2014/main" id="{9DF465D2-75F0-4125-A9CB-0D50B6A731DD}"/>
+                  <a16:creationId xmlns:a16="http://schemas.microsoft.com/office/drawing/2014/main" xmlns="" id="{9DF465D2-75F0-4125-A9CB-0D50B6A731DD}"/>
                 </a:ext>
               </a:extLst>
             </p:cNvPr>
@@ -15561,7 +15411,7 @@
             <p:cNvPr id="81" name="TextBox 80">
               <a:extLst>
                 <a:ext uri="{FF2B5EF4-FFF2-40B4-BE49-F238E27FC236}">
-                  <a16:creationId xmlns:a16="http://schemas.microsoft.com/office/drawing/2014/main" id="{1D3D4C2F-24A1-424F-9B49-18C67911C184}"/>
+                  <a16:creationId xmlns:a16="http://schemas.microsoft.com/office/drawing/2014/main" xmlns="" id="{1D3D4C2F-24A1-424F-9B49-18C67911C184}"/>
                 </a:ext>
               </a:extLst>
             </p:cNvPr>
@@ -15597,7 +15447,7 @@
           <p:cNvPr id="83" name="Straight Connector 82">
             <a:extLst>
               <a:ext uri="{FF2B5EF4-FFF2-40B4-BE49-F238E27FC236}">
-                <a16:creationId xmlns:a16="http://schemas.microsoft.com/office/drawing/2014/main" id="{22A61181-6EA2-4714-8A3E-F48DACB5C65B}"/>
+                <a16:creationId xmlns:a16="http://schemas.microsoft.com/office/drawing/2014/main" xmlns="" id="{22A61181-6EA2-4714-8A3E-F48DACB5C65B}"/>
               </a:ext>
             </a:extLst>
           </p:cNvPr>
@@ -15643,7 +15493,7 @@
           <p:cNvPr id="88" name="Straight Connector 87">
             <a:extLst>
               <a:ext uri="{FF2B5EF4-FFF2-40B4-BE49-F238E27FC236}">
-                <a16:creationId xmlns:a16="http://schemas.microsoft.com/office/drawing/2014/main" id="{DBFA6EBA-2706-4C4E-A35C-1DE71DA4BD3D}"/>
+                <a16:creationId xmlns:a16="http://schemas.microsoft.com/office/drawing/2014/main" xmlns="" id="{DBFA6EBA-2706-4C4E-A35C-1DE71DA4BD3D}"/>
               </a:ext>
             </a:extLst>
           </p:cNvPr>
@@ -15689,7 +15539,7 @@
           <p:cNvPr id="91" name="Group 90">
             <a:extLst>
               <a:ext uri="{FF2B5EF4-FFF2-40B4-BE49-F238E27FC236}">
-                <a16:creationId xmlns:a16="http://schemas.microsoft.com/office/drawing/2014/main" id="{F6A5C452-E102-49C2-9EC5-B98C0DB86935}"/>
+                <a16:creationId xmlns:a16="http://schemas.microsoft.com/office/drawing/2014/main" xmlns="" id="{F6A5C452-E102-49C2-9EC5-B98C0DB86935}"/>
               </a:ext>
             </a:extLst>
           </p:cNvPr>
@@ -15709,7 +15559,7 @@
             <p:cNvPr id="94" name="Oval 93">
               <a:extLst>
                 <a:ext uri="{FF2B5EF4-FFF2-40B4-BE49-F238E27FC236}">
-                  <a16:creationId xmlns:a16="http://schemas.microsoft.com/office/drawing/2014/main" id="{21285E0F-DC60-479E-8FDD-7D6AAF1D0701}"/>
+                  <a16:creationId xmlns:a16="http://schemas.microsoft.com/office/drawing/2014/main" xmlns="" id="{21285E0F-DC60-479E-8FDD-7D6AAF1D0701}"/>
                 </a:ext>
               </a:extLst>
             </p:cNvPr>
@@ -15763,7 +15613,7 @@
             <p:cNvPr id="95" name="Straight Connector 94">
               <a:extLst>
                 <a:ext uri="{FF2B5EF4-FFF2-40B4-BE49-F238E27FC236}">
-                  <a16:creationId xmlns:a16="http://schemas.microsoft.com/office/drawing/2014/main" id="{23001623-E7DF-4339-819C-0213B895BEE0}"/>
+                  <a16:creationId xmlns:a16="http://schemas.microsoft.com/office/drawing/2014/main" xmlns="" id="{23001623-E7DF-4339-819C-0213B895BEE0}"/>
                 </a:ext>
               </a:extLst>
             </p:cNvPr>
@@ -15807,7 +15657,7 @@
             <p:cNvPr id="96" name="Oval 95">
               <a:extLst>
                 <a:ext uri="{FF2B5EF4-FFF2-40B4-BE49-F238E27FC236}">
-                  <a16:creationId xmlns:a16="http://schemas.microsoft.com/office/drawing/2014/main" id="{A9F5A792-F17E-456E-AD39-7EB7E3B2E576}"/>
+                  <a16:creationId xmlns:a16="http://schemas.microsoft.com/office/drawing/2014/main" xmlns="" id="{A9F5A792-F17E-456E-AD39-7EB7E3B2E576}"/>
                 </a:ext>
               </a:extLst>
             </p:cNvPr>
@@ -15861,7 +15711,7 @@
             <p:cNvPr id="98" name="TextBox 97">
               <a:extLst>
                 <a:ext uri="{FF2B5EF4-FFF2-40B4-BE49-F238E27FC236}">
-                  <a16:creationId xmlns:a16="http://schemas.microsoft.com/office/drawing/2014/main" id="{5428B68C-6BF0-43CC-8B3B-C14884F723E2}"/>
+                  <a16:creationId xmlns:a16="http://schemas.microsoft.com/office/drawing/2014/main" xmlns="" id="{5428B68C-6BF0-43CC-8B3B-C14884F723E2}"/>
                 </a:ext>
               </a:extLst>
             </p:cNvPr>
@@ -15896,7 +15746,7 @@
             <p:cNvPr id="99" name="TextBox 98">
               <a:extLst>
                 <a:ext uri="{FF2B5EF4-FFF2-40B4-BE49-F238E27FC236}">
-                  <a16:creationId xmlns:a16="http://schemas.microsoft.com/office/drawing/2014/main" id="{631C1401-BC47-4768-AE22-1C6513D41F7E}"/>
+                  <a16:creationId xmlns:a16="http://schemas.microsoft.com/office/drawing/2014/main" xmlns="" id="{631C1401-BC47-4768-AE22-1C6513D41F7E}"/>
                 </a:ext>
               </a:extLst>
             </p:cNvPr>
@@ -15931,7 +15781,7 @@
             <p:cNvPr id="100" name="Straight Connector 99">
               <a:extLst>
                 <a:ext uri="{FF2B5EF4-FFF2-40B4-BE49-F238E27FC236}">
-                  <a16:creationId xmlns:a16="http://schemas.microsoft.com/office/drawing/2014/main" id="{244E5E09-9C2B-45C4-8506-6F4E9D1AE13A}"/>
+                  <a16:creationId xmlns:a16="http://schemas.microsoft.com/office/drawing/2014/main" xmlns="" id="{244E5E09-9C2B-45C4-8506-6F4E9D1AE13A}"/>
                 </a:ext>
               </a:extLst>
             </p:cNvPr>
@@ -15977,7 +15827,7 @@
             <p:cNvPr id="101" name="Group 100">
               <a:extLst>
                 <a:ext uri="{FF2B5EF4-FFF2-40B4-BE49-F238E27FC236}">
-                  <a16:creationId xmlns:a16="http://schemas.microsoft.com/office/drawing/2014/main" id="{274A4EDA-F47E-41CA-A823-D10DE501B84B}"/>
+                  <a16:creationId xmlns:a16="http://schemas.microsoft.com/office/drawing/2014/main" xmlns="" id="{274A4EDA-F47E-41CA-A823-D10DE501B84B}"/>
                 </a:ext>
               </a:extLst>
             </p:cNvPr>
@@ -15997,7 +15847,7 @@
               <p:cNvPr id="106" name="Oval 105">
                 <a:extLst>
                   <a:ext uri="{FF2B5EF4-FFF2-40B4-BE49-F238E27FC236}">
-                    <a16:creationId xmlns:a16="http://schemas.microsoft.com/office/drawing/2014/main" id="{A5AC4FD0-1E48-41B2-B58B-6F7F88A1838B}"/>
+                    <a16:creationId xmlns:a16="http://schemas.microsoft.com/office/drawing/2014/main" xmlns="" id="{A5AC4FD0-1E48-41B2-B58B-6F7F88A1838B}"/>
                   </a:ext>
                 </a:extLst>
               </p:cNvPr>
@@ -16051,7 +15901,7 @@
               <p:cNvPr id="107" name="TextBox 106">
                 <a:extLst>
                   <a:ext uri="{FF2B5EF4-FFF2-40B4-BE49-F238E27FC236}">
-                    <a16:creationId xmlns:a16="http://schemas.microsoft.com/office/drawing/2014/main" id="{E165BCEA-E023-406D-8F24-89D15D3EAF2F}"/>
+                    <a16:creationId xmlns:a16="http://schemas.microsoft.com/office/drawing/2014/main" xmlns="" id="{E165BCEA-E023-406D-8F24-89D15D3EAF2F}"/>
                   </a:ext>
                 </a:extLst>
               </p:cNvPr>
@@ -16087,7 +15937,7 @@
             <p:cNvPr id="102" name="Straight Connector 101">
               <a:extLst>
                 <a:ext uri="{FF2B5EF4-FFF2-40B4-BE49-F238E27FC236}">
-                  <a16:creationId xmlns:a16="http://schemas.microsoft.com/office/drawing/2014/main" id="{CF2D2FB4-F448-4A25-BFA4-71CB70DF6478}"/>
+                  <a16:creationId xmlns:a16="http://schemas.microsoft.com/office/drawing/2014/main" xmlns="" id="{CF2D2FB4-F448-4A25-BFA4-71CB70DF6478}"/>
                 </a:ext>
               </a:extLst>
             </p:cNvPr>
@@ -16133,7 +15983,7 @@
             <p:cNvPr id="103" name="Group 102">
               <a:extLst>
                 <a:ext uri="{FF2B5EF4-FFF2-40B4-BE49-F238E27FC236}">
-                  <a16:creationId xmlns:a16="http://schemas.microsoft.com/office/drawing/2014/main" id="{FC534FF6-F6E2-4953-9CF4-3A8F14ADBF81}"/>
+                  <a16:creationId xmlns:a16="http://schemas.microsoft.com/office/drawing/2014/main" xmlns="" id="{FC534FF6-F6E2-4953-9CF4-3A8F14ADBF81}"/>
                 </a:ext>
               </a:extLst>
             </p:cNvPr>
@@ -16153,7 +16003,7 @@
               <p:cNvPr id="104" name="Oval 103">
                 <a:extLst>
                   <a:ext uri="{FF2B5EF4-FFF2-40B4-BE49-F238E27FC236}">
-                    <a16:creationId xmlns:a16="http://schemas.microsoft.com/office/drawing/2014/main" id="{EC616579-189C-46F2-A417-A2EA8F72691F}"/>
+                    <a16:creationId xmlns:a16="http://schemas.microsoft.com/office/drawing/2014/main" xmlns="" id="{EC616579-189C-46F2-A417-A2EA8F72691F}"/>
                   </a:ext>
                 </a:extLst>
               </p:cNvPr>
@@ -16207,7 +16057,7 @@
               <p:cNvPr id="105" name="TextBox 104">
                 <a:extLst>
                   <a:ext uri="{FF2B5EF4-FFF2-40B4-BE49-F238E27FC236}">
-                    <a16:creationId xmlns:a16="http://schemas.microsoft.com/office/drawing/2014/main" id="{EB749B01-BA39-4AD2-949B-178D0F152621}"/>
+                    <a16:creationId xmlns:a16="http://schemas.microsoft.com/office/drawing/2014/main" xmlns="" id="{EB749B01-BA39-4AD2-949B-178D0F152621}"/>
                   </a:ext>
                 </a:extLst>
               </p:cNvPr>
@@ -16244,7 +16094,7 @@
           <p:cNvPr id="108" name="TextBox 107">
             <a:extLst>
               <a:ext uri="{FF2B5EF4-FFF2-40B4-BE49-F238E27FC236}">
-                <a16:creationId xmlns:a16="http://schemas.microsoft.com/office/drawing/2014/main" id="{73571061-D6B9-4E52-A033-95BEF6D1497D}"/>
+                <a16:creationId xmlns:a16="http://schemas.microsoft.com/office/drawing/2014/main" xmlns="" id="{73571061-D6B9-4E52-A033-95BEF6D1497D}"/>
               </a:ext>
             </a:extLst>
           </p:cNvPr>
@@ -16289,7 +16139,7 @@
           <p:cNvPr id="109" name="Straight Connector 108">
             <a:extLst>
               <a:ext uri="{FF2B5EF4-FFF2-40B4-BE49-F238E27FC236}">
-                <a16:creationId xmlns:a16="http://schemas.microsoft.com/office/drawing/2014/main" id="{0AB1E67E-AFB6-4A34-B762-CCDC7B958201}"/>
+                <a16:creationId xmlns:a16="http://schemas.microsoft.com/office/drawing/2014/main" xmlns="" id="{0AB1E67E-AFB6-4A34-B762-CCDC7B958201}"/>
               </a:ext>
             </a:extLst>
           </p:cNvPr>
@@ -16335,7 +16185,7 @@
           <p:cNvPr id="114" name="Straight Connector 113">
             <a:extLst>
               <a:ext uri="{FF2B5EF4-FFF2-40B4-BE49-F238E27FC236}">
-                <a16:creationId xmlns:a16="http://schemas.microsoft.com/office/drawing/2014/main" id="{25911FEA-DC74-4864-A67A-37C9E91C6ED1}"/>
+                <a16:creationId xmlns:a16="http://schemas.microsoft.com/office/drawing/2014/main" xmlns="" id="{25911FEA-DC74-4864-A67A-37C9E91C6ED1}"/>
               </a:ext>
             </a:extLst>
           </p:cNvPr>
@@ -16379,7 +16229,7 @@
           <p:cNvPr id="115" name="Group 114">
             <a:extLst>
               <a:ext uri="{FF2B5EF4-FFF2-40B4-BE49-F238E27FC236}">
-                <a16:creationId xmlns:a16="http://schemas.microsoft.com/office/drawing/2014/main" id="{C5505F9E-ABB2-4FD8-958B-5D68FCD57D00}"/>
+                <a16:creationId xmlns:a16="http://schemas.microsoft.com/office/drawing/2014/main" xmlns="" id="{C5505F9E-ABB2-4FD8-958B-5D68FCD57D00}"/>
               </a:ext>
             </a:extLst>
           </p:cNvPr>
@@ -16405,7 +16255,7 @@
             <p:cNvPr id="116" name="Oval 115">
               <a:extLst>
                 <a:ext uri="{FF2B5EF4-FFF2-40B4-BE49-F238E27FC236}">
-                  <a16:creationId xmlns:a16="http://schemas.microsoft.com/office/drawing/2014/main" id="{6A16AD78-C125-4D07-901C-38EDF9FBD495}"/>
+                  <a16:creationId xmlns:a16="http://schemas.microsoft.com/office/drawing/2014/main" xmlns="" id="{6A16AD78-C125-4D07-901C-38EDF9FBD495}"/>
                 </a:ext>
               </a:extLst>
             </p:cNvPr>
@@ -16457,7 +16307,7 @@
             <p:cNvPr id="117" name="TextBox 116">
               <a:extLst>
                 <a:ext uri="{FF2B5EF4-FFF2-40B4-BE49-F238E27FC236}">
-                  <a16:creationId xmlns:a16="http://schemas.microsoft.com/office/drawing/2014/main" id="{502AA8E2-36B5-4715-BCE7-DCC0521A0EAE}"/>
+                  <a16:creationId xmlns:a16="http://schemas.microsoft.com/office/drawing/2014/main" xmlns="" id="{502AA8E2-36B5-4715-BCE7-DCC0521A0EAE}"/>
                 </a:ext>
               </a:extLst>
             </p:cNvPr>
@@ -16493,7 +16343,7 @@
           <p:cNvPr id="118" name="Straight Connector 117">
             <a:extLst>
               <a:ext uri="{FF2B5EF4-FFF2-40B4-BE49-F238E27FC236}">
-                <a16:creationId xmlns:a16="http://schemas.microsoft.com/office/drawing/2014/main" id="{40AC7EE6-7DC2-4100-B10D-ED6BEED30DB2}"/>
+                <a16:creationId xmlns:a16="http://schemas.microsoft.com/office/drawing/2014/main" xmlns="" id="{40AC7EE6-7DC2-4100-B10D-ED6BEED30DB2}"/>
               </a:ext>
             </a:extLst>
           </p:cNvPr>
@@ -16539,7 +16389,7 @@
           <p:cNvPr id="122" name="Straight Connector 121">
             <a:extLst>
               <a:ext uri="{FF2B5EF4-FFF2-40B4-BE49-F238E27FC236}">
-                <a16:creationId xmlns:a16="http://schemas.microsoft.com/office/drawing/2014/main" id="{4B10D7EB-1894-411F-8012-36C838B71B7E}"/>
+                <a16:creationId xmlns:a16="http://schemas.microsoft.com/office/drawing/2014/main" xmlns="" id="{4B10D7EB-1894-411F-8012-36C838B71B7E}"/>
               </a:ext>
             </a:extLst>
           </p:cNvPr>
@@ -16585,7 +16435,7 @@
           <p:cNvPr id="71" name="Oval 70">
             <a:extLst>
               <a:ext uri="{FF2B5EF4-FFF2-40B4-BE49-F238E27FC236}">
-                <a16:creationId xmlns:a16="http://schemas.microsoft.com/office/drawing/2014/main" id="{83A6D2BD-CB18-48D4-B9C0-B9779468D2EF}"/>
+                <a16:creationId xmlns:a16="http://schemas.microsoft.com/office/drawing/2014/main" xmlns="" id="{83A6D2BD-CB18-48D4-B9C0-B9779468D2EF}"/>
               </a:ext>
             </a:extLst>
           </p:cNvPr>
@@ -16637,7 +16487,7 @@
           <p:cNvPr id="72" name="TextBox 71">
             <a:extLst>
               <a:ext uri="{FF2B5EF4-FFF2-40B4-BE49-F238E27FC236}">
-                <a16:creationId xmlns:a16="http://schemas.microsoft.com/office/drawing/2014/main" id="{6D8351F5-2F48-4D98-A76A-C0F8CFD19F69}"/>
+                <a16:creationId xmlns:a16="http://schemas.microsoft.com/office/drawing/2014/main" xmlns="" id="{6D8351F5-2F48-4D98-A76A-C0F8CFD19F69}"/>
               </a:ext>
             </a:extLst>
           </p:cNvPr>
@@ -16675,7 +16525,7 @@
     </p:spTree>
     <p:extLst>
       <p:ext uri="{BB962C8B-B14F-4D97-AF65-F5344CB8AC3E}">
-        <p14:creationId xmlns:p14="http://schemas.microsoft.com/office/powerpoint/2010/main" val="1707054212"/>
+        <p14:creationId xmlns:p14="http://schemas.microsoft.com/office/powerpoint/2010/main" xmlns="" val="1707054212"/>
       </p:ext>
     </p:extLst>
   </p:cSld>
@@ -16785,28 +16635,6 @@
       </p:sp>
       <p:sp>
         <p:nvSpPr>
-          <p:cNvPr id="6" name="Date Placeholder 5"/>
-          <p:cNvSpPr>
-            <a:spLocks noGrp="1"/>
-          </p:cNvSpPr>
-          <p:nvPr>
-            <p:ph type="dt" sz="half" idx="2"/>
-          </p:nvPr>
-        </p:nvSpPr>
-        <p:spPr/>
-        <p:txBody>
-          <a:bodyPr/>
-          <a:lstStyle/>
-          <a:p>
-            <a:r>
-              <a:rPr lang="en-CA" dirty="0"/>
-              <a:t>Winter 2022</a:t>
-            </a:r>
-          </a:p>
-        </p:txBody>
-      </p:sp>
-      <p:sp>
-        <p:nvSpPr>
           <p:cNvPr id="10" name="Footer Placeholder 9"/>
           <p:cNvSpPr>
             <a:spLocks noGrp="1"/>
@@ -16857,7 +16685,7 @@
     </p:spTree>
     <p:extLst>
       <p:ext uri="{BB962C8B-B14F-4D97-AF65-F5344CB8AC3E}">
-        <p14:creationId xmlns:p14="http://schemas.microsoft.com/office/powerpoint/2010/main" val="209566383"/>
+        <p14:creationId xmlns:p14="http://schemas.microsoft.com/office/powerpoint/2010/main" xmlns="" val="209566383"/>
       </p:ext>
     </p:extLst>
   </p:cSld>
@@ -17049,28 +16877,6 @@
       </p:sp>
       <p:sp>
         <p:nvSpPr>
-          <p:cNvPr id="6" name="Date Placeholder 5"/>
-          <p:cNvSpPr>
-            <a:spLocks noGrp="1"/>
-          </p:cNvSpPr>
-          <p:nvPr>
-            <p:ph type="dt" sz="half" idx="2"/>
-          </p:nvPr>
-        </p:nvSpPr>
-        <p:spPr/>
-        <p:txBody>
-          <a:bodyPr/>
-          <a:lstStyle/>
-          <a:p>
-            <a:r>
-              <a:rPr lang="en-CA" dirty="0"/>
-              <a:t>Winter 2022</a:t>
-            </a:r>
-          </a:p>
-        </p:txBody>
-      </p:sp>
-      <p:sp>
-        <p:nvSpPr>
           <p:cNvPr id="10" name="Footer Placeholder 9"/>
           <p:cNvSpPr>
             <a:spLocks noGrp="1"/>
@@ -17121,7 +16927,7 @@
     </p:spTree>
     <p:extLst>
       <p:ext uri="{BB962C8B-B14F-4D97-AF65-F5344CB8AC3E}">
-        <p14:creationId xmlns:p14="http://schemas.microsoft.com/office/powerpoint/2010/main" val="1734560943"/>
+        <p14:creationId xmlns:p14="http://schemas.microsoft.com/office/powerpoint/2010/main" xmlns="" val="1734560943"/>
       </p:ext>
     </p:extLst>
   </p:cSld>
@@ -17203,28 +17009,6 @@
       </p:sp>
       <p:sp>
         <p:nvSpPr>
-          <p:cNvPr id="6" name="Date Placeholder 5"/>
-          <p:cNvSpPr>
-            <a:spLocks noGrp="1"/>
-          </p:cNvSpPr>
-          <p:nvPr>
-            <p:ph type="dt" sz="half" idx="2"/>
-          </p:nvPr>
-        </p:nvSpPr>
-        <p:spPr/>
-        <p:txBody>
-          <a:bodyPr/>
-          <a:lstStyle/>
-          <a:p>
-            <a:r>
-              <a:rPr lang="en-CA" dirty="0"/>
-              <a:t>Winter 2022</a:t>
-            </a:r>
-          </a:p>
-        </p:txBody>
-      </p:sp>
-      <p:sp>
-        <p:nvSpPr>
           <p:cNvPr id="10" name="Footer Placeholder 9"/>
           <p:cNvSpPr>
             <a:spLocks noGrp="1"/>
@@ -17275,7 +17059,7 @@
     </p:spTree>
     <p:extLst>
       <p:ext uri="{BB962C8B-B14F-4D97-AF65-F5344CB8AC3E}">
-        <p14:creationId xmlns:p14="http://schemas.microsoft.com/office/powerpoint/2010/main" val="5545177"/>
+        <p14:creationId xmlns:p14="http://schemas.microsoft.com/office/powerpoint/2010/main" xmlns="" val="5545177"/>
       </p:ext>
     </p:extLst>
   </p:cSld>
@@ -17445,28 +17229,6 @@
       </p:sp>
       <p:sp>
         <p:nvSpPr>
-          <p:cNvPr id="6" name="Date Placeholder 5"/>
-          <p:cNvSpPr>
-            <a:spLocks noGrp="1"/>
-          </p:cNvSpPr>
-          <p:nvPr>
-            <p:ph type="dt" sz="half" idx="2"/>
-          </p:nvPr>
-        </p:nvSpPr>
-        <p:spPr/>
-        <p:txBody>
-          <a:bodyPr/>
-          <a:lstStyle/>
-          <a:p>
-            <a:r>
-              <a:rPr lang="en-CA" dirty="0"/>
-              <a:t>Winter 2022</a:t>
-            </a:r>
-          </a:p>
-        </p:txBody>
-      </p:sp>
-      <p:sp>
-        <p:nvSpPr>
           <p:cNvPr id="10" name="Footer Placeholder 9"/>
           <p:cNvSpPr>
             <a:spLocks noGrp="1"/>
@@ -17517,7 +17279,7 @@
     </p:spTree>
     <p:extLst>
       <p:ext uri="{BB962C8B-B14F-4D97-AF65-F5344CB8AC3E}">
-        <p14:creationId xmlns:p14="http://schemas.microsoft.com/office/powerpoint/2010/main" val="4151429584"/>
+        <p14:creationId xmlns:p14="http://schemas.microsoft.com/office/powerpoint/2010/main" xmlns="" val="4151429584"/>
       </p:ext>
     </p:extLst>
   </p:cSld>
@@ -17672,28 +17434,6 @@
       </p:sp>
       <p:sp>
         <p:nvSpPr>
-          <p:cNvPr id="6" name="Date Placeholder 5"/>
-          <p:cNvSpPr>
-            <a:spLocks noGrp="1"/>
-          </p:cNvSpPr>
-          <p:nvPr>
-            <p:ph type="dt" sz="half" idx="2"/>
-          </p:nvPr>
-        </p:nvSpPr>
-        <p:spPr/>
-        <p:txBody>
-          <a:bodyPr/>
-          <a:lstStyle/>
-          <a:p>
-            <a:r>
-              <a:rPr lang="en-CA" dirty="0"/>
-              <a:t>Winter 2022</a:t>
-            </a:r>
-          </a:p>
-        </p:txBody>
-      </p:sp>
-      <p:sp>
-        <p:nvSpPr>
           <p:cNvPr id="10" name="Footer Placeholder 9"/>
           <p:cNvSpPr>
             <a:spLocks noGrp="1"/>
@@ -17744,7 +17484,7 @@
     </p:spTree>
     <p:extLst>
       <p:ext uri="{BB962C8B-B14F-4D97-AF65-F5344CB8AC3E}">
-        <p14:creationId xmlns:p14="http://schemas.microsoft.com/office/powerpoint/2010/main" val="3387691249"/>
+        <p14:creationId xmlns:p14="http://schemas.microsoft.com/office/powerpoint/2010/main" xmlns="" val="3387691249"/>
       </p:ext>
     </p:extLst>
   </p:cSld>
@@ -17912,28 +17652,6 @@
       </p:sp>
       <p:sp>
         <p:nvSpPr>
-          <p:cNvPr id="6" name="Date Placeholder 5"/>
-          <p:cNvSpPr>
-            <a:spLocks noGrp="1"/>
-          </p:cNvSpPr>
-          <p:nvPr>
-            <p:ph type="dt" sz="half" idx="2"/>
-          </p:nvPr>
-        </p:nvSpPr>
-        <p:spPr/>
-        <p:txBody>
-          <a:bodyPr/>
-          <a:lstStyle/>
-          <a:p>
-            <a:r>
-              <a:rPr lang="en-CA" dirty="0"/>
-              <a:t>Winter 2022</a:t>
-            </a:r>
-          </a:p>
-        </p:txBody>
-      </p:sp>
-      <p:sp>
-        <p:nvSpPr>
           <p:cNvPr id="10" name="Footer Placeholder 9"/>
           <p:cNvSpPr>
             <a:spLocks noGrp="1"/>
@@ -17984,7 +17702,7 @@
     </p:spTree>
     <p:extLst>
       <p:ext uri="{BB962C8B-B14F-4D97-AF65-F5344CB8AC3E}">
-        <p14:creationId xmlns:p14="http://schemas.microsoft.com/office/powerpoint/2010/main" val="3795133451"/>
+        <p14:creationId xmlns:p14="http://schemas.microsoft.com/office/powerpoint/2010/main" xmlns="" val="3795133451"/>
       </p:ext>
     </p:extLst>
   </p:cSld>
@@ -18016,7 +17734,7 @@
           <p:cNvPr id="2" name="Title 1">
             <a:extLst>
               <a:ext uri="{FF2B5EF4-FFF2-40B4-BE49-F238E27FC236}">
-                <a16:creationId xmlns:a16="http://schemas.microsoft.com/office/drawing/2014/main" id="{B08887DC-A630-4B20-8A23-2C6A5715CA0E}"/>
+                <a16:creationId xmlns:a16="http://schemas.microsoft.com/office/drawing/2014/main" xmlns="" id="{B08887DC-A630-4B20-8A23-2C6A5715CA0E}"/>
               </a:ext>
             </a:extLst>
           </p:cNvPr>
@@ -18044,7 +17762,7 @@
           <p:cNvPr id="3" name="Content Placeholder 2">
             <a:extLst>
               <a:ext uri="{FF2B5EF4-FFF2-40B4-BE49-F238E27FC236}">
-                <a16:creationId xmlns:a16="http://schemas.microsoft.com/office/drawing/2014/main" id="{DAE30B42-7978-4613-AB8C-CE4888EFAF5A}"/>
+                <a16:creationId xmlns:a16="http://schemas.microsoft.com/office/drawing/2014/main" xmlns="" id="{DAE30B42-7978-4613-AB8C-CE4888EFAF5A}"/>
               </a:ext>
             </a:extLst>
           </p:cNvPr>
@@ -18140,68 +17858,10 @@
       </p:sp>
       <p:sp>
         <p:nvSpPr>
-          <p:cNvPr id="4" name="Date Placeholder 3">
-            <a:extLst>
-              <a:ext uri="{FF2B5EF4-FFF2-40B4-BE49-F238E27FC236}">
-                <a16:creationId xmlns:a16="http://schemas.microsoft.com/office/drawing/2014/main" id="{24A9FD4E-545C-4F45-B6EA-7F626A367A9A}"/>
-              </a:ext>
-            </a:extLst>
-          </p:cNvPr>
-          <p:cNvSpPr>
-            <a:spLocks noGrp="1"/>
-          </p:cNvSpPr>
-          <p:nvPr>
-            <p:ph type="dt" sz="half" idx="2"/>
-          </p:nvPr>
-        </p:nvSpPr>
-        <p:spPr/>
-        <p:txBody>
-          <a:bodyPr/>
-          <a:lstStyle/>
-          <a:p>
-            <a:r>
-              <a:rPr lang="en-US"/>
-              <a:t>Fall 2016</a:t>
-            </a:r>
-            <a:endParaRPr lang="en-CA"/>
-          </a:p>
-        </p:txBody>
-      </p:sp>
-      <p:sp>
-        <p:nvSpPr>
-          <p:cNvPr id="5" name="Footer Placeholder 4">
-            <a:extLst>
-              <a:ext uri="{FF2B5EF4-FFF2-40B4-BE49-F238E27FC236}">
-                <a16:creationId xmlns:a16="http://schemas.microsoft.com/office/drawing/2014/main" id="{0FEDDAE0-4382-48FA-8042-220FFB70EC67}"/>
-              </a:ext>
-            </a:extLst>
-          </p:cNvPr>
-          <p:cNvSpPr>
-            <a:spLocks noGrp="1"/>
-          </p:cNvSpPr>
-          <p:nvPr>
-            <p:ph type="ftr" sz="quarter" idx="3"/>
-          </p:nvPr>
-        </p:nvSpPr>
-        <p:spPr/>
-        <p:txBody>
-          <a:bodyPr/>
-          <a:lstStyle/>
-          <a:p>
-            <a:r>
-              <a:rPr lang="en-CA"/>
-              <a:t>CS 499: Honors Dissertation</a:t>
-            </a:r>
-            <a:endParaRPr lang="en-CA" dirty="0"/>
-          </a:p>
-        </p:txBody>
-      </p:sp>
-      <p:sp>
-        <p:nvSpPr>
           <p:cNvPr id="6" name="Slide Number Placeholder 5">
             <a:extLst>
               <a:ext uri="{FF2B5EF4-FFF2-40B4-BE49-F238E27FC236}">
-                <a16:creationId xmlns:a16="http://schemas.microsoft.com/office/drawing/2014/main" id="{8C653258-D13D-4A11-9C22-320BD1646A47}"/>
+                <a16:creationId xmlns:a16="http://schemas.microsoft.com/office/drawing/2014/main" xmlns="" id="{8C653258-D13D-4A11-9C22-320BD1646A47}"/>
               </a:ext>
             </a:extLst>
           </p:cNvPr>
@@ -18230,10 +17890,37 @@
           </a:p>
         </p:txBody>
       </p:sp>
+      <p:sp>
+        <p:nvSpPr>
+          <p:cNvPr id="7" name="Footer Placeholder 9"/>
+          <p:cNvSpPr>
+            <a:spLocks noGrp="1"/>
+          </p:cNvSpPr>
+          <p:nvPr>
+            <p:ph type="ftr" sz="quarter" idx="3"/>
+          </p:nvPr>
+        </p:nvSpPr>
+        <p:spPr>
+          <a:xfrm>
+            <a:off x="52387" y="6573836"/>
+            <a:ext cx="2986087" cy="365125"/>
+          </a:xfrm>
+        </p:spPr>
+        <p:txBody>
+          <a:bodyPr/>
+          <a:lstStyle/>
+          <a:p>
+            <a:r>
+              <a:rPr lang="en-CA" dirty="0"/>
+              <a:t>CS321: Advanced Programming Techniques</a:t>
+            </a:r>
+          </a:p>
+        </p:txBody>
+      </p:sp>
     </p:spTree>
     <p:extLst>
       <p:ext uri="{BB962C8B-B14F-4D97-AF65-F5344CB8AC3E}">
-        <p14:creationId xmlns:p14="http://schemas.microsoft.com/office/powerpoint/2010/main" val="3729054654"/>
+        <p14:creationId xmlns:p14="http://schemas.microsoft.com/office/powerpoint/2010/main" xmlns="" val="3729054654"/>
       </p:ext>
     </p:extLst>
   </p:cSld>
@@ -18265,7 +17952,7 @@
           <p:cNvPr id="2" name="Title 1">
             <a:extLst>
               <a:ext uri="{FF2B5EF4-FFF2-40B4-BE49-F238E27FC236}">
-                <a16:creationId xmlns:a16="http://schemas.microsoft.com/office/drawing/2014/main" id="{B08887DC-A630-4B20-8A23-2C6A5715CA0E}"/>
+                <a16:creationId xmlns:a16="http://schemas.microsoft.com/office/drawing/2014/main" xmlns="" id="{B08887DC-A630-4B20-8A23-2C6A5715CA0E}"/>
               </a:ext>
             </a:extLst>
           </p:cNvPr>
@@ -18293,7 +17980,7 @@
           <p:cNvPr id="3" name="Content Placeholder 2">
             <a:extLst>
               <a:ext uri="{FF2B5EF4-FFF2-40B4-BE49-F238E27FC236}">
-                <a16:creationId xmlns:a16="http://schemas.microsoft.com/office/drawing/2014/main" id="{DAE30B42-7978-4613-AB8C-CE4888EFAF5A}"/>
+                <a16:creationId xmlns:a16="http://schemas.microsoft.com/office/drawing/2014/main" xmlns="" id="{DAE30B42-7978-4613-AB8C-CE4888EFAF5A}"/>
               </a:ext>
             </a:extLst>
           </p:cNvPr>
@@ -18330,68 +18017,10 @@
       </p:sp>
       <p:sp>
         <p:nvSpPr>
-          <p:cNvPr id="4" name="Date Placeholder 3">
-            <a:extLst>
-              <a:ext uri="{FF2B5EF4-FFF2-40B4-BE49-F238E27FC236}">
-                <a16:creationId xmlns:a16="http://schemas.microsoft.com/office/drawing/2014/main" id="{24A9FD4E-545C-4F45-B6EA-7F626A367A9A}"/>
-              </a:ext>
-            </a:extLst>
-          </p:cNvPr>
-          <p:cNvSpPr>
-            <a:spLocks noGrp="1"/>
-          </p:cNvSpPr>
-          <p:nvPr>
-            <p:ph type="dt" sz="half" idx="2"/>
-          </p:nvPr>
-        </p:nvSpPr>
-        <p:spPr/>
-        <p:txBody>
-          <a:bodyPr/>
-          <a:lstStyle/>
-          <a:p>
-            <a:r>
-              <a:rPr lang="en-US"/>
-              <a:t>Fall 2016</a:t>
-            </a:r>
-            <a:endParaRPr lang="en-CA"/>
-          </a:p>
-        </p:txBody>
-      </p:sp>
-      <p:sp>
-        <p:nvSpPr>
-          <p:cNvPr id="5" name="Footer Placeholder 4">
-            <a:extLst>
-              <a:ext uri="{FF2B5EF4-FFF2-40B4-BE49-F238E27FC236}">
-                <a16:creationId xmlns:a16="http://schemas.microsoft.com/office/drawing/2014/main" id="{0FEDDAE0-4382-48FA-8042-220FFB70EC67}"/>
-              </a:ext>
-            </a:extLst>
-          </p:cNvPr>
-          <p:cNvSpPr>
-            <a:spLocks noGrp="1"/>
-          </p:cNvSpPr>
-          <p:nvPr>
-            <p:ph type="ftr" sz="quarter" idx="3"/>
-          </p:nvPr>
-        </p:nvSpPr>
-        <p:spPr/>
-        <p:txBody>
-          <a:bodyPr/>
-          <a:lstStyle/>
-          <a:p>
-            <a:r>
-              <a:rPr lang="en-CA"/>
-              <a:t>CS 499: Honors Dissertation</a:t>
-            </a:r>
-            <a:endParaRPr lang="en-CA" dirty="0"/>
-          </a:p>
-        </p:txBody>
-      </p:sp>
-      <p:sp>
-        <p:nvSpPr>
           <p:cNvPr id="6" name="Slide Number Placeholder 5">
             <a:extLst>
               <a:ext uri="{FF2B5EF4-FFF2-40B4-BE49-F238E27FC236}">
-                <a16:creationId xmlns:a16="http://schemas.microsoft.com/office/drawing/2014/main" id="{8C653258-D13D-4A11-9C22-320BD1646A47}"/>
+                <a16:creationId xmlns:a16="http://schemas.microsoft.com/office/drawing/2014/main" xmlns="" id="{8C653258-D13D-4A11-9C22-320BD1646A47}"/>
               </a:ext>
             </a:extLst>
           </p:cNvPr>
@@ -18420,10 +18049,37 @@
           </a:p>
         </p:txBody>
       </p:sp>
+      <p:sp>
+        <p:nvSpPr>
+          <p:cNvPr id="7" name="Footer Placeholder 9"/>
+          <p:cNvSpPr>
+            <a:spLocks noGrp="1"/>
+          </p:cNvSpPr>
+          <p:nvPr>
+            <p:ph type="ftr" sz="quarter" idx="3"/>
+          </p:nvPr>
+        </p:nvSpPr>
+        <p:spPr>
+          <a:xfrm>
+            <a:off x="52387" y="6573836"/>
+            <a:ext cx="2986087" cy="365125"/>
+          </a:xfrm>
+        </p:spPr>
+        <p:txBody>
+          <a:bodyPr/>
+          <a:lstStyle/>
+          <a:p>
+            <a:r>
+              <a:rPr lang="en-CA" dirty="0"/>
+              <a:t>CS321: Advanced Programming Techniques</a:t>
+            </a:r>
+          </a:p>
+        </p:txBody>
+      </p:sp>
     </p:spTree>
     <p:extLst>
       <p:ext uri="{BB962C8B-B14F-4D97-AF65-F5344CB8AC3E}">
-        <p14:creationId xmlns:p14="http://schemas.microsoft.com/office/powerpoint/2010/main" val="259456648"/>
+        <p14:creationId xmlns:p14="http://schemas.microsoft.com/office/powerpoint/2010/main" xmlns="" val="259456648"/>
       </p:ext>
     </p:extLst>
   </p:cSld>
@@ -18545,28 +18201,6 @@
       </p:sp>
       <p:sp>
         <p:nvSpPr>
-          <p:cNvPr id="6" name="Date Placeholder 5"/>
-          <p:cNvSpPr>
-            <a:spLocks noGrp="1"/>
-          </p:cNvSpPr>
-          <p:nvPr>
-            <p:ph type="dt" sz="half" idx="2"/>
-          </p:nvPr>
-        </p:nvSpPr>
-        <p:spPr/>
-        <p:txBody>
-          <a:bodyPr/>
-          <a:lstStyle/>
-          <a:p>
-            <a:r>
-              <a:rPr lang="en-CA" dirty="0"/>
-              <a:t>Winter 2022</a:t>
-            </a:r>
-          </a:p>
-        </p:txBody>
-      </p:sp>
-      <p:sp>
-        <p:nvSpPr>
           <p:cNvPr id="10" name="Footer Placeholder 9"/>
           <p:cNvSpPr>
             <a:spLocks noGrp="1"/>
@@ -18617,7 +18251,7 @@
     </p:spTree>
     <p:extLst>
       <p:ext uri="{BB962C8B-B14F-4D97-AF65-F5344CB8AC3E}">
-        <p14:creationId xmlns:p14="http://schemas.microsoft.com/office/powerpoint/2010/main" val="51204498"/>
+        <p14:creationId xmlns:p14="http://schemas.microsoft.com/office/powerpoint/2010/main" xmlns="" val="51204498"/>
       </p:ext>
     </p:extLst>
   </p:cSld>
@@ -18707,28 +18341,6 @@
       </p:sp>
       <p:sp>
         <p:nvSpPr>
-          <p:cNvPr id="6" name="Date Placeholder 5"/>
-          <p:cNvSpPr>
-            <a:spLocks noGrp="1"/>
-          </p:cNvSpPr>
-          <p:nvPr>
-            <p:ph type="dt" sz="half" idx="2"/>
-          </p:nvPr>
-        </p:nvSpPr>
-        <p:spPr/>
-        <p:txBody>
-          <a:bodyPr/>
-          <a:lstStyle/>
-          <a:p>
-            <a:r>
-              <a:rPr lang="en-CA" dirty="0"/>
-              <a:t>Winter 2022</a:t>
-            </a:r>
-          </a:p>
-        </p:txBody>
-      </p:sp>
-      <p:sp>
-        <p:nvSpPr>
           <p:cNvPr id="10" name="Footer Placeholder 9"/>
           <p:cNvSpPr>
             <a:spLocks noGrp="1"/>
@@ -18779,7 +18391,7 @@
     </p:spTree>
     <p:extLst>
       <p:ext uri="{BB962C8B-B14F-4D97-AF65-F5344CB8AC3E}">
-        <p14:creationId xmlns:p14="http://schemas.microsoft.com/office/powerpoint/2010/main" val="495647157"/>
+        <p14:creationId xmlns:p14="http://schemas.microsoft.com/office/powerpoint/2010/main" xmlns="" val="495647157"/>
       </p:ext>
     </p:extLst>
   </p:cSld>
@@ -18863,28 +18475,6 @@
       </p:sp>
       <p:sp>
         <p:nvSpPr>
-          <p:cNvPr id="6" name="Date Placeholder 5"/>
-          <p:cNvSpPr>
-            <a:spLocks noGrp="1"/>
-          </p:cNvSpPr>
-          <p:nvPr>
-            <p:ph type="dt" sz="half" idx="2"/>
-          </p:nvPr>
-        </p:nvSpPr>
-        <p:spPr/>
-        <p:txBody>
-          <a:bodyPr/>
-          <a:lstStyle/>
-          <a:p>
-            <a:r>
-              <a:rPr lang="en-CA" dirty="0"/>
-              <a:t>Winter 2022</a:t>
-            </a:r>
-          </a:p>
-        </p:txBody>
-      </p:sp>
-      <p:sp>
-        <p:nvSpPr>
           <p:cNvPr id="10" name="Footer Placeholder 9"/>
           <p:cNvSpPr>
             <a:spLocks noGrp="1"/>
@@ -18937,7 +18527,7 @@
           <p:cNvPr id="5" name="Straight Connector 4">
             <a:extLst>
               <a:ext uri="{FF2B5EF4-FFF2-40B4-BE49-F238E27FC236}">
-                <a16:creationId xmlns:a16="http://schemas.microsoft.com/office/drawing/2014/main" id="{E22AD152-70BD-4229-B8BC-C60DBA0179DC}"/>
+                <a16:creationId xmlns:a16="http://schemas.microsoft.com/office/drawing/2014/main" xmlns="" id="{E22AD152-70BD-4229-B8BC-C60DBA0179DC}"/>
               </a:ext>
             </a:extLst>
           </p:cNvPr>
@@ -18980,7 +18570,7 @@
     </p:spTree>
     <p:extLst>
       <p:ext uri="{BB962C8B-B14F-4D97-AF65-F5344CB8AC3E}">
-        <p14:creationId xmlns:p14="http://schemas.microsoft.com/office/powerpoint/2010/main" val="2908855616"/>
+        <p14:creationId xmlns:p14="http://schemas.microsoft.com/office/powerpoint/2010/main" xmlns="" val="2908855616"/>
       </p:ext>
     </p:extLst>
   </p:cSld>
@@ -19067,28 +18657,6 @@
       </p:sp>
       <p:sp>
         <p:nvSpPr>
-          <p:cNvPr id="6" name="Date Placeholder 5"/>
-          <p:cNvSpPr>
-            <a:spLocks noGrp="1"/>
-          </p:cNvSpPr>
-          <p:nvPr>
-            <p:ph type="dt" sz="half" idx="2"/>
-          </p:nvPr>
-        </p:nvSpPr>
-        <p:spPr/>
-        <p:txBody>
-          <a:bodyPr/>
-          <a:lstStyle/>
-          <a:p>
-            <a:r>
-              <a:rPr lang="en-CA" dirty="0"/>
-              <a:t>Winter 2022</a:t>
-            </a:r>
-          </a:p>
-        </p:txBody>
-      </p:sp>
-      <p:sp>
-        <p:nvSpPr>
           <p:cNvPr id="10" name="Footer Placeholder 9"/>
           <p:cNvSpPr>
             <a:spLocks noGrp="1"/>
@@ -19141,7 +18709,7 @@
           <p:cNvPr id="11" name="Group 10">
             <a:extLst>
               <a:ext uri="{FF2B5EF4-FFF2-40B4-BE49-F238E27FC236}">
-                <a16:creationId xmlns:a16="http://schemas.microsoft.com/office/drawing/2014/main" id="{453697F3-625E-4B44-B000-0C2A85B745E9}"/>
+                <a16:creationId xmlns:a16="http://schemas.microsoft.com/office/drawing/2014/main" xmlns="" id="{453697F3-625E-4B44-B000-0C2A85B745E9}"/>
               </a:ext>
             </a:extLst>
           </p:cNvPr>
@@ -19161,7 +18729,7 @@
             <p:cNvPr id="5" name="Straight Connector 4">
               <a:extLst>
                 <a:ext uri="{FF2B5EF4-FFF2-40B4-BE49-F238E27FC236}">
-                  <a16:creationId xmlns:a16="http://schemas.microsoft.com/office/drawing/2014/main" id="{E22AD152-70BD-4229-B8BC-C60DBA0179DC}"/>
+                  <a16:creationId xmlns:a16="http://schemas.microsoft.com/office/drawing/2014/main" xmlns="" id="{E22AD152-70BD-4229-B8BC-C60DBA0179DC}"/>
                 </a:ext>
               </a:extLst>
             </p:cNvPr>
@@ -19205,7 +18773,7 @@
             <p:cNvPr id="9" name="Oval 8">
               <a:extLst>
                 <a:ext uri="{FF2B5EF4-FFF2-40B4-BE49-F238E27FC236}">
-                  <a16:creationId xmlns:a16="http://schemas.microsoft.com/office/drawing/2014/main" id="{8F37EFB2-5530-4905-AC70-3DB832BEDBD3}"/>
+                  <a16:creationId xmlns:a16="http://schemas.microsoft.com/office/drawing/2014/main" xmlns="" id="{8F37EFB2-5530-4905-AC70-3DB832BEDBD3}"/>
                 </a:ext>
               </a:extLst>
             </p:cNvPr>
@@ -19259,7 +18827,7 @@
             <p:cNvPr id="13" name="Oval 12">
               <a:extLst>
                 <a:ext uri="{FF2B5EF4-FFF2-40B4-BE49-F238E27FC236}">
-                  <a16:creationId xmlns:a16="http://schemas.microsoft.com/office/drawing/2014/main" id="{5BC6BE35-425F-46E5-A8D6-F89BE4A3F589}"/>
+                  <a16:creationId xmlns:a16="http://schemas.microsoft.com/office/drawing/2014/main" xmlns="" id="{5BC6BE35-425F-46E5-A8D6-F89BE4A3F589}"/>
                 </a:ext>
               </a:extLst>
             </p:cNvPr>
@@ -19313,7 +18881,7 @@
             <p:cNvPr id="14" name="Straight Connector 13">
               <a:extLst>
                 <a:ext uri="{FF2B5EF4-FFF2-40B4-BE49-F238E27FC236}">
-                  <a16:creationId xmlns:a16="http://schemas.microsoft.com/office/drawing/2014/main" id="{E08E1825-7573-4055-8192-47D6B83231F8}"/>
+                  <a16:creationId xmlns:a16="http://schemas.microsoft.com/office/drawing/2014/main" xmlns="" id="{E08E1825-7573-4055-8192-47D6B83231F8}"/>
                 </a:ext>
               </a:extLst>
             </p:cNvPr>
@@ -19357,7 +18925,7 @@
             <p:cNvPr id="15" name="Oval 14">
               <a:extLst>
                 <a:ext uri="{FF2B5EF4-FFF2-40B4-BE49-F238E27FC236}">
-                  <a16:creationId xmlns:a16="http://schemas.microsoft.com/office/drawing/2014/main" id="{C673D449-E9F2-45B7-B214-F7B45D5D5782}"/>
+                  <a16:creationId xmlns:a16="http://schemas.microsoft.com/office/drawing/2014/main" xmlns="" id="{C673D449-E9F2-45B7-B214-F7B45D5D5782}"/>
                 </a:ext>
               </a:extLst>
             </p:cNvPr>
@@ -19411,7 +18979,7 @@
             <p:cNvPr id="16" name="Straight Connector 15">
               <a:extLst>
                 <a:ext uri="{FF2B5EF4-FFF2-40B4-BE49-F238E27FC236}">
-                  <a16:creationId xmlns:a16="http://schemas.microsoft.com/office/drawing/2014/main" id="{3ADFF745-E739-4A17-9B00-D0C907ECDF07}"/>
+                  <a16:creationId xmlns:a16="http://schemas.microsoft.com/office/drawing/2014/main" xmlns="" id="{3ADFF745-E739-4A17-9B00-D0C907ECDF07}"/>
                 </a:ext>
               </a:extLst>
             </p:cNvPr>
@@ -19455,7 +19023,7 @@
             <p:cNvPr id="17" name="Oval 16">
               <a:extLst>
                 <a:ext uri="{FF2B5EF4-FFF2-40B4-BE49-F238E27FC236}">
-                  <a16:creationId xmlns:a16="http://schemas.microsoft.com/office/drawing/2014/main" id="{4757F13A-6241-4299-9829-C8A70499FF23}"/>
+                  <a16:creationId xmlns:a16="http://schemas.microsoft.com/office/drawing/2014/main" xmlns="" id="{4757F13A-6241-4299-9829-C8A70499FF23}"/>
                 </a:ext>
               </a:extLst>
             </p:cNvPr>
@@ -19510,7 +19078,7 @@
           <p:cNvPr id="18" name="TextBox 17">
             <a:extLst>
               <a:ext uri="{FF2B5EF4-FFF2-40B4-BE49-F238E27FC236}">
-                <a16:creationId xmlns:a16="http://schemas.microsoft.com/office/drawing/2014/main" id="{49213482-61DE-4E6A-923C-D45CD14DD772}"/>
+                <a16:creationId xmlns:a16="http://schemas.microsoft.com/office/drawing/2014/main" xmlns="" id="{49213482-61DE-4E6A-923C-D45CD14DD772}"/>
               </a:ext>
             </a:extLst>
           </p:cNvPr>
@@ -19545,7 +19113,7 @@
           <p:cNvPr id="19" name="TextBox 18">
             <a:extLst>
               <a:ext uri="{FF2B5EF4-FFF2-40B4-BE49-F238E27FC236}">
-                <a16:creationId xmlns:a16="http://schemas.microsoft.com/office/drawing/2014/main" id="{26382464-B130-418C-826B-FCE1564D90CF}"/>
+                <a16:creationId xmlns:a16="http://schemas.microsoft.com/office/drawing/2014/main" xmlns="" id="{26382464-B130-418C-826B-FCE1564D90CF}"/>
               </a:ext>
             </a:extLst>
           </p:cNvPr>
@@ -19580,7 +19148,7 @@
           <p:cNvPr id="20" name="TextBox 19">
             <a:extLst>
               <a:ext uri="{FF2B5EF4-FFF2-40B4-BE49-F238E27FC236}">
-                <a16:creationId xmlns:a16="http://schemas.microsoft.com/office/drawing/2014/main" id="{DD390C99-FD0D-4FFA-9936-058FE9FC4932}"/>
+                <a16:creationId xmlns:a16="http://schemas.microsoft.com/office/drawing/2014/main" xmlns="" id="{DD390C99-FD0D-4FFA-9936-058FE9FC4932}"/>
               </a:ext>
             </a:extLst>
           </p:cNvPr>
@@ -19615,7 +19183,7 @@
           <p:cNvPr id="21" name="TextBox 20">
             <a:extLst>
               <a:ext uri="{FF2B5EF4-FFF2-40B4-BE49-F238E27FC236}">
-                <a16:creationId xmlns:a16="http://schemas.microsoft.com/office/drawing/2014/main" id="{734B1D83-C646-4FC5-B231-EB30686F8E0F}"/>
+                <a16:creationId xmlns:a16="http://schemas.microsoft.com/office/drawing/2014/main" xmlns="" id="{734B1D83-C646-4FC5-B231-EB30686F8E0F}"/>
               </a:ext>
             </a:extLst>
           </p:cNvPr>
@@ -19648,7 +19216,7 @@
     </p:spTree>
     <p:extLst>
       <p:ext uri="{BB962C8B-B14F-4D97-AF65-F5344CB8AC3E}">
-        <p14:creationId xmlns:p14="http://schemas.microsoft.com/office/powerpoint/2010/main" val="1466513621"/>
+        <p14:creationId xmlns:p14="http://schemas.microsoft.com/office/powerpoint/2010/main" xmlns="" val="1466513621"/>
       </p:ext>
     </p:extLst>
   </p:cSld>
@@ -19748,28 +19316,6 @@
       </p:sp>
       <p:sp>
         <p:nvSpPr>
-          <p:cNvPr id="6" name="Date Placeholder 5"/>
-          <p:cNvSpPr>
-            <a:spLocks noGrp="1"/>
-          </p:cNvSpPr>
-          <p:nvPr>
-            <p:ph type="dt" sz="half" idx="2"/>
-          </p:nvPr>
-        </p:nvSpPr>
-        <p:spPr/>
-        <p:txBody>
-          <a:bodyPr/>
-          <a:lstStyle/>
-          <a:p>
-            <a:r>
-              <a:rPr lang="en-CA" dirty="0"/>
-              <a:t>Winter 2022</a:t>
-            </a:r>
-          </a:p>
-        </p:txBody>
-      </p:sp>
-      <p:sp>
-        <p:nvSpPr>
           <p:cNvPr id="10" name="Footer Placeholder 9"/>
           <p:cNvSpPr>
             <a:spLocks noGrp="1"/>
@@ -19822,7 +19368,7 @@
           <p:cNvPr id="5" name="Straight Connector 4">
             <a:extLst>
               <a:ext uri="{FF2B5EF4-FFF2-40B4-BE49-F238E27FC236}">
-                <a16:creationId xmlns:a16="http://schemas.microsoft.com/office/drawing/2014/main" id="{E22AD152-70BD-4229-B8BC-C60DBA0179DC}"/>
+                <a16:creationId xmlns:a16="http://schemas.microsoft.com/office/drawing/2014/main" xmlns="" id="{E22AD152-70BD-4229-B8BC-C60DBA0179DC}"/>
               </a:ext>
             </a:extLst>
           </p:cNvPr>
@@ -19866,7 +19412,7 @@
           <p:cNvPr id="9" name="Oval 8">
             <a:extLst>
               <a:ext uri="{FF2B5EF4-FFF2-40B4-BE49-F238E27FC236}">
-                <a16:creationId xmlns:a16="http://schemas.microsoft.com/office/drawing/2014/main" id="{8F37EFB2-5530-4905-AC70-3DB832BEDBD3}"/>
+                <a16:creationId xmlns:a16="http://schemas.microsoft.com/office/drawing/2014/main" xmlns="" id="{8F37EFB2-5530-4905-AC70-3DB832BEDBD3}"/>
               </a:ext>
             </a:extLst>
           </p:cNvPr>
@@ -19920,7 +19466,7 @@
           <p:cNvPr id="13" name="Oval 12">
             <a:extLst>
               <a:ext uri="{FF2B5EF4-FFF2-40B4-BE49-F238E27FC236}">
-                <a16:creationId xmlns:a16="http://schemas.microsoft.com/office/drawing/2014/main" id="{5BC6BE35-425F-46E5-A8D6-F89BE4A3F589}"/>
+                <a16:creationId xmlns:a16="http://schemas.microsoft.com/office/drawing/2014/main" xmlns="" id="{5BC6BE35-425F-46E5-A8D6-F89BE4A3F589}"/>
               </a:ext>
             </a:extLst>
           </p:cNvPr>
@@ -19974,7 +19520,7 @@
           <p:cNvPr id="14" name="Straight Connector 13">
             <a:extLst>
               <a:ext uri="{FF2B5EF4-FFF2-40B4-BE49-F238E27FC236}">
-                <a16:creationId xmlns:a16="http://schemas.microsoft.com/office/drawing/2014/main" id="{E08E1825-7573-4055-8192-47D6B83231F8}"/>
+                <a16:creationId xmlns:a16="http://schemas.microsoft.com/office/drawing/2014/main" xmlns="" id="{E08E1825-7573-4055-8192-47D6B83231F8}"/>
               </a:ext>
             </a:extLst>
           </p:cNvPr>
@@ -20018,7 +19564,7 @@
           <p:cNvPr id="15" name="Oval 14">
             <a:extLst>
               <a:ext uri="{FF2B5EF4-FFF2-40B4-BE49-F238E27FC236}">
-                <a16:creationId xmlns:a16="http://schemas.microsoft.com/office/drawing/2014/main" id="{C673D449-E9F2-45B7-B214-F7B45D5D5782}"/>
+                <a16:creationId xmlns:a16="http://schemas.microsoft.com/office/drawing/2014/main" xmlns="" id="{C673D449-E9F2-45B7-B214-F7B45D5D5782}"/>
               </a:ext>
             </a:extLst>
           </p:cNvPr>
@@ -20072,7 +19618,7 @@
           <p:cNvPr id="16" name="Straight Connector 15">
             <a:extLst>
               <a:ext uri="{FF2B5EF4-FFF2-40B4-BE49-F238E27FC236}">
-                <a16:creationId xmlns:a16="http://schemas.microsoft.com/office/drawing/2014/main" id="{3ADFF745-E739-4A17-9B00-D0C907ECDF07}"/>
+                <a16:creationId xmlns:a16="http://schemas.microsoft.com/office/drawing/2014/main" xmlns="" id="{3ADFF745-E739-4A17-9B00-D0C907ECDF07}"/>
               </a:ext>
             </a:extLst>
           </p:cNvPr>
@@ -20118,7 +19664,7 @@
           <p:cNvPr id="17" name="Oval 16">
             <a:extLst>
               <a:ext uri="{FF2B5EF4-FFF2-40B4-BE49-F238E27FC236}">
-                <a16:creationId xmlns:a16="http://schemas.microsoft.com/office/drawing/2014/main" id="{4757F13A-6241-4299-9829-C8A70499FF23}"/>
+                <a16:creationId xmlns:a16="http://schemas.microsoft.com/office/drawing/2014/main" xmlns="" id="{4757F13A-6241-4299-9829-C8A70499FF23}"/>
               </a:ext>
             </a:extLst>
           </p:cNvPr>
@@ -20172,7 +19718,7 @@
           <p:cNvPr id="18" name="TextBox 17">
             <a:extLst>
               <a:ext uri="{FF2B5EF4-FFF2-40B4-BE49-F238E27FC236}">
-                <a16:creationId xmlns:a16="http://schemas.microsoft.com/office/drawing/2014/main" id="{49213482-61DE-4E6A-923C-D45CD14DD772}"/>
+                <a16:creationId xmlns:a16="http://schemas.microsoft.com/office/drawing/2014/main" xmlns="" id="{49213482-61DE-4E6A-923C-D45CD14DD772}"/>
               </a:ext>
             </a:extLst>
           </p:cNvPr>
@@ -20207,7 +19753,7 @@
           <p:cNvPr id="19" name="TextBox 18">
             <a:extLst>
               <a:ext uri="{FF2B5EF4-FFF2-40B4-BE49-F238E27FC236}">
-                <a16:creationId xmlns:a16="http://schemas.microsoft.com/office/drawing/2014/main" id="{26382464-B130-418C-826B-FCE1564D90CF}"/>
+                <a16:creationId xmlns:a16="http://schemas.microsoft.com/office/drawing/2014/main" xmlns="" id="{26382464-B130-418C-826B-FCE1564D90CF}"/>
               </a:ext>
             </a:extLst>
           </p:cNvPr>
@@ -20242,7 +19788,7 @@
           <p:cNvPr id="20" name="TextBox 19">
             <a:extLst>
               <a:ext uri="{FF2B5EF4-FFF2-40B4-BE49-F238E27FC236}">
-                <a16:creationId xmlns:a16="http://schemas.microsoft.com/office/drawing/2014/main" id="{DD390C99-FD0D-4FFA-9936-058FE9FC4932}"/>
+                <a16:creationId xmlns:a16="http://schemas.microsoft.com/office/drawing/2014/main" xmlns="" id="{DD390C99-FD0D-4FFA-9936-058FE9FC4932}"/>
               </a:ext>
             </a:extLst>
           </p:cNvPr>
@@ -20277,7 +19823,7 @@
           <p:cNvPr id="21" name="TextBox 20">
             <a:extLst>
               <a:ext uri="{FF2B5EF4-FFF2-40B4-BE49-F238E27FC236}">
-                <a16:creationId xmlns:a16="http://schemas.microsoft.com/office/drawing/2014/main" id="{734B1D83-C646-4FC5-B231-EB30686F8E0F}"/>
+                <a16:creationId xmlns:a16="http://schemas.microsoft.com/office/drawing/2014/main" xmlns="" id="{734B1D83-C646-4FC5-B231-EB30686F8E0F}"/>
               </a:ext>
             </a:extLst>
           </p:cNvPr>
@@ -20312,7 +19858,7 @@
           <p:cNvPr id="22" name="Straight Connector 21">
             <a:extLst>
               <a:ext uri="{FF2B5EF4-FFF2-40B4-BE49-F238E27FC236}">
-                <a16:creationId xmlns:a16="http://schemas.microsoft.com/office/drawing/2014/main" id="{489F4072-AC12-4534-9FC1-B1BF9DFC4213}"/>
+                <a16:creationId xmlns:a16="http://schemas.microsoft.com/office/drawing/2014/main" xmlns="" id="{489F4072-AC12-4534-9FC1-B1BF9DFC4213}"/>
               </a:ext>
             </a:extLst>
           </p:cNvPr>
@@ -20358,7 +19904,7 @@
           <p:cNvPr id="23" name="Oval 22">
             <a:extLst>
               <a:ext uri="{FF2B5EF4-FFF2-40B4-BE49-F238E27FC236}">
-                <a16:creationId xmlns:a16="http://schemas.microsoft.com/office/drawing/2014/main" id="{BC70D42B-C0C9-4C4D-A417-570AFB319A8D}"/>
+                <a16:creationId xmlns:a16="http://schemas.microsoft.com/office/drawing/2014/main" xmlns="" id="{BC70D42B-C0C9-4C4D-A417-570AFB319A8D}"/>
               </a:ext>
             </a:extLst>
           </p:cNvPr>
@@ -20412,7 +19958,7 @@
           <p:cNvPr id="24" name="TextBox 23">
             <a:extLst>
               <a:ext uri="{FF2B5EF4-FFF2-40B4-BE49-F238E27FC236}">
-                <a16:creationId xmlns:a16="http://schemas.microsoft.com/office/drawing/2014/main" id="{445DDA8A-C75E-4606-ADD3-DAADFB8F7B23}"/>
+                <a16:creationId xmlns:a16="http://schemas.microsoft.com/office/drawing/2014/main" xmlns="" id="{445DDA8A-C75E-4606-ADD3-DAADFB8F7B23}"/>
               </a:ext>
             </a:extLst>
           </p:cNvPr>
@@ -20447,7 +19993,7 @@
           <p:cNvPr id="25" name="Straight Connector 24">
             <a:extLst>
               <a:ext uri="{FF2B5EF4-FFF2-40B4-BE49-F238E27FC236}">
-                <a16:creationId xmlns:a16="http://schemas.microsoft.com/office/drawing/2014/main" id="{3F40EC89-C0D5-4DD8-85F5-44FBCB69B00D}"/>
+                <a16:creationId xmlns:a16="http://schemas.microsoft.com/office/drawing/2014/main" xmlns="" id="{3F40EC89-C0D5-4DD8-85F5-44FBCB69B00D}"/>
               </a:ext>
             </a:extLst>
           </p:cNvPr>
@@ -20492,7 +20038,7 @@
           <p:cNvPr id="26" name="Oval 25">
             <a:extLst>
               <a:ext uri="{FF2B5EF4-FFF2-40B4-BE49-F238E27FC236}">
-                <a16:creationId xmlns:a16="http://schemas.microsoft.com/office/drawing/2014/main" id="{2E65D98B-A8D1-479B-9572-AF77672E1910}"/>
+                <a16:creationId xmlns:a16="http://schemas.microsoft.com/office/drawing/2014/main" xmlns="" id="{2E65D98B-A8D1-479B-9572-AF77672E1910}"/>
               </a:ext>
             </a:extLst>
           </p:cNvPr>
@@ -20546,7 +20092,7 @@
           <p:cNvPr id="27" name="TextBox 26">
             <a:extLst>
               <a:ext uri="{FF2B5EF4-FFF2-40B4-BE49-F238E27FC236}">
-                <a16:creationId xmlns:a16="http://schemas.microsoft.com/office/drawing/2014/main" id="{FFEB9FFF-1093-4D62-8CEA-8E02B2601C0A}"/>
+                <a16:creationId xmlns:a16="http://schemas.microsoft.com/office/drawing/2014/main" xmlns="" id="{FFEB9FFF-1093-4D62-8CEA-8E02B2601C0A}"/>
               </a:ext>
             </a:extLst>
           </p:cNvPr>
@@ -20581,7 +20127,7 @@
           <p:cNvPr id="29" name="Straight Connector 28">
             <a:extLst>
               <a:ext uri="{FF2B5EF4-FFF2-40B4-BE49-F238E27FC236}">
-                <a16:creationId xmlns:a16="http://schemas.microsoft.com/office/drawing/2014/main" id="{C6E6BE03-BA1D-466A-B235-E8A08ADCF63A}"/>
+                <a16:creationId xmlns:a16="http://schemas.microsoft.com/office/drawing/2014/main" xmlns="" id="{C6E6BE03-BA1D-466A-B235-E8A08ADCF63A}"/>
               </a:ext>
             </a:extLst>
           </p:cNvPr>
@@ -20627,7 +20173,7 @@
           <p:cNvPr id="32" name="TextBox 31">
             <a:extLst>
               <a:ext uri="{FF2B5EF4-FFF2-40B4-BE49-F238E27FC236}">
-                <a16:creationId xmlns:a16="http://schemas.microsoft.com/office/drawing/2014/main" id="{C4298F22-065E-414F-AFBB-57F796813A07}"/>
+                <a16:creationId xmlns:a16="http://schemas.microsoft.com/office/drawing/2014/main" xmlns="" id="{C4298F22-065E-414F-AFBB-57F796813A07}"/>
               </a:ext>
             </a:extLst>
           </p:cNvPr>
@@ -20680,7 +20226,7 @@
           <p:cNvPr id="43" name="Straight Connector 42">
             <a:extLst>
               <a:ext uri="{FF2B5EF4-FFF2-40B4-BE49-F238E27FC236}">
-                <a16:creationId xmlns:a16="http://schemas.microsoft.com/office/drawing/2014/main" id="{A1F168A8-02B5-4AE4-8F66-11F122707D20}"/>
+                <a16:creationId xmlns:a16="http://schemas.microsoft.com/office/drawing/2014/main" xmlns="" id="{A1F168A8-02B5-4AE4-8F66-11F122707D20}"/>
               </a:ext>
             </a:extLst>
           </p:cNvPr>
@@ -20725,7 +20271,7 @@
           <p:cNvPr id="44" name="Straight Connector 43">
             <a:extLst>
               <a:ext uri="{FF2B5EF4-FFF2-40B4-BE49-F238E27FC236}">
-                <a16:creationId xmlns:a16="http://schemas.microsoft.com/office/drawing/2014/main" id="{2180B4B6-B12C-441B-A217-0790B438F0DF}"/>
+                <a16:creationId xmlns:a16="http://schemas.microsoft.com/office/drawing/2014/main" xmlns="" id="{2180B4B6-B12C-441B-A217-0790B438F0DF}"/>
               </a:ext>
             </a:extLst>
           </p:cNvPr>
@@ -20766,7 +20312,7 @@
     </p:spTree>
     <p:extLst>
       <p:ext uri="{BB962C8B-B14F-4D97-AF65-F5344CB8AC3E}">
-        <p14:creationId xmlns:p14="http://schemas.microsoft.com/office/powerpoint/2010/main" val="1122724827"/>
+        <p14:creationId xmlns:p14="http://schemas.microsoft.com/office/powerpoint/2010/main" xmlns="" val="1122724827"/>
       </p:ext>
     </p:extLst>
   </p:cSld>
@@ -20886,28 +20432,6 @@
       </p:sp>
       <p:sp>
         <p:nvSpPr>
-          <p:cNvPr id="6" name="Date Placeholder 5"/>
-          <p:cNvSpPr>
-            <a:spLocks noGrp="1"/>
-          </p:cNvSpPr>
-          <p:nvPr>
-            <p:ph type="dt" sz="half" idx="2"/>
-          </p:nvPr>
-        </p:nvSpPr>
-        <p:spPr/>
-        <p:txBody>
-          <a:bodyPr/>
-          <a:lstStyle/>
-          <a:p>
-            <a:r>
-              <a:rPr lang="en-CA" dirty="0"/>
-              <a:t>Winter 2022</a:t>
-            </a:r>
-          </a:p>
-        </p:txBody>
-      </p:sp>
-      <p:sp>
-        <p:nvSpPr>
           <p:cNvPr id="10" name="Footer Placeholder 9"/>
           <p:cNvSpPr>
             <a:spLocks noGrp="1"/>
@@ -20958,7 +20482,7 @@
     </p:spTree>
     <p:extLst>
       <p:ext uri="{BB962C8B-B14F-4D97-AF65-F5344CB8AC3E}">
-        <p14:creationId xmlns:p14="http://schemas.microsoft.com/office/powerpoint/2010/main" val="2984860310"/>
+        <p14:creationId xmlns:p14="http://schemas.microsoft.com/office/powerpoint/2010/main" xmlns="" val="2984860310"/>
       </p:ext>
     </p:extLst>
   </p:cSld>
@@ -21057,28 +20581,6 @@
       </p:sp>
       <p:sp>
         <p:nvSpPr>
-          <p:cNvPr id="6" name="Date Placeholder 5"/>
-          <p:cNvSpPr>
-            <a:spLocks noGrp="1"/>
-          </p:cNvSpPr>
-          <p:nvPr>
-            <p:ph type="dt" sz="half" idx="2"/>
-          </p:nvPr>
-        </p:nvSpPr>
-        <p:spPr/>
-        <p:txBody>
-          <a:bodyPr/>
-          <a:lstStyle/>
-          <a:p>
-            <a:r>
-              <a:rPr lang="en-CA" dirty="0"/>
-              <a:t>Winter 2022</a:t>
-            </a:r>
-          </a:p>
-        </p:txBody>
-      </p:sp>
-      <p:sp>
-        <p:nvSpPr>
           <p:cNvPr id="10" name="Footer Placeholder 9"/>
           <p:cNvSpPr>
             <a:spLocks noGrp="1"/>
@@ -21131,7 +20633,7 @@
           <p:cNvPr id="5" name="Straight Connector 4">
             <a:extLst>
               <a:ext uri="{FF2B5EF4-FFF2-40B4-BE49-F238E27FC236}">
-                <a16:creationId xmlns:a16="http://schemas.microsoft.com/office/drawing/2014/main" id="{E22AD152-70BD-4229-B8BC-C60DBA0179DC}"/>
+                <a16:creationId xmlns:a16="http://schemas.microsoft.com/office/drawing/2014/main" xmlns="" id="{E22AD152-70BD-4229-B8BC-C60DBA0179DC}"/>
               </a:ext>
             </a:extLst>
           </p:cNvPr>
@@ -21175,7 +20677,7 @@
           <p:cNvPr id="9" name="Oval 8">
             <a:extLst>
               <a:ext uri="{FF2B5EF4-FFF2-40B4-BE49-F238E27FC236}">
-                <a16:creationId xmlns:a16="http://schemas.microsoft.com/office/drawing/2014/main" id="{8F37EFB2-5530-4905-AC70-3DB832BEDBD3}"/>
+                <a16:creationId xmlns:a16="http://schemas.microsoft.com/office/drawing/2014/main" xmlns="" id="{8F37EFB2-5530-4905-AC70-3DB832BEDBD3}"/>
               </a:ext>
             </a:extLst>
           </p:cNvPr>
@@ -21229,7 +20731,7 @@
           <p:cNvPr id="13" name="Oval 12">
             <a:extLst>
               <a:ext uri="{FF2B5EF4-FFF2-40B4-BE49-F238E27FC236}">
-                <a16:creationId xmlns:a16="http://schemas.microsoft.com/office/drawing/2014/main" id="{5BC6BE35-425F-46E5-A8D6-F89BE4A3F589}"/>
+                <a16:creationId xmlns:a16="http://schemas.microsoft.com/office/drawing/2014/main" xmlns="" id="{5BC6BE35-425F-46E5-A8D6-F89BE4A3F589}"/>
               </a:ext>
             </a:extLst>
           </p:cNvPr>
@@ -21283,7 +20785,7 @@
           <p:cNvPr id="14" name="Straight Connector 13">
             <a:extLst>
               <a:ext uri="{FF2B5EF4-FFF2-40B4-BE49-F238E27FC236}">
-                <a16:creationId xmlns:a16="http://schemas.microsoft.com/office/drawing/2014/main" id="{E08E1825-7573-4055-8192-47D6B83231F8}"/>
+                <a16:creationId xmlns:a16="http://schemas.microsoft.com/office/drawing/2014/main" xmlns="" id="{E08E1825-7573-4055-8192-47D6B83231F8}"/>
               </a:ext>
             </a:extLst>
           </p:cNvPr>
@@ -21327,7 +20829,7 @@
           <p:cNvPr id="15" name="Oval 14">
             <a:extLst>
               <a:ext uri="{FF2B5EF4-FFF2-40B4-BE49-F238E27FC236}">
-                <a16:creationId xmlns:a16="http://schemas.microsoft.com/office/drawing/2014/main" id="{C673D449-E9F2-45B7-B214-F7B45D5D5782}"/>
+                <a16:creationId xmlns:a16="http://schemas.microsoft.com/office/drawing/2014/main" xmlns="" id="{C673D449-E9F2-45B7-B214-F7B45D5D5782}"/>
               </a:ext>
             </a:extLst>
           </p:cNvPr>
@@ -21381,7 +20883,7 @@
           <p:cNvPr id="18" name="TextBox 17">
             <a:extLst>
               <a:ext uri="{FF2B5EF4-FFF2-40B4-BE49-F238E27FC236}">
-                <a16:creationId xmlns:a16="http://schemas.microsoft.com/office/drawing/2014/main" id="{49213482-61DE-4E6A-923C-D45CD14DD772}"/>
+                <a16:creationId xmlns:a16="http://schemas.microsoft.com/office/drawing/2014/main" xmlns="" id="{49213482-61DE-4E6A-923C-D45CD14DD772}"/>
               </a:ext>
             </a:extLst>
           </p:cNvPr>
@@ -21416,7 +20918,7 @@
           <p:cNvPr id="19" name="TextBox 18">
             <a:extLst>
               <a:ext uri="{FF2B5EF4-FFF2-40B4-BE49-F238E27FC236}">
-                <a16:creationId xmlns:a16="http://schemas.microsoft.com/office/drawing/2014/main" id="{26382464-B130-418C-826B-FCE1564D90CF}"/>
+                <a16:creationId xmlns:a16="http://schemas.microsoft.com/office/drawing/2014/main" xmlns="" id="{26382464-B130-418C-826B-FCE1564D90CF}"/>
               </a:ext>
             </a:extLst>
           </p:cNvPr>
@@ -21451,7 +20953,7 @@
           <p:cNvPr id="20" name="TextBox 19">
             <a:extLst>
               <a:ext uri="{FF2B5EF4-FFF2-40B4-BE49-F238E27FC236}">
-                <a16:creationId xmlns:a16="http://schemas.microsoft.com/office/drawing/2014/main" id="{DD390C99-FD0D-4FFA-9936-058FE9FC4932}"/>
+                <a16:creationId xmlns:a16="http://schemas.microsoft.com/office/drawing/2014/main" xmlns="" id="{DD390C99-FD0D-4FFA-9936-058FE9FC4932}"/>
               </a:ext>
             </a:extLst>
           </p:cNvPr>
@@ -21486,7 +20988,7 @@
           <p:cNvPr id="22" name="Straight Connector 21">
             <a:extLst>
               <a:ext uri="{FF2B5EF4-FFF2-40B4-BE49-F238E27FC236}">
-                <a16:creationId xmlns:a16="http://schemas.microsoft.com/office/drawing/2014/main" id="{489F4072-AC12-4534-9FC1-B1BF9DFC4213}"/>
+                <a16:creationId xmlns:a16="http://schemas.microsoft.com/office/drawing/2014/main" xmlns="" id="{489F4072-AC12-4534-9FC1-B1BF9DFC4213}"/>
               </a:ext>
             </a:extLst>
           </p:cNvPr>
@@ -21532,7 +21034,7 @@
           <p:cNvPr id="50" name="Group 49">
             <a:extLst>
               <a:ext uri="{FF2B5EF4-FFF2-40B4-BE49-F238E27FC236}">
-                <a16:creationId xmlns:a16="http://schemas.microsoft.com/office/drawing/2014/main" id="{69D37D2E-64FC-4E06-AB29-38DBF169C493}"/>
+                <a16:creationId xmlns:a16="http://schemas.microsoft.com/office/drawing/2014/main" xmlns="" id="{69D37D2E-64FC-4E06-AB29-38DBF169C493}"/>
               </a:ext>
             </a:extLst>
           </p:cNvPr>
@@ -21552,7 +21054,7 @@
             <p:cNvPr id="23" name="Oval 22">
               <a:extLst>
                 <a:ext uri="{FF2B5EF4-FFF2-40B4-BE49-F238E27FC236}">
-                  <a16:creationId xmlns:a16="http://schemas.microsoft.com/office/drawing/2014/main" id="{BC70D42B-C0C9-4C4D-A417-570AFB319A8D}"/>
+                  <a16:creationId xmlns:a16="http://schemas.microsoft.com/office/drawing/2014/main" xmlns="" id="{BC70D42B-C0C9-4C4D-A417-570AFB319A8D}"/>
                 </a:ext>
               </a:extLst>
             </p:cNvPr>
@@ -21606,7 +21108,7 @@
             <p:cNvPr id="24" name="TextBox 23">
               <a:extLst>
                 <a:ext uri="{FF2B5EF4-FFF2-40B4-BE49-F238E27FC236}">
-                  <a16:creationId xmlns:a16="http://schemas.microsoft.com/office/drawing/2014/main" id="{445DDA8A-C75E-4606-ADD3-DAADFB8F7B23}"/>
+                  <a16:creationId xmlns:a16="http://schemas.microsoft.com/office/drawing/2014/main" xmlns="" id="{445DDA8A-C75E-4606-ADD3-DAADFB8F7B23}"/>
                 </a:ext>
               </a:extLst>
             </p:cNvPr>
@@ -21642,7 +21144,7 @@
           <p:cNvPr id="25" name="Straight Connector 24">
             <a:extLst>
               <a:ext uri="{FF2B5EF4-FFF2-40B4-BE49-F238E27FC236}">
-                <a16:creationId xmlns:a16="http://schemas.microsoft.com/office/drawing/2014/main" id="{3F40EC89-C0D5-4DD8-85F5-44FBCB69B00D}"/>
+                <a16:creationId xmlns:a16="http://schemas.microsoft.com/office/drawing/2014/main" xmlns="" id="{3F40EC89-C0D5-4DD8-85F5-44FBCB69B00D}"/>
               </a:ext>
             </a:extLst>
           </p:cNvPr>
@@ -21688,7 +21190,7 @@
           <p:cNvPr id="31" name="Group 30">
             <a:extLst>
               <a:ext uri="{FF2B5EF4-FFF2-40B4-BE49-F238E27FC236}">
-                <a16:creationId xmlns:a16="http://schemas.microsoft.com/office/drawing/2014/main" id="{34D17B67-032B-4939-BF41-B15BBEBA20B3}"/>
+                <a16:creationId xmlns:a16="http://schemas.microsoft.com/office/drawing/2014/main" xmlns="" id="{34D17B67-032B-4939-BF41-B15BBEBA20B3}"/>
               </a:ext>
             </a:extLst>
           </p:cNvPr>
@@ -21708,7 +21210,7 @@
             <p:cNvPr id="26" name="Oval 25">
               <a:extLst>
                 <a:ext uri="{FF2B5EF4-FFF2-40B4-BE49-F238E27FC236}">
-                  <a16:creationId xmlns:a16="http://schemas.microsoft.com/office/drawing/2014/main" id="{2E65D98B-A8D1-479B-9572-AF77672E1910}"/>
+                  <a16:creationId xmlns:a16="http://schemas.microsoft.com/office/drawing/2014/main" xmlns="" id="{2E65D98B-A8D1-479B-9572-AF77672E1910}"/>
                 </a:ext>
               </a:extLst>
             </p:cNvPr>
@@ -21762,7 +21264,7 @@
             <p:cNvPr id="27" name="TextBox 26">
               <a:extLst>
                 <a:ext uri="{FF2B5EF4-FFF2-40B4-BE49-F238E27FC236}">
-                  <a16:creationId xmlns:a16="http://schemas.microsoft.com/office/drawing/2014/main" id="{FFEB9FFF-1093-4D62-8CEA-8E02B2601C0A}"/>
+                  <a16:creationId xmlns:a16="http://schemas.microsoft.com/office/drawing/2014/main" xmlns="" id="{FFEB9FFF-1093-4D62-8CEA-8E02B2601C0A}"/>
                 </a:ext>
               </a:extLst>
             </p:cNvPr>
@@ -21796,7 +21298,7 @@
     </p:spTree>
     <p:extLst>
       <p:ext uri="{BB962C8B-B14F-4D97-AF65-F5344CB8AC3E}">
-        <p14:creationId xmlns:p14="http://schemas.microsoft.com/office/powerpoint/2010/main" val="2194536699"/>
+        <p14:creationId xmlns:p14="http://schemas.microsoft.com/office/powerpoint/2010/main" xmlns="" val="2194536699"/>
       </p:ext>
     </p:extLst>
   </p:cSld>
@@ -21849,7 +21351,7 @@
     </a:clrScheme>
     <a:fontScheme name="Office">
       <a:majorFont>
-        <a:latin typeface="Calibri Light" panose="020F0302020204030204"/>
+        <a:latin typeface="Calibri Light"/>
         <a:ea typeface=""/>
         <a:cs typeface=""/>
         <a:font script="Jpan" typeface="游ゴシック Light"/>
@@ -21901,7 +21403,7 @@
         <a:font script="Tfng" typeface="Ebrima"/>
       </a:majorFont>
       <a:minorFont>
-        <a:latin typeface="Calibri" panose="020F0502020204030204"/>
+        <a:latin typeface="Calibri"/>
         <a:ea typeface=""/>
         <a:cs typeface=""/>
         <a:font script="Jpan" typeface="游ゴシック"/>
@@ -22095,7 +21597,7 @@
   <a:extraClrSchemeLst/>
   <a:extLst>
     <a:ext uri="{05A4C25C-085E-4340-85A3-A5531E510DB2}">
-      <thm15:themeFamily xmlns:thm15="http://schemas.microsoft.com/office/thememl/2012/main" name="eye_tracker_presentation" id="{00ED1D97-A04B-46A0-BB71-88655A6B057F}" vid="{F36189FA-3966-4852-951E-5734674D1C7B}"/>
+      <thm15:themeFamily xmlns:thm15="http://schemas.microsoft.com/office/thememl/2012/main" xmlns="" name="eye_tracker_presentation" id="{00ED1D97-A04B-46A0-BB71-88655A6B057F}" vid="{F36189FA-3966-4852-951E-5734674D1C7B}"/>
     </a:ext>
   </a:extLst>
 </a:theme>
@@ -22144,7 +21646,7 @@
     </a:clrScheme>
     <a:fontScheme name="Office">
       <a:majorFont>
-        <a:latin typeface="Calibri Light" panose="020F0302020204030204"/>
+        <a:latin typeface="Calibri Light"/>
         <a:ea typeface=""/>
         <a:cs typeface=""/>
         <a:font script="Jpan" typeface="游ゴシック Light"/>
@@ -22196,7 +21698,7 @@
         <a:font script="Tfng" typeface="Ebrima"/>
       </a:majorFont>
       <a:minorFont>
-        <a:latin typeface="Calibri" panose="020F0502020204030204"/>
+        <a:latin typeface="Calibri"/>
         <a:ea typeface=""/>
         <a:cs typeface=""/>
         <a:font script="Jpan" typeface="游ゴシック"/>
@@ -22390,7 +21892,7 @@
   <a:extraClrSchemeLst/>
   <a:extLst>
     <a:ext uri="{05A4C25C-085E-4340-85A3-A5531E510DB2}">
-      <thm15:themeFamily xmlns:thm15="http://schemas.microsoft.com/office/thememl/2012/main" name="Office Theme" id="{62F939B6-93AF-4DB8-9C6B-D6C7DFDC589F}" vid="{4A3C46E8-61CC-4603-A589-7422A47A8E4A}"/>
+      <thm15:themeFamily xmlns:thm15="http://schemas.microsoft.com/office/thememl/2012/main" xmlns="" name="Office Theme" id="{62F939B6-93AF-4DB8-9C6B-D6C7DFDC589F}" vid="{4A3C46E8-61CC-4603-A589-7422A47A8E4A}"/>
     </a:ext>
   </a:extLst>
 </a:theme>

--- a/bishops/cs321/resources/CS321_Lecture_08B.pptx
+++ b/bishops/cs321/resources/CS321_Lecture_08B.pptx
@@ -132,7 +132,7 @@
   </p:defaultTextStyle>
   <p:extLst>
     <p:ext uri="{EFAFB233-063F-42B5-8137-9DF3F51BA10A}">
-      <p15:sldGuideLst xmlns:p15="http://schemas.microsoft.com/office/powerpoint/2012/main" xmlns=""/>
+      <p15:sldGuideLst xmlns="" xmlns:p15="http://schemas.microsoft.com/office/powerpoint/2012/main"/>
     </p:ext>
   </p:extLst>
 </p:presentation>
@@ -143,7 +143,7 @@
   <p:cmAuthor id="1" name="Gregory" initials="G" lastIdx="1" clrIdx="0">
     <p:extLst>
       <p:ext uri="{19B8F6BF-5375-455C-9EA6-DF929625EA0E}">
-        <p15:presenceInfo xmlns:p15="http://schemas.microsoft.com/office/powerpoint/2012/main" xmlns="" userId="Gregory" providerId="None"/>
+        <p15:presenceInfo xmlns="" xmlns:p15="http://schemas.microsoft.com/office/powerpoint/2012/main" userId="Gregory" providerId="None"/>
       </p:ext>
     </p:extLst>
   </p:cmAuthor>
@@ -233,7 +233,7 @@
             <a:fld id="{A6583E9D-07AB-4C6D-BFD0-47E805C6B3D4}" type="datetimeFigureOut">
               <a:rPr lang="en-CA" smtClean="0"/>
               <a:pPr/>
-              <a:t>2024-02-14</a:t>
+              <a:t>2025-01-05</a:t>
             </a:fld>
             <a:endParaRPr lang="en-CA"/>
           </a:p>
@@ -402,7 +402,7 @@
     </p:spTree>
     <p:extLst>
       <p:ext uri="{BB962C8B-B14F-4D97-AF65-F5344CB8AC3E}">
-        <p14:creationId xmlns:p14="http://schemas.microsoft.com/office/powerpoint/2010/main" xmlns="" val="4237529172"/>
+        <p14:creationId xmlns="" xmlns:p14="http://schemas.microsoft.com/office/powerpoint/2010/main" val="4237529172"/>
       </p:ext>
     </p:extLst>
   </p:cSld>
@@ -546,14 +546,6 @@
           <a:bodyPr/>
           <a:lstStyle/>
           <a:p>
-            <a:r>
-              <a:rPr lang="en-CA" dirty="0"/>
-              <a:t>Multi-instrument</a:t>
-            </a:r>
-            <a:r>
-              <a:rPr lang="en-CA" baseline="0" dirty="0"/>
-              <a:t> / Multi-instrument Inter-process (minus the)-with Eye Trackers-</a:t>
-            </a:r>
             <a:endParaRPr lang="en-CA" dirty="0"/>
           </a:p>
         </p:txBody>
@@ -585,7 +577,7 @@
     </p:spTree>
     <p:extLst>
       <p:ext uri="{BB962C8B-B14F-4D97-AF65-F5344CB8AC3E}">
-        <p14:creationId xmlns:p14="http://schemas.microsoft.com/office/powerpoint/2010/main" xmlns="" val="2340334442"/>
+        <p14:creationId xmlns="" xmlns:p14="http://schemas.microsoft.com/office/powerpoint/2010/main" val="2340334442"/>
       </p:ext>
     </p:extLst>
   </p:cSld>
@@ -670,7 +662,7 @@
     </p:spTree>
     <p:extLst>
       <p:ext uri="{BB962C8B-B14F-4D97-AF65-F5344CB8AC3E}">
-        <p14:creationId xmlns:p14="http://schemas.microsoft.com/office/powerpoint/2010/main" xmlns="" val="1903425322"/>
+        <p14:creationId xmlns="" xmlns:p14="http://schemas.microsoft.com/office/powerpoint/2010/main" val="1903425322"/>
       </p:ext>
     </p:extLst>
   </p:cSld>
@@ -755,7 +747,7 @@
     </p:spTree>
     <p:extLst>
       <p:ext uri="{BB962C8B-B14F-4D97-AF65-F5344CB8AC3E}">
-        <p14:creationId xmlns:p14="http://schemas.microsoft.com/office/powerpoint/2010/main" xmlns="" val="3246952072"/>
+        <p14:creationId xmlns="" xmlns:p14="http://schemas.microsoft.com/office/powerpoint/2010/main" val="3246952072"/>
       </p:ext>
     </p:extLst>
   </p:cSld>
@@ -959,7 +951,7 @@
     </p:spTree>
     <p:extLst>
       <p:ext uri="{BB962C8B-B14F-4D97-AF65-F5344CB8AC3E}">
-        <p14:creationId xmlns:p14="http://schemas.microsoft.com/office/powerpoint/2010/main" xmlns="" val="1900560834"/>
+        <p14:creationId xmlns="" xmlns:p14="http://schemas.microsoft.com/office/powerpoint/2010/main" val="1900560834"/>
       </p:ext>
     </p:extLst>
   </p:cSld>
@@ -1133,7 +1125,7 @@
     </p:spTree>
     <p:extLst>
       <p:ext uri="{BB962C8B-B14F-4D97-AF65-F5344CB8AC3E}">
-        <p14:creationId xmlns:p14="http://schemas.microsoft.com/office/powerpoint/2010/main" xmlns="" val="3722958745"/>
+        <p14:creationId xmlns="" xmlns:p14="http://schemas.microsoft.com/office/powerpoint/2010/main" val="3722958745"/>
       </p:ext>
     </p:extLst>
   </p:cSld>
@@ -1369,7 +1361,7 @@
     </p:spTree>
     <p:extLst>
       <p:ext uri="{BB962C8B-B14F-4D97-AF65-F5344CB8AC3E}">
-        <p14:creationId xmlns:p14="http://schemas.microsoft.com/office/powerpoint/2010/main" xmlns="" val="1822376042"/>
+        <p14:creationId xmlns="" xmlns:p14="http://schemas.microsoft.com/office/powerpoint/2010/main" val="1822376042"/>
       </p:ext>
     </p:extLst>
   </p:cSld>
@@ -1619,7 +1611,7 @@
     </p:spTree>
     <p:extLst>
       <p:ext uri="{BB962C8B-B14F-4D97-AF65-F5344CB8AC3E}">
-        <p14:creationId xmlns:p14="http://schemas.microsoft.com/office/powerpoint/2010/main" xmlns="" val="3411672561"/>
+        <p14:creationId xmlns="" xmlns:p14="http://schemas.microsoft.com/office/powerpoint/2010/main" val="3411672561"/>
       </p:ext>
     </p:extLst>
   </p:cSld>
@@ -1855,7 +1847,7 @@
     </p:spTree>
     <p:extLst>
       <p:ext uri="{BB962C8B-B14F-4D97-AF65-F5344CB8AC3E}">
-        <p14:creationId xmlns:p14="http://schemas.microsoft.com/office/powerpoint/2010/main" xmlns="" val="1093008526"/>
+        <p14:creationId xmlns="" xmlns:p14="http://schemas.microsoft.com/office/powerpoint/2010/main" val="1093008526"/>
       </p:ext>
     </p:extLst>
   </p:cSld>
@@ -2226,7 +2218,7 @@
     </p:spTree>
     <p:extLst>
       <p:ext uri="{BB962C8B-B14F-4D97-AF65-F5344CB8AC3E}">
-        <p14:creationId xmlns:p14="http://schemas.microsoft.com/office/powerpoint/2010/main" xmlns="" val="1087924878"/>
+        <p14:creationId xmlns="" xmlns:p14="http://schemas.microsoft.com/office/powerpoint/2010/main" val="1087924878"/>
       </p:ext>
     </p:extLst>
   </p:cSld>
@@ -2348,7 +2340,7 @@
     </p:spTree>
     <p:extLst>
       <p:ext uri="{BB962C8B-B14F-4D97-AF65-F5344CB8AC3E}">
-        <p14:creationId xmlns:p14="http://schemas.microsoft.com/office/powerpoint/2010/main" xmlns="" val="3802387408"/>
+        <p14:creationId xmlns="" xmlns:p14="http://schemas.microsoft.com/office/powerpoint/2010/main" val="3802387408"/>
       </p:ext>
     </p:extLst>
   </p:cSld>
@@ -2447,7 +2439,7 @@
     </p:spTree>
     <p:extLst>
       <p:ext uri="{BB962C8B-B14F-4D97-AF65-F5344CB8AC3E}">
-        <p14:creationId xmlns:p14="http://schemas.microsoft.com/office/powerpoint/2010/main" xmlns="" val="4234091411"/>
+        <p14:creationId xmlns="" xmlns:p14="http://schemas.microsoft.com/office/powerpoint/2010/main" val="4234091411"/>
       </p:ext>
     </p:extLst>
   </p:cSld>
@@ -2728,7 +2720,7 @@
     </p:spTree>
     <p:extLst>
       <p:ext uri="{BB962C8B-B14F-4D97-AF65-F5344CB8AC3E}">
-        <p14:creationId xmlns:p14="http://schemas.microsoft.com/office/powerpoint/2010/main" xmlns="" val="4189422420"/>
+        <p14:creationId xmlns="" xmlns:p14="http://schemas.microsoft.com/office/powerpoint/2010/main" val="4189422420"/>
       </p:ext>
     </p:extLst>
   </p:cSld>
@@ -2985,7 +2977,7 @@
     </p:spTree>
     <p:extLst>
       <p:ext uri="{BB962C8B-B14F-4D97-AF65-F5344CB8AC3E}">
-        <p14:creationId xmlns:p14="http://schemas.microsoft.com/office/powerpoint/2010/main" xmlns="" val="3252977898"/>
+        <p14:creationId xmlns="" xmlns:p14="http://schemas.microsoft.com/office/powerpoint/2010/main" val="3252977898"/>
       </p:ext>
     </p:extLst>
   </p:cSld>
@@ -3254,7 +3246,7 @@
           <a:blip r:embed="rId13" cstate="print">
             <a:extLst>
               <a:ext uri="{28A0092B-C50C-407E-A947-70E740481C1C}">
-                <a14:useLocalDpi xmlns:a14="http://schemas.microsoft.com/office/drawing/2010/main" xmlns="" val="0"/>
+                <a14:useLocalDpi xmlns="" xmlns:a14="http://schemas.microsoft.com/office/drawing/2010/main" val="0"/>
               </a:ext>
             </a:extLst>
           </a:blip>
@@ -3275,7 +3267,7 @@
     </p:spTree>
     <p:extLst>
       <p:ext uri="{BB962C8B-B14F-4D97-AF65-F5344CB8AC3E}">
-        <p14:creationId xmlns:p14="http://schemas.microsoft.com/office/powerpoint/2010/main" xmlns="" val="4230061028"/>
+        <p14:creationId xmlns="" xmlns:p14="http://schemas.microsoft.com/office/powerpoint/2010/main" val="4230061028"/>
       </p:ext>
     </p:extLst>
   </p:cSld>
@@ -3717,29 +3709,12 @@
           <a:p>
             <a:r>
               <a:rPr lang="en-CA" dirty="0"/>
-              <a:t>Prof: Gregory Mierzwinski</a:t>
-            </a:r>
-            <a:endParaRPr lang="en-CA" baseline="30000" dirty="0"/>
-          </a:p>
-          <a:p>
-            <a:r>
-              <a:rPr lang="en-CA" dirty="0"/>
-              <a:t>Date: </a:t>
-            </a:r>
-            <a:r>
-              <a:rPr lang="en-CA" dirty="0" smtClean="0"/>
-              <a:t>February 14</a:t>
-            </a:r>
-            <a:r>
-              <a:rPr lang="en-CA" dirty="0" smtClean="0"/>
-              <a:t>, </a:t>
-            </a:r>
-            <a:r>
-              <a:rPr lang="en-CA" dirty="0"/>
-              <a:t>2022</a:t>
-            </a:r>
-          </a:p>
-          <a:p>
+              <a:t>Prof: Gregory </a:t>
+            </a:r>
+            <a:r>
+              <a:rPr lang="en-CA" dirty="0" err="1" smtClean="0"/>
+              <a:t>Mierzwinski</a:t>
+            </a:r>
             <a:endParaRPr lang="en-CA" dirty="0"/>
           </a:p>
         </p:txBody>
@@ -3749,7 +3724,7 @@
           <p:cNvPr id="13" name="Picture 8" descr="http://osiris.ubishops.ca/~alussier/images/transparentlogo_bu.png">
             <a:extLst>
               <a:ext uri="{FF2B5EF4-FFF2-40B4-BE49-F238E27FC236}">
-                <a16:creationId xmlns:a16="http://schemas.microsoft.com/office/drawing/2014/main" xmlns="" id="{CCB9A035-2F1C-4B96-A5DB-70B72D6E4AD8}"/>
+                <a16:creationId xmlns="" xmlns:a16="http://schemas.microsoft.com/office/drawing/2014/main" id="{CCB9A035-2F1C-4B96-A5DB-70B72D6E4AD8}"/>
               </a:ext>
             </a:extLst>
           </p:cNvPr>
@@ -3762,7 +3737,7 @@
           <a:blip r:embed="rId3" cstate="print">
             <a:extLst>
               <a:ext uri="{28A0092B-C50C-407E-A947-70E740481C1C}">
-                <a14:useLocalDpi xmlns:a14="http://schemas.microsoft.com/office/drawing/2010/main" xmlns="" val="0"/>
+                <a14:useLocalDpi xmlns="" xmlns:a14="http://schemas.microsoft.com/office/drawing/2010/main" val="0"/>
               </a:ext>
             </a:extLst>
           </a:blip>
@@ -3782,7 +3757,7 @@
           <a:noFill/>
           <a:extLst>
             <a:ext uri="{909E8E84-426E-40DD-AFC4-6F175D3DCCD1}">
-              <a14:hiddenFill xmlns:a14="http://schemas.microsoft.com/office/drawing/2010/main" xmlns="">
+              <a14:hiddenFill xmlns="" xmlns:a14="http://schemas.microsoft.com/office/drawing/2010/main">
                 <a:solidFill>
                   <a:srgbClr val="FFFFFF"/>
                 </a:solidFill>
@@ -3794,7 +3769,7 @@
     </p:spTree>
     <p:extLst>
       <p:ext uri="{BB962C8B-B14F-4D97-AF65-F5344CB8AC3E}">
-        <p14:creationId xmlns:p14="http://schemas.microsoft.com/office/powerpoint/2010/main" xmlns="" val="4177077622"/>
+        <p14:creationId xmlns="" xmlns:p14="http://schemas.microsoft.com/office/powerpoint/2010/main" val="4177077622"/>
       </p:ext>
     </p:extLst>
   </p:cSld>
@@ -3933,7 +3908,7 @@
           <p:cNvPr id="5" name="Straight Connector 4">
             <a:extLst>
               <a:ext uri="{FF2B5EF4-FFF2-40B4-BE49-F238E27FC236}">
-                <a16:creationId xmlns:a16="http://schemas.microsoft.com/office/drawing/2014/main" xmlns="" id="{E22AD152-70BD-4229-B8BC-C60DBA0179DC}"/>
+                <a16:creationId xmlns="" xmlns:a16="http://schemas.microsoft.com/office/drawing/2014/main" id="{E22AD152-70BD-4229-B8BC-C60DBA0179DC}"/>
               </a:ext>
             </a:extLst>
           </p:cNvPr>
@@ -3977,7 +3952,7 @@
           <p:cNvPr id="9" name="Oval 8">
             <a:extLst>
               <a:ext uri="{FF2B5EF4-FFF2-40B4-BE49-F238E27FC236}">
-                <a16:creationId xmlns:a16="http://schemas.microsoft.com/office/drawing/2014/main" xmlns="" id="{8F37EFB2-5530-4905-AC70-3DB832BEDBD3}"/>
+                <a16:creationId xmlns="" xmlns:a16="http://schemas.microsoft.com/office/drawing/2014/main" id="{8F37EFB2-5530-4905-AC70-3DB832BEDBD3}"/>
               </a:ext>
             </a:extLst>
           </p:cNvPr>
@@ -4031,7 +4006,7 @@
           <p:cNvPr id="13" name="Oval 12">
             <a:extLst>
               <a:ext uri="{FF2B5EF4-FFF2-40B4-BE49-F238E27FC236}">
-                <a16:creationId xmlns:a16="http://schemas.microsoft.com/office/drawing/2014/main" xmlns="" id="{5BC6BE35-425F-46E5-A8D6-F89BE4A3F589}"/>
+                <a16:creationId xmlns="" xmlns:a16="http://schemas.microsoft.com/office/drawing/2014/main" id="{5BC6BE35-425F-46E5-A8D6-F89BE4A3F589}"/>
               </a:ext>
             </a:extLst>
           </p:cNvPr>
@@ -4085,7 +4060,7 @@
           <p:cNvPr id="14" name="Straight Connector 13">
             <a:extLst>
               <a:ext uri="{FF2B5EF4-FFF2-40B4-BE49-F238E27FC236}">
-                <a16:creationId xmlns:a16="http://schemas.microsoft.com/office/drawing/2014/main" xmlns="" id="{E08E1825-7573-4055-8192-47D6B83231F8}"/>
+                <a16:creationId xmlns="" xmlns:a16="http://schemas.microsoft.com/office/drawing/2014/main" id="{E08E1825-7573-4055-8192-47D6B83231F8}"/>
               </a:ext>
             </a:extLst>
           </p:cNvPr>
@@ -4129,7 +4104,7 @@
           <p:cNvPr id="15" name="Oval 14">
             <a:extLst>
               <a:ext uri="{FF2B5EF4-FFF2-40B4-BE49-F238E27FC236}">
-                <a16:creationId xmlns:a16="http://schemas.microsoft.com/office/drawing/2014/main" xmlns="" id="{C673D449-E9F2-45B7-B214-F7B45D5D5782}"/>
+                <a16:creationId xmlns="" xmlns:a16="http://schemas.microsoft.com/office/drawing/2014/main" id="{C673D449-E9F2-45B7-B214-F7B45D5D5782}"/>
               </a:ext>
             </a:extLst>
           </p:cNvPr>
@@ -4183,7 +4158,7 @@
           <p:cNvPr id="16" name="Straight Connector 15">
             <a:extLst>
               <a:ext uri="{FF2B5EF4-FFF2-40B4-BE49-F238E27FC236}">
-                <a16:creationId xmlns:a16="http://schemas.microsoft.com/office/drawing/2014/main" xmlns="" id="{3ADFF745-E739-4A17-9B00-D0C907ECDF07}"/>
+                <a16:creationId xmlns="" xmlns:a16="http://schemas.microsoft.com/office/drawing/2014/main" id="{3ADFF745-E739-4A17-9B00-D0C907ECDF07}"/>
               </a:ext>
             </a:extLst>
           </p:cNvPr>
@@ -4229,7 +4204,7 @@
           <p:cNvPr id="17" name="Oval 16">
             <a:extLst>
               <a:ext uri="{FF2B5EF4-FFF2-40B4-BE49-F238E27FC236}">
-                <a16:creationId xmlns:a16="http://schemas.microsoft.com/office/drawing/2014/main" xmlns="" id="{4757F13A-6241-4299-9829-C8A70499FF23}"/>
+                <a16:creationId xmlns="" xmlns:a16="http://schemas.microsoft.com/office/drawing/2014/main" id="{4757F13A-6241-4299-9829-C8A70499FF23}"/>
               </a:ext>
             </a:extLst>
           </p:cNvPr>
@@ -4283,7 +4258,7 @@
           <p:cNvPr id="18" name="TextBox 17">
             <a:extLst>
               <a:ext uri="{FF2B5EF4-FFF2-40B4-BE49-F238E27FC236}">
-                <a16:creationId xmlns:a16="http://schemas.microsoft.com/office/drawing/2014/main" xmlns="" id="{49213482-61DE-4E6A-923C-D45CD14DD772}"/>
+                <a16:creationId xmlns="" xmlns:a16="http://schemas.microsoft.com/office/drawing/2014/main" id="{49213482-61DE-4E6A-923C-D45CD14DD772}"/>
               </a:ext>
             </a:extLst>
           </p:cNvPr>
@@ -4318,7 +4293,7 @@
           <p:cNvPr id="19" name="TextBox 18">
             <a:extLst>
               <a:ext uri="{FF2B5EF4-FFF2-40B4-BE49-F238E27FC236}">
-                <a16:creationId xmlns:a16="http://schemas.microsoft.com/office/drawing/2014/main" xmlns="" id="{26382464-B130-418C-826B-FCE1564D90CF}"/>
+                <a16:creationId xmlns="" xmlns:a16="http://schemas.microsoft.com/office/drawing/2014/main" id="{26382464-B130-418C-826B-FCE1564D90CF}"/>
               </a:ext>
             </a:extLst>
           </p:cNvPr>
@@ -4353,7 +4328,7 @@
           <p:cNvPr id="20" name="TextBox 19">
             <a:extLst>
               <a:ext uri="{FF2B5EF4-FFF2-40B4-BE49-F238E27FC236}">
-                <a16:creationId xmlns:a16="http://schemas.microsoft.com/office/drawing/2014/main" xmlns="" id="{DD390C99-FD0D-4FFA-9936-058FE9FC4932}"/>
+                <a16:creationId xmlns="" xmlns:a16="http://schemas.microsoft.com/office/drawing/2014/main" id="{DD390C99-FD0D-4FFA-9936-058FE9FC4932}"/>
               </a:ext>
             </a:extLst>
           </p:cNvPr>
@@ -4388,7 +4363,7 @@
           <p:cNvPr id="21" name="TextBox 20">
             <a:extLst>
               <a:ext uri="{FF2B5EF4-FFF2-40B4-BE49-F238E27FC236}">
-                <a16:creationId xmlns:a16="http://schemas.microsoft.com/office/drawing/2014/main" xmlns="" id="{734B1D83-C646-4FC5-B231-EB30686F8E0F}"/>
+                <a16:creationId xmlns="" xmlns:a16="http://schemas.microsoft.com/office/drawing/2014/main" id="{734B1D83-C646-4FC5-B231-EB30686F8E0F}"/>
               </a:ext>
             </a:extLst>
           </p:cNvPr>
@@ -4423,7 +4398,7 @@
           <p:cNvPr id="22" name="Straight Connector 21">
             <a:extLst>
               <a:ext uri="{FF2B5EF4-FFF2-40B4-BE49-F238E27FC236}">
-                <a16:creationId xmlns:a16="http://schemas.microsoft.com/office/drawing/2014/main" xmlns="" id="{489F4072-AC12-4534-9FC1-B1BF9DFC4213}"/>
+                <a16:creationId xmlns="" xmlns:a16="http://schemas.microsoft.com/office/drawing/2014/main" id="{489F4072-AC12-4534-9FC1-B1BF9DFC4213}"/>
               </a:ext>
             </a:extLst>
           </p:cNvPr>
@@ -4469,7 +4444,7 @@
           <p:cNvPr id="50" name="Group 49">
             <a:extLst>
               <a:ext uri="{FF2B5EF4-FFF2-40B4-BE49-F238E27FC236}">
-                <a16:creationId xmlns:a16="http://schemas.microsoft.com/office/drawing/2014/main" xmlns="" id="{69D37D2E-64FC-4E06-AB29-38DBF169C493}"/>
+                <a16:creationId xmlns="" xmlns:a16="http://schemas.microsoft.com/office/drawing/2014/main" id="{69D37D2E-64FC-4E06-AB29-38DBF169C493}"/>
               </a:ext>
             </a:extLst>
           </p:cNvPr>
@@ -4489,7 +4464,7 @@
             <p:cNvPr id="23" name="Oval 22">
               <a:extLst>
                 <a:ext uri="{FF2B5EF4-FFF2-40B4-BE49-F238E27FC236}">
-                  <a16:creationId xmlns:a16="http://schemas.microsoft.com/office/drawing/2014/main" xmlns="" id="{BC70D42B-C0C9-4C4D-A417-570AFB319A8D}"/>
+                  <a16:creationId xmlns="" xmlns:a16="http://schemas.microsoft.com/office/drawing/2014/main" id="{BC70D42B-C0C9-4C4D-A417-570AFB319A8D}"/>
                 </a:ext>
               </a:extLst>
             </p:cNvPr>
@@ -4543,7 +4518,7 @@
             <p:cNvPr id="24" name="TextBox 23">
               <a:extLst>
                 <a:ext uri="{FF2B5EF4-FFF2-40B4-BE49-F238E27FC236}">
-                  <a16:creationId xmlns:a16="http://schemas.microsoft.com/office/drawing/2014/main" xmlns="" id="{445DDA8A-C75E-4606-ADD3-DAADFB8F7B23}"/>
+                  <a16:creationId xmlns="" xmlns:a16="http://schemas.microsoft.com/office/drawing/2014/main" id="{445DDA8A-C75E-4606-ADD3-DAADFB8F7B23}"/>
                 </a:ext>
               </a:extLst>
             </p:cNvPr>
@@ -4579,7 +4554,7 @@
           <p:cNvPr id="25" name="Straight Connector 24">
             <a:extLst>
               <a:ext uri="{FF2B5EF4-FFF2-40B4-BE49-F238E27FC236}">
-                <a16:creationId xmlns:a16="http://schemas.microsoft.com/office/drawing/2014/main" xmlns="" id="{3F40EC89-C0D5-4DD8-85F5-44FBCB69B00D}"/>
+                <a16:creationId xmlns="" xmlns:a16="http://schemas.microsoft.com/office/drawing/2014/main" id="{3F40EC89-C0D5-4DD8-85F5-44FBCB69B00D}"/>
               </a:ext>
             </a:extLst>
           </p:cNvPr>
@@ -4625,7 +4600,7 @@
           <p:cNvPr id="31" name="Group 30">
             <a:extLst>
               <a:ext uri="{FF2B5EF4-FFF2-40B4-BE49-F238E27FC236}">
-                <a16:creationId xmlns:a16="http://schemas.microsoft.com/office/drawing/2014/main" xmlns="" id="{34D17B67-032B-4939-BF41-B15BBEBA20B3}"/>
+                <a16:creationId xmlns="" xmlns:a16="http://schemas.microsoft.com/office/drawing/2014/main" id="{34D17B67-032B-4939-BF41-B15BBEBA20B3}"/>
               </a:ext>
             </a:extLst>
           </p:cNvPr>
@@ -4645,7 +4620,7 @@
             <p:cNvPr id="26" name="Oval 25">
               <a:extLst>
                 <a:ext uri="{FF2B5EF4-FFF2-40B4-BE49-F238E27FC236}">
-                  <a16:creationId xmlns:a16="http://schemas.microsoft.com/office/drawing/2014/main" xmlns="" id="{2E65D98B-A8D1-479B-9572-AF77672E1910}"/>
+                  <a16:creationId xmlns="" xmlns:a16="http://schemas.microsoft.com/office/drawing/2014/main" id="{2E65D98B-A8D1-479B-9572-AF77672E1910}"/>
                 </a:ext>
               </a:extLst>
             </p:cNvPr>
@@ -4699,7 +4674,7 @@
             <p:cNvPr id="27" name="TextBox 26">
               <a:extLst>
                 <a:ext uri="{FF2B5EF4-FFF2-40B4-BE49-F238E27FC236}">
-                  <a16:creationId xmlns:a16="http://schemas.microsoft.com/office/drawing/2014/main" xmlns="" id="{FFEB9FFF-1093-4D62-8CEA-8E02B2601C0A}"/>
+                  <a16:creationId xmlns="" xmlns:a16="http://schemas.microsoft.com/office/drawing/2014/main" id="{FFEB9FFF-1093-4D62-8CEA-8E02B2601C0A}"/>
                 </a:ext>
               </a:extLst>
             </p:cNvPr>
@@ -4735,7 +4710,7 @@
           <p:cNvPr id="28" name="Straight Connector 27">
             <a:extLst>
               <a:ext uri="{FF2B5EF4-FFF2-40B4-BE49-F238E27FC236}">
-                <a16:creationId xmlns:a16="http://schemas.microsoft.com/office/drawing/2014/main" xmlns="" id="{33B581A4-3E7E-430A-8907-A218421F32C0}"/>
+                <a16:creationId xmlns="" xmlns:a16="http://schemas.microsoft.com/office/drawing/2014/main" id="{33B581A4-3E7E-430A-8907-A218421F32C0}"/>
               </a:ext>
             </a:extLst>
           </p:cNvPr>
@@ -4779,7 +4754,7 @@
     </p:spTree>
     <p:extLst>
       <p:ext uri="{BB962C8B-B14F-4D97-AF65-F5344CB8AC3E}">
-        <p14:creationId xmlns:p14="http://schemas.microsoft.com/office/powerpoint/2010/main" xmlns="" val="1501496894"/>
+        <p14:creationId xmlns="" xmlns:p14="http://schemas.microsoft.com/office/powerpoint/2010/main" val="1501496894"/>
       </p:ext>
     </p:extLst>
   </p:cSld>
@@ -4918,7 +4893,7 @@
           <p:cNvPr id="5" name="Straight Connector 4">
             <a:extLst>
               <a:ext uri="{FF2B5EF4-FFF2-40B4-BE49-F238E27FC236}">
-                <a16:creationId xmlns:a16="http://schemas.microsoft.com/office/drawing/2014/main" xmlns="" id="{E22AD152-70BD-4229-B8BC-C60DBA0179DC}"/>
+                <a16:creationId xmlns="" xmlns:a16="http://schemas.microsoft.com/office/drawing/2014/main" id="{E22AD152-70BD-4229-B8BC-C60DBA0179DC}"/>
               </a:ext>
             </a:extLst>
           </p:cNvPr>
@@ -4962,7 +4937,7 @@
           <p:cNvPr id="9" name="Oval 8">
             <a:extLst>
               <a:ext uri="{FF2B5EF4-FFF2-40B4-BE49-F238E27FC236}">
-                <a16:creationId xmlns:a16="http://schemas.microsoft.com/office/drawing/2014/main" xmlns="" id="{8F37EFB2-5530-4905-AC70-3DB832BEDBD3}"/>
+                <a16:creationId xmlns="" xmlns:a16="http://schemas.microsoft.com/office/drawing/2014/main" id="{8F37EFB2-5530-4905-AC70-3DB832BEDBD3}"/>
               </a:ext>
             </a:extLst>
           </p:cNvPr>
@@ -5016,7 +4991,7 @@
           <p:cNvPr id="13" name="Oval 12">
             <a:extLst>
               <a:ext uri="{FF2B5EF4-FFF2-40B4-BE49-F238E27FC236}">
-                <a16:creationId xmlns:a16="http://schemas.microsoft.com/office/drawing/2014/main" xmlns="" id="{5BC6BE35-425F-46E5-A8D6-F89BE4A3F589}"/>
+                <a16:creationId xmlns="" xmlns:a16="http://schemas.microsoft.com/office/drawing/2014/main" id="{5BC6BE35-425F-46E5-A8D6-F89BE4A3F589}"/>
               </a:ext>
             </a:extLst>
           </p:cNvPr>
@@ -5070,7 +5045,7 @@
           <p:cNvPr id="14" name="Straight Connector 13">
             <a:extLst>
               <a:ext uri="{FF2B5EF4-FFF2-40B4-BE49-F238E27FC236}">
-                <a16:creationId xmlns:a16="http://schemas.microsoft.com/office/drawing/2014/main" xmlns="" id="{E08E1825-7573-4055-8192-47D6B83231F8}"/>
+                <a16:creationId xmlns="" xmlns:a16="http://schemas.microsoft.com/office/drawing/2014/main" id="{E08E1825-7573-4055-8192-47D6B83231F8}"/>
               </a:ext>
             </a:extLst>
           </p:cNvPr>
@@ -5114,7 +5089,7 @@
           <p:cNvPr id="15" name="Oval 14">
             <a:extLst>
               <a:ext uri="{FF2B5EF4-FFF2-40B4-BE49-F238E27FC236}">
-                <a16:creationId xmlns:a16="http://schemas.microsoft.com/office/drawing/2014/main" xmlns="" id="{C673D449-E9F2-45B7-B214-F7B45D5D5782}"/>
+                <a16:creationId xmlns="" xmlns:a16="http://schemas.microsoft.com/office/drawing/2014/main" id="{C673D449-E9F2-45B7-B214-F7B45D5D5782}"/>
               </a:ext>
             </a:extLst>
           </p:cNvPr>
@@ -5168,7 +5143,7 @@
           <p:cNvPr id="16" name="Straight Connector 15">
             <a:extLst>
               <a:ext uri="{FF2B5EF4-FFF2-40B4-BE49-F238E27FC236}">
-                <a16:creationId xmlns:a16="http://schemas.microsoft.com/office/drawing/2014/main" xmlns="" id="{3ADFF745-E739-4A17-9B00-D0C907ECDF07}"/>
+                <a16:creationId xmlns="" xmlns:a16="http://schemas.microsoft.com/office/drawing/2014/main" id="{3ADFF745-E739-4A17-9B00-D0C907ECDF07}"/>
               </a:ext>
             </a:extLst>
           </p:cNvPr>
@@ -5214,7 +5189,7 @@
           <p:cNvPr id="17" name="Oval 16">
             <a:extLst>
               <a:ext uri="{FF2B5EF4-FFF2-40B4-BE49-F238E27FC236}">
-                <a16:creationId xmlns:a16="http://schemas.microsoft.com/office/drawing/2014/main" xmlns="" id="{4757F13A-6241-4299-9829-C8A70499FF23}"/>
+                <a16:creationId xmlns="" xmlns:a16="http://schemas.microsoft.com/office/drawing/2014/main" id="{4757F13A-6241-4299-9829-C8A70499FF23}"/>
               </a:ext>
             </a:extLst>
           </p:cNvPr>
@@ -5268,7 +5243,7 @@
           <p:cNvPr id="18" name="TextBox 17">
             <a:extLst>
               <a:ext uri="{FF2B5EF4-FFF2-40B4-BE49-F238E27FC236}">
-                <a16:creationId xmlns:a16="http://schemas.microsoft.com/office/drawing/2014/main" xmlns="" id="{49213482-61DE-4E6A-923C-D45CD14DD772}"/>
+                <a16:creationId xmlns="" xmlns:a16="http://schemas.microsoft.com/office/drawing/2014/main" id="{49213482-61DE-4E6A-923C-D45CD14DD772}"/>
               </a:ext>
             </a:extLst>
           </p:cNvPr>
@@ -5303,7 +5278,7 @@
           <p:cNvPr id="19" name="TextBox 18">
             <a:extLst>
               <a:ext uri="{FF2B5EF4-FFF2-40B4-BE49-F238E27FC236}">
-                <a16:creationId xmlns:a16="http://schemas.microsoft.com/office/drawing/2014/main" xmlns="" id="{26382464-B130-418C-826B-FCE1564D90CF}"/>
+                <a16:creationId xmlns="" xmlns:a16="http://schemas.microsoft.com/office/drawing/2014/main" id="{26382464-B130-418C-826B-FCE1564D90CF}"/>
               </a:ext>
             </a:extLst>
           </p:cNvPr>
@@ -5338,7 +5313,7 @@
           <p:cNvPr id="20" name="TextBox 19">
             <a:extLst>
               <a:ext uri="{FF2B5EF4-FFF2-40B4-BE49-F238E27FC236}">
-                <a16:creationId xmlns:a16="http://schemas.microsoft.com/office/drawing/2014/main" xmlns="" id="{DD390C99-FD0D-4FFA-9936-058FE9FC4932}"/>
+                <a16:creationId xmlns="" xmlns:a16="http://schemas.microsoft.com/office/drawing/2014/main" id="{DD390C99-FD0D-4FFA-9936-058FE9FC4932}"/>
               </a:ext>
             </a:extLst>
           </p:cNvPr>
@@ -5373,7 +5348,7 @@
           <p:cNvPr id="21" name="TextBox 20">
             <a:extLst>
               <a:ext uri="{FF2B5EF4-FFF2-40B4-BE49-F238E27FC236}">
-                <a16:creationId xmlns:a16="http://schemas.microsoft.com/office/drawing/2014/main" xmlns="" id="{734B1D83-C646-4FC5-B231-EB30686F8E0F}"/>
+                <a16:creationId xmlns="" xmlns:a16="http://schemas.microsoft.com/office/drawing/2014/main" id="{734B1D83-C646-4FC5-B231-EB30686F8E0F}"/>
               </a:ext>
             </a:extLst>
           </p:cNvPr>
@@ -5408,7 +5383,7 @@
           <p:cNvPr id="22" name="Straight Connector 21">
             <a:extLst>
               <a:ext uri="{FF2B5EF4-FFF2-40B4-BE49-F238E27FC236}">
-                <a16:creationId xmlns:a16="http://schemas.microsoft.com/office/drawing/2014/main" xmlns="" id="{489F4072-AC12-4534-9FC1-B1BF9DFC4213}"/>
+                <a16:creationId xmlns="" xmlns:a16="http://schemas.microsoft.com/office/drawing/2014/main" id="{489F4072-AC12-4534-9FC1-B1BF9DFC4213}"/>
               </a:ext>
             </a:extLst>
           </p:cNvPr>
@@ -5454,7 +5429,7 @@
           <p:cNvPr id="50" name="Group 49">
             <a:extLst>
               <a:ext uri="{FF2B5EF4-FFF2-40B4-BE49-F238E27FC236}">
-                <a16:creationId xmlns:a16="http://schemas.microsoft.com/office/drawing/2014/main" xmlns="" id="{69D37D2E-64FC-4E06-AB29-38DBF169C493}"/>
+                <a16:creationId xmlns="" xmlns:a16="http://schemas.microsoft.com/office/drawing/2014/main" id="{69D37D2E-64FC-4E06-AB29-38DBF169C493}"/>
               </a:ext>
             </a:extLst>
           </p:cNvPr>
@@ -5474,7 +5449,7 @@
             <p:cNvPr id="23" name="Oval 22">
               <a:extLst>
                 <a:ext uri="{FF2B5EF4-FFF2-40B4-BE49-F238E27FC236}">
-                  <a16:creationId xmlns:a16="http://schemas.microsoft.com/office/drawing/2014/main" xmlns="" id="{BC70D42B-C0C9-4C4D-A417-570AFB319A8D}"/>
+                  <a16:creationId xmlns="" xmlns:a16="http://schemas.microsoft.com/office/drawing/2014/main" id="{BC70D42B-C0C9-4C4D-A417-570AFB319A8D}"/>
                 </a:ext>
               </a:extLst>
             </p:cNvPr>
@@ -5528,7 +5503,7 @@
             <p:cNvPr id="24" name="TextBox 23">
               <a:extLst>
                 <a:ext uri="{FF2B5EF4-FFF2-40B4-BE49-F238E27FC236}">
-                  <a16:creationId xmlns:a16="http://schemas.microsoft.com/office/drawing/2014/main" xmlns="" id="{445DDA8A-C75E-4606-ADD3-DAADFB8F7B23}"/>
+                  <a16:creationId xmlns="" xmlns:a16="http://schemas.microsoft.com/office/drawing/2014/main" id="{445DDA8A-C75E-4606-ADD3-DAADFB8F7B23}"/>
                 </a:ext>
               </a:extLst>
             </p:cNvPr>
@@ -5564,7 +5539,7 @@
           <p:cNvPr id="25" name="Straight Connector 24">
             <a:extLst>
               <a:ext uri="{FF2B5EF4-FFF2-40B4-BE49-F238E27FC236}">
-                <a16:creationId xmlns:a16="http://schemas.microsoft.com/office/drawing/2014/main" xmlns="" id="{3F40EC89-C0D5-4DD8-85F5-44FBCB69B00D}"/>
+                <a16:creationId xmlns="" xmlns:a16="http://schemas.microsoft.com/office/drawing/2014/main" id="{3F40EC89-C0D5-4DD8-85F5-44FBCB69B00D}"/>
               </a:ext>
             </a:extLst>
           </p:cNvPr>
@@ -5610,7 +5585,7 @@
           <p:cNvPr id="31" name="Group 30">
             <a:extLst>
               <a:ext uri="{FF2B5EF4-FFF2-40B4-BE49-F238E27FC236}">
-                <a16:creationId xmlns:a16="http://schemas.microsoft.com/office/drawing/2014/main" xmlns="" id="{34D17B67-032B-4939-BF41-B15BBEBA20B3}"/>
+                <a16:creationId xmlns="" xmlns:a16="http://schemas.microsoft.com/office/drawing/2014/main" id="{34D17B67-032B-4939-BF41-B15BBEBA20B3}"/>
               </a:ext>
             </a:extLst>
           </p:cNvPr>
@@ -5630,7 +5605,7 @@
             <p:cNvPr id="26" name="Oval 25">
               <a:extLst>
                 <a:ext uri="{FF2B5EF4-FFF2-40B4-BE49-F238E27FC236}">
-                  <a16:creationId xmlns:a16="http://schemas.microsoft.com/office/drawing/2014/main" xmlns="" id="{2E65D98B-A8D1-479B-9572-AF77672E1910}"/>
+                  <a16:creationId xmlns="" xmlns:a16="http://schemas.microsoft.com/office/drawing/2014/main" id="{2E65D98B-A8D1-479B-9572-AF77672E1910}"/>
                 </a:ext>
               </a:extLst>
             </p:cNvPr>
@@ -5684,7 +5659,7 @@
             <p:cNvPr id="27" name="TextBox 26">
               <a:extLst>
                 <a:ext uri="{FF2B5EF4-FFF2-40B4-BE49-F238E27FC236}">
-                  <a16:creationId xmlns:a16="http://schemas.microsoft.com/office/drawing/2014/main" xmlns="" id="{FFEB9FFF-1093-4D62-8CEA-8E02B2601C0A}"/>
+                  <a16:creationId xmlns="" xmlns:a16="http://schemas.microsoft.com/office/drawing/2014/main" id="{FFEB9FFF-1093-4D62-8CEA-8E02B2601C0A}"/>
                 </a:ext>
               </a:extLst>
             </p:cNvPr>
@@ -5720,7 +5695,7 @@
           <p:cNvPr id="28" name="Straight Connector 27">
             <a:extLst>
               <a:ext uri="{FF2B5EF4-FFF2-40B4-BE49-F238E27FC236}">
-                <a16:creationId xmlns:a16="http://schemas.microsoft.com/office/drawing/2014/main" xmlns="" id="{33B581A4-3E7E-430A-8907-A218421F32C0}"/>
+                <a16:creationId xmlns="" xmlns:a16="http://schemas.microsoft.com/office/drawing/2014/main" id="{33B581A4-3E7E-430A-8907-A218421F32C0}"/>
               </a:ext>
             </a:extLst>
           </p:cNvPr>
@@ -5766,7 +5741,7 @@
           <p:cNvPr id="38" name="Straight Connector 37">
             <a:extLst>
               <a:ext uri="{FF2B5EF4-FFF2-40B4-BE49-F238E27FC236}">
-                <a16:creationId xmlns:a16="http://schemas.microsoft.com/office/drawing/2014/main" xmlns="" id="{B6A10E85-0C96-460E-B1C2-F03B5B66A7BD}"/>
+                <a16:creationId xmlns="" xmlns:a16="http://schemas.microsoft.com/office/drawing/2014/main" id="{B6A10E85-0C96-460E-B1C2-F03B5B66A7BD}"/>
               </a:ext>
             </a:extLst>
           </p:cNvPr>
@@ -5812,7 +5787,7 @@
           <p:cNvPr id="41" name="Group 40">
             <a:extLst>
               <a:ext uri="{FF2B5EF4-FFF2-40B4-BE49-F238E27FC236}">
-                <a16:creationId xmlns:a16="http://schemas.microsoft.com/office/drawing/2014/main" xmlns="" id="{53C4116D-078F-4226-A038-C5ECD93AAB80}"/>
+                <a16:creationId xmlns="" xmlns:a16="http://schemas.microsoft.com/office/drawing/2014/main" id="{53C4116D-078F-4226-A038-C5ECD93AAB80}"/>
               </a:ext>
             </a:extLst>
           </p:cNvPr>
@@ -5832,7 +5807,7 @@
             <p:cNvPr id="42" name="Oval 41">
               <a:extLst>
                 <a:ext uri="{FF2B5EF4-FFF2-40B4-BE49-F238E27FC236}">
-                  <a16:creationId xmlns:a16="http://schemas.microsoft.com/office/drawing/2014/main" xmlns="" id="{6F197843-A8E9-4E68-8775-9BF3AEE09B01}"/>
+                  <a16:creationId xmlns="" xmlns:a16="http://schemas.microsoft.com/office/drawing/2014/main" id="{6F197843-A8E9-4E68-8775-9BF3AEE09B01}"/>
                 </a:ext>
               </a:extLst>
             </p:cNvPr>
@@ -5886,7 +5861,7 @@
             <p:cNvPr id="43" name="TextBox 42">
               <a:extLst>
                 <a:ext uri="{FF2B5EF4-FFF2-40B4-BE49-F238E27FC236}">
-                  <a16:creationId xmlns:a16="http://schemas.microsoft.com/office/drawing/2014/main" xmlns="" id="{0BB2D759-2BB8-4B73-AEE8-30E049A66B6E}"/>
+                  <a16:creationId xmlns="" xmlns:a16="http://schemas.microsoft.com/office/drawing/2014/main" id="{0BB2D759-2BB8-4B73-AEE8-30E049A66B6E}"/>
                 </a:ext>
               </a:extLst>
             </p:cNvPr>
@@ -5922,7 +5897,7 @@
           <p:cNvPr id="45" name="Straight Connector 44">
             <a:extLst>
               <a:ext uri="{FF2B5EF4-FFF2-40B4-BE49-F238E27FC236}">
-                <a16:creationId xmlns:a16="http://schemas.microsoft.com/office/drawing/2014/main" xmlns="" id="{49FC7B47-84DA-4CBD-B4E7-C26FD605689A}"/>
+                <a16:creationId xmlns="" xmlns:a16="http://schemas.microsoft.com/office/drawing/2014/main" id="{49FC7B47-84DA-4CBD-B4E7-C26FD605689A}"/>
               </a:ext>
             </a:extLst>
           </p:cNvPr>
@@ -5966,7 +5941,7 @@
     </p:spTree>
     <p:extLst>
       <p:ext uri="{BB962C8B-B14F-4D97-AF65-F5344CB8AC3E}">
-        <p14:creationId xmlns:p14="http://schemas.microsoft.com/office/powerpoint/2010/main" xmlns="" val="1560637448"/>
+        <p14:creationId xmlns="" xmlns:p14="http://schemas.microsoft.com/office/powerpoint/2010/main" val="1560637448"/>
       </p:ext>
     </p:extLst>
   </p:cSld>
@@ -6105,7 +6080,7 @@
           <p:cNvPr id="5" name="Straight Connector 4">
             <a:extLst>
               <a:ext uri="{FF2B5EF4-FFF2-40B4-BE49-F238E27FC236}">
-                <a16:creationId xmlns:a16="http://schemas.microsoft.com/office/drawing/2014/main" xmlns="" id="{E22AD152-70BD-4229-B8BC-C60DBA0179DC}"/>
+                <a16:creationId xmlns="" xmlns:a16="http://schemas.microsoft.com/office/drawing/2014/main" id="{E22AD152-70BD-4229-B8BC-C60DBA0179DC}"/>
               </a:ext>
             </a:extLst>
           </p:cNvPr>
@@ -6149,7 +6124,7 @@
           <p:cNvPr id="9" name="Oval 8">
             <a:extLst>
               <a:ext uri="{FF2B5EF4-FFF2-40B4-BE49-F238E27FC236}">
-                <a16:creationId xmlns:a16="http://schemas.microsoft.com/office/drawing/2014/main" xmlns="" id="{8F37EFB2-5530-4905-AC70-3DB832BEDBD3}"/>
+                <a16:creationId xmlns="" xmlns:a16="http://schemas.microsoft.com/office/drawing/2014/main" id="{8F37EFB2-5530-4905-AC70-3DB832BEDBD3}"/>
               </a:ext>
             </a:extLst>
           </p:cNvPr>
@@ -6203,7 +6178,7 @@
           <p:cNvPr id="13" name="Oval 12">
             <a:extLst>
               <a:ext uri="{FF2B5EF4-FFF2-40B4-BE49-F238E27FC236}">
-                <a16:creationId xmlns:a16="http://schemas.microsoft.com/office/drawing/2014/main" xmlns="" id="{5BC6BE35-425F-46E5-A8D6-F89BE4A3F589}"/>
+                <a16:creationId xmlns="" xmlns:a16="http://schemas.microsoft.com/office/drawing/2014/main" id="{5BC6BE35-425F-46E5-A8D6-F89BE4A3F589}"/>
               </a:ext>
             </a:extLst>
           </p:cNvPr>
@@ -6257,7 +6232,7 @@
           <p:cNvPr id="14" name="Straight Connector 13">
             <a:extLst>
               <a:ext uri="{FF2B5EF4-FFF2-40B4-BE49-F238E27FC236}">
-                <a16:creationId xmlns:a16="http://schemas.microsoft.com/office/drawing/2014/main" xmlns="" id="{E08E1825-7573-4055-8192-47D6B83231F8}"/>
+                <a16:creationId xmlns="" xmlns:a16="http://schemas.microsoft.com/office/drawing/2014/main" id="{E08E1825-7573-4055-8192-47D6B83231F8}"/>
               </a:ext>
             </a:extLst>
           </p:cNvPr>
@@ -6301,7 +6276,7 @@
           <p:cNvPr id="15" name="Oval 14">
             <a:extLst>
               <a:ext uri="{FF2B5EF4-FFF2-40B4-BE49-F238E27FC236}">
-                <a16:creationId xmlns:a16="http://schemas.microsoft.com/office/drawing/2014/main" xmlns="" id="{C673D449-E9F2-45B7-B214-F7B45D5D5782}"/>
+                <a16:creationId xmlns="" xmlns:a16="http://schemas.microsoft.com/office/drawing/2014/main" id="{C673D449-E9F2-45B7-B214-F7B45D5D5782}"/>
               </a:ext>
             </a:extLst>
           </p:cNvPr>
@@ -6355,7 +6330,7 @@
           <p:cNvPr id="18" name="TextBox 17">
             <a:extLst>
               <a:ext uri="{FF2B5EF4-FFF2-40B4-BE49-F238E27FC236}">
-                <a16:creationId xmlns:a16="http://schemas.microsoft.com/office/drawing/2014/main" xmlns="" id="{49213482-61DE-4E6A-923C-D45CD14DD772}"/>
+                <a16:creationId xmlns="" xmlns:a16="http://schemas.microsoft.com/office/drawing/2014/main" id="{49213482-61DE-4E6A-923C-D45CD14DD772}"/>
               </a:ext>
             </a:extLst>
           </p:cNvPr>
@@ -6390,7 +6365,7 @@
           <p:cNvPr id="19" name="TextBox 18">
             <a:extLst>
               <a:ext uri="{FF2B5EF4-FFF2-40B4-BE49-F238E27FC236}">
-                <a16:creationId xmlns:a16="http://schemas.microsoft.com/office/drawing/2014/main" xmlns="" id="{26382464-B130-418C-826B-FCE1564D90CF}"/>
+                <a16:creationId xmlns="" xmlns:a16="http://schemas.microsoft.com/office/drawing/2014/main" id="{26382464-B130-418C-826B-FCE1564D90CF}"/>
               </a:ext>
             </a:extLst>
           </p:cNvPr>
@@ -6425,7 +6400,7 @@
           <p:cNvPr id="20" name="TextBox 19">
             <a:extLst>
               <a:ext uri="{FF2B5EF4-FFF2-40B4-BE49-F238E27FC236}">
-                <a16:creationId xmlns:a16="http://schemas.microsoft.com/office/drawing/2014/main" xmlns="" id="{DD390C99-FD0D-4FFA-9936-058FE9FC4932}"/>
+                <a16:creationId xmlns="" xmlns:a16="http://schemas.microsoft.com/office/drawing/2014/main" id="{DD390C99-FD0D-4FFA-9936-058FE9FC4932}"/>
               </a:ext>
             </a:extLst>
           </p:cNvPr>
@@ -6460,7 +6435,7 @@
           <p:cNvPr id="22" name="Straight Connector 21">
             <a:extLst>
               <a:ext uri="{FF2B5EF4-FFF2-40B4-BE49-F238E27FC236}">
-                <a16:creationId xmlns:a16="http://schemas.microsoft.com/office/drawing/2014/main" xmlns="" id="{489F4072-AC12-4534-9FC1-B1BF9DFC4213}"/>
+                <a16:creationId xmlns="" xmlns:a16="http://schemas.microsoft.com/office/drawing/2014/main" id="{489F4072-AC12-4534-9FC1-B1BF9DFC4213}"/>
               </a:ext>
             </a:extLst>
           </p:cNvPr>
@@ -6506,7 +6481,7 @@
           <p:cNvPr id="50" name="Group 49">
             <a:extLst>
               <a:ext uri="{FF2B5EF4-FFF2-40B4-BE49-F238E27FC236}">
-                <a16:creationId xmlns:a16="http://schemas.microsoft.com/office/drawing/2014/main" xmlns="" id="{69D37D2E-64FC-4E06-AB29-38DBF169C493}"/>
+                <a16:creationId xmlns="" xmlns:a16="http://schemas.microsoft.com/office/drawing/2014/main" id="{69D37D2E-64FC-4E06-AB29-38DBF169C493}"/>
               </a:ext>
             </a:extLst>
           </p:cNvPr>
@@ -6526,7 +6501,7 @@
             <p:cNvPr id="23" name="Oval 22">
               <a:extLst>
                 <a:ext uri="{FF2B5EF4-FFF2-40B4-BE49-F238E27FC236}">
-                  <a16:creationId xmlns:a16="http://schemas.microsoft.com/office/drawing/2014/main" xmlns="" id="{BC70D42B-C0C9-4C4D-A417-570AFB319A8D}"/>
+                  <a16:creationId xmlns="" xmlns:a16="http://schemas.microsoft.com/office/drawing/2014/main" id="{BC70D42B-C0C9-4C4D-A417-570AFB319A8D}"/>
                 </a:ext>
               </a:extLst>
             </p:cNvPr>
@@ -6580,7 +6555,7 @@
             <p:cNvPr id="24" name="TextBox 23">
               <a:extLst>
                 <a:ext uri="{FF2B5EF4-FFF2-40B4-BE49-F238E27FC236}">
-                  <a16:creationId xmlns:a16="http://schemas.microsoft.com/office/drawing/2014/main" xmlns="" id="{445DDA8A-C75E-4606-ADD3-DAADFB8F7B23}"/>
+                  <a16:creationId xmlns="" xmlns:a16="http://schemas.microsoft.com/office/drawing/2014/main" id="{445DDA8A-C75E-4606-ADD3-DAADFB8F7B23}"/>
                 </a:ext>
               </a:extLst>
             </p:cNvPr>
@@ -6616,7 +6591,7 @@
           <p:cNvPr id="25" name="Straight Connector 24">
             <a:extLst>
               <a:ext uri="{FF2B5EF4-FFF2-40B4-BE49-F238E27FC236}">
-                <a16:creationId xmlns:a16="http://schemas.microsoft.com/office/drawing/2014/main" xmlns="" id="{3F40EC89-C0D5-4DD8-85F5-44FBCB69B00D}"/>
+                <a16:creationId xmlns="" xmlns:a16="http://schemas.microsoft.com/office/drawing/2014/main" id="{3F40EC89-C0D5-4DD8-85F5-44FBCB69B00D}"/>
               </a:ext>
             </a:extLst>
           </p:cNvPr>
@@ -6662,7 +6637,7 @@
           <p:cNvPr id="31" name="Group 30">
             <a:extLst>
               <a:ext uri="{FF2B5EF4-FFF2-40B4-BE49-F238E27FC236}">
-                <a16:creationId xmlns:a16="http://schemas.microsoft.com/office/drawing/2014/main" xmlns="" id="{34D17B67-032B-4939-BF41-B15BBEBA20B3}"/>
+                <a16:creationId xmlns="" xmlns:a16="http://schemas.microsoft.com/office/drawing/2014/main" id="{34D17B67-032B-4939-BF41-B15BBEBA20B3}"/>
               </a:ext>
             </a:extLst>
           </p:cNvPr>
@@ -6682,7 +6657,7 @@
             <p:cNvPr id="26" name="Oval 25">
               <a:extLst>
                 <a:ext uri="{FF2B5EF4-FFF2-40B4-BE49-F238E27FC236}">
-                  <a16:creationId xmlns:a16="http://schemas.microsoft.com/office/drawing/2014/main" xmlns="" id="{2E65D98B-A8D1-479B-9572-AF77672E1910}"/>
+                  <a16:creationId xmlns="" xmlns:a16="http://schemas.microsoft.com/office/drawing/2014/main" id="{2E65D98B-A8D1-479B-9572-AF77672E1910}"/>
                 </a:ext>
               </a:extLst>
             </p:cNvPr>
@@ -6736,7 +6711,7 @@
             <p:cNvPr id="27" name="TextBox 26">
               <a:extLst>
                 <a:ext uri="{FF2B5EF4-FFF2-40B4-BE49-F238E27FC236}">
-                  <a16:creationId xmlns:a16="http://schemas.microsoft.com/office/drawing/2014/main" xmlns="" id="{FFEB9FFF-1093-4D62-8CEA-8E02B2601C0A}"/>
+                  <a16:creationId xmlns="" xmlns:a16="http://schemas.microsoft.com/office/drawing/2014/main" id="{FFEB9FFF-1093-4D62-8CEA-8E02B2601C0A}"/>
                 </a:ext>
               </a:extLst>
             </p:cNvPr>
@@ -6770,7 +6745,7 @@
     </p:spTree>
     <p:extLst>
       <p:ext uri="{BB962C8B-B14F-4D97-AF65-F5344CB8AC3E}">
-        <p14:creationId xmlns:p14="http://schemas.microsoft.com/office/powerpoint/2010/main" xmlns="" val="1301354931"/>
+        <p14:creationId xmlns="" xmlns:p14="http://schemas.microsoft.com/office/powerpoint/2010/main" val="1301354931"/>
       </p:ext>
     </p:extLst>
   </p:cSld>
@@ -6909,7 +6884,7 @@
           <p:cNvPr id="5" name="Straight Connector 4">
             <a:extLst>
               <a:ext uri="{FF2B5EF4-FFF2-40B4-BE49-F238E27FC236}">
-                <a16:creationId xmlns:a16="http://schemas.microsoft.com/office/drawing/2014/main" xmlns="" id="{E22AD152-70BD-4229-B8BC-C60DBA0179DC}"/>
+                <a16:creationId xmlns="" xmlns:a16="http://schemas.microsoft.com/office/drawing/2014/main" id="{E22AD152-70BD-4229-B8BC-C60DBA0179DC}"/>
               </a:ext>
             </a:extLst>
           </p:cNvPr>
@@ -6953,7 +6928,7 @@
           <p:cNvPr id="9" name="Oval 8">
             <a:extLst>
               <a:ext uri="{FF2B5EF4-FFF2-40B4-BE49-F238E27FC236}">
-                <a16:creationId xmlns:a16="http://schemas.microsoft.com/office/drawing/2014/main" xmlns="" id="{8F37EFB2-5530-4905-AC70-3DB832BEDBD3}"/>
+                <a16:creationId xmlns="" xmlns:a16="http://schemas.microsoft.com/office/drawing/2014/main" id="{8F37EFB2-5530-4905-AC70-3DB832BEDBD3}"/>
               </a:ext>
             </a:extLst>
           </p:cNvPr>
@@ -7007,7 +6982,7 @@
           <p:cNvPr id="13" name="Oval 12">
             <a:extLst>
               <a:ext uri="{FF2B5EF4-FFF2-40B4-BE49-F238E27FC236}">
-                <a16:creationId xmlns:a16="http://schemas.microsoft.com/office/drawing/2014/main" xmlns="" id="{5BC6BE35-425F-46E5-A8D6-F89BE4A3F589}"/>
+                <a16:creationId xmlns="" xmlns:a16="http://schemas.microsoft.com/office/drawing/2014/main" id="{5BC6BE35-425F-46E5-A8D6-F89BE4A3F589}"/>
               </a:ext>
             </a:extLst>
           </p:cNvPr>
@@ -7061,7 +7036,7 @@
           <p:cNvPr id="14" name="Straight Connector 13">
             <a:extLst>
               <a:ext uri="{FF2B5EF4-FFF2-40B4-BE49-F238E27FC236}">
-                <a16:creationId xmlns:a16="http://schemas.microsoft.com/office/drawing/2014/main" xmlns="" id="{E08E1825-7573-4055-8192-47D6B83231F8}"/>
+                <a16:creationId xmlns="" xmlns:a16="http://schemas.microsoft.com/office/drawing/2014/main" id="{E08E1825-7573-4055-8192-47D6B83231F8}"/>
               </a:ext>
             </a:extLst>
           </p:cNvPr>
@@ -7105,7 +7080,7 @@
           <p:cNvPr id="15" name="Oval 14">
             <a:extLst>
               <a:ext uri="{FF2B5EF4-FFF2-40B4-BE49-F238E27FC236}">
-                <a16:creationId xmlns:a16="http://schemas.microsoft.com/office/drawing/2014/main" xmlns="" id="{C673D449-E9F2-45B7-B214-F7B45D5D5782}"/>
+                <a16:creationId xmlns="" xmlns:a16="http://schemas.microsoft.com/office/drawing/2014/main" id="{C673D449-E9F2-45B7-B214-F7B45D5D5782}"/>
               </a:ext>
             </a:extLst>
           </p:cNvPr>
@@ -7159,7 +7134,7 @@
           <p:cNvPr id="18" name="TextBox 17">
             <a:extLst>
               <a:ext uri="{FF2B5EF4-FFF2-40B4-BE49-F238E27FC236}">
-                <a16:creationId xmlns:a16="http://schemas.microsoft.com/office/drawing/2014/main" xmlns="" id="{49213482-61DE-4E6A-923C-D45CD14DD772}"/>
+                <a16:creationId xmlns="" xmlns:a16="http://schemas.microsoft.com/office/drawing/2014/main" id="{49213482-61DE-4E6A-923C-D45CD14DD772}"/>
               </a:ext>
             </a:extLst>
           </p:cNvPr>
@@ -7194,7 +7169,7 @@
           <p:cNvPr id="19" name="TextBox 18">
             <a:extLst>
               <a:ext uri="{FF2B5EF4-FFF2-40B4-BE49-F238E27FC236}">
-                <a16:creationId xmlns:a16="http://schemas.microsoft.com/office/drawing/2014/main" xmlns="" id="{26382464-B130-418C-826B-FCE1564D90CF}"/>
+                <a16:creationId xmlns="" xmlns:a16="http://schemas.microsoft.com/office/drawing/2014/main" id="{26382464-B130-418C-826B-FCE1564D90CF}"/>
               </a:ext>
             </a:extLst>
           </p:cNvPr>
@@ -7229,7 +7204,7 @@
           <p:cNvPr id="20" name="TextBox 19">
             <a:extLst>
               <a:ext uri="{FF2B5EF4-FFF2-40B4-BE49-F238E27FC236}">
-                <a16:creationId xmlns:a16="http://schemas.microsoft.com/office/drawing/2014/main" xmlns="" id="{DD390C99-FD0D-4FFA-9936-058FE9FC4932}"/>
+                <a16:creationId xmlns="" xmlns:a16="http://schemas.microsoft.com/office/drawing/2014/main" id="{DD390C99-FD0D-4FFA-9936-058FE9FC4932}"/>
               </a:ext>
             </a:extLst>
           </p:cNvPr>
@@ -7264,7 +7239,7 @@
           <p:cNvPr id="22" name="Straight Connector 21">
             <a:extLst>
               <a:ext uri="{FF2B5EF4-FFF2-40B4-BE49-F238E27FC236}">
-                <a16:creationId xmlns:a16="http://schemas.microsoft.com/office/drawing/2014/main" xmlns="" id="{489F4072-AC12-4534-9FC1-B1BF9DFC4213}"/>
+                <a16:creationId xmlns="" xmlns:a16="http://schemas.microsoft.com/office/drawing/2014/main" id="{489F4072-AC12-4534-9FC1-B1BF9DFC4213}"/>
               </a:ext>
             </a:extLst>
           </p:cNvPr>
@@ -7310,7 +7285,7 @@
           <p:cNvPr id="50" name="Group 49">
             <a:extLst>
               <a:ext uri="{FF2B5EF4-FFF2-40B4-BE49-F238E27FC236}">
-                <a16:creationId xmlns:a16="http://schemas.microsoft.com/office/drawing/2014/main" xmlns="" id="{69D37D2E-64FC-4E06-AB29-38DBF169C493}"/>
+                <a16:creationId xmlns="" xmlns:a16="http://schemas.microsoft.com/office/drawing/2014/main" id="{69D37D2E-64FC-4E06-AB29-38DBF169C493}"/>
               </a:ext>
             </a:extLst>
           </p:cNvPr>
@@ -7330,7 +7305,7 @@
             <p:cNvPr id="23" name="Oval 22">
               <a:extLst>
                 <a:ext uri="{FF2B5EF4-FFF2-40B4-BE49-F238E27FC236}">
-                  <a16:creationId xmlns:a16="http://schemas.microsoft.com/office/drawing/2014/main" xmlns="" id="{BC70D42B-C0C9-4C4D-A417-570AFB319A8D}"/>
+                  <a16:creationId xmlns="" xmlns:a16="http://schemas.microsoft.com/office/drawing/2014/main" id="{BC70D42B-C0C9-4C4D-A417-570AFB319A8D}"/>
                 </a:ext>
               </a:extLst>
             </p:cNvPr>
@@ -7384,7 +7359,7 @@
             <p:cNvPr id="24" name="TextBox 23">
               <a:extLst>
                 <a:ext uri="{FF2B5EF4-FFF2-40B4-BE49-F238E27FC236}">
-                  <a16:creationId xmlns:a16="http://schemas.microsoft.com/office/drawing/2014/main" xmlns="" id="{445DDA8A-C75E-4606-ADD3-DAADFB8F7B23}"/>
+                  <a16:creationId xmlns="" xmlns:a16="http://schemas.microsoft.com/office/drawing/2014/main" id="{445DDA8A-C75E-4606-ADD3-DAADFB8F7B23}"/>
                 </a:ext>
               </a:extLst>
             </p:cNvPr>
@@ -7420,7 +7395,7 @@
           <p:cNvPr id="25" name="Straight Connector 24">
             <a:extLst>
               <a:ext uri="{FF2B5EF4-FFF2-40B4-BE49-F238E27FC236}">
-                <a16:creationId xmlns:a16="http://schemas.microsoft.com/office/drawing/2014/main" xmlns="" id="{3F40EC89-C0D5-4DD8-85F5-44FBCB69B00D}"/>
+                <a16:creationId xmlns="" xmlns:a16="http://schemas.microsoft.com/office/drawing/2014/main" id="{3F40EC89-C0D5-4DD8-85F5-44FBCB69B00D}"/>
               </a:ext>
             </a:extLst>
           </p:cNvPr>
@@ -7466,7 +7441,7 @@
           <p:cNvPr id="31" name="Group 30">
             <a:extLst>
               <a:ext uri="{FF2B5EF4-FFF2-40B4-BE49-F238E27FC236}">
-                <a16:creationId xmlns:a16="http://schemas.microsoft.com/office/drawing/2014/main" xmlns="" id="{34D17B67-032B-4939-BF41-B15BBEBA20B3}"/>
+                <a16:creationId xmlns="" xmlns:a16="http://schemas.microsoft.com/office/drawing/2014/main" id="{34D17B67-032B-4939-BF41-B15BBEBA20B3}"/>
               </a:ext>
             </a:extLst>
           </p:cNvPr>
@@ -7486,7 +7461,7 @@
             <p:cNvPr id="26" name="Oval 25">
               <a:extLst>
                 <a:ext uri="{FF2B5EF4-FFF2-40B4-BE49-F238E27FC236}">
-                  <a16:creationId xmlns:a16="http://schemas.microsoft.com/office/drawing/2014/main" xmlns="" id="{2E65D98B-A8D1-479B-9572-AF77672E1910}"/>
+                  <a16:creationId xmlns="" xmlns:a16="http://schemas.microsoft.com/office/drawing/2014/main" id="{2E65D98B-A8D1-479B-9572-AF77672E1910}"/>
                 </a:ext>
               </a:extLst>
             </p:cNvPr>
@@ -7540,7 +7515,7 @@
             <p:cNvPr id="27" name="TextBox 26">
               <a:extLst>
                 <a:ext uri="{FF2B5EF4-FFF2-40B4-BE49-F238E27FC236}">
-                  <a16:creationId xmlns:a16="http://schemas.microsoft.com/office/drawing/2014/main" xmlns="" id="{FFEB9FFF-1093-4D62-8CEA-8E02B2601C0A}"/>
+                  <a16:creationId xmlns="" xmlns:a16="http://schemas.microsoft.com/office/drawing/2014/main" id="{FFEB9FFF-1093-4D62-8CEA-8E02B2601C0A}"/>
                 </a:ext>
               </a:extLst>
             </p:cNvPr>
@@ -7574,7 +7549,7 @@
     </p:spTree>
     <p:extLst>
       <p:ext uri="{BB962C8B-B14F-4D97-AF65-F5344CB8AC3E}">
-        <p14:creationId xmlns:p14="http://schemas.microsoft.com/office/powerpoint/2010/main" xmlns="" val="4155531978"/>
+        <p14:creationId xmlns="" xmlns:p14="http://schemas.microsoft.com/office/powerpoint/2010/main" val="4155531978"/>
       </p:ext>
     </p:extLst>
   </p:cSld>
@@ -7713,7 +7688,7 @@
           <p:cNvPr id="5" name="Straight Connector 4">
             <a:extLst>
               <a:ext uri="{FF2B5EF4-FFF2-40B4-BE49-F238E27FC236}">
-                <a16:creationId xmlns:a16="http://schemas.microsoft.com/office/drawing/2014/main" xmlns="" id="{E22AD152-70BD-4229-B8BC-C60DBA0179DC}"/>
+                <a16:creationId xmlns="" xmlns:a16="http://schemas.microsoft.com/office/drawing/2014/main" id="{E22AD152-70BD-4229-B8BC-C60DBA0179DC}"/>
               </a:ext>
             </a:extLst>
           </p:cNvPr>
@@ -7757,7 +7732,7 @@
           <p:cNvPr id="9" name="Oval 8">
             <a:extLst>
               <a:ext uri="{FF2B5EF4-FFF2-40B4-BE49-F238E27FC236}">
-                <a16:creationId xmlns:a16="http://schemas.microsoft.com/office/drawing/2014/main" xmlns="" id="{8F37EFB2-5530-4905-AC70-3DB832BEDBD3}"/>
+                <a16:creationId xmlns="" xmlns:a16="http://schemas.microsoft.com/office/drawing/2014/main" id="{8F37EFB2-5530-4905-AC70-3DB832BEDBD3}"/>
               </a:ext>
             </a:extLst>
           </p:cNvPr>
@@ -7811,7 +7786,7 @@
           <p:cNvPr id="13" name="Oval 12">
             <a:extLst>
               <a:ext uri="{FF2B5EF4-FFF2-40B4-BE49-F238E27FC236}">
-                <a16:creationId xmlns:a16="http://schemas.microsoft.com/office/drawing/2014/main" xmlns="" id="{5BC6BE35-425F-46E5-A8D6-F89BE4A3F589}"/>
+                <a16:creationId xmlns="" xmlns:a16="http://schemas.microsoft.com/office/drawing/2014/main" id="{5BC6BE35-425F-46E5-A8D6-F89BE4A3F589}"/>
               </a:ext>
             </a:extLst>
           </p:cNvPr>
@@ -7865,7 +7840,7 @@
           <p:cNvPr id="14" name="Straight Connector 13">
             <a:extLst>
               <a:ext uri="{FF2B5EF4-FFF2-40B4-BE49-F238E27FC236}">
-                <a16:creationId xmlns:a16="http://schemas.microsoft.com/office/drawing/2014/main" xmlns="" id="{E08E1825-7573-4055-8192-47D6B83231F8}"/>
+                <a16:creationId xmlns="" xmlns:a16="http://schemas.microsoft.com/office/drawing/2014/main" id="{E08E1825-7573-4055-8192-47D6B83231F8}"/>
               </a:ext>
             </a:extLst>
           </p:cNvPr>
@@ -7909,7 +7884,7 @@
           <p:cNvPr id="15" name="Oval 14">
             <a:extLst>
               <a:ext uri="{FF2B5EF4-FFF2-40B4-BE49-F238E27FC236}">
-                <a16:creationId xmlns:a16="http://schemas.microsoft.com/office/drawing/2014/main" xmlns="" id="{C673D449-E9F2-45B7-B214-F7B45D5D5782}"/>
+                <a16:creationId xmlns="" xmlns:a16="http://schemas.microsoft.com/office/drawing/2014/main" id="{C673D449-E9F2-45B7-B214-F7B45D5D5782}"/>
               </a:ext>
             </a:extLst>
           </p:cNvPr>
@@ -7963,7 +7938,7 @@
           <p:cNvPr id="18" name="TextBox 17">
             <a:extLst>
               <a:ext uri="{FF2B5EF4-FFF2-40B4-BE49-F238E27FC236}">
-                <a16:creationId xmlns:a16="http://schemas.microsoft.com/office/drawing/2014/main" xmlns="" id="{49213482-61DE-4E6A-923C-D45CD14DD772}"/>
+                <a16:creationId xmlns="" xmlns:a16="http://schemas.microsoft.com/office/drawing/2014/main" id="{49213482-61DE-4E6A-923C-D45CD14DD772}"/>
               </a:ext>
             </a:extLst>
           </p:cNvPr>
@@ -7998,7 +7973,7 @@
           <p:cNvPr id="19" name="TextBox 18">
             <a:extLst>
               <a:ext uri="{FF2B5EF4-FFF2-40B4-BE49-F238E27FC236}">
-                <a16:creationId xmlns:a16="http://schemas.microsoft.com/office/drawing/2014/main" xmlns="" id="{26382464-B130-418C-826B-FCE1564D90CF}"/>
+                <a16:creationId xmlns="" xmlns:a16="http://schemas.microsoft.com/office/drawing/2014/main" id="{26382464-B130-418C-826B-FCE1564D90CF}"/>
               </a:ext>
             </a:extLst>
           </p:cNvPr>
@@ -8033,7 +8008,7 @@
           <p:cNvPr id="20" name="TextBox 19">
             <a:extLst>
               <a:ext uri="{FF2B5EF4-FFF2-40B4-BE49-F238E27FC236}">
-                <a16:creationId xmlns:a16="http://schemas.microsoft.com/office/drawing/2014/main" xmlns="" id="{DD390C99-FD0D-4FFA-9936-058FE9FC4932}"/>
+                <a16:creationId xmlns="" xmlns:a16="http://schemas.microsoft.com/office/drawing/2014/main" id="{DD390C99-FD0D-4FFA-9936-058FE9FC4932}"/>
               </a:ext>
             </a:extLst>
           </p:cNvPr>
@@ -8068,7 +8043,7 @@
           <p:cNvPr id="22" name="Straight Connector 21">
             <a:extLst>
               <a:ext uri="{FF2B5EF4-FFF2-40B4-BE49-F238E27FC236}">
-                <a16:creationId xmlns:a16="http://schemas.microsoft.com/office/drawing/2014/main" xmlns="" id="{489F4072-AC12-4534-9FC1-B1BF9DFC4213}"/>
+                <a16:creationId xmlns="" xmlns:a16="http://schemas.microsoft.com/office/drawing/2014/main" id="{489F4072-AC12-4534-9FC1-B1BF9DFC4213}"/>
               </a:ext>
             </a:extLst>
           </p:cNvPr>
@@ -8114,7 +8089,7 @@
           <p:cNvPr id="50" name="Group 49">
             <a:extLst>
               <a:ext uri="{FF2B5EF4-FFF2-40B4-BE49-F238E27FC236}">
-                <a16:creationId xmlns:a16="http://schemas.microsoft.com/office/drawing/2014/main" xmlns="" id="{69D37D2E-64FC-4E06-AB29-38DBF169C493}"/>
+                <a16:creationId xmlns="" xmlns:a16="http://schemas.microsoft.com/office/drawing/2014/main" id="{69D37D2E-64FC-4E06-AB29-38DBF169C493}"/>
               </a:ext>
             </a:extLst>
           </p:cNvPr>
@@ -8134,7 +8109,7 @@
             <p:cNvPr id="23" name="Oval 22">
               <a:extLst>
                 <a:ext uri="{FF2B5EF4-FFF2-40B4-BE49-F238E27FC236}">
-                  <a16:creationId xmlns:a16="http://schemas.microsoft.com/office/drawing/2014/main" xmlns="" id="{BC70D42B-C0C9-4C4D-A417-570AFB319A8D}"/>
+                  <a16:creationId xmlns="" xmlns:a16="http://schemas.microsoft.com/office/drawing/2014/main" id="{BC70D42B-C0C9-4C4D-A417-570AFB319A8D}"/>
                 </a:ext>
               </a:extLst>
             </p:cNvPr>
@@ -8188,7 +8163,7 @@
             <p:cNvPr id="24" name="TextBox 23">
               <a:extLst>
                 <a:ext uri="{FF2B5EF4-FFF2-40B4-BE49-F238E27FC236}">
-                  <a16:creationId xmlns:a16="http://schemas.microsoft.com/office/drawing/2014/main" xmlns="" id="{445DDA8A-C75E-4606-ADD3-DAADFB8F7B23}"/>
+                  <a16:creationId xmlns="" xmlns:a16="http://schemas.microsoft.com/office/drawing/2014/main" id="{445DDA8A-C75E-4606-ADD3-DAADFB8F7B23}"/>
                 </a:ext>
               </a:extLst>
             </p:cNvPr>
@@ -8224,7 +8199,7 @@
           <p:cNvPr id="25" name="Straight Connector 24">
             <a:extLst>
               <a:ext uri="{FF2B5EF4-FFF2-40B4-BE49-F238E27FC236}">
-                <a16:creationId xmlns:a16="http://schemas.microsoft.com/office/drawing/2014/main" xmlns="" id="{3F40EC89-C0D5-4DD8-85F5-44FBCB69B00D}"/>
+                <a16:creationId xmlns="" xmlns:a16="http://schemas.microsoft.com/office/drawing/2014/main" id="{3F40EC89-C0D5-4DD8-85F5-44FBCB69B00D}"/>
               </a:ext>
             </a:extLst>
           </p:cNvPr>
@@ -8270,7 +8245,7 @@
           <p:cNvPr id="31" name="Group 30">
             <a:extLst>
               <a:ext uri="{FF2B5EF4-FFF2-40B4-BE49-F238E27FC236}">
-                <a16:creationId xmlns:a16="http://schemas.microsoft.com/office/drawing/2014/main" xmlns="" id="{34D17B67-032B-4939-BF41-B15BBEBA20B3}"/>
+                <a16:creationId xmlns="" xmlns:a16="http://schemas.microsoft.com/office/drawing/2014/main" id="{34D17B67-032B-4939-BF41-B15BBEBA20B3}"/>
               </a:ext>
             </a:extLst>
           </p:cNvPr>
@@ -8290,7 +8265,7 @@
             <p:cNvPr id="26" name="Oval 25">
               <a:extLst>
                 <a:ext uri="{FF2B5EF4-FFF2-40B4-BE49-F238E27FC236}">
-                  <a16:creationId xmlns:a16="http://schemas.microsoft.com/office/drawing/2014/main" xmlns="" id="{2E65D98B-A8D1-479B-9572-AF77672E1910}"/>
+                  <a16:creationId xmlns="" xmlns:a16="http://schemas.microsoft.com/office/drawing/2014/main" id="{2E65D98B-A8D1-479B-9572-AF77672E1910}"/>
                 </a:ext>
               </a:extLst>
             </p:cNvPr>
@@ -8344,7 +8319,7 @@
             <p:cNvPr id="27" name="TextBox 26">
               <a:extLst>
                 <a:ext uri="{FF2B5EF4-FFF2-40B4-BE49-F238E27FC236}">
-                  <a16:creationId xmlns:a16="http://schemas.microsoft.com/office/drawing/2014/main" xmlns="" id="{FFEB9FFF-1093-4D62-8CEA-8E02B2601C0A}"/>
+                  <a16:creationId xmlns="" xmlns:a16="http://schemas.microsoft.com/office/drawing/2014/main" id="{FFEB9FFF-1093-4D62-8CEA-8E02B2601C0A}"/>
                 </a:ext>
               </a:extLst>
             </p:cNvPr>
@@ -8378,7 +8353,7 @@
     </p:spTree>
     <p:extLst>
       <p:ext uri="{BB962C8B-B14F-4D97-AF65-F5344CB8AC3E}">
-        <p14:creationId xmlns:p14="http://schemas.microsoft.com/office/powerpoint/2010/main" xmlns="" val="2856295677"/>
+        <p14:creationId xmlns="" xmlns:p14="http://schemas.microsoft.com/office/powerpoint/2010/main" val="2856295677"/>
       </p:ext>
     </p:extLst>
   </p:cSld>
@@ -8523,7 +8498,7 @@
           <p:cNvPr id="4" name="Group 3">
             <a:extLst>
               <a:ext uri="{FF2B5EF4-FFF2-40B4-BE49-F238E27FC236}">
-                <a16:creationId xmlns:a16="http://schemas.microsoft.com/office/drawing/2014/main" xmlns="" id="{392859C3-3DA5-48EC-8DA7-7E77DD63BDE3}"/>
+                <a16:creationId xmlns="" xmlns:a16="http://schemas.microsoft.com/office/drawing/2014/main" id="{392859C3-3DA5-48EC-8DA7-7E77DD63BDE3}"/>
               </a:ext>
             </a:extLst>
           </p:cNvPr>
@@ -8543,7 +8518,7 @@
             <p:cNvPr id="5" name="Straight Connector 4">
               <a:extLst>
                 <a:ext uri="{FF2B5EF4-FFF2-40B4-BE49-F238E27FC236}">
-                  <a16:creationId xmlns:a16="http://schemas.microsoft.com/office/drawing/2014/main" xmlns="" id="{E22AD152-70BD-4229-B8BC-C60DBA0179DC}"/>
+                  <a16:creationId xmlns="" xmlns:a16="http://schemas.microsoft.com/office/drawing/2014/main" id="{E22AD152-70BD-4229-B8BC-C60DBA0179DC}"/>
                 </a:ext>
               </a:extLst>
             </p:cNvPr>
@@ -8587,7 +8562,7 @@
             <p:cNvPr id="9" name="Oval 8">
               <a:extLst>
                 <a:ext uri="{FF2B5EF4-FFF2-40B4-BE49-F238E27FC236}">
-                  <a16:creationId xmlns:a16="http://schemas.microsoft.com/office/drawing/2014/main" xmlns="" id="{8F37EFB2-5530-4905-AC70-3DB832BEDBD3}"/>
+                  <a16:creationId xmlns="" xmlns:a16="http://schemas.microsoft.com/office/drawing/2014/main" id="{8F37EFB2-5530-4905-AC70-3DB832BEDBD3}"/>
                 </a:ext>
               </a:extLst>
             </p:cNvPr>
@@ -8641,7 +8616,7 @@
             <p:cNvPr id="13" name="Oval 12">
               <a:extLst>
                 <a:ext uri="{FF2B5EF4-FFF2-40B4-BE49-F238E27FC236}">
-                  <a16:creationId xmlns:a16="http://schemas.microsoft.com/office/drawing/2014/main" xmlns="" id="{5BC6BE35-425F-46E5-A8D6-F89BE4A3F589}"/>
+                  <a16:creationId xmlns="" xmlns:a16="http://schemas.microsoft.com/office/drawing/2014/main" id="{5BC6BE35-425F-46E5-A8D6-F89BE4A3F589}"/>
                 </a:ext>
               </a:extLst>
             </p:cNvPr>
@@ -8695,7 +8670,7 @@
             <p:cNvPr id="14" name="Straight Connector 13">
               <a:extLst>
                 <a:ext uri="{FF2B5EF4-FFF2-40B4-BE49-F238E27FC236}">
-                  <a16:creationId xmlns:a16="http://schemas.microsoft.com/office/drawing/2014/main" xmlns="" id="{E08E1825-7573-4055-8192-47D6B83231F8}"/>
+                  <a16:creationId xmlns="" xmlns:a16="http://schemas.microsoft.com/office/drawing/2014/main" id="{E08E1825-7573-4055-8192-47D6B83231F8}"/>
                 </a:ext>
               </a:extLst>
             </p:cNvPr>
@@ -8739,7 +8714,7 @@
             <p:cNvPr id="15" name="Oval 14">
               <a:extLst>
                 <a:ext uri="{FF2B5EF4-FFF2-40B4-BE49-F238E27FC236}">
-                  <a16:creationId xmlns:a16="http://schemas.microsoft.com/office/drawing/2014/main" xmlns="" id="{C673D449-E9F2-45B7-B214-F7B45D5D5782}"/>
+                  <a16:creationId xmlns="" xmlns:a16="http://schemas.microsoft.com/office/drawing/2014/main" id="{C673D449-E9F2-45B7-B214-F7B45D5D5782}"/>
                 </a:ext>
               </a:extLst>
             </p:cNvPr>
@@ -8793,7 +8768,7 @@
             <p:cNvPr id="18" name="TextBox 17">
               <a:extLst>
                 <a:ext uri="{FF2B5EF4-FFF2-40B4-BE49-F238E27FC236}">
-                  <a16:creationId xmlns:a16="http://schemas.microsoft.com/office/drawing/2014/main" xmlns="" id="{49213482-61DE-4E6A-923C-D45CD14DD772}"/>
+                  <a16:creationId xmlns="" xmlns:a16="http://schemas.microsoft.com/office/drawing/2014/main" id="{49213482-61DE-4E6A-923C-D45CD14DD772}"/>
                 </a:ext>
               </a:extLst>
             </p:cNvPr>
@@ -8828,7 +8803,7 @@
             <p:cNvPr id="19" name="TextBox 18">
               <a:extLst>
                 <a:ext uri="{FF2B5EF4-FFF2-40B4-BE49-F238E27FC236}">
-                  <a16:creationId xmlns:a16="http://schemas.microsoft.com/office/drawing/2014/main" xmlns="" id="{26382464-B130-418C-826B-FCE1564D90CF}"/>
+                  <a16:creationId xmlns="" xmlns:a16="http://schemas.microsoft.com/office/drawing/2014/main" id="{26382464-B130-418C-826B-FCE1564D90CF}"/>
                 </a:ext>
               </a:extLst>
             </p:cNvPr>
@@ -8863,7 +8838,7 @@
             <p:cNvPr id="20" name="TextBox 19">
               <a:extLst>
                 <a:ext uri="{FF2B5EF4-FFF2-40B4-BE49-F238E27FC236}">
-                  <a16:creationId xmlns:a16="http://schemas.microsoft.com/office/drawing/2014/main" xmlns="" id="{DD390C99-FD0D-4FFA-9936-058FE9FC4932}"/>
+                  <a16:creationId xmlns="" xmlns:a16="http://schemas.microsoft.com/office/drawing/2014/main" id="{DD390C99-FD0D-4FFA-9936-058FE9FC4932}"/>
                 </a:ext>
               </a:extLst>
             </p:cNvPr>
@@ -8898,7 +8873,7 @@
             <p:cNvPr id="22" name="Straight Connector 21">
               <a:extLst>
                 <a:ext uri="{FF2B5EF4-FFF2-40B4-BE49-F238E27FC236}">
-                  <a16:creationId xmlns:a16="http://schemas.microsoft.com/office/drawing/2014/main" xmlns="" id="{489F4072-AC12-4534-9FC1-B1BF9DFC4213}"/>
+                  <a16:creationId xmlns="" xmlns:a16="http://schemas.microsoft.com/office/drawing/2014/main" id="{489F4072-AC12-4534-9FC1-B1BF9DFC4213}"/>
                 </a:ext>
               </a:extLst>
             </p:cNvPr>
@@ -8944,7 +8919,7 @@
             <p:cNvPr id="50" name="Group 49">
               <a:extLst>
                 <a:ext uri="{FF2B5EF4-FFF2-40B4-BE49-F238E27FC236}">
-                  <a16:creationId xmlns:a16="http://schemas.microsoft.com/office/drawing/2014/main" xmlns="" id="{69D37D2E-64FC-4E06-AB29-38DBF169C493}"/>
+                  <a16:creationId xmlns="" xmlns:a16="http://schemas.microsoft.com/office/drawing/2014/main" id="{69D37D2E-64FC-4E06-AB29-38DBF169C493}"/>
                 </a:ext>
               </a:extLst>
             </p:cNvPr>
@@ -8964,7 +8939,7 @@
               <p:cNvPr id="23" name="Oval 22">
                 <a:extLst>
                   <a:ext uri="{FF2B5EF4-FFF2-40B4-BE49-F238E27FC236}">
-                    <a16:creationId xmlns:a16="http://schemas.microsoft.com/office/drawing/2014/main" xmlns="" id="{BC70D42B-C0C9-4C4D-A417-570AFB319A8D}"/>
+                    <a16:creationId xmlns="" xmlns:a16="http://schemas.microsoft.com/office/drawing/2014/main" id="{BC70D42B-C0C9-4C4D-A417-570AFB319A8D}"/>
                   </a:ext>
                 </a:extLst>
               </p:cNvPr>
@@ -9018,7 +8993,7 @@
               <p:cNvPr id="24" name="TextBox 23">
                 <a:extLst>
                   <a:ext uri="{FF2B5EF4-FFF2-40B4-BE49-F238E27FC236}">
-                    <a16:creationId xmlns:a16="http://schemas.microsoft.com/office/drawing/2014/main" xmlns="" id="{445DDA8A-C75E-4606-ADD3-DAADFB8F7B23}"/>
+                    <a16:creationId xmlns="" xmlns:a16="http://schemas.microsoft.com/office/drawing/2014/main" id="{445DDA8A-C75E-4606-ADD3-DAADFB8F7B23}"/>
                   </a:ext>
                 </a:extLst>
               </p:cNvPr>
@@ -9054,7 +9029,7 @@
             <p:cNvPr id="25" name="Straight Connector 24">
               <a:extLst>
                 <a:ext uri="{FF2B5EF4-FFF2-40B4-BE49-F238E27FC236}">
-                  <a16:creationId xmlns:a16="http://schemas.microsoft.com/office/drawing/2014/main" xmlns="" id="{3F40EC89-C0D5-4DD8-85F5-44FBCB69B00D}"/>
+                  <a16:creationId xmlns="" xmlns:a16="http://schemas.microsoft.com/office/drawing/2014/main" id="{3F40EC89-C0D5-4DD8-85F5-44FBCB69B00D}"/>
                 </a:ext>
               </a:extLst>
             </p:cNvPr>
@@ -9100,7 +9075,7 @@
             <p:cNvPr id="31" name="Group 30">
               <a:extLst>
                 <a:ext uri="{FF2B5EF4-FFF2-40B4-BE49-F238E27FC236}">
-                  <a16:creationId xmlns:a16="http://schemas.microsoft.com/office/drawing/2014/main" xmlns="" id="{34D17B67-032B-4939-BF41-B15BBEBA20B3}"/>
+                  <a16:creationId xmlns="" xmlns:a16="http://schemas.microsoft.com/office/drawing/2014/main" id="{34D17B67-032B-4939-BF41-B15BBEBA20B3}"/>
                 </a:ext>
               </a:extLst>
             </p:cNvPr>
@@ -9120,7 +9095,7 @@
               <p:cNvPr id="26" name="Oval 25">
                 <a:extLst>
                   <a:ext uri="{FF2B5EF4-FFF2-40B4-BE49-F238E27FC236}">
-                    <a16:creationId xmlns:a16="http://schemas.microsoft.com/office/drawing/2014/main" xmlns="" id="{2E65D98B-A8D1-479B-9572-AF77672E1910}"/>
+                    <a16:creationId xmlns="" xmlns:a16="http://schemas.microsoft.com/office/drawing/2014/main" id="{2E65D98B-A8D1-479B-9572-AF77672E1910}"/>
                   </a:ext>
                 </a:extLst>
               </p:cNvPr>
@@ -9177,7 +9152,7 @@
               <p:cNvPr id="27" name="TextBox 26">
                 <a:extLst>
                   <a:ext uri="{FF2B5EF4-FFF2-40B4-BE49-F238E27FC236}">
-                    <a16:creationId xmlns:a16="http://schemas.microsoft.com/office/drawing/2014/main" xmlns="" id="{FFEB9FFF-1093-4D62-8CEA-8E02B2601C0A}"/>
+                    <a16:creationId xmlns="" xmlns:a16="http://schemas.microsoft.com/office/drawing/2014/main" id="{FFEB9FFF-1093-4D62-8CEA-8E02B2601C0A}"/>
                   </a:ext>
                 </a:extLst>
               </p:cNvPr>
@@ -9214,7 +9189,7 @@
           <p:cNvPr id="7" name="TextBox 6">
             <a:extLst>
               <a:ext uri="{FF2B5EF4-FFF2-40B4-BE49-F238E27FC236}">
-                <a16:creationId xmlns:a16="http://schemas.microsoft.com/office/drawing/2014/main" xmlns="" id="{6966F64C-CB81-4CF7-B599-F846F56B5A6E}"/>
+                <a16:creationId xmlns="" xmlns:a16="http://schemas.microsoft.com/office/drawing/2014/main" id="{6966F64C-CB81-4CF7-B599-F846F56B5A6E}"/>
               </a:ext>
             </a:extLst>
           </p:cNvPr>
@@ -9259,7 +9234,7 @@
           <p:cNvPr id="29" name="Straight Connector 28">
             <a:extLst>
               <a:ext uri="{FF2B5EF4-FFF2-40B4-BE49-F238E27FC236}">
-                <a16:creationId xmlns:a16="http://schemas.microsoft.com/office/drawing/2014/main" xmlns="" id="{0761E812-7018-4712-A3B4-BA0840743582}"/>
+                <a16:creationId xmlns="" xmlns:a16="http://schemas.microsoft.com/office/drawing/2014/main" id="{0761E812-7018-4712-A3B4-BA0840743582}"/>
               </a:ext>
             </a:extLst>
           </p:cNvPr>
@@ -9304,7 +9279,7 @@
           <p:cNvPr id="30" name="Oval 29">
             <a:extLst>
               <a:ext uri="{FF2B5EF4-FFF2-40B4-BE49-F238E27FC236}">
-                <a16:creationId xmlns:a16="http://schemas.microsoft.com/office/drawing/2014/main" xmlns="" id="{97D0FF15-79B0-44B5-BAFA-F8500EF783D7}"/>
+                <a16:creationId xmlns="" xmlns:a16="http://schemas.microsoft.com/office/drawing/2014/main" id="{97D0FF15-79B0-44B5-BAFA-F8500EF783D7}"/>
               </a:ext>
             </a:extLst>
           </p:cNvPr>
@@ -9358,7 +9333,7 @@
           <p:cNvPr id="35" name="TextBox 34">
             <a:extLst>
               <a:ext uri="{FF2B5EF4-FFF2-40B4-BE49-F238E27FC236}">
-                <a16:creationId xmlns:a16="http://schemas.microsoft.com/office/drawing/2014/main" xmlns="" id="{367A9E5B-E1E7-4995-8A17-C3119F0AF249}"/>
+                <a16:creationId xmlns="" xmlns:a16="http://schemas.microsoft.com/office/drawing/2014/main" id="{367A9E5B-E1E7-4995-8A17-C3119F0AF249}"/>
               </a:ext>
             </a:extLst>
           </p:cNvPr>
@@ -9393,7 +9368,7 @@
           <p:cNvPr id="39" name="Group 38">
             <a:extLst>
               <a:ext uri="{FF2B5EF4-FFF2-40B4-BE49-F238E27FC236}">
-                <a16:creationId xmlns:a16="http://schemas.microsoft.com/office/drawing/2014/main" xmlns="" id="{1479386C-47F8-47FC-B853-DE1ACABB80D8}"/>
+                <a16:creationId xmlns="" xmlns:a16="http://schemas.microsoft.com/office/drawing/2014/main" id="{1479386C-47F8-47FC-B853-DE1ACABB80D8}"/>
               </a:ext>
             </a:extLst>
           </p:cNvPr>
@@ -9413,7 +9388,7 @@
             <p:cNvPr id="44" name="Oval 43">
               <a:extLst>
                 <a:ext uri="{FF2B5EF4-FFF2-40B4-BE49-F238E27FC236}">
-                  <a16:creationId xmlns:a16="http://schemas.microsoft.com/office/drawing/2014/main" xmlns="" id="{F83FCDB9-FE62-48B6-B9C9-98E8879E8310}"/>
+                  <a16:creationId xmlns="" xmlns:a16="http://schemas.microsoft.com/office/drawing/2014/main" id="{F83FCDB9-FE62-48B6-B9C9-98E8879E8310}"/>
                 </a:ext>
               </a:extLst>
             </p:cNvPr>
@@ -9467,7 +9442,7 @@
             <p:cNvPr id="45" name="TextBox 44">
               <a:extLst>
                 <a:ext uri="{FF2B5EF4-FFF2-40B4-BE49-F238E27FC236}">
-                  <a16:creationId xmlns:a16="http://schemas.microsoft.com/office/drawing/2014/main" xmlns="" id="{9C8AA847-34F5-4477-BFF8-5A75370286A8}"/>
+                  <a16:creationId xmlns="" xmlns:a16="http://schemas.microsoft.com/office/drawing/2014/main" id="{9C8AA847-34F5-4477-BFF8-5A75370286A8}"/>
                 </a:ext>
               </a:extLst>
             </p:cNvPr>
@@ -9503,7 +9478,7 @@
           <p:cNvPr id="46" name="Straight Connector 45">
             <a:extLst>
               <a:ext uri="{FF2B5EF4-FFF2-40B4-BE49-F238E27FC236}">
-                <a16:creationId xmlns:a16="http://schemas.microsoft.com/office/drawing/2014/main" xmlns="" id="{09EA1F22-8124-4C3C-8487-4F2855F86FA1}"/>
+                <a16:creationId xmlns="" xmlns:a16="http://schemas.microsoft.com/office/drawing/2014/main" id="{09EA1F22-8124-4C3C-8487-4F2855F86FA1}"/>
               </a:ext>
             </a:extLst>
           </p:cNvPr>
@@ -9549,7 +9524,7 @@
           <p:cNvPr id="48" name="TextBox 47">
             <a:extLst>
               <a:ext uri="{FF2B5EF4-FFF2-40B4-BE49-F238E27FC236}">
-                <a16:creationId xmlns:a16="http://schemas.microsoft.com/office/drawing/2014/main" xmlns="" id="{837C37C0-F977-4FC9-9B66-D8B3352D1156}"/>
+                <a16:creationId xmlns="" xmlns:a16="http://schemas.microsoft.com/office/drawing/2014/main" id="{837C37C0-F977-4FC9-9B66-D8B3352D1156}"/>
               </a:ext>
             </a:extLst>
           </p:cNvPr>
@@ -9594,7 +9569,7 @@
           <p:cNvPr id="51" name="Straight Connector 50">
             <a:extLst>
               <a:ext uri="{FF2B5EF4-FFF2-40B4-BE49-F238E27FC236}">
-                <a16:creationId xmlns:a16="http://schemas.microsoft.com/office/drawing/2014/main" xmlns="" id="{54D31D38-4D9B-4E31-B54B-A451D1680C6C}"/>
+                <a16:creationId xmlns="" xmlns:a16="http://schemas.microsoft.com/office/drawing/2014/main" id="{54D31D38-4D9B-4E31-B54B-A451D1680C6C}"/>
               </a:ext>
             </a:extLst>
           </p:cNvPr>
@@ -9638,7 +9613,7 @@
           <p:cNvPr id="52" name="Oval 51">
             <a:extLst>
               <a:ext uri="{FF2B5EF4-FFF2-40B4-BE49-F238E27FC236}">
-                <a16:creationId xmlns:a16="http://schemas.microsoft.com/office/drawing/2014/main" xmlns="" id="{5726B7DD-0EA9-406A-96AF-756F1A0E8887}"/>
+                <a16:creationId xmlns="" xmlns:a16="http://schemas.microsoft.com/office/drawing/2014/main" id="{5726B7DD-0EA9-406A-96AF-756F1A0E8887}"/>
               </a:ext>
             </a:extLst>
           </p:cNvPr>
@@ -9692,7 +9667,7 @@
           <p:cNvPr id="56" name="TextBox 55">
             <a:extLst>
               <a:ext uri="{FF2B5EF4-FFF2-40B4-BE49-F238E27FC236}">
-                <a16:creationId xmlns:a16="http://schemas.microsoft.com/office/drawing/2014/main" xmlns="" id="{9BB8C067-EC43-42AE-9AAE-72369341D1AA}"/>
+                <a16:creationId xmlns="" xmlns:a16="http://schemas.microsoft.com/office/drawing/2014/main" id="{9BB8C067-EC43-42AE-9AAE-72369341D1AA}"/>
               </a:ext>
             </a:extLst>
           </p:cNvPr>
@@ -9727,7 +9702,7 @@
           <p:cNvPr id="70" name="Group 69">
             <a:extLst>
               <a:ext uri="{FF2B5EF4-FFF2-40B4-BE49-F238E27FC236}">
-                <a16:creationId xmlns:a16="http://schemas.microsoft.com/office/drawing/2014/main" xmlns="" id="{94E5A6EE-967C-4683-8189-EE5DBFA1FDEC}"/>
+                <a16:creationId xmlns="" xmlns:a16="http://schemas.microsoft.com/office/drawing/2014/main" id="{94E5A6EE-967C-4683-8189-EE5DBFA1FDEC}"/>
               </a:ext>
             </a:extLst>
           </p:cNvPr>
@@ -9753,7 +9728,7 @@
             <p:cNvPr id="53" name="Oval 52">
               <a:extLst>
                 <a:ext uri="{FF2B5EF4-FFF2-40B4-BE49-F238E27FC236}">
-                  <a16:creationId xmlns:a16="http://schemas.microsoft.com/office/drawing/2014/main" xmlns="" id="{1ECE8758-147F-4AFA-AFFF-C933A42D805C}"/>
+                  <a16:creationId xmlns="" xmlns:a16="http://schemas.microsoft.com/office/drawing/2014/main" id="{1ECE8758-147F-4AFA-AFFF-C933A42D805C}"/>
                 </a:ext>
               </a:extLst>
             </p:cNvPr>
@@ -9805,7 +9780,7 @@
             <p:cNvPr id="57" name="TextBox 56">
               <a:extLst>
                 <a:ext uri="{FF2B5EF4-FFF2-40B4-BE49-F238E27FC236}">
-                  <a16:creationId xmlns:a16="http://schemas.microsoft.com/office/drawing/2014/main" xmlns="" id="{A4F84758-D3CF-46F2-8CAF-0B146CA2B577}"/>
+                  <a16:creationId xmlns="" xmlns:a16="http://schemas.microsoft.com/office/drawing/2014/main" id="{A4F84758-D3CF-46F2-8CAF-0B146CA2B577}"/>
                 </a:ext>
               </a:extLst>
             </p:cNvPr>
@@ -9841,7 +9816,7 @@
           <p:cNvPr id="63" name="TextBox 62">
             <a:extLst>
               <a:ext uri="{FF2B5EF4-FFF2-40B4-BE49-F238E27FC236}">
-                <a16:creationId xmlns:a16="http://schemas.microsoft.com/office/drawing/2014/main" xmlns="" id="{B06C78FF-85EE-46D9-A2FB-027AF9F5AFA5}"/>
+                <a16:creationId xmlns="" xmlns:a16="http://schemas.microsoft.com/office/drawing/2014/main" id="{B06C78FF-85EE-46D9-A2FB-027AF9F5AFA5}"/>
               </a:ext>
             </a:extLst>
           </p:cNvPr>
@@ -9886,7 +9861,7 @@
           <p:cNvPr id="64" name="Straight Connector 63">
             <a:extLst>
               <a:ext uri="{FF2B5EF4-FFF2-40B4-BE49-F238E27FC236}">
-                <a16:creationId xmlns:a16="http://schemas.microsoft.com/office/drawing/2014/main" xmlns="" id="{B719218F-5959-4D48-AA0E-EAAA90C83A27}"/>
+                <a16:creationId xmlns="" xmlns:a16="http://schemas.microsoft.com/office/drawing/2014/main" id="{B719218F-5959-4D48-AA0E-EAAA90C83A27}"/>
               </a:ext>
             </a:extLst>
           </p:cNvPr>
@@ -9932,7 +9907,7 @@
           <p:cNvPr id="67" name="Straight Connector 66">
             <a:extLst>
               <a:ext uri="{FF2B5EF4-FFF2-40B4-BE49-F238E27FC236}">
-                <a16:creationId xmlns:a16="http://schemas.microsoft.com/office/drawing/2014/main" xmlns="" id="{A490E88C-0524-4D04-A593-C8AEF6195AEC}"/>
+                <a16:creationId xmlns="" xmlns:a16="http://schemas.microsoft.com/office/drawing/2014/main" id="{A490E88C-0524-4D04-A593-C8AEF6195AEC}"/>
               </a:ext>
             </a:extLst>
           </p:cNvPr>
@@ -9978,7 +9953,7 @@
           <p:cNvPr id="76" name="Straight Connector 75">
             <a:extLst>
               <a:ext uri="{FF2B5EF4-FFF2-40B4-BE49-F238E27FC236}">
-                <a16:creationId xmlns:a16="http://schemas.microsoft.com/office/drawing/2014/main" xmlns="" id="{D6DFB163-4FD5-486B-8D36-49BDA9B87C2B}"/>
+                <a16:creationId xmlns="" xmlns:a16="http://schemas.microsoft.com/office/drawing/2014/main" id="{D6DFB163-4FD5-486B-8D36-49BDA9B87C2B}"/>
               </a:ext>
             </a:extLst>
           </p:cNvPr>
@@ -10024,7 +9999,7 @@
           <p:cNvPr id="79" name="Group 78">
             <a:extLst>
               <a:ext uri="{FF2B5EF4-FFF2-40B4-BE49-F238E27FC236}">
-                <a16:creationId xmlns:a16="http://schemas.microsoft.com/office/drawing/2014/main" xmlns="" id="{30FFD568-DE9E-4715-9176-0BEC152CBF7F}"/>
+                <a16:creationId xmlns="" xmlns:a16="http://schemas.microsoft.com/office/drawing/2014/main" id="{30FFD568-DE9E-4715-9176-0BEC152CBF7F}"/>
               </a:ext>
             </a:extLst>
           </p:cNvPr>
@@ -10050,7 +10025,7 @@
             <p:cNvPr id="80" name="Oval 79">
               <a:extLst>
                 <a:ext uri="{FF2B5EF4-FFF2-40B4-BE49-F238E27FC236}">
-                  <a16:creationId xmlns:a16="http://schemas.microsoft.com/office/drawing/2014/main" xmlns="" id="{9DF465D2-75F0-4125-A9CB-0D50B6A731DD}"/>
+                  <a16:creationId xmlns="" xmlns:a16="http://schemas.microsoft.com/office/drawing/2014/main" id="{9DF465D2-75F0-4125-A9CB-0D50B6A731DD}"/>
                 </a:ext>
               </a:extLst>
             </p:cNvPr>
@@ -10102,7 +10077,7 @@
             <p:cNvPr id="81" name="TextBox 80">
               <a:extLst>
                 <a:ext uri="{FF2B5EF4-FFF2-40B4-BE49-F238E27FC236}">
-                  <a16:creationId xmlns:a16="http://schemas.microsoft.com/office/drawing/2014/main" xmlns="" id="{1D3D4C2F-24A1-424F-9B49-18C67911C184}"/>
+                  <a16:creationId xmlns="" xmlns:a16="http://schemas.microsoft.com/office/drawing/2014/main" id="{1D3D4C2F-24A1-424F-9B49-18C67911C184}"/>
                 </a:ext>
               </a:extLst>
             </p:cNvPr>
@@ -10138,7 +10113,7 @@
           <p:cNvPr id="83" name="Straight Connector 82">
             <a:extLst>
               <a:ext uri="{FF2B5EF4-FFF2-40B4-BE49-F238E27FC236}">
-                <a16:creationId xmlns:a16="http://schemas.microsoft.com/office/drawing/2014/main" xmlns="" id="{22A61181-6EA2-4714-8A3E-F48DACB5C65B}"/>
+                <a16:creationId xmlns="" xmlns:a16="http://schemas.microsoft.com/office/drawing/2014/main" id="{22A61181-6EA2-4714-8A3E-F48DACB5C65B}"/>
               </a:ext>
             </a:extLst>
           </p:cNvPr>
@@ -10184,7 +10159,7 @@
           <p:cNvPr id="88" name="Straight Connector 87">
             <a:extLst>
               <a:ext uri="{FF2B5EF4-FFF2-40B4-BE49-F238E27FC236}">
-                <a16:creationId xmlns:a16="http://schemas.microsoft.com/office/drawing/2014/main" xmlns="" id="{DBFA6EBA-2706-4C4E-A35C-1DE71DA4BD3D}"/>
+                <a16:creationId xmlns="" xmlns:a16="http://schemas.microsoft.com/office/drawing/2014/main" id="{DBFA6EBA-2706-4C4E-A35C-1DE71DA4BD3D}"/>
               </a:ext>
             </a:extLst>
           </p:cNvPr>
@@ -10230,7 +10205,7 @@
           <p:cNvPr id="91" name="Group 90">
             <a:extLst>
               <a:ext uri="{FF2B5EF4-FFF2-40B4-BE49-F238E27FC236}">
-                <a16:creationId xmlns:a16="http://schemas.microsoft.com/office/drawing/2014/main" xmlns="" id="{F6A5C452-E102-49C2-9EC5-B98C0DB86935}"/>
+                <a16:creationId xmlns="" xmlns:a16="http://schemas.microsoft.com/office/drawing/2014/main" id="{F6A5C452-E102-49C2-9EC5-B98C0DB86935}"/>
               </a:ext>
             </a:extLst>
           </p:cNvPr>
@@ -10250,7 +10225,7 @@
             <p:cNvPr id="94" name="Oval 93">
               <a:extLst>
                 <a:ext uri="{FF2B5EF4-FFF2-40B4-BE49-F238E27FC236}">
-                  <a16:creationId xmlns:a16="http://schemas.microsoft.com/office/drawing/2014/main" xmlns="" id="{21285E0F-DC60-479E-8FDD-7D6AAF1D0701}"/>
+                  <a16:creationId xmlns="" xmlns:a16="http://schemas.microsoft.com/office/drawing/2014/main" id="{21285E0F-DC60-479E-8FDD-7D6AAF1D0701}"/>
                 </a:ext>
               </a:extLst>
             </p:cNvPr>
@@ -10304,7 +10279,7 @@
             <p:cNvPr id="95" name="Straight Connector 94">
               <a:extLst>
                 <a:ext uri="{FF2B5EF4-FFF2-40B4-BE49-F238E27FC236}">
-                  <a16:creationId xmlns:a16="http://schemas.microsoft.com/office/drawing/2014/main" xmlns="" id="{23001623-E7DF-4339-819C-0213B895BEE0}"/>
+                  <a16:creationId xmlns="" xmlns:a16="http://schemas.microsoft.com/office/drawing/2014/main" id="{23001623-E7DF-4339-819C-0213B895BEE0}"/>
                 </a:ext>
               </a:extLst>
             </p:cNvPr>
@@ -10348,7 +10323,7 @@
             <p:cNvPr id="96" name="Oval 95">
               <a:extLst>
                 <a:ext uri="{FF2B5EF4-FFF2-40B4-BE49-F238E27FC236}">
-                  <a16:creationId xmlns:a16="http://schemas.microsoft.com/office/drawing/2014/main" xmlns="" id="{A9F5A792-F17E-456E-AD39-7EB7E3B2E576}"/>
+                  <a16:creationId xmlns="" xmlns:a16="http://schemas.microsoft.com/office/drawing/2014/main" id="{A9F5A792-F17E-456E-AD39-7EB7E3B2E576}"/>
                 </a:ext>
               </a:extLst>
             </p:cNvPr>
@@ -10402,7 +10377,7 @@
             <p:cNvPr id="98" name="TextBox 97">
               <a:extLst>
                 <a:ext uri="{FF2B5EF4-FFF2-40B4-BE49-F238E27FC236}">
-                  <a16:creationId xmlns:a16="http://schemas.microsoft.com/office/drawing/2014/main" xmlns="" id="{5428B68C-6BF0-43CC-8B3B-C14884F723E2}"/>
+                  <a16:creationId xmlns="" xmlns:a16="http://schemas.microsoft.com/office/drawing/2014/main" id="{5428B68C-6BF0-43CC-8B3B-C14884F723E2}"/>
                 </a:ext>
               </a:extLst>
             </p:cNvPr>
@@ -10437,7 +10412,7 @@
             <p:cNvPr id="99" name="TextBox 98">
               <a:extLst>
                 <a:ext uri="{FF2B5EF4-FFF2-40B4-BE49-F238E27FC236}">
-                  <a16:creationId xmlns:a16="http://schemas.microsoft.com/office/drawing/2014/main" xmlns="" id="{631C1401-BC47-4768-AE22-1C6513D41F7E}"/>
+                  <a16:creationId xmlns="" xmlns:a16="http://schemas.microsoft.com/office/drawing/2014/main" id="{631C1401-BC47-4768-AE22-1C6513D41F7E}"/>
                 </a:ext>
               </a:extLst>
             </p:cNvPr>
@@ -10472,7 +10447,7 @@
             <p:cNvPr id="100" name="Straight Connector 99">
               <a:extLst>
                 <a:ext uri="{FF2B5EF4-FFF2-40B4-BE49-F238E27FC236}">
-                  <a16:creationId xmlns:a16="http://schemas.microsoft.com/office/drawing/2014/main" xmlns="" id="{244E5E09-9C2B-45C4-8506-6F4E9D1AE13A}"/>
+                  <a16:creationId xmlns="" xmlns:a16="http://schemas.microsoft.com/office/drawing/2014/main" id="{244E5E09-9C2B-45C4-8506-6F4E9D1AE13A}"/>
                 </a:ext>
               </a:extLst>
             </p:cNvPr>
@@ -10518,7 +10493,7 @@
             <p:cNvPr id="101" name="Group 100">
               <a:extLst>
                 <a:ext uri="{FF2B5EF4-FFF2-40B4-BE49-F238E27FC236}">
-                  <a16:creationId xmlns:a16="http://schemas.microsoft.com/office/drawing/2014/main" xmlns="" id="{274A4EDA-F47E-41CA-A823-D10DE501B84B}"/>
+                  <a16:creationId xmlns="" xmlns:a16="http://schemas.microsoft.com/office/drawing/2014/main" id="{274A4EDA-F47E-41CA-A823-D10DE501B84B}"/>
                 </a:ext>
               </a:extLst>
             </p:cNvPr>
@@ -10538,7 +10513,7 @@
               <p:cNvPr id="106" name="Oval 105">
                 <a:extLst>
                   <a:ext uri="{FF2B5EF4-FFF2-40B4-BE49-F238E27FC236}">
-                    <a16:creationId xmlns:a16="http://schemas.microsoft.com/office/drawing/2014/main" xmlns="" id="{A5AC4FD0-1E48-41B2-B58B-6F7F88A1838B}"/>
+                    <a16:creationId xmlns="" xmlns:a16="http://schemas.microsoft.com/office/drawing/2014/main" id="{A5AC4FD0-1E48-41B2-B58B-6F7F88A1838B}"/>
                   </a:ext>
                 </a:extLst>
               </p:cNvPr>
@@ -10592,7 +10567,7 @@
               <p:cNvPr id="107" name="TextBox 106">
                 <a:extLst>
                   <a:ext uri="{FF2B5EF4-FFF2-40B4-BE49-F238E27FC236}">
-                    <a16:creationId xmlns:a16="http://schemas.microsoft.com/office/drawing/2014/main" xmlns="" id="{E165BCEA-E023-406D-8F24-89D15D3EAF2F}"/>
+                    <a16:creationId xmlns="" xmlns:a16="http://schemas.microsoft.com/office/drawing/2014/main" id="{E165BCEA-E023-406D-8F24-89D15D3EAF2F}"/>
                   </a:ext>
                 </a:extLst>
               </p:cNvPr>
@@ -10628,7 +10603,7 @@
             <p:cNvPr id="102" name="Straight Connector 101">
               <a:extLst>
                 <a:ext uri="{FF2B5EF4-FFF2-40B4-BE49-F238E27FC236}">
-                  <a16:creationId xmlns:a16="http://schemas.microsoft.com/office/drawing/2014/main" xmlns="" id="{CF2D2FB4-F448-4A25-BFA4-71CB70DF6478}"/>
+                  <a16:creationId xmlns="" xmlns:a16="http://schemas.microsoft.com/office/drawing/2014/main" id="{CF2D2FB4-F448-4A25-BFA4-71CB70DF6478}"/>
                 </a:ext>
               </a:extLst>
             </p:cNvPr>
@@ -10674,7 +10649,7 @@
             <p:cNvPr id="103" name="Group 102">
               <a:extLst>
                 <a:ext uri="{FF2B5EF4-FFF2-40B4-BE49-F238E27FC236}">
-                  <a16:creationId xmlns:a16="http://schemas.microsoft.com/office/drawing/2014/main" xmlns="" id="{FC534FF6-F6E2-4953-9CF4-3A8F14ADBF81}"/>
+                  <a16:creationId xmlns="" xmlns:a16="http://schemas.microsoft.com/office/drawing/2014/main" id="{FC534FF6-F6E2-4953-9CF4-3A8F14ADBF81}"/>
                 </a:ext>
               </a:extLst>
             </p:cNvPr>
@@ -10694,7 +10669,7 @@
               <p:cNvPr id="104" name="Oval 103">
                 <a:extLst>
                   <a:ext uri="{FF2B5EF4-FFF2-40B4-BE49-F238E27FC236}">
-                    <a16:creationId xmlns:a16="http://schemas.microsoft.com/office/drawing/2014/main" xmlns="" id="{EC616579-189C-46F2-A417-A2EA8F72691F}"/>
+                    <a16:creationId xmlns="" xmlns:a16="http://schemas.microsoft.com/office/drawing/2014/main" id="{EC616579-189C-46F2-A417-A2EA8F72691F}"/>
                   </a:ext>
                 </a:extLst>
               </p:cNvPr>
@@ -10748,7 +10723,7 @@
               <p:cNvPr id="105" name="TextBox 104">
                 <a:extLst>
                   <a:ext uri="{FF2B5EF4-FFF2-40B4-BE49-F238E27FC236}">
-                    <a16:creationId xmlns:a16="http://schemas.microsoft.com/office/drawing/2014/main" xmlns="" id="{EB749B01-BA39-4AD2-949B-178D0F152621}"/>
+                    <a16:creationId xmlns="" xmlns:a16="http://schemas.microsoft.com/office/drawing/2014/main" id="{EB749B01-BA39-4AD2-949B-178D0F152621}"/>
                   </a:ext>
                 </a:extLst>
               </p:cNvPr>
@@ -10785,7 +10760,7 @@
           <p:cNvPr id="108" name="TextBox 107">
             <a:extLst>
               <a:ext uri="{FF2B5EF4-FFF2-40B4-BE49-F238E27FC236}">
-                <a16:creationId xmlns:a16="http://schemas.microsoft.com/office/drawing/2014/main" xmlns="" id="{73571061-D6B9-4E52-A033-95BEF6D1497D}"/>
+                <a16:creationId xmlns="" xmlns:a16="http://schemas.microsoft.com/office/drawing/2014/main" id="{73571061-D6B9-4E52-A033-95BEF6D1497D}"/>
               </a:ext>
             </a:extLst>
           </p:cNvPr>
@@ -10830,7 +10805,7 @@
           <p:cNvPr id="109" name="Straight Connector 108">
             <a:extLst>
               <a:ext uri="{FF2B5EF4-FFF2-40B4-BE49-F238E27FC236}">
-                <a16:creationId xmlns:a16="http://schemas.microsoft.com/office/drawing/2014/main" xmlns="" id="{0AB1E67E-AFB6-4A34-B762-CCDC7B958201}"/>
+                <a16:creationId xmlns="" xmlns:a16="http://schemas.microsoft.com/office/drawing/2014/main" id="{0AB1E67E-AFB6-4A34-B762-CCDC7B958201}"/>
               </a:ext>
             </a:extLst>
           </p:cNvPr>
@@ -10876,7 +10851,7 @@
           <p:cNvPr id="114" name="Straight Connector 113">
             <a:extLst>
               <a:ext uri="{FF2B5EF4-FFF2-40B4-BE49-F238E27FC236}">
-                <a16:creationId xmlns:a16="http://schemas.microsoft.com/office/drawing/2014/main" xmlns="" id="{25911FEA-DC74-4864-A67A-37C9E91C6ED1}"/>
+                <a16:creationId xmlns="" xmlns:a16="http://schemas.microsoft.com/office/drawing/2014/main" id="{25911FEA-DC74-4864-A67A-37C9E91C6ED1}"/>
               </a:ext>
             </a:extLst>
           </p:cNvPr>
@@ -10920,7 +10895,7 @@
           <p:cNvPr id="115" name="Group 114">
             <a:extLst>
               <a:ext uri="{FF2B5EF4-FFF2-40B4-BE49-F238E27FC236}">
-                <a16:creationId xmlns:a16="http://schemas.microsoft.com/office/drawing/2014/main" xmlns="" id="{C5505F9E-ABB2-4FD8-958B-5D68FCD57D00}"/>
+                <a16:creationId xmlns="" xmlns:a16="http://schemas.microsoft.com/office/drawing/2014/main" id="{C5505F9E-ABB2-4FD8-958B-5D68FCD57D00}"/>
               </a:ext>
             </a:extLst>
           </p:cNvPr>
@@ -10946,7 +10921,7 @@
             <p:cNvPr id="116" name="Oval 115">
               <a:extLst>
                 <a:ext uri="{FF2B5EF4-FFF2-40B4-BE49-F238E27FC236}">
-                  <a16:creationId xmlns:a16="http://schemas.microsoft.com/office/drawing/2014/main" xmlns="" id="{6A16AD78-C125-4D07-901C-38EDF9FBD495}"/>
+                  <a16:creationId xmlns="" xmlns:a16="http://schemas.microsoft.com/office/drawing/2014/main" id="{6A16AD78-C125-4D07-901C-38EDF9FBD495}"/>
                 </a:ext>
               </a:extLst>
             </p:cNvPr>
@@ -10998,7 +10973,7 @@
             <p:cNvPr id="117" name="TextBox 116">
               <a:extLst>
                 <a:ext uri="{FF2B5EF4-FFF2-40B4-BE49-F238E27FC236}">
-                  <a16:creationId xmlns:a16="http://schemas.microsoft.com/office/drawing/2014/main" xmlns="" id="{502AA8E2-36B5-4715-BCE7-DCC0521A0EAE}"/>
+                  <a16:creationId xmlns="" xmlns:a16="http://schemas.microsoft.com/office/drawing/2014/main" id="{502AA8E2-36B5-4715-BCE7-DCC0521A0EAE}"/>
                 </a:ext>
               </a:extLst>
             </p:cNvPr>
@@ -11034,7 +11009,7 @@
           <p:cNvPr id="118" name="Straight Connector 117">
             <a:extLst>
               <a:ext uri="{FF2B5EF4-FFF2-40B4-BE49-F238E27FC236}">
-                <a16:creationId xmlns:a16="http://schemas.microsoft.com/office/drawing/2014/main" xmlns="" id="{40AC7EE6-7DC2-4100-B10D-ED6BEED30DB2}"/>
+                <a16:creationId xmlns="" xmlns:a16="http://schemas.microsoft.com/office/drawing/2014/main" id="{40AC7EE6-7DC2-4100-B10D-ED6BEED30DB2}"/>
               </a:ext>
             </a:extLst>
           </p:cNvPr>
@@ -11080,7 +11055,7 @@
           <p:cNvPr id="122" name="Straight Connector 121">
             <a:extLst>
               <a:ext uri="{FF2B5EF4-FFF2-40B4-BE49-F238E27FC236}">
-                <a16:creationId xmlns:a16="http://schemas.microsoft.com/office/drawing/2014/main" xmlns="" id="{4B10D7EB-1894-411F-8012-36C838B71B7E}"/>
+                <a16:creationId xmlns="" xmlns:a16="http://schemas.microsoft.com/office/drawing/2014/main" id="{4B10D7EB-1894-411F-8012-36C838B71B7E}"/>
               </a:ext>
             </a:extLst>
           </p:cNvPr>
@@ -11124,7 +11099,7 @@
     </p:spTree>
     <p:extLst>
       <p:ext uri="{BB962C8B-B14F-4D97-AF65-F5344CB8AC3E}">
-        <p14:creationId xmlns:p14="http://schemas.microsoft.com/office/powerpoint/2010/main" xmlns="" val="2111027691"/>
+        <p14:creationId xmlns="" xmlns:p14="http://schemas.microsoft.com/office/powerpoint/2010/main" val="2111027691"/>
       </p:ext>
     </p:extLst>
   </p:cSld>
@@ -11269,7 +11244,7 @@
           <p:cNvPr id="4" name="Group 3">
             <a:extLst>
               <a:ext uri="{FF2B5EF4-FFF2-40B4-BE49-F238E27FC236}">
-                <a16:creationId xmlns:a16="http://schemas.microsoft.com/office/drawing/2014/main" xmlns="" id="{392859C3-3DA5-48EC-8DA7-7E77DD63BDE3}"/>
+                <a16:creationId xmlns="" xmlns:a16="http://schemas.microsoft.com/office/drawing/2014/main" id="{392859C3-3DA5-48EC-8DA7-7E77DD63BDE3}"/>
               </a:ext>
             </a:extLst>
           </p:cNvPr>
@@ -11289,7 +11264,7 @@
             <p:cNvPr id="5" name="Straight Connector 4">
               <a:extLst>
                 <a:ext uri="{FF2B5EF4-FFF2-40B4-BE49-F238E27FC236}">
-                  <a16:creationId xmlns:a16="http://schemas.microsoft.com/office/drawing/2014/main" xmlns="" id="{E22AD152-70BD-4229-B8BC-C60DBA0179DC}"/>
+                  <a16:creationId xmlns="" xmlns:a16="http://schemas.microsoft.com/office/drawing/2014/main" id="{E22AD152-70BD-4229-B8BC-C60DBA0179DC}"/>
                 </a:ext>
               </a:extLst>
             </p:cNvPr>
@@ -11333,7 +11308,7 @@
             <p:cNvPr id="9" name="Oval 8">
               <a:extLst>
                 <a:ext uri="{FF2B5EF4-FFF2-40B4-BE49-F238E27FC236}">
-                  <a16:creationId xmlns:a16="http://schemas.microsoft.com/office/drawing/2014/main" xmlns="" id="{8F37EFB2-5530-4905-AC70-3DB832BEDBD3}"/>
+                  <a16:creationId xmlns="" xmlns:a16="http://schemas.microsoft.com/office/drawing/2014/main" id="{8F37EFB2-5530-4905-AC70-3DB832BEDBD3}"/>
                 </a:ext>
               </a:extLst>
             </p:cNvPr>
@@ -11387,7 +11362,7 @@
             <p:cNvPr id="13" name="Oval 12">
               <a:extLst>
                 <a:ext uri="{FF2B5EF4-FFF2-40B4-BE49-F238E27FC236}">
-                  <a16:creationId xmlns:a16="http://schemas.microsoft.com/office/drawing/2014/main" xmlns="" id="{5BC6BE35-425F-46E5-A8D6-F89BE4A3F589}"/>
+                  <a16:creationId xmlns="" xmlns:a16="http://schemas.microsoft.com/office/drawing/2014/main" id="{5BC6BE35-425F-46E5-A8D6-F89BE4A3F589}"/>
                 </a:ext>
               </a:extLst>
             </p:cNvPr>
@@ -11441,7 +11416,7 @@
             <p:cNvPr id="14" name="Straight Connector 13">
               <a:extLst>
                 <a:ext uri="{FF2B5EF4-FFF2-40B4-BE49-F238E27FC236}">
-                  <a16:creationId xmlns:a16="http://schemas.microsoft.com/office/drawing/2014/main" xmlns="" id="{E08E1825-7573-4055-8192-47D6B83231F8}"/>
+                  <a16:creationId xmlns="" xmlns:a16="http://schemas.microsoft.com/office/drawing/2014/main" id="{E08E1825-7573-4055-8192-47D6B83231F8}"/>
                 </a:ext>
               </a:extLst>
             </p:cNvPr>
@@ -11485,7 +11460,7 @@
             <p:cNvPr id="15" name="Oval 14">
               <a:extLst>
                 <a:ext uri="{FF2B5EF4-FFF2-40B4-BE49-F238E27FC236}">
-                  <a16:creationId xmlns:a16="http://schemas.microsoft.com/office/drawing/2014/main" xmlns="" id="{C673D449-E9F2-45B7-B214-F7B45D5D5782}"/>
+                  <a16:creationId xmlns="" xmlns:a16="http://schemas.microsoft.com/office/drawing/2014/main" id="{C673D449-E9F2-45B7-B214-F7B45D5D5782}"/>
                 </a:ext>
               </a:extLst>
             </p:cNvPr>
@@ -11539,7 +11514,7 @@
             <p:cNvPr id="18" name="TextBox 17">
               <a:extLst>
                 <a:ext uri="{FF2B5EF4-FFF2-40B4-BE49-F238E27FC236}">
-                  <a16:creationId xmlns:a16="http://schemas.microsoft.com/office/drawing/2014/main" xmlns="" id="{49213482-61DE-4E6A-923C-D45CD14DD772}"/>
+                  <a16:creationId xmlns="" xmlns:a16="http://schemas.microsoft.com/office/drawing/2014/main" id="{49213482-61DE-4E6A-923C-D45CD14DD772}"/>
                 </a:ext>
               </a:extLst>
             </p:cNvPr>
@@ -11574,7 +11549,7 @@
             <p:cNvPr id="19" name="TextBox 18">
               <a:extLst>
                 <a:ext uri="{FF2B5EF4-FFF2-40B4-BE49-F238E27FC236}">
-                  <a16:creationId xmlns:a16="http://schemas.microsoft.com/office/drawing/2014/main" xmlns="" id="{26382464-B130-418C-826B-FCE1564D90CF}"/>
+                  <a16:creationId xmlns="" xmlns:a16="http://schemas.microsoft.com/office/drawing/2014/main" id="{26382464-B130-418C-826B-FCE1564D90CF}"/>
                 </a:ext>
               </a:extLst>
             </p:cNvPr>
@@ -11609,7 +11584,7 @@
             <p:cNvPr id="20" name="TextBox 19">
               <a:extLst>
                 <a:ext uri="{FF2B5EF4-FFF2-40B4-BE49-F238E27FC236}">
-                  <a16:creationId xmlns:a16="http://schemas.microsoft.com/office/drawing/2014/main" xmlns="" id="{DD390C99-FD0D-4FFA-9936-058FE9FC4932}"/>
+                  <a16:creationId xmlns="" xmlns:a16="http://schemas.microsoft.com/office/drawing/2014/main" id="{DD390C99-FD0D-4FFA-9936-058FE9FC4932}"/>
                 </a:ext>
               </a:extLst>
             </p:cNvPr>
@@ -11644,7 +11619,7 @@
             <p:cNvPr id="22" name="Straight Connector 21">
               <a:extLst>
                 <a:ext uri="{FF2B5EF4-FFF2-40B4-BE49-F238E27FC236}">
-                  <a16:creationId xmlns:a16="http://schemas.microsoft.com/office/drawing/2014/main" xmlns="" id="{489F4072-AC12-4534-9FC1-B1BF9DFC4213}"/>
+                  <a16:creationId xmlns="" xmlns:a16="http://schemas.microsoft.com/office/drawing/2014/main" id="{489F4072-AC12-4534-9FC1-B1BF9DFC4213}"/>
                 </a:ext>
               </a:extLst>
             </p:cNvPr>
@@ -11690,7 +11665,7 @@
             <p:cNvPr id="50" name="Group 49">
               <a:extLst>
                 <a:ext uri="{FF2B5EF4-FFF2-40B4-BE49-F238E27FC236}">
-                  <a16:creationId xmlns:a16="http://schemas.microsoft.com/office/drawing/2014/main" xmlns="" id="{69D37D2E-64FC-4E06-AB29-38DBF169C493}"/>
+                  <a16:creationId xmlns="" xmlns:a16="http://schemas.microsoft.com/office/drawing/2014/main" id="{69D37D2E-64FC-4E06-AB29-38DBF169C493}"/>
                 </a:ext>
               </a:extLst>
             </p:cNvPr>
@@ -11710,7 +11685,7 @@
               <p:cNvPr id="23" name="Oval 22">
                 <a:extLst>
                   <a:ext uri="{FF2B5EF4-FFF2-40B4-BE49-F238E27FC236}">
-                    <a16:creationId xmlns:a16="http://schemas.microsoft.com/office/drawing/2014/main" xmlns="" id="{BC70D42B-C0C9-4C4D-A417-570AFB319A8D}"/>
+                    <a16:creationId xmlns="" xmlns:a16="http://schemas.microsoft.com/office/drawing/2014/main" id="{BC70D42B-C0C9-4C4D-A417-570AFB319A8D}"/>
                   </a:ext>
                 </a:extLst>
               </p:cNvPr>
@@ -11764,7 +11739,7 @@
               <p:cNvPr id="24" name="TextBox 23">
                 <a:extLst>
                   <a:ext uri="{FF2B5EF4-FFF2-40B4-BE49-F238E27FC236}">
-                    <a16:creationId xmlns:a16="http://schemas.microsoft.com/office/drawing/2014/main" xmlns="" id="{445DDA8A-C75E-4606-ADD3-DAADFB8F7B23}"/>
+                    <a16:creationId xmlns="" xmlns:a16="http://schemas.microsoft.com/office/drawing/2014/main" id="{445DDA8A-C75E-4606-ADD3-DAADFB8F7B23}"/>
                   </a:ext>
                 </a:extLst>
               </p:cNvPr>
@@ -11800,7 +11775,7 @@
             <p:cNvPr id="25" name="Straight Connector 24">
               <a:extLst>
                 <a:ext uri="{FF2B5EF4-FFF2-40B4-BE49-F238E27FC236}">
-                  <a16:creationId xmlns:a16="http://schemas.microsoft.com/office/drawing/2014/main" xmlns="" id="{3F40EC89-C0D5-4DD8-85F5-44FBCB69B00D}"/>
+                  <a16:creationId xmlns="" xmlns:a16="http://schemas.microsoft.com/office/drawing/2014/main" id="{3F40EC89-C0D5-4DD8-85F5-44FBCB69B00D}"/>
                 </a:ext>
               </a:extLst>
             </p:cNvPr>
@@ -11846,7 +11821,7 @@
             <p:cNvPr id="31" name="Group 30">
               <a:extLst>
                 <a:ext uri="{FF2B5EF4-FFF2-40B4-BE49-F238E27FC236}">
-                  <a16:creationId xmlns:a16="http://schemas.microsoft.com/office/drawing/2014/main" xmlns="" id="{34D17B67-032B-4939-BF41-B15BBEBA20B3}"/>
+                  <a16:creationId xmlns="" xmlns:a16="http://schemas.microsoft.com/office/drawing/2014/main" id="{34D17B67-032B-4939-BF41-B15BBEBA20B3}"/>
                 </a:ext>
               </a:extLst>
             </p:cNvPr>
@@ -11866,7 +11841,7 @@
               <p:cNvPr id="26" name="Oval 25">
                 <a:extLst>
                   <a:ext uri="{FF2B5EF4-FFF2-40B4-BE49-F238E27FC236}">
-                    <a16:creationId xmlns:a16="http://schemas.microsoft.com/office/drawing/2014/main" xmlns="" id="{2E65D98B-A8D1-479B-9572-AF77672E1910}"/>
+                    <a16:creationId xmlns="" xmlns:a16="http://schemas.microsoft.com/office/drawing/2014/main" id="{2E65D98B-A8D1-479B-9572-AF77672E1910}"/>
                   </a:ext>
                 </a:extLst>
               </p:cNvPr>
@@ -11923,7 +11898,7 @@
               <p:cNvPr id="27" name="TextBox 26">
                 <a:extLst>
                   <a:ext uri="{FF2B5EF4-FFF2-40B4-BE49-F238E27FC236}">
-                    <a16:creationId xmlns:a16="http://schemas.microsoft.com/office/drawing/2014/main" xmlns="" id="{FFEB9FFF-1093-4D62-8CEA-8E02B2601C0A}"/>
+                    <a16:creationId xmlns="" xmlns:a16="http://schemas.microsoft.com/office/drawing/2014/main" id="{FFEB9FFF-1093-4D62-8CEA-8E02B2601C0A}"/>
                   </a:ext>
                 </a:extLst>
               </p:cNvPr>
@@ -11960,7 +11935,7 @@
           <p:cNvPr id="7" name="TextBox 6">
             <a:extLst>
               <a:ext uri="{FF2B5EF4-FFF2-40B4-BE49-F238E27FC236}">
-                <a16:creationId xmlns:a16="http://schemas.microsoft.com/office/drawing/2014/main" xmlns="" id="{6966F64C-CB81-4CF7-B599-F846F56B5A6E}"/>
+                <a16:creationId xmlns="" xmlns:a16="http://schemas.microsoft.com/office/drawing/2014/main" id="{6966F64C-CB81-4CF7-B599-F846F56B5A6E}"/>
               </a:ext>
             </a:extLst>
           </p:cNvPr>
@@ -12005,7 +11980,7 @@
           <p:cNvPr id="29" name="Straight Connector 28">
             <a:extLst>
               <a:ext uri="{FF2B5EF4-FFF2-40B4-BE49-F238E27FC236}">
-                <a16:creationId xmlns:a16="http://schemas.microsoft.com/office/drawing/2014/main" xmlns="" id="{0761E812-7018-4712-A3B4-BA0840743582}"/>
+                <a16:creationId xmlns="" xmlns:a16="http://schemas.microsoft.com/office/drawing/2014/main" id="{0761E812-7018-4712-A3B4-BA0840743582}"/>
               </a:ext>
             </a:extLst>
           </p:cNvPr>
@@ -12050,7 +12025,7 @@
           <p:cNvPr id="30" name="Oval 29">
             <a:extLst>
               <a:ext uri="{FF2B5EF4-FFF2-40B4-BE49-F238E27FC236}">
-                <a16:creationId xmlns:a16="http://schemas.microsoft.com/office/drawing/2014/main" xmlns="" id="{97D0FF15-79B0-44B5-BAFA-F8500EF783D7}"/>
+                <a16:creationId xmlns="" xmlns:a16="http://schemas.microsoft.com/office/drawing/2014/main" id="{97D0FF15-79B0-44B5-BAFA-F8500EF783D7}"/>
               </a:ext>
             </a:extLst>
           </p:cNvPr>
@@ -12104,7 +12079,7 @@
           <p:cNvPr id="35" name="TextBox 34">
             <a:extLst>
               <a:ext uri="{FF2B5EF4-FFF2-40B4-BE49-F238E27FC236}">
-                <a16:creationId xmlns:a16="http://schemas.microsoft.com/office/drawing/2014/main" xmlns="" id="{367A9E5B-E1E7-4995-8A17-C3119F0AF249}"/>
+                <a16:creationId xmlns="" xmlns:a16="http://schemas.microsoft.com/office/drawing/2014/main" id="{367A9E5B-E1E7-4995-8A17-C3119F0AF249}"/>
               </a:ext>
             </a:extLst>
           </p:cNvPr>
@@ -12139,7 +12114,7 @@
           <p:cNvPr id="39" name="Group 38">
             <a:extLst>
               <a:ext uri="{FF2B5EF4-FFF2-40B4-BE49-F238E27FC236}">
-                <a16:creationId xmlns:a16="http://schemas.microsoft.com/office/drawing/2014/main" xmlns="" id="{1479386C-47F8-47FC-B853-DE1ACABB80D8}"/>
+                <a16:creationId xmlns="" xmlns:a16="http://schemas.microsoft.com/office/drawing/2014/main" id="{1479386C-47F8-47FC-B853-DE1ACABB80D8}"/>
               </a:ext>
             </a:extLst>
           </p:cNvPr>
@@ -12159,7 +12134,7 @@
             <p:cNvPr id="44" name="Oval 43">
               <a:extLst>
                 <a:ext uri="{FF2B5EF4-FFF2-40B4-BE49-F238E27FC236}">
-                  <a16:creationId xmlns:a16="http://schemas.microsoft.com/office/drawing/2014/main" xmlns="" id="{F83FCDB9-FE62-48B6-B9C9-98E8879E8310}"/>
+                  <a16:creationId xmlns="" xmlns:a16="http://schemas.microsoft.com/office/drawing/2014/main" id="{F83FCDB9-FE62-48B6-B9C9-98E8879E8310}"/>
                 </a:ext>
               </a:extLst>
             </p:cNvPr>
@@ -12213,7 +12188,7 @@
             <p:cNvPr id="45" name="TextBox 44">
               <a:extLst>
                 <a:ext uri="{FF2B5EF4-FFF2-40B4-BE49-F238E27FC236}">
-                  <a16:creationId xmlns:a16="http://schemas.microsoft.com/office/drawing/2014/main" xmlns="" id="{9C8AA847-34F5-4477-BFF8-5A75370286A8}"/>
+                  <a16:creationId xmlns="" xmlns:a16="http://schemas.microsoft.com/office/drawing/2014/main" id="{9C8AA847-34F5-4477-BFF8-5A75370286A8}"/>
                 </a:ext>
               </a:extLst>
             </p:cNvPr>
@@ -12249,7 +12224,7 @@
           <p:cNvPr id="46" name="Straight Connector 45">
             <a:extLst>
               <a:ext uri="{FF2B5EF4-FFF2-40B4-BE49-F238E27FC236}">
-                <a16:creationId xmlns:a16="http://schemas.microsoft.com/office/drawing/2014/main" xmlns="" id="{09EA1F22-8124-4C3C-8487-4F2855F86FA1}"/>
+                <a16:creationId xmlns="" xmlns:a16="http://schemas.microsoft.com/office/drawing/2014/main" id="{09EA1F22-8124-4C3C-8487-4F2855F86FA1}"/>
               </a:ext>
             </a:extLst>
           </p:cNvPr>
@@ -12295,7 +12270,7 @@
           <p:cNvPr id="51" name="Straight Connector 50">
             <a:extLst>
               <a:ext uri="{FF2B5EF4-FFF2-40B4-BE49-F238E27FC236}">
-                <a16:creationId xmlns:a16="http://schemas.microsoft.com/office/drawing/2014/main" xmlns="" id="{54D31D38-4D9B-4E31-B54B-A451D1680C6C}"/>
+                <a16:creationId xmlns="" xmlns:a16="http://schemas.microsoft.com/office/drawing/2014/main" id="{54D31D38-4D9B-4E31-B54B-A451D1680C6C}"/>
               </a:ext>
             </a:extLst>
           </p:cNvPr>
@@ -12339,7 +12314,7 @@
           <p:cNvPr id="52" name="Oval 51">
             <a:extLst>
               <a:ext uri="{FF2B5EF4-FFF2-40B4-BE49-F238E27FC236}">
-                <a16:creationId xmlns:a16="http://schemas.microsoft.com/office/drawing/2014/main" xmlns="" id="{5726B7DD-0EA9-406A-96AF-756F1A0E8887}"/>
+                <a16:creationId xmlns="" xmlns:a16="http://schemas.microsoft.com/office/drawing/2014/main" id="{5726B7DD-0EA9-406A-96AF-756F1A0E8887}"/>
               </a:ext>
             </a:extLst>
           </p:cNvPr>
@@ -12393,7 +12368,7 @@
           <p:cNvPr id="56" name="TextBox 55">
             <a:extLst>
               <a:ext uri="{FF2B5EF4-FFF2-40B4-BE49-F238E27FC236}">
-                <a16:creationId xmlns:a16="http://schemas.microsoft.com/office/drawing/2014/main" xmlns="" id="{9BB8C067-EC43-42AE-9AAE-72369341D1AA}"/>
+                <a16:creationId xmlns="" xmlns:a16="http://schemas.microsoft.com/office/drawing/2014/main" id="{9BB8C067-EC43-42AE-9AAE-72369341D1AA}"/>
               </a:ext>
             </a:extLst>
           </p:cNvPr>
@@ -12428,7 +12403,7 @@
           <p:cNvPr id="70" name="Group 69">
             <a:extLst>
               <a:ext uri="{FF2B5EF4-FFF2-40B4-BE49-F238E27FC236}">
-                <a16:creationId xmlns:a16="http://schemas.microsoft.com/office/drawing/2014/main" xmlns="" id="{94E5A6EE-967C-4683-8189-EE5DBFA1FDEC}"/>
+                <a16:creationId xmlns="" xmlns:a16="http://schemas.microsoft.com/office/drawing/2014/main" id="{94E5A6EE-967C-4683-8189-EE5DBFA1FDEC}"/>
               </a:ext>
             </a:extLst>
           </p:cNvPr>
@@ -12454,7 +12429,7 @@
             <p:cNvPr id="53" name="Oval 52">
               <a:extLst>
                 <a:ext uri="{FF2B5EF4-FFF2-40B4-BE49-F238E27FC236}">
-                  <a16:creationId xmlns:a16="http://schemas.microsoft.com/office/drawing/2014/main" xmlns="" id="{1ECE8758-147F-4AFA-AFFF-C933A42D805C}"/>
+                  <a16:creationId xmlns="" xmlns:a16="http://schemas.microsoft.com/office/drawing/2014/main" id="{1ECE8758-147F-4AFA-AFFF-C933A42D805C}"/>
                 </a:ext>
               </a:extLst>
             </p:cNvPr>
@@ -12506,7 +12481,7 @@
             <p:cNvPr id="57" name="TextBox 56">
               <a:extLst>
                 <a:ext uri="{FF2B5EF4-FFF2-40B4-BE49-F238E27FC236}">
-                  <a16:creationId xmlns:a16="http://schemas.microsoft.com/office/drawing/2014/main" xmlns="" id="{A4F84758-D3CF-46F2-8CAF-0B146CA2B577}"/>
+                  <a16:creationId xmlns="" xmlns:a16="http://schemas.microsoft.com/office/drawing/2014/main" id="{A4F84758-D3CF-46F2-8CAF-0B146CA2B577}"/>
                 </a:ext>
               </a:extLst>
             </p:cNvPr>
@@ -12542,7 +12517,7 @@
           <p:cNvPr id="64" name="Straight Connector 63">
             <a:extLst>
               <a:ext uri="{FF2B5EF4-FFF2-40B4-BE49-F238E27FC236}">
-                <a16:creationId xmlns:a16="http://schemas.microsoft.com/office/drawing/2014/main" xmlns="" id="{B719218F-5959-4D48-AA0E-EAAA90C83A27}"/>
+                <a16:creationId xmlns="" xmlns:a16="http://schemas.microsoft.com/office/drawing/2014/main" id="{B719218F-5959-4D48-AA0E-EAAA90C83A27}"/>
               </a:ext>
             </a:extLst>
           </p:cNvPr>
@@ -12588,7 +12563,7 @@
           <p:cNvPr id="67" name="Straight Connector 66">
             <a:extLst>
               <a:ext uri="{FF2B5EF4-FFF2-40B4-BE49-F238E27FC236}">
-                <a16:creationId xmlns:a16="http://schemas.microsoft.com/office/drawing/2014/main" xmlns="" id="{A490E88C-0524-4D04-A593-C8AEF6195AEC}"/>
+                <a16:creationId xmlns="" xmlns:a16="http://schemas.microsoft.com/office/drawing/2014/main" id="{A490E88C-0524-4D04-A593-C8AEF6195AEC}"/>
               </a:ext>
             </a:extLst>
           </p:cNvPr>
@@ -12634,7 +12609,7 @@
           <p:cNvPr id="76" name="Straight Connector 75">
             <a:extLst>
               <a:ext uri="{FF2B5EF4-FFF2-40B4-BE49-F238E27FC236}">
-                <a16:creationId xmlns:a16="http://schemas.microsoft.com/office/drawing/2014/main" xmlns="" id="{D6DFB163-4FD5-486B-8D36-49BDA9B87C2B}"/>
+                <a16:creationId xmlns="" xmlns:a16="http://schemas.microsoft.com/office/drawing/2014/main" id="{D6DFB163-4FD5-486B-8D36-49BDA9B87C2B}"/>
               </a:ext>
             </a:extLst>
           </p:cNvPr>
@@ -12680,7 +12655,7 @@
           <p:cNvPr id="79" name="Group 78">
             <a:extLst>
               <a:ext uri="{FF2B5EF4-FFF2-40B4-BE49-F238E27FC236}">
-                <a16:creationId xmlns:a16="http://schemas.microsoft.com/office/drawing/2014/main" xmlns="" id="{30FFD568-DE9E-4715-9176-0BEC152CBF7F}"/>
+                <a16:creationId xmlns="" xmlns:a16="http://schemas.microsoft.com/office/drawing/2014/main" id="{30FFD568-DE9E-4715-9176-0BEC152CBF7F}"/>
               </a:ext>
             </a:extLst>
           </p:cNvPr>
@@ -12706,7 +12681,7 @@
             <p:cNvPr id="80" name="Oval 79">
               <a:extLst>
                 <a:ext uri="{FF2B5EF4-FFF2-40B4-BE49-F238E27FC236}">
-                  <a16:creationId xmlns:a16="http://schemas.microsoft.com/office/drawing/2014/main" xmlns="" id="{9DF465D2-75F0-4125-A9CB-0D50B6A731DD}"/>
+                  <a16:creationId xmlns="" xmlns:a16="http://schemas.microsoft.com/office/drawing/2014/main" id="{9DF465D2-75F0-4125-A9CB-0D50B6A731DD}"/>
                 </a:ext>
               </a:extLst>
             </p:cNvPr>
@@ -12758,7 +12733,7 @@
             <p:cNvPr id="81" name="TextBox 80">
               <a:extLst>
                 <a:ext uri="{FF2B5EF4-FFF2-40B4-BE49-F238E27FC236}">
-                  <a16:creationId xmlns:a16="http://schemas.microsoft.com/office/drawing/2014/main" xmlns="" id="{1D3D4C2F-24A1-424F-9B49-18C67911C184}"/>
+                  <a16:creationId xmlns="" xmlns:a16="http://schemas.microsoft.com/office/drawing/2014/main" id="{1D3D4C2F-24A1-424F-9B49-18C67911C184}"/>
                 </a:ext>
               </a:extLst>
             </p:cNvPr>
@@ -12794,7 +12769,7 @@
           <p:cNvPr id="83" name="Straight Connector 82">
             <a:extLst>
               <a:ext uri="{FF2B5EF4-FFF2-40B4-BE49-F238E27FC236}">
-                <a16:creationId xmlns:a16="http://schemas.microsoft.com/office/drawing/2014/main" xmlns="" id="{22A61181-6EA2-4714-8A3E-F48DACB5C65B}"/>
+                <a16:creationId xmlns="" xmlns:a16="http://schemas.microsoft.com/office/drawing/2014/main" id="{22A61181-6EA2-4714-8A3E-F48DACB5C65B}"/>
               </a:ext>
             </a:extLst>
           </p:cNvPr>
@@ -12840,7 +12815,7 @@
           <p:cNvPr id="88" name="Straight Connector 87">
             <a:extLst>
               <a:ext uri="{FF2B5EF4-FFF2-40B4-BE49-F238E27FC236}">
-                <a16:creationId xmlns:a16="http://schemas.microsoft.com/office/drawing/2014/main" xmlns="" id="{DBFA6EBA-2706-4C4E-A35C-1DE71DA4BD3D}"/>
+                <a16:creationId xmlns="" xmlns:a16="http://schemas.microsoft.com/office/drawing/2014/main" id="{DBFA6EBA-2706-4C4E-A35C-1DE71DA4BD3D}"/>
               </a:ext>
             </a:extLst>
           </p:cNvPr>
@@ -12886,7 +12861,7 @@
           <p:cNvPr id="91" name="Group 90">
             <a:extLst>
               <a:ext uri="{FF2B5EF4-FFF2-40B4-BE49-F238E27FC236}">
-                <a16:creationId xmlns:a16="http://schemas.microsoft.com/office/drawing/2014/main" xmlns="" id="{F6A5C452-E102-49C2-9EC5-B98C0DB86935}"/>
+                <a16:creationId xmlns="" xmlns:a16="http://schemas.microsoft.com/office/drawing/2014/main" id="{F6A5C452-E102-49C2-9EC5-B98C0DB86935}"/>
               </a:ext>
             </a:extLst>
           </p:cNvPr>
@@ -12906,7 +12881,7 @@
             <p:cNvPr id="94" name="Oval 93">
               <a:extLst>
                 <a:ext uri="{FF2B5EF4-FFF2-40B4-BE49-F238E27FC236}">
-                  <a16:creationId xmlns:a16="http://schemas.microsoft.com/office/drawing/2014/main" xmlns="" id="{21285E0F-DC60-479E-8FDD-7D6AAF1D0701}"/>
+                  <a16:creationId xmlns="" xmlns:a16="http://schemas.microsoft.com/office/drawing/2014/main" id="{21285E0F-DC60-479E-8FDD-7D6AAF1D0701}"/>
                 </a:ext>
               </a:extLst>
             </p:cNvPr>
@@ -12960,7 +12935,7 @@
             <p:cNvPr id="95" name="Straight Connector 94">
               <a:extLst>
                 <a:ext uri="{FF2B5EF4-FFF2-40B4-BE49-F238E27FC236}">
-                  <a16:creationId xmlns:a16="http://schemas.microsoft.com/office/drawing/2014/main" xmlns="" id="{23001623-E7DF-4339-819C-0213B895BEE0}"/>
+                  <a16:creationId xmlns="" xmlns:a16="http://schemas.microsoft.com/office/drawing/2014/main" id="{23001623-E7DF-4339-819C-0213B895BEE0}"/>
                 </a:ext>
               </a:extLst>
             </p:cNvPr>
@@ -13004,7 +12979,7 @@
             <p:cNvPr id="96" name="Oval 95">
               <a:extLst>
                 <a:ext uri="{FF2B5EF4-FFF2-40B4-BE49-F238E27FC236}">
-                  <a16:creationId xmlns:a16="http://schemas.microsoft.com/office/drawing/2014/main" xmlns="" id="{A9F5A792-F17E-456E-AD39-7EB7E3B2E576}"/>
+                  <a16:creationId xmlns="" xmlns:a16="http://schemas.microsoft.com/office/drawing/2014/main" id="{A9F5A792-F17E-456E-AD39-7EB7E3B2E576}"/>
                 </a:ext>
               </a:extLst>
             </p:cNvPr>
@@ -13058,7 +13033,7 @@
             <p:cNvPr id="98" name="TextBox 97">
               <a:extLst>
                 <a:ext uri="{FF2B5EF4-FFF2-40B4-BE49-F238E27FC236}">
-                  <a16:creationId xmlns:a16="http://schemas.microsoft.com/office/drawing/2014/main" xmlns="" id="{5428B68C-6BF0-43CC-8B3B-C14884F723E2}"/>
+                  <a16:creationId xmlns="" xmlns:a16="http://schemas.microsoft.com/office/drawing/2014/main" id="{5428B68C-6BF0-43CC-8B3B-C14884F723E2}"/>
                 </a:ext>
               </a:extLst>
             </p:cNvPr>
@@ -13093,7 +13068,7 @@
             <p:cNvPr id="99" name="TextBox 98">
               <a:extLst>
                 <a:ext uri="{FF2B5EF4-FFF2-40B4-BE49-F238E27FC236}">
-                  <a16:creationId xmlns:a16="http://schemas.microsoft.com/office/drawing/2014/main" xmlns="" id="{631C1401-BC47-4768-AE22-1C6513D41F7E}"/>
+                  <a16:creationId xmlns="" xmlns:a16="http://schemas.microsoft.com/office/drawing/2014/main" id="{631C1401-BC47-4768-AE22-1C6513D41F7E}"/>
                 </a:ext>
               </a:extLst>
             </p:cNvPr>
@@ -13128,7 +13103,7 @@
             <p:cNvPr id="100" name="Straight Connector 99">
               <a:extLst>
                 <a:ext uri="{FF2B5EF4-FFF2-40B4-BE49-F238E27FC236}">
-                  <a16:creationId xmlns:a16="http://schemas.microsoft.com/office/drawing/2014/main" xmlns="" id="{244E5E09-9C2B-45C4-8506-6F4E9D1AE13A}"/>
+                  <a16:creationId xmlns="" xmlns:a16="http://schemas.microsoft.com/office/drawing/2014/main" id="{244E5E09-9C2B-45C4-8506-6F4E9D1AE13A}"/>
                 </a:ext>
               </a:extLst>
             </p:cNvPr>
@@ -13174,7 +13149,7 @@
             <p:cNvPr id="101" name="Group 100">
               <a:extLst>
                 <a:ext uri="{FF2B5EF4-FFF2-40B4-BE49-F238E27FC236}">
-                  <a16:creationId xmlns:a16="http://schemas.microsoft.com/office/drawing/2014/main" xmlns="" id="{274A4EDA-F47E-41CA-A823-D10DE501B84B}"/>
+                  <a16:creationId xmlns="" xmlns:a16="http://schemas.microsoft.com/office/drawing/2014/main" id="{274A4EDA-F47E-41CA-A823-D10DE501B84B}"/>
                 </a:ext>
               </a:extLst>
             </p:cNvPr>
@@ -13194,7 +13169,7 @@
               <p:cNvPr id="106" name="Oval 105">
                 <a:extLst>
                   <a:ext uri="{FF2B5EF4-FFF2-40B4-BE49-F238E27FC236}">
-                    <a16:creationId xmlns:a16="http://schemas.microsoft.com/office/drawing/2014/main" xmlns="" id="{A5AC4FD0-1E48-41B2-B58B-6F7F88A1838B}"/>
+                    <a16:creationId xmlns="" xmlns:a16="http://schemas.microsoft.com/office/drawing/2014/main" id="{A5AC4FD0-1E48-41B2-B58B-6F7F88A1838B}"/>
                   </a:ext>
                 </a:extLst>
               </p:cNvPr>
@@ -13248,7 +13223,7 @@
               <p:cNvPr id="107" name="TextBox 106">
                 <a:extLst>
                   <a:ext uri="{FF2B5EF4-FFF2-40B4-BE49-F238E27FC236}">
-                    <a16:creationId xmlns:a16="http://schemas.microsoft.com/office/drawing/2014/main" xmlns="" id="{E165BCEA-E023-406D-8F24-89D15D3EAF2F}"/>
+                    <a16:creationId xmlns="" xmlns:a16="http://schemas.microsoft.com/office/drawing/2014/main" id="{E165BCEA-E023-406D-8F24-89D15D3EAF2F}"/>
                   </a:ext>
                 </a:extLst>
               </p:cNvPr>
@@ -13284,7 +13259,7 @@
             <p:cNvPr id="102" name="Straight Connector 101">
               <a:extLst>
                 <a:ext uri="{FF2B5EF4-FFF2-40B4-BE49-F238E27FC236}">
-                  <a16:creationId xmlns:a16="http://schemas.microsoft.com/office/drawing/2014/main" xmlns="" id="{CF2D2FB4-F448-4A25-BFA4-71CB70DF6478}"/>
+                  <a16:creationId xmlns="" xmlns:a16="http://schemas.microsoft.com/office/drawing/2014/main" id="{CF2D2FB4-F448-4A25-BFA4-71CB70DF6478}"/>
                 </a:ext>
               </a:extLst>
             </p:cNvPr>
@@ -13330,7 +13305,7 @@
             <p:cNvPr id="103" name="Group 102">
               <a:extLst>
                 <a:ext uri="{FF2B5EF4-FFF2-40B4-BE49-F238E27FC236}">
-                  <a16:creationId xmlns:a16="http://schemas.microsoft.com/office/drawing/2014/main" xmlns="" id="{FC534FF6-F6E2-4953-9CF4-3A8F14ADBF81}"/>
+                  <a16:creationId xmlns="" xmlns:a16="http://schemas.microsoft.com/office/drawing/2014/main" id="{FC534FF6-F6E2-4953-9CF4-3A8F14ADBF81}"/>
                 </a:ext>
               </a:extLst>
             </p:cNvPr>
@@ -13350,7 +13325,7 @@
               <p:cNvPr id="104" name="Oval 103">
                 <a:extLst>
                   <a:ext uri="{FF2B5EF4-FFF2-40B4-BE49-F238E27FC236}">
-                    <a16:creationId xmlns:a16="http://schemas.microsoft.com/office/drawing/2014/main" xmlns="" id="{EC616579-189C-46F2-A417-A2EA8F72691F}"/>
+                    <a16:creationId xmlns="" xmlns:a16="http://schemas.microsoft.com/office/drawing/2014/main" id="{EC616579-189C-46F2-A417-A2EA8F72691F}"/>
                   </a:ext>
                 </a:extLst>
               </p:cNvPr>
@@ -13404,7 +13379,7 @@
               <p:cNvPr id="105" name="TextBox 104">
                 <a:extLst>
                   <a:ext uri="{FF2B5EF4-FFF2-40B4-BE49-F238E27FC236}">
-                    <a16:creationId xmlns:a16="http://schemas.microsoft.com/office/drawing/2014/main" xmlns="" id="{EB749B01-BA39-4AD2-949B-178D0F152621}"/>
+                    <a16:creationId xmlns="" xmlns:a16="http://schemas.microsoft.com/office/drawing/2014/main" id="{EB749B01-BA39-4AD2-949B-178D0F152621}"/>
                   </a:ext>
                 </a:extLst>
               </p:cNvPr>
@@ -13441,7 +13416,7 @@
           <p:cNvPr id="109" name="Straight Connector 108">
             <a:extLst>
               <a:ext uri="{FF2B5EF4-FFF2-40B4-BE49-F238E27FC236}">
-                <a16:creationId xmlns:a16="http://schemas.microsoft.com/office/drawing/2014/main" xmlns="" id="{0AB1E67E-AFB6-4A34-B762-CCDC7B958201}"/>
+                <a16:creationId xmlns="" xmlns:a16="http://schemas.microsoft.com/office/drawing/2014/main" id="{0AB1E67E-AFB6-4A34-B762-CCDC7B958201}"/>
               </a:ext>
             </a:extLst>
           </p:cNvPr>
@@ -13487,7 +13462,7 @@
           <p:cNvPr id="114" name="Straight Connector 113">
             <a:extLst>
               <a:ext uri="{FF2B5EF4-FFF2-40B4-BE49-F238E27FC236}">
-                <a16:creationId xmlns:a16="http://schemas.microsoft.com/office/drawing/2014/main" xmlns="" id="{25911FEA-DC74-4864-A67A-37C9E91C6ED1}"/>
+                <a16:creationId xmlns="" xmlns:a16="http://schemas.microsoft.com/office/drawing/2014/main" id="{25911FEA-DC74-4864-A67A-37C9E91C6ED1}"/>
               </a:ext>
             </a:extLst>
           </p:cNvPr>
@@ -13531,7 +13506,7 @@
           <p:cNvPr id="115" name="Group 114">
             <a:extLst>
               <a:ext uri="{FF2B5EF4-FFF2-40B4-BE49-F238E27FC236}">
-                <a16:creationId xmlns:a16="http://schemas.microsoft.com/office/drawing/2014/main" xmlns="" id="{C5505F9E-ABB2-4FD8-958B-5D68FCD57D00}"/>
+                <a16:creationId xmlns="" xmlns:a16="http://schemas.microsoft.com/office/drawing/2014/main" id="{C5505F9E-ABB2-4FD8-958B-5D68FCD57D00}"/>
               </a:ext>
             </a:extLst>
           </p:cNvPr>
@@ -13557,7 +13532,7 @@
             <p:cNvPr id="116" name="Oval 115">
               <a:extLst>
                 <a:ext uri="{FF2B5EF4-FFF2-40B4-BE49-F238E27FC236}">
-                  <a16:creationId xmlns:a16="http://schemas.microsoft.com/office/drawing/2014/main" xmlns="" id="{6A16AD78-C125-4D07-901C-38EDF9FBD495}"/>
+                  <a16:creationId xmlns="" xmlns:a16="http://schemas.microsoft.com/office/drawing/2014/main" id="{6A16AD78-C125-4D07-901C-38EDF9FBD495}"/>
                 </a:ext>
               </a:extLst>
             </p:cNvPr>
@@ -13609,7 +13584,7 @@
             <p:cNvPr id="117" name="TextBox 116">
               <a:extLst>
                 <a:ext uri="{FF2B5EF4-FFF2-40B4-BE49-F238E27FC236}">
-                  <a16:creationId xmlns:a16="http://schemas.microsoft.com/office/drawing/2014/main" xmlns="" id="{502AA8E2-36B5-4715-BCE7-DCC0521A0EAE}"/>
+                  <a16:creationId xmlns="" xmlns:a16="http://schemas.microsoft.com/office/drawing/2014/main" id="{502AA8E2-36B5-4715-BCE7-DCC0521A0EAE}"/>
                 </a:ext>
               </a:extLst>
             </p:cNvPr>
@@ -13645,7 +13620,7 @@
           <p:cNvPr id="118" name="Straight Connector 117">
             <a:extLst>
               <a:ext uri="{FF2B5EF4-FFF2-40B4-BE49-F238E27FC236}">
-                <a16:creationId xmlns:a16="http://schemas.microsoft.com/office/drawing/2014/main" xmlns="" id="{40AC7EE6-7DC2-4100-B10D-ED6BEED30DB2}"/>
+                <a16:creationId xmlns="" xmlns:a16="http://schemas.microsoft.com/office/drawing/2014/main" id="{40AC7EE6-7DC2-4100-B10D-ED6BEED30DB2}"/>
               </a:ext>
             </a:extLst>
           </p:cNvPr>
@@ -13691,7 +13666,7 @@
           <p:cNvPr id="122" name="Straight Connector 121">
             <a:extLst>
               <a:ext uri="{FF2B5EF4-FFF2-40B4-BE49-F238E27FC236}">
-                <a16:creationId xmlns:a16="http://schemas.microsoft.com/office/drawing/2014/main" xmlns="" id="{4B10D7EB-1894-411F-8012-36C838B71B7E}"/>
+                <a16:creationId xmlns="" xmlns:a16="http://schemas.microsoft.com/office/drawing/2014/main" id="{4B10D7EB-1894-411F-8012-36C838B71B7E}"/>
               </a:ext>
             </a:extLst>
           </p:cNvPr>
@@ -13737,7 +13712,7 @@
           <p:cNvPr id="8" name="Oval 7">
             <a:extLst>
               <a:ext uri="{FF2B5EF4-FFF2-40B4-BE49-F238E27FC236}">
-                <a16:creationId xmlns:a16="http://schemas.microsoft.com/office/drawing/2014/main" xmlns="" id="{A3A36335-C2DE-47B1-8A7A-3A8038141466}"/>
+                <a16:creationId xmlns="" xmlns:a16="http://schemas.microsoft.com/office/drawing/2014/main" id="{A3A36335-C2DE-47B1-8A7A-3A8038141466}"/>
               </a:ext>
             </a:extLst>
           </p:cNvPr>
@@ -13789,7 +13764,7 @@
           <p:cNvPr id="11" name="TextBox 10">
             <a:extLst>
               <a:ext uri="{FF2B5EF4-FFF2-40B4-BE49-F238E27FC236}">
-                <a16:creationId xmlns:a16="http://schemas.microsoft.com/office/drawing/2014/main" xmlns="" id="{8174E82C-0B31-49B5-809A-EC338BF5A79A}"/>
+                <a16:creationId xmlns="" xmlns:a16="http://schemas.microsoft.com/office/drawing/2014/main" id="{8174E82C-0B31-49B5-809A-EC338BF5A79A}"/>
               </a:ext>
             </a:extLst>
           </p:cNvPr>
@@ -13822,7 +13797,7 @@
     </p:spTree>
     <p:extLst>
       <p:ext uri="{BB962C8B-B14F-4D97-AF65-F5344CB8AC3E}">
-        <p14:creationId xmlns:p14="http://schemas.microsoft.com/office/powerpoint/2010/main" xmlns="" val="4008456893"/>
+        <p14:creationId xmlns="" xmlns:p14="http://schemas.microsoft.com/office/powerpoint/2010/main" val="4008456893"/>
       </p:ext>
     </p:extLst>
   </p:cSld>
@@ -13967,7 +13942,7 @@
           <p:cNvPr id="4" name="Group 3">
             <a:extLst>
               <a:ext uri="{FF2B5EF4-FFF2-40B4-BE49-F238E27FC236}">
-                <a16:creationId xmlns:a16="http://schemas.microsoft.com/office/drawing/2014/main" xmlns="" id="{392859C3-3DA5-48EC-8DA7-7E77DD63BDE3}"/>
+                <a16:creationId xmlns="" xmlns:a16="http://schemas.microsoft.com/office/drawing/2014/main" id="{392859C3-3DA5-48EC-8DA7-7E77DD63BDE3}"/>
               </a:ext>
             </a:extLst>
           </p:cNvPr>
@@ -13987,7 +13962,7 @@
             <p:cNvPr id="5" name="Straight Connector 4">
               <a:extLst>
                 <a:ext uri="{FF2B5EF4-FFF2-40B4-BE49-F238E27FC236}">
-                  <a16:creationId xmlns:a16="http://schemas.microsoft.com/office/drawing/2014/main" xmlns="" id="{E22AD152-70BD-4229-B8BC-C60DBA0179DC}"/>
+                  <a16:creationId xmlns="" xmlns:a16="http://schemas.microsoft.com/office/drawing/2014/main" id="{E22AD152-70BD-4229-B8BC-C60DBA0179DC}"/>
                 </a:ext>
               </a:extLst>
             </p:cNvPr>
@@ -14031,7 +14006,7 @@
             <p:cNvPr id="9" name="Oval 8">
               <a:extLst>
                 <a:ext uri="{FF2B5EF4-FFF2-40B4-BE49-F238E27FC236}">
-                  <a16:creationId xmlns:a16="http://schemas.microsoft.com/office/drawing/2014/main" xmlns="" id="{8F37EFB2-5530-4905-AC70-3DB832BEDBD3}"/>
+                  <a16:creationId xmlns="" xmlns:a16="http://schemas.microsoft.com/office/drawing/2014/main" id="{8F37EFB2-5530-4905-AC70-3DB832BEDBD3}"/>
                 </a:ext>
               </a:extLst>
             </p:cNvPr>
@@ -14085,7 +14060,7 @@
             <p:cNvPr id="13" name="Oval 12">
               <a:extLst>
                 <a:ext uri="{FF2B5EF4-FFF2-40B4-BE49-F238E27FC236}">
-                  <a16:creationId xmlns:a16="http://schemas.microsoft.com/office/drawing/2014/main" xmlns="" id="{5BC6BE35-425F-46E5-A8D6-F89BE4A3F589}"/>
+                  <a16:creationId xmlns="" xmlns:a16="http://schemas.microsoft.com/office/drawing/2014/main" id="{5BC6BE35-425F-46E5-A8D6-F89BE4A3F589}"/>
                 </a:ext>
               </a:extLst>
             </p:cNvPr>
@@ -14139,7 +14114,7 @@
             <p:cNvPr id="14" name="Straight Connector 13">
               <a:extLst>
                 <a:ext uri="{FF2B5EF4-FFF2-40B4-BE49-F238E27FC236}">
-                  <a16:creationId xmlns:a16="http://schemas.microsoft.com/office/drawing/2014/main" xmlns="" id="{E08E1825-7573-4055-8192-47D6B83231F8}"/>
+                  <a16:creationId xmlns="" xmlns:a16="http://schemas.microsoft.com/office/drawing/2014/main" id="{E08E1825-7573-4055-8192-47D6B83231F8}"/>
                 </a:ext>
               </a:extLst>
             </p:cNvPr>
@@ -14183,7 +14158,7 @@
             <p:cNvPr id="15" name="Oval 14">
               <a:extLst>
                 <a:ext uri="{FF2B5EF4-FFF2-40B4-BE49-F238E27FC236}">
-                  <a16:creationId xmlns:a16="http://schemas.microsoft.com/office/drawing/2014/main" xmlns="" id="{C673D449-E9F2-45B7-B214-F7B45D5D5782}"/>
+                  <a16:creationId xmlns="" xmlns:a16="http://schemas.microsoft.com/office/drawing/2014/main" id="{C673D449-E9F2-45B7-B214-F7B45D5D5782}"/>
                 </a:ext>
               </a:extLst>
             </p:cNvPr>
@@ -14237,7 +14212,7 @@
             <p:cNvPr id="18" name="TextBox 17">
               <a:extLst>
                 <a:ext uri="{FF2B5EF4-FFF2-40B4-BE49-F238E27FC236}">
-                  <a16:creationId xmlns:a16="http://schemas.microsoft.com/office/drawing/2014/main" xmlns="" id="{49213482-61DE-4E6A-923C-D45CD14DD772}"/>
+                  <a16:creationId xmlns="" xmlns:a16="http://schemas.microsoft.com/office/drawing/2014/main" id="{49213482-61DE-4E6A-923C-D45CD14DD772}"/>
                 </a:ext>
               </a:extLst>
             </p:cNvPr>
@@ -14272,7 +14247,7 @@
             <p:cNvPr id="19" name="TextBox 18">
               <a:extLst>
                 <a:ext uri="{FF2B5EF4-FFF2-40B4-BE49-F238E27FC236}">
-                  <a16:creationId xmlns:a16="http://schemas.microsoft.com/office/drawing/2014/main" xmlns="" id="{26382464-B130-418C-826B-FCE1564D90CF}"/>
+                  <a16:creationId xmlns="" xmlns:a16="http://schemas.microsoft.com/office/drawing/2014/main" id="{26382464-B130-418C-826B-FCE1564D90CF}"/>
                 </a:ext>
               </a:extLst>
             </p:cNvPr>
@@ -14307,7 +14282,7 @@
             <p:cNvPr id="20" name="TextBox 19">
               <a:extLst>
                 <a:ext uri="{FF2B5EF4-FFF2-40B4-BE49-F238E27FC236}">
-                  <a16:creationId xmlns:a16="http://schemas.microsoft.com/office/drawing/2014/main" xmlns="" id="{DD390C99-FD0D-4FFA-9936-058FE9FC4932}"/>
+                  <a16:creationId xmlns="" xmlns:a16="http://schemas.microsoft.com/office/drawing/2014/main" id="{DD390C99-FD0D-4FFA-9936-058FE9FC4932}"/>
                 </a:ext>
               </a:extLst>
             </p:cNvPr>
@@ -14342,7 +14317,7 @@
             <p:cNvPr id="22" name="Straight Connector 21">
               <a:extLst>
                 <a:ext uri="{FF2B5EF4-FFF2-40B4-BE49-F238E27FC236}">
-                  <a16:creationId xmlns:a16="http://schemas.microsoft.com/office/drawing/2014/main" xmlns="" id="{489F4072-AC12-4534-9FC1-B1BF9DFC4213}"/>
+                  <a16:creationId xmlns="" xmlns:a16="http://schemas.microsoft.com/office/drawing/2014/main" id="{489F4072-AC12-4534-9FC1-B1BF9DFC4213}"/>
                 </a:ext>
               </a:extLst>
             </p:cNvPr>
@@ -14388,7 +14363,7 @@
             <p:cNvPr id="50" name="Group 49">
               <a:extLst>
                 <a:ext uri="{FF2B5EF4-FFF2-40B4-BE49-F238E27FC236}">
-                  <a16:creationId xmlns:a16="http://schemas.microsoft.com/office/drawing/2014/main" xmlns="" id="{69D37D2E-64FC-4E06-AB29-38DBF169C493}"/>
+                  <a16:creationId xmlns="" xmlns:a16="http://schemas.microsoft.com/office/drawing/2014/main" id="{69D37D2E-64FC-4E06-AB29-38DBF169C493}"/>
                 </a:ext>
               </a:extLst>
             </p:cNvPr>
@@ -14408,7 +14383,7 @@
               <p:cNvPr id="23" name="Oval 22">
                 <a:extLst>
                   <a:ext uri="{FF2B5EF4-FFF2-40B4-BE49-F238E27FC236}">
-                    <a16:creationId xmlns:a16="http://schemas.microsoft.com/office/drawing/2014/main" xmlns="" id="{BC70D42B-C0C9-4C4D-A417-570AFB319A8D}"/>
+                    <a16:creationId xmlns="" xmlns:a16="http://schemas.microsoft.com/office/drawing/2014/main" id="{BC70D42B-C0C9-4C4D-A417-570AFB319A8D}"/>
                   </a:ext>
                 </a:extLst>
               </p:cNvPr>
@@ -14462,7 +14437,7 @@
               <p:cNvPr id="24" name="TextBox 23">
                 <a:extLst>
                   <a:ext uri="{FF2B5EF4-FFF2-40B4-BE49-F238E27FC236}">
-                    <a16:creationId xmlns:a16="http://schemas.microsoft.com/office/drawing/2014/main" xmlns="" id="{445DDA8A-C75E-4606-ADD3-DAADFB8F7B23}"/>
+                    <a16:creationId xmlns="" xmlns:a16="http://schemas.microsoft.com/office/drawing/2014/main" id="{445DDA8A-C75E-4606-ADD3-DAADFB8F7B23}"/>
                   </a:ext>
                 </a:extLst>
               </p:cNvPr>
@@ -14498,7 +14473,7 @@
             <p:cNvPr id="25" name="Straight Connector 24">
               <a:extLst>
                 <a:ext uri="{FF2B5EF4-FFF2-40B4-BE49-F238E27FC236}">
-                  <a16:creationId xmlns:a16="http://schemas.microsoft.com/office/drawing/2014/main" xmlns="" id="{3F40EC89-C0D5-4DD8-85F5-44FBCB69B00D}"/>
+                  <a16:creationId xmlns="" xmlns:a16="http://schemas.microsoft.com/office/drawing/2014/main" id="{3F40EC89-C0D5-4DD8-85F5-44FBCB69B00D}"/>
                 </a:ext>
               </a:extLst>
             </p:cNvPr>
@@ -14544,7 +14519,7 @@
             <p:cNvPr id="31" name="Group 30">
               <a:extLst>
                 <a:ext uri="{FF2B5EF4-FFF2-40B4-BE49-F238E27FC236}">
-                  <a16:creationId xmlns:a16="http://schemas.microsoft.com/office/drawing/2014/main" xmlns="" id="{34D17B67-032B-4939-BF41-B15BBEBA20B3}"/>
+                  <a16:creationId xmlns="" xmlns:a16="http://schemas.microsoft.com/office/drawing/2014/main" id="{34D17B67-032B-4939-BF41-B15BBEBA20B3}"/>
                 </a:ext>
               </a:extLst>
             </p:cNvPr>
@@ -14564,7 +14539,7 @@
               <p:cNvPr id="26" name="Oval 25">
                 <a:extLst>
                   <a:ext uri="{FF2B5EF4-FFF2-40B4-BE49-F238E27FC236}">
-                    <a16:creationId xmlns:a16="http://schemas.microsoft.com/office/drawing/2014/main" xmlns="" id="{2E65D98B-A8D1-479B-9572-AF77672E1910}"/>
+                    <a16:creationId xmlns="" xmlns:a16="http://schemas.microsoft.com/office/drawing/2014/main" id="{2E65D98B-A8D1-479B-9572-AF77672E1910}"/>
                   </a:ext>
                 </a:extLst>
               </p:cNvPr>
@@ -14621,7 +14596,7 @@
               <p:cNvPr id="27" name="TextBox 26">
                 <a:extLst>
                   <a:ext uri="{FF2B5EF4-FFF2-40B4-BE49-F238E27FC236}">
-                    <a16:creationId xmlns:a16="http://schemas.microsoft.com/office/drawing/2014/main" xmlns="" id="{FFEB9FFF-1093-4D62-8CEA-8E02B2601C0A}"/>
+                    <a16:creationId xmlns="" xmlns:a16="http://schemas.microsoft.com/office/drawing/2014/main" id="{FFEB9FFF-1093-4D62-8CEA-8E02B2601C0A}"/>
                   </a:ext>
                 </a:extLst>
               </p:cNvPr>
@@ -14658,7 +14633,7 @@
           <p:cNvPr id="29" name="Straight Connector 28">
             <a:extLst>
               <a:ext uri="{FF2B5EF4-FFF2-40B4-BE49-F238E27FC236}">
-                <a16:creationId xmlns:a16="http://schemas.microsoft.com/office/drawing/2014/main" xmlns="" id="{0761E812-7018-4712-A3B4-BA0840743582}"/>
+                <a16:creationId xmlns="" xmlns:a16="http://schemas.microsoft.com/office/drawing/2014/main" id="{0761E812-7018-4712-A3B4-BA0840743582}"/>
               </a:ext>
             </a:extLst>
           </p:cNvPr>
@@ -14703,7 +14678,7 @@
           <p:cNvPr id="30" name="Oval 29">
             <a:extLst>
               <a:ext uri="{FF2B5EF4-FFF2-40B4-BE49-F238E27FC236}">
-                <a16:creationId xmlns:a16="http://schemas.microsoft.com/office/drawing/2014/main" xmlns="" id="{97D0FF15-79B0-44B5-BAFA-F8500EF783D7}"/>
+                <a16:creationId xmlns="" xmlns:a16="http://schemas.microsoft.com/office/drawing/2014/main" id="{97D0FF15-79B0-44B5-BAFA-F8500EF783D7}"/>
               </a:ext>
             </a:extLst>
           </p:cNvPr>
@@ -14757,7 +14732,7 @@
           <p:cNvPr id="35" name="TextBox 34">
             <a:extLst>
               <a:ext uri="{FF2B5EF4-FFF2-40B4-BE49-F238E27FC236}">
-                <a16:creationId xmlns:a16="http://schemas.microsoft.com/office/drawing/2014/main" xmlns="" id="{367A9E5B-E1E7-4995-8A17-C3119F0AF249}"/>
+                <a16:creationId xmlns="" xmlns:a16="http://schemas.microsoft.com/office/drawing/2014/main" id="{367A9E5B-E1E7-4995-8A17-C3119F0AF249}"/>
               </a:ext>
             </a:extLst>
           </p:cNvPr>
@@ -14792,7 +14767,7 @@
           <p:cNvPr id="39" name="Group 38">
             <a:extLst>
               <a:ext uri="{FF2B5EF4-FFF2-40B4-BE49-F238E27FC236}">
-                <a16:creationId xmlns:a16="http://schemas.microsoft.com/office/drawing/2014/main" xmlns="" id="{1479386C-47F8-47FC-B853-DE1ACABB80D8}"/>
+                <a16:creationId xmlns="" xmlns:a16="http://schemas.microsoft.com/office/drawing/2014/main" id="{1479386C-47F8-47FC-B853-DE1ACABB80D8}"/>
               </a:ext>
             </a:extLst>
           </p:cNvPr>
@@ -14812,7 +14787,7 @@
             <p:cNvPr id="44" name="Oval 43">
               <a:extLst>
                 <a:ext uri="{FF2B5EF4-FFF2-40B4-BE49-F238E27FC236}">
-                  <a16:creationId xmlns:a16="http://schemas.microsoft.com/office/drawing/2014/main" xmlns="" id="{F83FCDB9-FE62-48B6-B9C9-98E8879E8310}"/>
+                  <a16:creationId xmlns="" xmlns:a16="http://schemas.microsoft.com/office/drawing/2014/main" id="{F83FCDB9-FE62-48B6-B9C9-98E8879E8310}"/>
                 </a:ext>
               </a:extLst>
             </p:cNvPr>
@@ -14866,7 +14841,7 @@
             <p:cNvPr id="45" name="TextBox 44">
               <a:extLst>
                 <a:ext uri="{FF2B5EF4-FFF2-40B4-BE49-F238E27FC236}">
-                  <a16:creationId xmlns:a16="http://schemas.microsoft.com/office/drawing/2014/main" xmlns="" id="{9C8AA847-34F5-4477-BFF8-5A75370286A8}"/>
+                  <a16:creationId xmlns="" xmlns:a16="http://schemas.microsoft.com/office/drawing/2014/main" id="{9C8AA847-34F5-4477-BFF8-5A75370286A8}"/>
                 </a:ext>
               </a:extLst>
             </p:cNvPr>
@@ -14902,7 +14877,7 @@
           <p:cNvPr id="46" name="Straight Connector 45">
             <a:extLst>
               <a:ext uri="{FF2B5EF4-FFF2-40B4-BE49-F238E27FC236}">
-                <a16:creationId xmlns:a16="http://schemas.microsoft.com/office/drawing/2014/main" xmlns="" id="{09EA1F22-8124-4C3C-8487-4F2855F86FA1}"/>
+                <a16:creationId xmlns="" xmlns:a16="http://schemas.microsoft.com/office/drawing/2014/main" id="{09EA1F22-8124-4C3C-8487-4F2855F86FA1}"/>
               </a:ext>
             </a:extLst>
           </p:cNvPr>
@@ -14948,7 +14923,7 @@
           <p:cNvPr id="51" name="Straight Connector 50">
             <a:extLst>
               <a:ext uri="{FF2B5EF4-FFF2-40B4-BE49-F238E27FC236}">
-                <a16:creationId xmlns:a16="http://schemas.microsoft.com/office/drawing/2014/main" xmlns="" id="{54D31D38-4D9B-4E31-B54B-A451D1680C6C}"/>
+                <a16:creationId xmlns="" xmlns:a16="http://schemas.microsoft.com/office/drawing/2014/main" id="{54D31D38-4D9B-4E31-B54B-A451D1680C6C}"/>
               </a:ext>
             </a:extLst>
           </p:cNvPr>
@@ -14992,7 +14967,7 @@
           <p:cNvPr id="52" name="Oval 51">
             <a:extLst>
               <a:ext uri="{FF2B5EF4-FFF2-40B4-BE49-F238E27FC236}">
-                <a16:creationId xmlns:a16="http://schemas.microsoft.com/office/drawing/2014/main" xmlns="" id="{5726B7DD-0EA9-406A-96AF-756F1A0E8887}"/>
+                <a16:creationId xmlns="" xmlns:a16="http://schemas.microsoft.com/office/drawing/2014/main" id="{5726B7DD-0EA9-406A-96AF-756F1A0E8887}"/>
               </a:ext>
             </a:extLst>
           </p:cNvPr>
@@ -15046,7 +15021,7 @@
           <p:cNvPr id="56" name="TextBox 55">
             <a:extLst>
               <a:ext uri="{FF2B5EF4-FFF2-40B4-BE49-F238E27FC236}">
-                <a16:creationId xmlns:a16="http://schemas.microsoft.com/office/drawing/2014/main" xmlns="" id="{9BB8C067-EC43-42AE-9AAE-72369341D1AA}"/>
+                <a16:creationId xmlns="" xmlns:a16="http://schemas.microsoft.com/office/drawing/2014/main" id="{9BB8C067-EC43-42AE-9AAE-72369341D1AA}"/>
               </a:ext>
             </a:extLst>
           </p:cNvPr>
@@ -15081,7 +15056,7 @@
           <p:cNvPr id="70" name="Group 69">
             <a:extLst>
               <a:ext uri="{FF2B5EF4-FFF2-40B4-BE49-F238E27FC236}">
-                <a16:creationId xmlns:a16="http://schemas.microsoft.com/office/drawing/2014/main" xmlns="" id="{94E5A6EE-967C-4683-8189-EE5DBFA1FDEC}"/>
+                <a16:creationId xmlns="" xmlns:a16="http://schemas.microsoft.com/office/drawing/2014/main" id="{94E5A6EE-967C-4683-8189-EE5DBFA1FDEC}"/>
               </a:ext>
             </a:extLst>
           </p:cNvPr>
@@ -15107,7 +15082,7 @@
             <p:cNvPr id="53" name="Oval 52">
               <a:extLst>
                 <a:ext uri="{FF2B5EF4-FFF2-40B4-BE49-F238E27FC236}">
-                  <a16:creationId xmlns:a16="http://schemas.microsoft.com/office/drawing/2014/main" xmlns="" id="{1ECE8758-147F-4AFA-AFFF-C933A42D805C}"/>
+                  <a16:creationId xmlns="" xmlns:a16="http://schemas.microsoft.com/office/drawing/2014/main" id="{1ECE8758-147F-4AFA-AFFF-C933A42D805C}"/>
                 </a:ext>
               </a:extLst>
             </p:cNvPr>
@@ -15159,7 +15134,7 @@
             <p:cNvPr id="57" name="TextBox 56">
               <a:extLst>
                 <a:ext uri="{FF2B5EF4-FFF2-40B4-BE49-F238E27FC236}">
-                  <a16:creationId xmlns:a16="http://schemas.microsoft.com/office/drawing/2014/main" xmlns="" id="{A4F84758-D3CF-46F2-8CAF-0B146CA2B577}"/>
+                  <a16:creationId xmlns="" xmlns:a16="http://schemas.microsoft.com/office/drawing/2014/main" id="{A4F84758-D3CF-46F2-8CAF-0B146CA2B577}"/>
                 </a:ext>
               </a:extLst>
             </p:cNvPr>
@@ -15195,7 +15170,7 @@
           <p:cNvPr id="64" name="Straight Connector 63">
             <a:extLst>
               <a:ext uri="{FF2B5EF4-FFF2-40B4-BE49-F238E27FC236}">
-                <a16:creationId xmlns:a16="http://schemas.microsoft.com/office/drawing/2014/main" xmlns="" id="{B719218F-5959-4D48-AA0E-EAAA90C83A27}"/>
+                <a16:creationId xmlns="" xmlns:a16="http://schemas.microsoft.com/office/drawing/2014/main" id="{B719218F-5959-4D48-AA0E-EAAA90C83A27}"/>
               </a:ext>
             </a:extLst>
           </p:cNvPr>
@@ -15241,7 +15216,7 @@
           <p:cNvPr id="67" name="Straight Connector 66">
             <a:extLst>
               <a:ext uri="{FF2B5EF4-FFF2-40B4-BE49-F238E27FC236}">
-                <a16:creationId xmlns:a16="http://schemas.microsoft.com/office/drawing/2014/main" xmlns="" id="{A490E88C-0524-4D04-A593-C8AEF6195AEC}"/>
+                <a16:creationId xmlns="" xmlns:a16="http://schemas.microsoft.com/office/drawing/2014/main" id="{A490E88C-0524-4D04-A593-C8AEF6195AEC}"/>
               </a:ext>
             </a:extLst>
           </p:cNvPr>
@@ -15287,7 +15262,7 @@
           <p:cNvPr id="76" name="Straight Connector 75">
             <a:extLst>
               <a:ext uri="{FF2B5EF4-FFF2-40B4-BE49-F238E27FC236}">
-                <a16:creationId xmlns:a16="http://schemas.microsoft.com/office/drawing/2014/main" xmlns="" id="{D6DFB163-4FD5-486B-8D36-49BDA9B87C2B}"/>
+                <a16:creationId xmlns="" xmlns:a16="http://schemas.microsoft.com/office/drawing/2014/main" id="{D6DFB163-4FD5-486B-8D36-49BDA9B87C2B}"/>
               </a:ext>
             </a:extLst>
           </p:cNvPr>
@@ -15333,7 +15308,7 @@
           <p:cNvPr id="79" name="Group 78">
             <a:extLst>
               <a:ext uri="{FF2B5EF4-FFF2-40B4-BE49-F238E27FC236}">
-                <a16:creationId xmlns:a16="http://schemas.microsoft.com/office/drawing/2014/main" xmlns="" id="{30FFD568-DE9E-4715-9176-0BEC152CBF7F}"/>
+                <a16:creationId xmlns="" xmlns:a16="http://schemas.microsoft.com/office/drawing/2014/main" id="{30FFD568-DE9E-4715-9176-0BEC152CBF7F}"/>
               </a:ext>
             </a:extLst>
           </p:cNvPr>
@@ -15359,7 +15334,7 @@
             <p:cNvPr id="80" name="Oval 79">
               <a:extLst>
                 <a:ext uri="{FF2B5EF4-FFF2-40B4-BE49-F238E27FC236}">
-                  <a16:creationId xmlns:a16="http://schemas.microsoft.com/office/drawing/2014/main" xmlns="" id="{9DF465D2-75F0-4125-A9CB-0D50B6A731DD}"/>
+                  <a16:creationId xmlns="" xmlns:a16="http://schemas.microsoft.com/office/drawing/2014/main" id="{9DF465D2-75F0-4125-A9CB-0D50B6A731DD}"/>
                 </a:ext>
               </a:extLst>
             </p:cNvPr>
@@ -15411,7 +15386,7 @@
             <p:cNvPr id="81" name="TextBox 80">
               <a:extLst>
                 <a:ext uri="{FF2B5EF4-FFF2-40B4-BE49-F238E27FC236}">
-                  <a16:creationId xmlns:a16="http://schemas.microsoft.com/office/drawing/2014/main" xmlns="" id="{1D3D4C2F-24A1-424F-9B49-18C67911C184}"/>
+                  <a16:creationId xmlns="" xmlns:a16="http://schemas.microsoft.com/office/drawing/2014/main" id="{1D3D4C2F-24A1-424F-9B49-18C67911C184}"/>
                 </a:ext>
               </a:extLst>
             </p:cNvPr>
@@ -15447,7 +15422,7 @@
           <p:cNvPr id="83" name="Straight Connector 82">
             <a:extLst>
               <a:ext uri="{FF2B5EF4-FFF2-40B4-BE49-F238E27FC236}">
-                <a16:creationId xmlns:a16="http://schemas.microsoft.com/office/drawing/2014/main" xmlns="" id="{22A61181-6EA2-4714-8A3E-F48DACB5C65B}"/>
+                <a16:creationId xmlns="" xmlns:a16="http://schemas.microsoft.com/office/drawing/2014/main" id="{22A61181-6EA2-4714-8A3E-F48DACB5C65B}"/>
               </a:ext>
             </a:extLst>
           </p:cNvPr>
@@ -15493,7 +15468,7 @@
           <p:cNvPr id="88" name="Straight Connector 87">
             <a:extLst>
               <a:ext uri="{FF2B5EF4-FFF2-40B4-BE49-F238E27FC236}">
-                <a16:creationId xmlns:a16="http://schemas.microsoft.com/office/drawing/2014/main" xmlns="" id="{DBFA6EBA-2706-4C4E-A35C-1DE71DA4BD3D}"/>
+                <a16:creationId xmlns="" xmlns:a16="http://schemas.microsoft.com/office/drawing/2014/main" id="{DBFA6EBA-2706-4C4E-A35C-1DE71DA4BD3D}"/>
               </a:ext>
             </a:extLst>
           </p:cNvPr>
@@ -15539,7 +15514,7 @@
           <p:cNvPr id="91" name="Group 90">
             <a:extLst>
               <a:ext uri="{FF2B5EF4-FFF2-40B4-BE49-F238E27FC236}">
-                <a16:creationId xmlns:a16="http://schemas.microsoft.com/office/drawing/2014/main" xmlns="" id="{F6A5C452-E102-49C2-9EC5-B98C0DB86935}"/>
+                <a16:creationId xmlns="" xmlns:a16="http://schemas.microsoft.com/office/drawing/2014/main" id="{F6A5C452-E102-49C2-9EC5-B98C0DB86935}"/>
               </a:ext>
             </a:extLst>
           </p:cNvPr>
@@ -15559,7 +15534,7 @@
             <p:cNvPr id="94" name="Oval 93">
               <a:extLst>
                 <a:ext uri="{FF2B5EF4-FFF2-40B4-BE49-F238E27FC236}">
-                  <a16:creationId xmlns:a16="http://schemas.microsoft.com/office/drawing/2014/main" xmlns="" id="{21285E0F-DC60-479E-8FDD-7D6AAF1D0701}"/>
+                  <a16:creationId xmlns="" xmlns:a16="http://schemas.microsoft.com/office/drawing/2014/main" id="{21285E0F-DC60-479E-8FDD-7D6AAF1D0701}"/>
                 </a:ext>
               </a:extLst>
             </p:cNvPr>
@@ -15613,7 +15588,7 @@
             <p:cNvPr id="95" name="Straight Connector 94">
               <a:extLst>
                 <a:ext uri="{FF2B5EF4-FFF2-40B4-BE49-F238E27FC236}">
-                  <a16:creationId xmlns:a16="http://schemas.microsoft.com/office/drawing/2014/main" xmlns="" id="{23001623-E7DF-4339-819C-0213B895BEE0}"/>
+                  <a16:creationId xmlns="" xmlns:a16="http://schemas.microsoft.com/office/drawing/2014/main" id="{23001623-E7DF-4339-819C-0213B895BEE0}"/>
                 </a:ext>
               </a:extLst>
             </p:cNvPr>
@@ -15657,7 +15632,7 @@
             <p:cNvPr id="96" name="Oval 95">
               <a:extLst>
                 <a:ext uri="{FF2B5EF4-FFF2-40B4-BE49-F238E27FC236}">
-                  <a16:creationId xmlns:a16="http://schemas.microsoft.com/office/drawing/2014/main" xmlns="" id="{A9F5A792-F17E-456E-AD39-7EB7E3B2E576}"/>
+                  <a16:creationId xmlns="" xmlns:a16="http://schemas.microsoft.com/office/drawing/2014/main" id="{A9F5A792-F17E-456E-AD39-7EB7E3B2E576}"/>
                 </a:ext>
               </a:extLst>
             </p:cNvPr>
@@ -15711,7 +15686,7 @@
             <p:cNvPr id="98" name="TextBox 97">
               <a:extLst>
                 <a:ext uri="{FF2B5EF4-FFF2-40B4-BE49-F238E27FC236}">
-                  <a16:creationId xmlns:a16="http://schemas.microsoft.com/office/drawing/2014/main" xmlns="" id="{5428B68C-6BF0-43CC-8B3B-C14884F723E2}"/>
+                  <a16:creationId xmlns="" xmlns:a16="http://schemas.microsoft.com/office/drawing/2014/main" id="{5428B68C-6BF0-43CC-8B3B-C14884F723E2}"/>
                 </a:ext>
               </a:extLst>
             </p:cNvPr>
@@ -15746,7 +15721,7 @@
             <p:cNvPr id="99" name="TextBox 98">
               <a:extLst>
                 <a:ext uri="{FF2B5EF4-FFF2-40B4-BE49-F238E27FC236}">
-                  <a16:creationId xmlns:a16="http://schemas.microsoft.com/office/drawing/2014/main" xmlns="" id="{631C1401-BC47-4768-AE22-1C6513D41F7E}"/>
+                  <a16:creationId xmlns="" xmlns:a16="http://schemas.microsoft.com/office/drawing/2014/main" id="{631C1401-BC47-4768-AE22-1C6513D41F7E}"/>
                 </a:ext>
               </a:extLst>
             </p:cNvPr>
@@ -15781,7 +15756,7 @@
             <p:cNvPr id="100" name="Straight Connector 99">
               <a:extLst>
                 <a:ext uri="{FF2B5EF4-FFF2-40B4-BE49-F238E27FC236}">
-                  <a16:creationId xmlns:a16="http://schemas.microsoft.com/office/drawing/2014/main" xmlns="" id="{244E5E09-9C2B-45C4-8506-6F4E9D1AE13A}"/>
+                  <a16:creationId xmlns="" xmlns:a16="http://schemas.microsoft.com/office/drawing/2014/main" id="{244E5E09-9C2B-45C4-8506-6F4E9D1AE13A}"/>
                 </a:ext>
               </a:extLst>
             </p:cNvPr>
@@ -15827,7 +15802,7 @@
             <p:cNvPr id="101" name="Group 100">
               <a:extLst>
                 <a:ext uri="{FF2B5EF4-FFF2-40B4-BE49-F238E27FC236}">
-                  <a16:creationId xmlns:a16="http://schemas.microsoft.com/office/drawing/2014/main" xmlns="" id="{274A4EDA-F47E-41CA-A823-D10DE501B84B}"/>
+                  <a16:creationId xmlns="" xmlns:a16="http://schemas.microsoft.com/office/drawing/2014/main" id="{274A4EDA-F47E-41CA-A823-D10DE501B84B}"/>
                 </a:ext>
               </a:extLst>
             </p:cNvPr>
@@ -15847,7 +15822,7 @@
               <p:cNvPr id="106" name="Oval 105">
                 <a:extLst>
                   <a:ext uri="{FF2B5EF4-FFF2-40B4-BE49-F238E27FC236}">
-                    <a16:creationId xmlns:a16="http://schemas.microsoft.com/office/drawing/2014/main" xmlns="" id="{A5AC4FD0-1E48-41B2-B58B-6F7F88A1838B}"/>
+                    <a16:creationId xmlns="" xmlns:a16="http://schemas.microsoft.com/office/drawing/2014/main" id="{A5AC4FD0-1E48-41B2-B58B-6F7F88A1838B}"/>
                   </a:ext>
                 </a:extLst>
               </p:cNvPr>
@@ -15901,7 +15876,7 @@
               <p:cNvPr id="107" name="TextBox 106">
                 <a:extLst>
                   <a:ext uri="{FF2B5EF4-FFF2-40B4-BE49-F238E27FC236}">
-                    <a16:creationId xmlns:a16="http://schemas.microsoft.com/office/drawing/2014/main" xmlns="" id="{E165BCEA-E023-406D-8F24-89D15D3EAF2F}"/>
+                    <a16:creationId xmlns="" xmlns:a16="http://schemas.microsoft.com/office/drawing/2014/main" id="{E165BCEA-E023-406D-8F24-89D15D3EAF2F}"/>
                   </a:ext>
                 </a:extLst>
               </p:cNvPr>
@@ -15937,7 +15912,7 @@
             <p:cNvPr id="102" name="Straight Connector 101">
               <a:extLst>
                 <a:ext uri="{FF2B5EF4-FFF2-40B4-BE49-F238E27FC236}">
-                  <a16:creationId xmlns:a16="http://schemas.microsoft.com/office/drawing/2014/main" xmlns="" id="{CF2D2FB4-F448-4A25-BFA4-71CB70DF6478}"/>
+                  <a16:creationId xmlns="" xmlns:a16="http://schemas.microsoft.com/office/drawing/2014/main" id="{CF2D2FB4-F448-4A25-BFA4-71CB70DF6478}"/>
                 </a:ext>
               </a:extLst>
             </p:cNvPr>
@@ -15983,7 +15958,7 @@
             <p:cNvPr id="103" name="Group 102">
               <a:extLst>
                 <a:ext uri="{FF2B5EF4-FFF2-40B4-BE49-F238E27FC236}">
-                  <a16:creationId xmlns:a16="http://schemas.microsoft.com/office/drawing/2014/main" xmlns="" id="{FC534FF6-F6E2-4953-9CF4-3A8F14ADBF81}"/>
+                  <a16:creationId xmlns="" xmlns:a16="http://schemas.microsoft.com/office/drawing/2014/main" id="{FC534FF6-F6E2-4953-9CF4-3A8F14ADBF81}"/>
                 </a:ext>
               </a:extLst>
             </p:cNvPr>
@@ -16003,7 +15978,7 @@
               <p:cNvPr id="104" name="Oval 103">
                 <a:extLst>
                   <a:ext uri="{FF2B5EF4-FFF2-40B4-BE49-F238E27FC236}">
-                    <a16:creationId xmlns:a16="http://schemas.microsoft.com/office/drawing/2014/main" xmlns="" id="{EC616579-189C-46F2-A417-A2EA8F72691F}"/>
+                    <a16:creationId xmlns="" xmlns:a16="http://schemas.microsoft.com/office/drawing/2014/main" id="{EC616579-189C-46F2-A417-A2EA8F72691F}"/>
                   </a:ext>
                 </a:extLst>
               </p:cNvPr>
@@ -16057,7 +16032,7 @@
               <p:cNvPr id="105" name="TextBox 104">
                 <a:extLst>
                   <a:ext uri="{FF2B5EF4-FFF2-40B4-BE49-F238E27FC236}">
-                    <a16:creationId xmlns:a16="http://schemas.microsoft.com/office/drawing/2014/main" xmlns="" id="{EB749B01-BA39-4AD2-949B-178D0F152621}"/>
+                    <a16:creationId xmlns="" xmlns:a16="http://schemas.microsoft.com/office/drawing/2014/main" id="{EB749B01-BA39-4AD2-949B-178D0F152621}"/>
                   </a:ext>
                 </a:extLst>
               </p:cNvPr>
@@ -16094,7 +16069,7 @@
           <p:cNvPr id="108" name="TextBox 107">
             <a:extLst>
               <a:ext uri="{FF2B5EF4-FFF2-40B4-BE49-F238E27FC236}">
-                <a16:creationId xmlns:a16="http://schemas.microsoft.com/office/drawing/2014/main" xmlns="" id="{73571061-D6B9-4E52-A033-95BEF6D1497D}"/>
+                <a16:creationId xmlns="" xmlns:a16="http://schemas.microsoft.com/office/drawing/2014/main" id="{73571061-D6B9-4E52-A033-95BEF6D1497D}"/>
               </a:ext>
             </a:extLst>
           </p:cNvPr>
@@ -16139,7 +16114,7 @@
           <p:cNvPr id="109" name="Straight Connector 108">
             <a:extLst>
               <a:ext uri="{FF2B5EF4-FFF2-40B4-BE49-F238E27FC236}">
-                <a16:creationId xmlns:a16="http://schemas.microsoft.com/office/drawing/2014/main" xmlns="" id="{0AB1E67E-AFB6-4A34-B762-CCDC7B958201}"/>
+                <a16:creationId xmlns="" xmlns:a16="http://schemas.microsoft.com/office/drawing/2014/main" id="{0AB1E67E-AFB6-4A34-B762-CCDC7B958201}"/>
               </a:ext>
             </a:extLst>
           </p:cNvPr>
@@ -16185,7 +16160,7 @@
           <p:cNvPr id="114" name="Straight Connector 113">
             <a:extLst>
               <a:ext uri="{FF2B5EF4-FFF2-40B4-BE49-F238E27FC236}">
-                <a16:creationId xmlns:a16="http://schemas.microsoft.com/office/drawing/2014/main" xmlns="" id="{25911FEA-DC74-4864-A67A-37C9E91C6ED1}"/>
+                <a16:creationId xmlns="" xmlns:a16="http://schemas.microsoft.com/office/drawing/2014/main" id="{25911FEA-DC74-4864-A67A-37C9E91C6ED1}"/>
               </a:ext>
             </a:extLst>
           </p:cNvPr>
@@ -16229,7 +16204,7 @@
           <p:cNvPr id="115" name="Group 114">
             <a:extLst>
               <a:ext uri="{FF2B5EF4-FFF2-40B4-BE49-F238E27FC236}">
-                <a16:creationId xmlns:a16="http://schemas.microsoft.com/office/drawing/2014/main" xmlns="" id="{C5505F9E-ABB2-4FD8-958B-5D68FCD57D00}"/>
+                <a16:creationId xmlns="" xmlns:a16="http://schemas.microsoft.com/office/drawing/2014/main" id="{C5505F9E-ABB2-4FD8-958B-5D68FCD57D00}"/>
               </a:ext>
             </a:extLst>
           </p:cNvPr>
@@ -16255,7 +16230,7 @@
             <p:cNvPr id="116" name="Oval 115">
               <a:extLst>
                 <a:ext uri="{FF2B5EF4-FFF2-40B4-BE49-F238E27FC236}">
-                  <a16:creationId xmlns:a16="http://schemas.microsoft.com/office/drawing/2014/main" xmlns="" id="{6A16AD78-C125-4D07-901C-38EDF9FBD495}"/>
+                  <a16:creationId xmlns="" xmlns:a16="http://schemas.microsoft.com/office/drawing/2014/main" id="{6A16AD78-C125-4D07-901C-38EDF9FBD495}"/>
                 </a:ext>
               </a:extLst>
             </p:cNvPr>
@@ -16307,7 +16282,7 @@
             <p:cNvPr id="117" name="TextBox 116">
               <a:extLst>
                 <a:ext uri="{FF2B5EF4-FFF2-40B4-BE49-F238E27FC236}">
-                  <a16:creationId xmlns:a16="http://schemas.microsoft.com/office/drawing/2014/main" xmlns="" id="{502AA8E2-36B5-4715-BCE7-DCC0521A0EAE}"/>
+                  <a16:creationId xmlns="" xmlns:a16="http://schemas.microsoft.com/office/drawing/2014/main" id="{502AA8E2-36B5-4715-BCE7-DCC0521A0EAE}"/>
                 </a:ext>
               </a:extLst>
             </p:cNvPr>
@@ -16343,7 +16318,7 @@
           <p:cNvPr id="118" name="Straight Connector 117">
             <a:extLst>
               <a:ext uri="{FF2B5EF4-FFF2-40B4-BE49-F238E27FC236}">
-                <a16:creationId xmlns:a16="http://schemas.microsoft.com/office/drawing/2014/main" xmlns="" id="{40AC7EE6-7DC2-4100-B10D-ED6BEED30DB2}"/>
+                <a16:creationId xmlns="" xmlns:a16="http://schemas.microsoft.com/office/drawing/2014/main" id="{40AC7EE6-7DC2-4100-B10D-ED6BEED30DB2}"/>
               </a:ext>
             </a:extLst>
           </p:cNvPr>
@@ -16389,7 +16364,7 @@
           <p:cNvPr id="122" name="Straight Connector 121">
             <a:extLst>
               <a:ext uri="{FF2B5EF4-FFF2-40B4-BE49-F238E27FC236}">
-                <a16:creationId xmlns:a16="http://schemas.microsoft.com/office/drawing/2014/main" xmlns="" id="{4B10D7EB-1894-411F-8012-36C838B71B7E}"/>
+                <a16:creationId xmlns="" xmlns:a16="http://schemas.microsoft.com/office/drawing/2014/main" id="{4B10D7EB-1894-411F-8012-36C838B71B7E}"/>
               </a:ext>
             </a:extLst>
           </p:cNvPr>
@@ -16435,7 +16410,7 @@
           <p:cNvPr id="71" name="Oval 70">
             <a:extLst>
               <a:ext uri="{FF2B5EF4-FFF2-40B4-BE49-F238E27FC236}">
-                <a16:creationId xmlns:a16="http://schemas.microsoft.com/office/drawing/2014/main" xmlns="" id="{83A6D2BD-CB18-48D4-B9C0-B9779468D2EF}"/>
+                <a16:creationId xmlns="" xmlns:a16="http://schemas.microsoft.com/office/drawing/2014/main" id="{83A6D2BD-CB18-48D4-B9C0-B9779468D2EF}"/>
               </a:ext>
             </a:extLst>
           </p:cNvPr>
@@ -16487,7 +16462,7 @@
           <p:cNvPr id="72" name="TextBox 71">
             <a:extLst>
               <a:ext uri="{FF2B5EF4-FFF2-40B4-BE49-F238E27FC236}">
-                <a16:creationId xmlns:a16="http://schemas.microsoft.com/office/drawing/2014/main" xmlns="" id="{6D8351F5-2F48-4D98-A76A-C0F8CFD19F69}"/>
+                <a16:creationId xmlns="" xmlns:a16="http://schemas.microsoft.com/office/drawing/2014/main" id="{6D8351F5-2F48-4D98-A76A-C0F8CFD19F69}"/>
               </a:ext>
             </a:extLst>
           </p:cNvPr>
@@ -16525,7 +16500,7 @@
     </p:spTree>
     <p:extLst>
       <p:ext uri="{BB962C8B-B14F-4D97-AF65-F5344CB8AC3E}">
-        <p14:creationId xmlns:p14="http://schemas.microsoft.com/office/powerpoint/2010/main" xmlns="" val="1707054212"/>
+        <p14:creationId xmlns="" xmlns:p14="http://schemas.microsoft.com/office/powerpoint/2010/main" val="1707054212"/>
       </p:ext>
     </p:extLst>
   </p:cSld>
@@ -16685,7 +16660,7 @@
     </p:spTree>
     <p:extLst>
       <p:ext uri="{BB962C8B-B14F-4D97-AF65-F5344CB8AC3E}">
-        <p14:creationId xmlns:p14="http://schemas.microsoft.com/office/powerpoint/2010/main" xmlns="" val="209566383"/>
+        <p14:creationId xmlns="" xmlns:p14="http://schemas.microsoft.com/office/powerpoint/2010/main" val="209566383"/>
       </p:ext>
     </p:extLst>
   </p:cSld>
@@ -16927,7 +16902,7 @@
     </p:spTree>
     <p:extLst>
       <p:ext uri="{BB962C8B-B14F-4D97-AF65-F5344CB8AC3E}">
-        <p14:creationId xmlns:p14="http://schemas.microsoft.com/office/powerpoint/2010/main" xmlns="" val="1734560943"/>
+        <p14:creationId xmlns="" xmlns:p14="http://schemas.microsoft.com/office/powerpoint/2010/main" val="1734560943"/>
       </p:ext>
     </p:extLst>
   </p:cSld>
@@ -17059,7 +17034,7 @@
     </p:spTree>
     <p:extLst>
       <p:ext uri="{BB962C8B-B14F-4D97-AF65-F5344CB8AC3E}">
-        <p14:creationId xmlns:p14="http://schemas.microsoft.com/office/powerpoint/2010/main" xmlns="" val="5545177"/>
+        <p14:creationId xmlns="" xmlns:p14="http://schemas.microsoft.com/office/powerpoint/2010/main" val="5545177"/>
       </p:ext>
     </p:extLst>
   </p:cSld>
@@ -17279,7 +17254,7 @@
     </p:spTree>
     <p:extLst>
       <p:ext uri="{BB962C8B-B14F-4D97-AF65-F5344CB8AC3E}">
-        <p14:creationId xmlns:p14="http://schemas.microsoft.com/office/powerpoint/2010/main" xmlns="" val="4151429584"/>
+        <p14:creationId xmlns="" xmlns:p14="http://schemas.microsoft.com/office/powerpoint/2010/main" val="4151429584"/>
       </p:ext>
     </p:extLst>
   </p:cSld>
@@ -17484,7 +17459,7 @@
     </p:spTree>
     <p:extLst>
       <p:ext uri="{BB962C8B-B14F-4D97-AF65-F5344CB8AC3E}">
-        <p14:creationId xmlns:p14="http://schemas.microsoft.com/office/powerpoint/2010/main" xmlns="" val="3387691249"/>
+        <p14:creationId xmlns="" xmlns:p14="http://schemas.microsoft.com/office/powerpoint/2010/main" val="3387691249"/>
       </p:ext>
     </p:extLst>
   </p:cSld>
@@ -17702,7 +17677,7 @@
     </p:spTree>
     <p:extLst>
       <p:ext uri="{BB962C8B-B14F-4D97-AF65-F5344CB8AC3E}">
-        <p14:creationId xmlns:p14="http://schemas.microsoft.com/office/powerpoint/2010/main" xmlns="" val="3795133451"/>
+        <p14:creationId xmlns="" xmlns:p14="http://schemas.microsoft.com/office/powerpoint/2010/main" val="3795133451"/>
       </p:ext>
     </p:extLst>
   </p:cSld>
@@ -17734,7 +17709,7 @@
           <p:cNvPr id="2" name="Title 1">
             <a:extLst>
               <a:ext uri="{FF2B5EF4-FFF2-40B4-BE49-F238E27FC236}">
-                <a16:creationId xmlns:a16="http://schemas.microsoft.com/office/drawing/2014/main" xmlns="" id="{B08887DC-A630-4B20-8A23-2C6A5715CA0E}"/>
+                <a16:creationId xmlns="" xmlns:a16="http://schemas.microsoft.com/office/drawing/2014/main" id="{B08887DC-A630-4B20-8A23-2C6A5715CA0E}"/>
               </a:ext>
             </a:extLst>
           </p:cNvPr>
@@ -17762,7 +17737,7 @@
           <p:cNvPr id="3" name="Content Placeholder 2">
             <a:extLst>
               <a:ext uri="{FF2B5EF4-FFF2-40B4-BE49-F238E27FC236}">
-                <a16:creationId xmlns:a16="http://schemas.microsoft.com/office/drawing/2014/main" xmlns="" id="{DAE30B42-7978-4613-AB8C-CE4888EFAF5A}"/>
+                <a16:creationId xmlns="" xmlns:a16="http://schemas.microsoft.com/office/drawing/2014/main" id="{DAE30B42-7978-4613-AB8C-CE4888EFAF5A}"/>
               </a:ext>
             </a:extLst>
           </p:cNvPr>
@@ -17861,7 +17836,7 @@
           <p:cNvPr id="6" name="Slide Number Placeholder 5">
             <a:extLst>
               <a:ext uri="{FF2B5EF4-FFF2-40B4-BE49-F238E27FC236}">
-                <a16:creationId xmlns:a16="http://schemas.microsoft.com/office/drawing/2014/main" xmlns="" id="{8C653258-D13D-4A11-9C22-320BD1646A47}"/>
+                <a16:creationId xmlns="" xmlns:a16="http://schemas.microsoft.com/office/drawing/2014/main" id="{8C653258-D13D-4A11-9C22-320BD1646A47}"/>
               </a:ext>
             </a:extLst>
           </p:cNvPr>
@@ -17920,7 +17895,7 @@
     </p:spTree>
     <p:extLst>
       <p:ext uri="{BB962C8B-B14F-4D97-AF65-F5344CB8AC3E}">
-        <p14:creationId xmlns:p14="http://schemas.microsoft.com/office/powerpoint/2010/main" xmlns="" val="3729054654"/>
+        <p14:creationId xmlns="" xmlns:p14="http://schemas.microsoft.com/office/powerpoint/2010/main" val="3729054654"/>
       </p:ext>
     </p:extLst>
   </p:cSld>
@@ -17952,7 +17927,7 @@
           <p:cNvPr id="2" name="Title 1">
             <a:extLst>
               <a:ext uri="{FF2B5EF4-FFF2-40B4-BE49-F238E27FC236}">
-                <a16:creationId xmlns:a16="http://schemas.microsoft.com/office/drawing/2014/main" xmlns="" id="{B08887DC-A630-4B20-8A23-2C6A5715CA0E}"/>
+                <a16:creationId xmlns="" xmlns:a16="http://schemas.microsoft.com/office/drawing/2014/main" id="{B08887DC-A630-4B20-8A23-2C6A5715CA0E}"/>
               </a:ext>
             </a:extLst>
           </p:cNvPr>
@@ -17980,7 +17955,7 @@
           <p:cNvPr id="3" name="Content Placeholder 2">
             <a:extLst>
               <a:ext uri="{FF2B5EF4-FFF2-40B4-BE49-F238E27FC236}">
-                <a16:creationId xmlns:a16="http://schemas.microsoft.com/office/drawing/2014/main" xmlns="" id="{DAE30B42-7978-4613-AB8C-CE4888EFAF5A}"/>
+                <a16:creationId xmlns="" xmlns:a16="http://schemas.microsoft.com/office/drawing/2014/main" id="{DAE30B42-7978-4613-AB8C-CE4888EFAF5A}"/>
               </a:ext>
             </a:extLst>
           </p:cNvPr>
@@ -18020,7 +17995,7 @@
           <p:cNvPr id="6" name="Slide Number Placeholder 5">
             <a:extLst>
               <a:ext uri="{FF2B5EF4-FFF2-40B4-BE49-F238E27FC236}">
-                <a16:creationId xmlns:a16="http://schemas.microsoft.com/office/drawing/2014/main" xmlns="" id="{8C653258-D13D-4A11-9C22-320BD1646A47}"/>
+                <a16:creationId xmlns="" xmlns:a16="http://schemas.microsoft.com/office/drawing/2014/main" id="{8C653258-D13D-4A11-9C22-320BD1646A47}"/>
               </a:ext>
             </a:extLst>
           </p:cNvPr>
@@ -18079,7 +18054,7 @@
     </p:spTree>
     <p:extLst>
       <p:ext uri="{BB962C8B-B14F-4D97-AF65-F5344CB8AC3E}">
-        <p14:creationId xmlns:p14="http://schemas.microsoft.com/office/powerpoint/2010/main" xmlns="" val="259456648"/>
+        <p14:creationId xmlns="" xmlns:p14="http://schemas.microsoft.com/office/powerpoint/2010/main" val="259456648"/>
       </p:ext>
     </p:extLst>
   </p:cSld>
@@ -18251,7 +18226,7 @@
     </p:spTree>
     <p:extLst>
       <p:ext uri="{BB962C8B-B14F-4D97-AF65-F5344CB8AC3E}">
-        <p14:creationId xmlns:p14="http://schemas.microsoft.com/office/powerpoint/2010/main" xmlns="" val="51204498"/>
+        <p14:creationId xmlns="" xmlns:p14="http://schemas.microsoft.com/office/powerpoint/2010/main" val="51204498"/>
       </p:ext>
     </p:extLst>
   </p:cSld>
@@ -18391,7 +18366,7 @@
     </p:spTree>
     <p:extLst>
       <p:ext uri="{BB962C8B-B14F-4D97-AF65-F5344CB8AC3E}">
-        <p14:creationId xmlns:p14="http://schemas.microsoft.com/office/powerpoint/2010/main" xmlns="" val="495647157"/>
+        <p14:creationId xmlns="" xmlns:p14="http://schemas.microsoft.com/office/powerpoint/2010/main" val="495647157"/>
       </p:ext>
     </p:extLst>
   </p:cSld>
@@ -18527,7 +18502,7 @@
           <p:cNvPr id="5" name="Straight Connector 4">
             <a:extLst>
               <a:ext uri="{FF2B5EF4-FFF2-40B4-BE49-F238E27FC236}">
-                <a16:creationId xmlns:a16="http://schemas.microsoft.com/office/drawing/2014/main" xmlns="" id="{E22AD152-70BD-4229-B8BC-C60DBA0179DC}"/>
+                <a16:creationId xmlns="" xmlns:a16="http://schemas.microsoft.com/office/drawing/2014/main" id="{E22AD152-70BD-4229-B8BC-C60DBA0179DC}"/>
               </a:ext>
             </a:extLst>
           </p:cNvPr>
@@ -18570,7 +18545,7 @@
     </p:spTree>
     <p:extLst>
       <p:ext uri="{BB962C8B-B14F-4D97-AF65-F5344CB8AC3E}">
-        <p14:creationId xmlns:p14="http://schemas.microsoft.com/office/powerpoint/2010/main" xmlns="" val="2908855616"/>
+        <p14:creationId xmlns="" xmlns:p14="http://schemas.microsoft.com/office/powerpoint/2010/main" val="2908855616"/>
       </p:ext>
     </p:extLst>
   </p:cSld>
@@ -18709,7 +18684,7 @@
           <p:cNvPr id="11" name="Group 10">
             <a:extLst>
               <a:ext uri="{FF2B5EF4-FFF2-40B4-BE49-F238E27FC236}">
-                <a16:creationId xmlns:a16="http://schemas.microsoft.com/office/drawing/2014/main" xmlns="" id="{453697F3-625E-4B44-B000-0C2A85B745E9}"/>
+                <a16:creationId xmlns="" xmlns:a16="http://schemas.microsoft.com/office/drawing/2014/main" id="{453697F3-625E-4B44-B000-0C2A85B745E9}"/>
               </a:ext>
             </a:extLst>
           </p:cNvPr>
@@ -18729,7 +18704,7 @@
             <p:cNvPr id="5" name="Straight Connector 4">
               <a:extLst>
                 <a:ext uri="{FF2B5EF4-FFF2-40B4-BE49-F238E27FC236}">
-                  <a16:creationId xmlns:a16="http://schemas.microsoft.com/office/drawing/2014/main" xmlns="" id="{E22AD152-70BD-4229-B8BC-C60DBA0179DC}"/>
+                  <a16:creationId xmlns="" xmlns:a16="http://schemas.microsoft.com/office/drawing/2014/main" id="{E22AD152-70BD-4229-B8BC-C60DBA0179DC}"/>
                 </a:ext>
               </a:extLst>
             </p:cNvPr>
@@ -18773,7 +18748,7 @@
             <p:cNvPr id="9" name="Oval 8">
               <a:extLst>
                 <a:ext uri="{FF2B5EF4-FFF2-40B4-BE49-F238E27FC236}">
-                  <a16:creationId xmlns:a16="http://schemas.microsoft.com/office/drawing/2014/main" xmlns="" id="{8F37EFB2-5530-4905-AC70-3DB832BEDBD3}"/>
+                  <a16:creationId xmlns="" xmlns:a16="http://schemas.microsoft.com/office/drawing/2014/main" id="{8F37EFB2-5530-4905-AC70-3DB832BEDBD3}"/>
                 </a:ext>
               </a:extLst>
             </p:cNvPr>
@@ -18827,7 +18802,7 @@
             <p:cNvPr id="13" name="Oval 12">
               <a:extLst>
                 <a:ext uri="{FF2B5EF4-FFF2-40B4-BE49-F238E27FC236}">
-                  <a16:creationId xmlns:a16="http://schemas.microsoft.com/office/drawing/2014/main" xmlns="" id="{5BC6BE35-425F-46E5-A8D6-F89BE4A3F589}"/>
+                  <a16:creationId xmlns="" xmlns:a16="http://schemas.microsoft.com/office/drawing/2014/main" id="{5BC6BE35-425F-46E5-A8D6-F89BE4A3F589}"/>
                 </a:ext>
               </a:extLst>
             </p:cNvPr>
@@ -18881,7 +18856,7 @@
             <p:cNvPr id="14" name="Straight Connector 13">
               <a:extLst>
                 <a:ext uri="{FF2B5EF4-FFF2-40B4-BE49-F238E27FC236}">
-                  <a16:creationId xmlns:a16="http://schemas.microsoft.com/office/drawing/2014/main" xmlns="" id="{E08E1825-7573-4055-8192-47D6B83231F8}"/>
+                  <a16:creationId xmlns="" xmlns:a16="http://schemas.microsoft.com/office/drawing/2014/main" id="{E08E1825-7573-4055-8192-47D6B83231F8}"/>
                 </a:ext>
               </a:extLst>
             </p:cNvPr>
@@ -18925,7 +18900,7 @@
             <p:cNvPr id="15" name="Oval 14">
               <a:extLst>
                 <a:ext uri="{FF2B5EF4-FFF2-40B4-BE49-F238E27FC236}">
-                  <a16:creationId xmlns:a16="http://schemas.microsoft.com/office/drawing/2014/main" xmlns="" id="{C673D449-E9F2-45B7-B214-F7B45D5D5782}"/>
+                  <a16:creationId xmlns="" xmlns:a16="http://schemas.microsoft.com/office/drawing/2014/main" id="{C673D449-E9F2-45B7-B214-F7B45D5D5782}"/>
                 </a:ext>
               </a:extLst>
             </p:cNvPr>
@@ -18979,7 +18954,7 @@
             <p:cNvPr id="16" name="Straight Connector 15">
               <a:extLst>
                 <a:ext uri="{FF2B5EF4-FFF2-40B4-BE49-F238E27FC236}">
-                  <a16:creationId xmlns:a16="http://schemas.microsoft.com/office/drawing/2014/main" xmlns="" id="{3ADFF745-E739-4A17-9B00-D0C907ECDF07}"/>
+                  <a16:creationId xmlns="" xmlns:a16="http://schemas.microsoft.com/office/drawing/2014/main" id="{3ADFF745-E739-4A17-9B00-D0C907ECDF07}"/>
                 </a:ext>
               </a:extLst>
             </p:cNvPr>
@@ -19023,7 +18998,7 @@
             <p:cNvPr id="17" name="Oval 16">
               <a:extLst>
                 <a:ext uri="{FF2B5EF4-FFF2-40B4-BE49-F238E27FC236}">
-                  <a16:creationId xmlns:a16="http://schemas.microsoft.com/office/drawing/2014/main" xmlns="" id="{4757F13A-6241-4299-9829-C8A70499FF23}"/>
+                  <a16:creationId xmlns="" xmlns:a16="http://schemas.microsoft.com/office/drawing/2014/main" id="{4757F13A-6241-4299-9829-C8A70499FF23}"/>
                 </a:ext>
               </a:extLst>
             </p:cNvPr>
@@ -19078,7 +19053,7 @@
           <p:cNvPr id="18" name="TextBox 17">
             <a:extLst>
               <a:ext uri="{FF2B5EF4-FFF2-40B4-BE49-F238E27FC236}">
-                <a16:creationId xmlns:a16="http://schemas.microsoft.com/office/drawing/2014/main" xmlns="" id="{49213482-61DE-4E6A-923C-D45CD14DD772}"/>
+                <a16:creationId xmlns="" xmlns:a16="http://schemas.microsoft.com/office/drawing/2014/main" id="{49213482-61DE-4E6A-923C-D45CD14DD772}"/>
               </a:ext>
             </a:extLst>
           </p:cNvPr>
@@ -19113,7 +19088,7 @@
           <p:cNvPr id="19" name="TextBox 18">
             <a:extLst>
               <a:ext uri="{FF2B5EF4-FFF2-40B4-BE49-F238E27FC236}">
-                <a16:creationId xmlns:a16="http://schemas.microsoft.com/office/drawing/2014/main" xmlns="" id="{26382464-B130-418C-826B-FCE1564D90CF}"/>
+                <a16:creationId xmlns="" xmlns:a16="http://schemas.microsoft.com/office/drawing/2014/main" id="{26382464-B130-418C-826B-FCE1564D90CF}"/>
               </a:ext>
             </a:extLst>
           </p:cNvPr>
@@ -19148,7 +19123,7 @@
           <p:cNvPr id="20" name="TextBox 19">
             <a:extLst>
               <a:ext uri="{FF2B5EF4-FFF2-40B4-BE49-F238E27FC236}">
-                <a16:creationId xmlns:a16="http://schemas.microsoft.com/office/drawing/2014/main" xmlns="" id="{DD390C99-FD0D-4FFA-9936-058FE9FC4932}"/>
+                <a16:creationId xmlns="" xmlns:a16="http://schemas.microsoft.com/office/drawing/2014/main" id="{DD390C99-FD0D-4FFA-9936-058FE9FC4932}"/>
               </a:ext>
             </a:extLst>
           </p:cNvPr>
@@ -19183,7 +19158,7 @@
           <p:cNvPr id="21" name="TextBox 20">
             <a:extLst>
               <a:ext uri="{FF2B5EF4-FFF2-40B4-BE49-F238E27FC236}">
-                <a16:creationId xmlns:a16="http://schemas.microsoft.com/office/drawing/2014/main" xmlns="" id="{734B1D83-C646-4FC5-B231-EB30686F8E0F}"/>
+                <a16:creationId xmlns="" xmlns:a16="http://schemas.microsoft.com/office/drawing/2014/main" id="{734B1D83-C646-4FC5-B231-EB30686F8E0F}"/>
               </a:ext>
             </a:extLst>
           </p:cNvPr>
@@ -19216,7 +19191,7 @@
     </p:spTree>
     <p:extLst>
       <p:ext uri="{BB962C8B-B14F-4D97-AF65-F5344CB8AC3E}">
-        <p14:creationId xmlns:p14="http://schemas.microsoft.com/office/powerpoint/2010/main" xmlns="" val="1466513621"/>
+        <p14:creationId xmlns="" xmlns:p14="http://schemas.microsoft.com/office/powerpoint/2010/main" val="1466513621"/>
       </p:ext>
     </p:extLst>
   </p:cSld>
@@ -19368,7 +19343,7 @@
           <p:cNvPr id="5" name="Straight Connector 4">
             <a:extLst>
               <a:ext uri="{FF2B5EF4-FFF2-40B4-BE49-F238E27FC236}">
-                <a16:creationId xmlns:a16="http://schemas.microsoft.com/office/drawing/2014/main" xmlns="" id="{E22AD152-70BD-4229-B8BC-C60DBA0179DC}"/>
+                <a16:creationId xmlns="" xmlns:a16="http://schemas.microsoft.com/office/drawing/2014/main" id="{E22AD152-70BD-4229-B8BC-C60DBA0179DC}"/>
               </a:ext>
             </a:extLst>
           </p:cNvPr>
@@ -19412,7 +19387,7 @@
           <p:cNvPr id="9" name="Oval 8">
             <a:extLst>
               <a:ext uri="{FF2B5EF4-FFF2-40B4-BE49-F238E27FC236}">
-                <a16:creationId xmlns:a16="http://schemas.microsoft.com/office/drawing/2014/main" xmlns="" id="{8F37EFB2-5530-4905-AC70-3DB832BEDBD3}"/>
+                <a16:creationId xmlns="" xmlns:a16="http://schemas.microsoft.com/office/drawing/2014/main" id="{8F37EFB2-5530-4905-AC70-3DB832BEDBD3}"/>
               </a:ext>
             </a:extLst>
           </p:cNvPr>
@@ -19466,7 +19441,7 @@
           <p:cNvPr id="13" name="Oval 12">
             <a:extLst>
               <a:ext uri="{FF2B5EF4-FFF2-40B4-BE49-F238E27FC236}">
-                <a16:creationId xmlns:a16="http://schemas.microsoft.com/office/drawing/2014/main" xmlns="" id="{5BC6BE35-425F-46E5-A8D6-F89BE4A3F589}"/>
+                <a16:creationId xmlns="" xmlns:a16="http://schemas.microsoft.com/office/drawing/2014/main" id="{5BC6BE35-425F-46E5-A8D6-F89BE4A3F589}"/>
               </a:ext>
             </a:extLst>
           </p:cNvPr>
@@ -19520,7 +19495,7 @@
           <p:cNvPr id="14" name="Straight Connector 13">
             <a:extLst>
               <a:ext uri="{FF2B5EF4-FFF2-40B4-BE49-F238E27FC236}">
-                <a16:creationId xmlns:a16="http://schemas.microsoft.com/office/drawing/2014/main" xmlns="" id="{E08E1825-7573-4055-8192-47D6B83231F8}"/>
+                <a16:creationId xmlns="" xmlns:a16="http://schemas.microsoft.com/office/drawing/2014/main" id="{E08E1825-7573-4055-8192-47D6B83231F8}"/>
               </a:ext>
             </a:extLst>
           </p:cNvPr>
@@ -19564,7 +19539,7 @@
           <p:cNvPr id="15" name="Oval 14">
             <a:extLst>
               <a:ext uri="{FF2B5EF4-FFF2-40B4-BE49-F238E27FC236}">
-                <a16:creationId xmlns:a16="http://schemas.microsoft.com/office/drawing/2014/main" xmlns="" id="{C673D449-E9F2-45B7-B214-F7B45D5D5782}"/>
+                <a16:creationId xmlns="" xmlns:a16="http://schemas.microsoft.com/office/drawing/2014/main" id="{C673D449-E9F2-45B7-B214-F7B45D5D5782}"/>
               </a:ext>
             </a:extLst>
           </p:cNvPr>
@@ -19618,7 +19593,7 @@
           <p:cNvPr id="16" name="Straight Connector 15">
             <a:extLst>
               <a:ext uri="{FF2B5EF4-FFF2-40B4-BE49-F238E27FC236}">
-                <a16:creationId xmlns:a16="http://schemas.microsoft.com/office/drawing/2014/main" xmlns="" id="{3ADFF745-E739-4A17-9B00-D0C907ECDF07}"/>
+                <a16:creationId xmlns="" xmlns:a16="http://schemas.microsoft.com/office/drawing/2014/main" id="{3ADFF745-E739-4A17-9B00-D0C907ECDF07}"/>
               </a:ext>
             </a:extLst>
           </p:cNvPr>
@@ -19664,7 +19639,7 @@
           <p:cNvPr id="17" name="Oval 16">
             <a:extLst>
               <a:ext uri="{FF2B5EF4-FFF2-40B4-BE49-F238E27FC236}">
-                <a16:creationId xmlns:a16="http://schemas.microsoft.com/office/drawing/2014/main" xmlns="" id="{4757F13A-6241-4299-9829-C8A70499FF23}"/>
+                <a16:creationId xmlns="" xmlns:a16="http://schemas.microsoft.com/office/drawing/2014/main" id="{4757F13A-6241-4299-9829-C8A70499FF23}"/>
               </a:ext>
             </a:extLst>
           </p:cNvPr>
@@ -19718,7 +19693,7 @@
           <p:cNvPr id="18" name="TextBox 17">
             <a:extLst>
               <a:ext uri="{FF2B5EF4-FFF2-40B4-BE49-F238E27FC236}">
-                <a16:creationId xmlns:a16="http://schemas.microsoft.com/office/drawing/2014/main" xmlns="" id="{49213482-61DE-4E6A-923C-D45CD14DD772}"/>
+                <a16:creationId xmlns="" xmlns:a16="http://schemas.microsoft.com/office/drawing/2014/main" id="{49213482-61DE-4E6A-923C-D45CD14DD772}"/>
               </a:ext>
             </a:extLst>
           </p:cNvPr>
@@ -19753,7 +19728,7 @@
           <p:cNvPr id="19" name="TextBox 18">
             <a:extLst>
               <a:ext uri="{FF2B5EF4-FFF2-40B4-BE49-F238E27FC236}">
-                <a16:creationId xmlns:a16="http://schemas.microsoft.com/office/drawing/2014/main" xmlns="" id="{26382464-B130-418C-826B-FCE1564D90CF}"/>
+                <a16:creationId xmlns="" xmlns:a16="http://schemas.microsoft.com/office/drawing/2014/main" id="{26382464-B130-418C-826B-FCE1564D90CF}"/>
               </a:ext>
             </a:extLst>
           </p:cNvPr>
@@ -19788,7 +19763,7 @@
           <p:cNvPr id="20" name="TextBox 19">
             <a:extLst>
               <a:ext uri="{FF2B5EF4-FFF2-40B4-BE49-F238E27FC236}">
-                <a16:creationId xmlns:a16="http://schemas.microsoft.com/office/drawing/2014/main" xmlns="" id="{DD390C99-FD0D-4FFA-9936-058FE9FC4932}"/>
+                <a16:creationId xmlns="" xmlns:a16="http://schemas.microsoft.com/office/drawing/2014/main" id="{DD390C99-FD0D-4FFA-9936-058FE9FC4932}"/>
               </a:ext>
             </a:extLst>
           </p:cNvPr>
@@ -19823,7 +19798,7 @@
           <p:cNvPr id="21" name="TextBox 20">
             <a:extLst>
               <a:ext uri="{FF2B5EF4-FFF2-40B4-BE49-F238E27FC236}">
-                <a16:creationId xmlns:a16="http://schemas.microsoft.com/office/drawing/2014/main" xmlns="" id="{734B1D83-C646-4FC5-B231-EB30686F8E0F}"/>
+                <a16:creationId xmlns="" xmlns:a16="http://schemas.microsoft.com/office/drawing/2014/main" id="{734B1D83-C646-4FC5-B231-EB30686F8E0F}"/>
               </a:ext>
             </a:extLst>
           </p:cNvPr>
@@ -19858,7 +19833,7 @@
           <p:cNvPr id="22" name="Straight Connector 21">
             <a:extLst>
               <a:ext uri="{FF2B5EF4-FFF2-40B4-BE49-F238E27FC236}">
-                <a16:creationId xmlns:a16="http://schemas.microsoft.com/office/drawing/2014/main" xmlns="" id="{489F4072-AC12-4534-9FC1-B1BF9DFC4213}"/>
+                <a16:creationId xmlns="" xmlns:a16="http://schemas.microsoft.com/office/drawing/2014/main" id="{489F4072-AC12-4534-9FC1-B1BF9DFC4213}"/>
               </a:ext>
             </a:extLst>
           </p:cNvPr>
@@ -19904,7 +19879,7 @@
           <p:cNvPr id="23" name="Oval 22">
             <a:extLst>
               <a:ext uri="{FF2B5EF4-FFF2-40B4-BE49-F238E27FC236}">
-                <a16:creationId xmlns:a16="http://schemas.microsoft.com/office/drawing/2014/main" xmlns="" id="{BC70D42B-C0C9-4C4D-A417-570AFB319A8D}"/>
+                <a16:creationId xmlns="" xmlns:a16="http://schemas.microsoft.com/office/drawing/2014/main" id="{BC70D42B-C0C9-4C4D-A417-570AFB319A8D}"/>
               </a:ext>
             </a:extLst>
           </p:cNvPr>
@@ -19958,7 +19933,7 @@
           <p:cNvPr id="24" name="TextBox 23">
             <a:extLst>
               <a:ext uri="{FF2B5EF4-FFF2-40B4-BE49-F238E27FC236}">
-                <a16:creationId xmlns:a16="http://schemas.microsoft.com/office/drawing/2014/main" xmlns="" id="{445DDA8A-C75E-4606-ADD3-DAADFB8F7B23}"/>
+                <a16:creationId xmlns="" xmlns:a16="http://schemas.microsoft.com/office/drawing/2014/main" id="{445DDA8A-C75E-4606-ADD3-DAADFB8F7B23}"/>
               </a:ext>
             </a:extLst>
           </p:cNvPr>
@@ -19993,7 +19968,7 @@
           <p:cNvPr id="25" name="Straight Connector 24">
             <a:extLst>
               <a:ext uri="{FF2B5EF4-FFF2-40B4-BE49-F238E27FC236}">
-                <a16:creationId xmlns:a16="http://schemas.microsoft.com/office/drawing/2014/main" xmlns="" id="{3F40EC89-C0D5-4DD8-85F5-44FBCB69B00D}"/>
+                <a16:creationId xmlns="" xmlns:a16="http://schemas.microsoft.com/office/drawing/2014/main" id="{3F40EC89-C0D5-4DD8-85F5-44FBCB69B00D}"/>
               </a:ext>
             </a:extLst>
           </p:cNvPr>
@@ -20038,7 +20013,7 @@
           <p:cNvPr id="26" name="Oval 25">
             <a:extLst>
               <a:ext uri="{FF2B5EF4-FFF2-40B4-BE49-F238E27FC236}">
-                <a16:creationId xmlns:a16="http://schemas.microsoft.com/office/drawing/2014/main" xmlns="" id="{2E65D98B-A8D1-479B-9572-AF77672E1910}"/>
+                <a16:creationId xmlns="" xmlns:a16="http://schemas.microsoft.com/office/drawing/2014/main" id="{2E65D98B-A8D1-479B-9572-AF77672E1910}"/>
               </a:ext>
             </a:extLst>
           </p:cNvPr>
@@ -20092,7 +20067,7 @@
           <p:cNvPr id="27" name="TextBox 26">
             <a:extLst>
               <a:ext uri="{FF2B5EF4-FFF2-40B4-BE49-F238E27FC236}">
-                <a16:creationId xmlns:a16="http://schemas.microsoft.com/office/drawing/2014/main" xmlns="" id="{FFEB9FFF-1093-4D62-8CEA-8E02B2601C0A}"/>
+                <a16:creationId xmlns="" xmlns:a16="http://schemas.microsoft.com/office/drawing/2014/main" id="{FFEB9FFF-1093-4D62-8CEA-8E02B2601C0A}"/>
               </a:ext>
             </a:extLst>
           </p:cNvPr>
@@ -20127,7 +20102,7 @@
           <p:cNvPr id="29" name="Straight Connector 28">
             <a:extLst>
               <a:ext uri="{FF2B5EF4-FFF2-40B4-BE49-F238E27FC236}">
-                <a16:creationId xmlns:a16="http://schemas.microsoft.com/office/drawing/2014/main" xmlns="" id="{C6E6BE03-BA1D-466A-B235-E8A08ADCF63A}"/>
+                <a16:creationId xmlns="" xmlns:a16="http://schemas.microsoft.com/office/drawing/2014/main" id="{C6E6BE03-BA1D-466A-B235-E8A08ADCF63A}"/>
               </a:ext>
             </a:extLst>
           </p:cNvPr>
@@ -20173,7 +20148,7 @@
           <p:cNvPr id="32" name="TextBox 31">
             <a:extLst>
               <a:ext uri="{FF2B5EF4-FFF2-40B4-BE49-F238E27FC236}">
-                <a16:creationId xmlns:a16="http://schemas.microsoft.com/office/drawing/2014/main" xmlns="" id="{C4298F22-065E-414F-AFBB-57F796813A07}"/>
+                <a16:creationId xmlns="" xmlns:a16="http://schemas.microsoft.com/office/drawing/2014/main" id="{C4298F22-065E-414F-AFBB-57F796813A07}"/>
               </a:ext>
             </a:extLst>
           </p:cNvPr>
@@ -20226,7 +20201,7 @@
           <p:cNvPr id="43" name="Straight Connector 42">
             <a:extLst>
               <a:ext uri="{FF2B5EF4-FFF2-40B4-BE49-F238E27FC236}">
-                <a16:creationId xmlns:a16="http://schemas.microsoft.com/office/drawing/2014/main" xmlns="" id="{A1F168A8-02B5-4AE4-8F66-11F122707D20}"/>
+                <a16:creationId xmlns="" xmlns:a16="http://schemas.microsoft.com/office/drawing/2014/main" id="{A1F168A8-02B5-4AE4-8F66-11F122707D20}"/>
               </a:ext>
             </a:extLst>
           </p:cNvPr>
@@ -20271,7 +20246,7 @@
           <p:cNvPr id="44" name="Straight Connector 43">
             <a:extLst>
               <a:ext uri="{FF2B5EF4-FFF2-40B4-BE49-F238E27FC236}">
-                <a16:creationId xmlns:a16="http://schemas.microsoft.com/office/drawing/2014/main" xmlns="" id="{2180B4B6-B12C-441B-A217-0790B438F0DF}"/>
+                <a16:creationId xmlns="" xmlns:a16="http://schemas.microsoft.com/office/drawing/2014/main" id="{2180B4B6-B12C-441B-A217-0790B438F0DF}"/>
               </a:ext>
             </a:extLst>
           </p:cNvPr>
@@ -20312,7 +20287,7 @@
     </p:spTree>
     <p:extLst>
       <p:ext uri="{BB962C8B-B14F-4D97-AF65-F5344CB8AC3E}">
-        <p14:creationId xmlns:p14="http://schemas.microsoft.com/office/powerpoint/2010/main" xmlns="" val="1122724827"/>
+        <p14:creationId xmlns="" xmlns:p14="http://schemas.microsoft.com/office/powerpoint/2010/main" val="1122724827"/>
       </p:ext>
     </p:extLst>
   </p:cSld>
@@ -20482,7 +20457,7 @@
     </p:spTree>
     <p:extLst>
       <p:ext uri="{BB962C8B-B14F-4D97-AF65-F5344CB8AC3E}">
-        <p14:creationId xmlns:p14="http://schemas.microsoft.com/office/powerpoint/2010/main" xmlns="" val="2984860310"/>
+        <p14:creationId xmlns="" xmlns:p14="http://schemas.microsoft.com/office/powerpoint/2010/main" val="2984860310"/>
       </p:ext>
     </p:extLst>
   </p:cSld>
@@ -20633,7 +20608,7 @@
           <p:cNvPr id="5" name="Straight Connector 4">
             <a:extLst>
               <a:ext uri="{FF2B5EF4-FFF2-40B4-BE49-F238E27FC236}">
-                <a16:creationId xmlns:a16="http://schemas.microsoft.com/office/drawing/2014/main" xmlns="" id="{E22AD152-70BD-4229-B8BC-C60DBA0179DC}"/>
+                <a16:creationId xmlns="" xmlns:a16="http://schemas.microsoft.com/office/drawing/2014/main" id="{E22AD152-70BD-4229-B8BC-C60DBA0179DC}"/>
               </a:ext>
             </a:extLst>
           </p:cNvPr>
@@ -20677,7 +20652,7 @@
           <p:cNvPr id="9" name="Oval 8">
             <a:extLst>
               <a:ext uri="{FF2B5EF4-FFF2-40B4-BE49-F238E27FC236}">
-                <a16:creationId xmlns:a16="http://schemas.microsoft.com/office/drawing/2014/main" xmlns="" id="{8F37EFB2-5530-4905-AC70-3DB832BEDBD3}"/>
+                <a16:creationId xmlns="" xmlns:a16="http://schemas.microsoft.com/office/drawing/2014/main" id="{8F37EFB2-5530-4905-AC70-3DB832BEDBD3}"/>
               </a:ext>
             </a:extLst>
           </p:cNvPr>
@@ -20731,7 +20706,7 @@
           <p:cNvPr id="13" name="Oval 12">
             <a:extLst>
               <a:ext uri="{FF2B5EF4-FFF2-40B4-BE49-F238E27FC236}">
-                <a16:creationId xmlns:a16="http://schemas.microsoft.com/office/drawing/2014/main" xmlns="" id="{5BC6BE35-425F-46E5-A8D6-F89BE4A3F589}"/>
+                <a16:creationId xmlns="" xmlns:a16="http://schemas.microsoft.com/office/drawing/2014/main" id="{5BC6BE35-425F-46E5-A8D6-F89BE4A3F589}"/>
               </a:ext>
             </a:extLst>
           </p:cNvPr>
@@ -20785,7 +20760,7 @@
           <p:cNvPr id="14" name="Straight Connector 13">
             <a:extLst>
               <a:ext uri="{FF2B5EF4-FFF2-40B4-BE49-F238E27FC236}">
-                <a16:creationId xmlns:a16="http://schemas.microsoft.com/office/drawing/2014/main" xmlns="" id="{E08E1825-7573-4055-8192-47D6B83231F8}"/>
+                <a16:creationId xmlns="" xmlns:a16="http://schemas.microsoft.com/office/drawing/2014/main" id="{E08E1825-7573-4055-8192-47D6B83231F8}"/>
               </a:ext>
             </a:extLst>
           </p:cNvPr>
@@ -20829,7 +20804,7 @@
           <p:cNvPr id="15" name="Oval 14">
             <a:extLst>
               <a:ext uri="{FF2B5EF4-FFF2-40B4-BE49-F238E27FC236}">
-                <a16:creationId xmlns:a16="http://schemas.microsoft.com/office/drawing/2014/main" xmlns="" id="{C673D449-E9F2-45B7-B214-F7B45D5D5782}"/>
+                <a16:creationId xmlns="" xmlns:a16="http://schemas.microsoft.com/office/drawing/2014/main" id="{C673D449-E9F2-45B7-B214-F7B45D5D5782}"/>
               </a:ext>
             </a:extLst>
           </p:cNvPr>
@@ -20883,7 +20858,7 @@
           <p:cNvPr id="18" name="TextBox 17">
             <a:extLst>
               <a:ext uri="{FF2B5EF4-FFF2-40B4-BE49-F238E27FC236}">
-                <a16:creationId xmlns:a16="http://schemas.microsoft.com/office/drawing/2014/main" xmlns="" id="{49213482-61DE-4E6A-923C-D45CD14DD772}"/>
+                <a16:creationId xmlns="" xmlns:a16="http://schemas.microsoft.com/office/drawing/2014/main" id="{49213482-61DE-4E6A-923C-D45CD14DD772}"/>
               </a:ext>
             </a:extLst>
           </p:cNvPr>
@@ -20918,7 +20893,7 @@
           <p:cNvPr id="19" name="TextBox 18">
             <a:extLst>
               <a:ext uri="{FF2B5EF4-FFF2-40B4-BE49-F238E27FC236}">
-                <a16:creationId xmlns:a16="http://schemas.microsoft.com/office/drawing/2014/main" xmlns="" id="{26382464-B130-418C-826B-FCE1564D90CF}"/>
+                <a16:creationId xmlns="" xmlns:a16="http://schemas.microsoft.com/office/drawing/2014/main" id="{26382464-B130-418C-826B-FCE1564D90CF}"/>
               </a:ext>
             </a:extLst>
           </p:cNvPr>
@@ -20953,7 +20928,7 @@
           <p:cNvPr id="20" name="TextBox 19">
             <a:extLst>
               <a:ext uri="{FF2B5EF4-FFF2-40B4-BE49-F238E27FC236}">
-                <a16:creationId xmlns:a16="http://schemas.microsoft.com/office/drawing/2014/main" xmlns="" id="{DD390C99-FD0D-4FFA-9936-058FE9FC4932}"/>
+                <a16:creationId xmlns="" xmlns:a16="http://schemas.microsoft.com/office/drawing/2014/main" id="{DD390C99-FD0D-4FFA-9936-058FE9FC4932}"/>
               </a:ext>
             </a:extLst>
           </p:cNvPr>
@@ -20988,7 +20963,7 @@
           <p:cNvPr id="22" name="Straight Connector 21">
             <a:extLst>
               <a:ext uri="{FF2B5EF4-FFF2-40B4-BE49-F238E27FC236}">
-                <a16:creationId xmlns:a16="http://schemas.microsoft.com/office/drawing/2014/main" xmlns="" id="{489F4072-AC12-4534-9FC1-B1BF9DFC4213}"/>
+                <a16:creationId xmlns="" xmlns:a16="http://schemas.microsoft.com/office/drawing/2014/main" id="{489F4072-AC12-4534-9FC1-B1BF9DFC4213}"/>
               </a:ext>
             </a:extLst>
           </p:cNvPr>
@@ -21034,7 +21009,7 @@
           <p:cNvPr id="50" name="Group 49">
             <a:extLst>
               <a:ext uri="{FF2B5EF4-FFF2-40B4-BE49-F238E27FC236}">
-                <a16:creationId xmlns:a16="http://schemas.microsoft.com/office/drawing/2014/main" xmlns="" id="{69D37D2E-64FC-4E06-AB29-38DBF169C493}"/>
+                <a16:creationId xmlns="" xmlns:a16="http://schemas.microsoft.com/office/drawing/2014/main" id="{69D37D2E-64FC-4E06-AB29-38DBF169C493}"/>
               </a:ext>
             </a:extLst>
           </p:cNvPr>
@@ -21054,7 +21029,7 @@
             <p:cNvPr id="23" name="Oval 22">
               <a:extLst>
                 <a:ext uri="{FF2B5EF4-FFF2-40B4-BE49-F238E27FC236}">
-                  <a16:creationId xmlns:a16="http://schemas.microsoft.com/office/drawing/2014/main" xmlns="" id="{BC70D42B-C0C9-4C4D-A417-570AFB319A8D}"/>
+                  <a16:creationId xmlns="" xmlns:a16="http://schemas.microsoft.com/office/drawing/2014/main" id="{BC70D42B-C0C9-4C4D-A417-570AFB319A8D}"/>
                 </a:ext>
               </a:extLst>
             </p:cNvPr>
@@ -21108,7 +21083,7 @@
             <p:cNvPr id="24" name="TextBox 23">
               <a:extLst>
                 <a:ext uri="{FF2B5EF4-FFF2-40B4-BE49-F238E27FC236}">
-                  <a16:creationId xmlns:a16="http://schemas.microsoft.com/office/drawing/2014/main" xmlns="" id="{445DDA8A-C75E-4606-ADD3-DAADFB8F7B23}"/>
+                  <a16:creationId xmlns="" xmlns:a16="http://schemas.microsoft.com/office/drawing/2014/main" id="{445DDA8A-C75E-4606-ADD3-DAADFB8F7B23}"/>
                 </a:ext>
               </a:extLst>
             </p:cNvPr>
@@ -21144,7 +21119,7 @@
           <p:cNvPr id="25" name="Straight Connector 24">
             <a:extLst>
               <a:ext uri="{FF2B5EF4-FFF2-40B4-BE49-F238E27FC236}">
-                <a16:creationId xmlns:a16="http://schemas.microsoft.com/office/drawing/2014/main" xmlns="" id="{3F40EC89-C0D5-4DD8-85F5-44FBCB69B00D}"/>
+                <a16:creationId xmlns="" xmlns:a16="http://schemas.microsoft.com/office/drawing/2014/main" id="{3F40EC89-C0D5-4DD8-85F5-44FBCB69B00D}"/>
               </a:ext>
             </a:extLst>
           </p:cNvPr>
@@ -21190,7 +21165,7 @@
           <p:cNvPr id="31" name="Group 30">
             <a:extLst>
               <a:ext uri="{FF2B5EF4-FFF2-40B4-BE49-F238E27FC236}">
-                <a16:creationId xmlns:a16="http://schemas.microsoft.com/office/drawing/2014/main" xmlns="" id="{34D17B67-032B-4939-BF41-B15BBEBA20B3}"/>
+                <a16:creationId xmlns="" xmlns:a16="http://schemas.microsoft.com/office/drawing/2014/main" id="{34D17B67-032B-4939-BF41-B15BBEBA20B3}"/>
               </a:ext>
             </a:extLst>
           </p:cNvPr>
@@ -21210,7 +21185,7 @@
             <p:cNvPr id="26" name="Oval 25">
               <a:extLst>
                 <a:ext uri="{FF2B5EF4-FFF2-40B4-BE49-F238E27FC236}">
-                  <a16:creationId xmlns:a16="http://schemas.microsoft.com/office/drawing/2014/main" xmlns="" id="{2E65D98B-A8D1-479B-9572-AF77672E1910}"/>
+                  <a16:creationId xmlns="" xmlns:a16="http://schemas.microsoft.com/office/drawing/2014/main" id="{2E65D98B-A8D1-479B-9572-AF77672E1910}"/>
                 </a:ext>
               </a:extLst>
             </p:cNvPr>
@@ -21264,7 +21239,7 @@
             <p:cNvPr id="27" name="TextBox 26">
               <a:extLst>
                 <a:ext uri="{FF2B5EF4-FFF2-40B4-BE49-F238E27FC236}">
-                  <a16:creationId xmlns:a16="http://schemas.microsoft.com/office/drawing/2014/main" xmlns="" id="{FFEB9FFF-1093-4D62-8CEA-8E02B2601C0A}"/>
+                  <a16:creationId xmlns="" xmlns:a16="http://schemas.microsoft.com/office/drawing/2014/main" id="{FFEB9FFF-1093-4D62-8CEA-8E02B2601C0A}"/>
                 </a:ext>
               </a:extLst>
             </p:cNvPr>
@@ -21298,7 +21273,7 @@
     </p:spTree>
     <p:extLst>
       <p:ext uri="{BB962C8B-B14F-4D97-AF65-F5344CB8AC3E}">
-        <p14:creationId xmlns:p14="http://schemas.microsoft.com/office/powerpoint/2010/main" xmlns="" val="2194536699"/>
+        <p14:creationId xmlns="" xmlns:p14="http://schemas.microsoft.com/office/powerpoint/2010/main" val="2194536699"/>
       </p:ext>
     </p:extLst>
   </p:cSld>
@@ -21597,7 +21572,7 @@
   <a:extraClrSchemeLst/>
   <a:extLst>
     <a:ext uri="{05A4C25C-085E-4340-85A3-A5531E510DB2}">
-      <thm15:themeFamily xmlns:thm15="http://schemas.microsoft.com/office/thememl/2012/main" xmlns="" name="eye_tracker_presentation" id="{00ED1D97-A04B-46A0-BB71-88655A6B057F}" vid="{F36189FA-3966-4852-951E-5734674D1C7B}"/>
+      <thm15:themeFamily xmlns="" xmlns:thm15="http://schemas.microsoft.com/office/thememl/2012/main" name="eye_tracker_presentation" id="{00ED1D97-A04B-46A0-BB71-88655A6B057F}" vid="{F36189FA-3966-4852-951E-5734674D1C7B}"/>
     </a:ext>
   </a:extLst>
 </a:theme>
@@ -21892,7 +21867,7 @@
   <a:extraClrSchemeLst/>
   <a:extLst>
     <a:ext uri="{05A4C25C-085E-4340-85A3-A5531E510DB2}">
-      <thm15:themeFamily xmlns:thm15="http://schemas.microsoft.com/office/thememl/2012/main" xmlns="" name="Office Theme" id="{62F939B6-93AF-4DB8-9C6B-D6C7DFDC589F}" vid="{4A3C46E8-61CC-4603-A589-7422A47A8E4A}"/>
+      <thm15:themeFamily xmlns="" xmlns:thm15="http://schemas.microsoft.com/office/thememl/2012/main" name="Office Theme" id="{62F939B6-93AF-4DB8-9C6B-D6C7DFDC589F}" vid="{4A3C46E8-61CC-4603-A589-7422A47A8E4A}"/>
     </a:ext>
   </a:extLst>
 </a:theme>
